--- a/figures/taxonomy.pptx
+++ b/figures/taxonomy.pptx
@@ -8,11 +8,11 @@
     <p:notesMasterId r:id="rId7"/>
   </p:notesMasterIdLst>
   <p:sldIdLst>
-    <p:sldId id="256" r:id="rId2"/>
-    <p:sldId id="257" r:id="rId3"/>
-    <p:sldId id="258" r:id="rId4"/>
-    <p:sldId id="259" r:id="rId5"/>
-    <p:sldId id="260" r:id="rId6"/>
+    <p:sldId id="257" r:id="rId2"/>
+    <p:sldId id="258" r:id="rId3"/>
+    <p:sldId id="259" r:id="rId4"/>
+    <p:sldId id="260" r:id="rId5"/>
+    <p:sldId id="261" r:id="rId6"/>
   </p:sldIdLst>
   <p:sldSz cx="12192000" cy="6858000"/>
   <p:notesSz cx="6858000" cy="9144000"/>
@@ -201,7 +201,7 @@
           <a:p>
             <a:fld id="{0D55BE89-D7D9-46DA-844D-6941724E15AE}" type="datetimeFigureOut">
               <a:rPr lang="zh-CN" altLang="en-US" smtClean="0"/>
-              <a:t>2015/6/1</a:t>
+              <a:t>2015/6/29</a:t>
             </a:fld>
             <a:endParaRPr lang="zh-CN" altLang="en-US"/>
           </a:p>
@@ -469,90 +469,6 @@
 </p:notesMaster>
 </file>
 
-<file path=ppt/notesSlides/notesSlide1.xml><?xml version="1.0" encoding="utf-8"?>
-<p:notes xmlns:a="http://schemas.openxmlformats.org/drawingml/2006/main" xmlns:r="http://schemas.openxmlformats.org/officeDocument/2006/relationships" xmlns:p="http://schemas.openxmlformats.org/presentationml/2006/main">
-  <p:cSld>
-    <p:spTree>
-      <p:nvGrpSpPr>
-        <p:cNvPr id="1" name=""/>
-        <p:cNvGrpSpPr/>
-        <p:nvPr/>
-      </p:nvGrpSpPr>
-      <p:grpSpPr>
-        <a:xfrm>
-          <a:off x="0" y="0"/>
-          <a:ext cx="0" cy="0"/>
-          <a:chOff x="0" y="0"/>
-          <a:chExt cx="0" cy="0"/>
-        </a:xfrm>
-      </p:grpSpPr>
-      <p:sp>
-        <p:nvSpPr>
-          <p:cNvPr id="2" name="幻灯片图像占位符 1"/>
-          <p:cNvSpPr>
-            <a:spLocks noGrp="1" noRot="1" noChangeAspect="1"/>
-          </p:cNvSpPr>
-          <p:nvPr>
-            <p:ph type="sldImg"/>
-          </p:nvPr>
-        </p:nvSpPr>
-        <p:spPr/>
-      </p:sp>
-      <p:sp>
-        <p:nvSpPr>
-          <p:cNvPr id="3" name="备注占位符 2"/>
-          <p:cNvSpPr>
-            <a:spLocks noGrp="1"/>
-          </p:cNvSpPr>
-          <p:nvPr>
-            <p:ph type="body" idx="1"/>
-          </p:nvPr>
-        </p:nvSpPr>
-        <p:spPr/>
-        <p:txBody>
-          <a:bodyPr/>
-          <a:lstStyle/>
-          <a:p>
-            <a:endParaRPr lang="zh-CN" altLang="en-US" dirty="0"/>
-          </a:p>
-        </p:txBody>
-      </p:sp>
-      <p:sp>
-        <p:nvSpPr>
-          <p:cNvPr id="4" name="灯片编号占位符 3"/>
-          <p:cNvSpPr>
-            <a:spLocks noGrp="1"/>
-          </p:cNvSpPr>
-          <p:nvPr>
-            <p:ph type="sldNum" sz="quarter" idx="10"/>
-          </p:nvPr>
-        </p:nvSpPr>
-        <p:spPr/>
-        <p:txBody>
-          <a:bodyPr/>
-          <a:lstStyle/>
-          <a:p>
-            <a:fld id="{48358376-8DE2-4090-B8EA-EB486D5AC54E}" type="slidenum">
-              <a:rPr lang="zh-CN" altLang="en-US" smtClean="0"/>
-              <a:t>1</a:t>
-            </a:fld>
-            <a:endParaRPr lang="zh-CN" altLang="en-US"/>
-          </a:p>
-        </p:txBody>
-      </p:sp>
-    </p:spTree>
-    <p:extLst>
-      <p:ext uri="{BB962C8B-B14F-4D97-AF65-F5344CB8AC3E}">
-        <p14:creationId xmlns:p14="http://schemas.microsoft.com/office/powerpoint/2010/main" val="4230115888"/>
-      </p:ext>
-    </p:extLst>
-  </p:cSld>
-  <p:clrMapOvr>
-    <a:masterClrMapping/>
-  </p:clrMapOvr>
-</p:notes>
-</file>
-
 <file path=ppt/slideLayouts/slideLayout1.xml><?xml version="1.0" encoding="utf-8"?>
 <p:sldLayout xmlns:a="http://schemas.openxmlformats.org/drawingml/2006/main" xmlns:r="http://schemas.openxmlformats.org/officeDocument/2006/relationships" xmlns:p="http://schemas.openxmlformats.org/presentationml/2006/main" type="title" preserve="1">
   <p:cSld name="标题幻灯片">
@@ -684,7 +600,7 @@
           <a:p>
             <a:fld id="{E874AFEE-2C2F-4B0D-A59D-72CFE7C0C765}" type="datetimeFigureOut">
               <a:rPr lang="zh-CN" altLang="en-US" smtClean="0"/>
-              <a:t>2015/6/1</a:t>
+              <a:t>2015/6/29</a:t>
             </a:fld>
             <a:endParaRPr lang="zh-CN" altLang="en-US"/>
           </a:p>
@@ -854,7 +770,7 @@
           <a:p>
             <a:fld id="{E874AFEE-2C2F-4B0D-A59D-72CFE7C0C765}" type="datetimeFigureOut">
               <a:rPr lang="zh-CN" altLang="en-US" smtClean="0"/>
-              <a:t>2015/6/1</a:t>
+              <a:t>2015/6/29</a:t>
             </a:fld>
             <a:endParaRPr lang="zh-CN" altLang="en-US"/>
           </a:p>
@@ -1034,7 +950,7 @@
           <a:p>
             <a:fld id="{E874AFEE-2C2F-4B0D-A59D-72CFE7C0C765}" type="datetimeFigureOut">
               <a:rPr lang="zh-CN" altLang="en-US" smtClean="0"/>
-              <a:t>2015/6/1</a:t>
+              <a:t>2015/6/29</a:t>
             </a:fld>
             <a:endParaRPr lang="zh-CN" altLang="en-US"/>
           </a:p>
@@ -1204,7 +1120,7 @@
           <a:p>
             <a:fld id="{E874AFEE-2C2F-4B0D-A59D-72CFE7C0C765}" type="datetimeFigureOut">
               <a:rPr lang="zh-CN" altLang="en-US" smtClean="0"/>
-              <a:t>2015/6/1</a:t>
+              <a:t>2015/6/29</a:t>
             </a:fld>
             <a:endParaRPr lang="zh-CN" altLang="en-US"/>
           </a:p>
@@ -1450,7 +1366,7 @@
           <a:p>
             <a:fld id="{E874AFEE-2C2F-4B0D-A59D-72CFE7C0C765}" type="datetimeFigureOut">
               <a:rPr lang="zh-CN" altLang="en-US" smtClean="0"/>
-              <a:t>2015/6/1</a:t>
+              <a:t>2015/6/29</a:t>
             </a:fld>
             <a:endParaRPr lang="zh-CN" altLang="en-US"/>
           </a:p>
@@ -1682,7 +1598,7 @@
           <a:p>
             <a:fld id="{E874AFEE-2C2F-4B0D-A59D-72CFE7C0C765}" type="datetimeFigureOut">
               <a:rPr lang="zh-CN" altLang="en-US" smtClean="0"/>
-              <a:t>2015/6/1</a:t>
+              <a:t>2015/6/29</a:t>
             </a:fld>
             <a:endParaRPr lang="zh-CN" altLang="en-US"/>
           </a:p>
@@ -2049,7 +1965,7 @@
           <a:p>
             <a:fld id="{E874AFEE-2C2F-4B0D-A59D-72CFE7C0C765}" type="datetimeFigureOut">
               <a:rPr lang="zh-CN" altLang="en-US" smtClean="0"/>
-              <a:t>2015/6/1</a:t>
+              <a:t>2015/6/29</a:t>
             </a:fld>
             <a:endParaRPr lang="zh-CN" altLang="en-US"/>
           </a:p>
@@ -2167,7 +2083,7 @@
           <a:p>
             <a:fld id="{E874AFEE-2C2F-4B0D-A59D-72CFE7C0C765}" type="datetimeFigureOut">
               <a:rPr lang="zh-CN" altLang="en-US" smtClean="0"/>
-              <a:t>2015/6/1</a:t>
+              <a:t>2015/6/29</a:t>
             </a:fld>
             <a:endParaRPr lang="zh-CN" altLang="en-US"/>
           </a:p>
@@ -2262,7 +2178,7 @@
           <a:p>
             <a:fld id="{E874AFEE-2C2F-4B0D-A59D-72CFE7C0C765}" type="datetimeFigureOut">
               <a:rPr lang="zh-CN" altLang="en-US" smtClean="0"/>
-              <a:t>2015/6/1</a:t>
+              <a:t>2015/6/29</a:t>
             </a:fld>
             <a:endParaRPr lang="zh-CN" altLang="en-US"/>
           </a:p>
@@ -2539,7 +2455,7 @@
           <a:p>
             <a:fld id="{E874AFEE-2C2F-4B0D-A59D-72CFE7C0C765}" type="datetimeFigureOut">
               <a:rPr lang="zh-CN" altLang="en-US" smtClean="0"/>
-              <a:t>2015/6/1</a:t>
+              <a:t>2015/6/29</a:t>
             </a:fld>
             <a:endParaRPr lang="zh-CN" altLang="en-US"/>
           </a:p>
@@ -2792,7 +2708,7 @@
           <a:p>
             <a:fld id="{E874AFEE-2C2F-4B0D-A59D-72CFE7C0C765}" type="datetimeFigureOut">
               <a:rPr lang="zh-CN" altLang="en-US" smtClean="0"/>
-              <a:t>2015/6/1</a:t>
+              <a:t>2015/6/29</a:t>
             </a:fld>
             <a:endParaRPr lang="zh-CN" altLang="en-US"/>
           </a:p>
@@ -3005,7 +2921,7 @@
           <a:p>
             <a:fld id="{E874AFEE-2C2F-4B0D-A59D-72CFE7C0C765}" type="datetimeFigureOut">
               <a:rPr lang="zh-CN" altLang="en-US" smtClean="0"/>
-              <a:t>2015/6/1</a:t>
+              <a:t>2015/6/29</a:t>
             </a:fld>
             <a:endParaRPr lang="zh-CN" altLang="en-US"/>
           </a:p>
@@ -3412,81 +3328,6 @@
       </p:grpSpPr>
       <p:sp>
         <p:nvSpPr>
-          <p:cNvPr id="2" name="标题 1"/>
-          <p:cNvSpPr>
-            <a:spLocks noGrp="1"/>
-          </p:cNvSpPr>
-          <p:nvPr>
-            <p:ph type="ctrTitle"/>
-          </p:nvPr>
-        </p:nvSpPr>
-        <p:spPr/>
-        <p:txBody>
-          <a:bodyPr/>
-          <a:lstStyle/>
-          <a:p>
-            <a:endParaRPr lang="zh-CN" altLang="en-US"/>
-          </a:p>
-        </p:txBody>
-      </p:sp>
-      <p:sp>
-        <p:nvSpPr>
-          <p:cNvPr id="3" name="副标题 2"/>
-          <p:cNvSpPr>
-            <a:spLocks noGrp="1"/>
-          </p:cNvSpPr>
-          <p:nvPr>
-            <p:ph type="subTitle" idx="1"/>
-          </p:nvPr>
-        </p:nvSpPr>
-        <p:spPr/>
-        <p:txBody>
-          <a:bodyPr/>
-          <a:lstStyle/>
-          <a:p>
-            <a:endParaRPr lang="zh-CN" altLang="en-US"/>
-          </a:p>
-        </p:txBody>
-      </p:sp>
-    </p:spTree>
-    <p:extLst>
-      <p:ext uri="{BB962C8B-B14F-4D97-AF65-F5344CB8AC3E}">
-        <p14:creationId xmlns:p14="http://schemas.microsoft.com/office/powerpoint/2010/main" val="1074290780"/>
-      </p:ext>
-    </p:extLst>
-  </p:cSld>
-  <p:clrMapOvr>
-    <a:masterClrMapping/>
-  </p:clrMapOvr>
-  <p:timing>
-    <p:tnLst>
-      <p:par>
-        <p:cTn id="1" dur="indefinite" restart="never" nodeType="tmRoot"/>
-      </p:par>
-    </p:tnLst>
-  </p:timing>
-</p:sld>
-</file>
-
-<file path=ppt/slides/slide2.xml><?xml version="1.0" encoding="utf-8"?>
-<p:sld xmlns:a="http://schemas.openxmlformats.org/drawingml/2006/main" xmlns:r="http://schemas.openxmlformats.org/officeDocument/2006/relationships" xmlns:p="http://schemas.openxmlformats.org/presentationml/2006/main">
-  <p:cSld>
-    <p:spTree>
-      <p:nvGrpSpPr>
-        <p:cNvPr id="1" name=""/>
-        <p:cNvGrpSpPr/>
-        <p:nvPr/>
-      </p:nvGrpSpPr>
-      <p:grpSpPr>
-        <a:xfrm>
-          <a:off x="0" y="0"/>
-          <a:ext cx="0" cy="0"/>
-          <a:chOff x="0" y="0"/>
-          <a:chExt cx="0" cy="0"/>
-        </a:xfrm>
-      </p:grpSpPr>
-      <p:sp>
-        <p:nvSpPr>
           <p:cNvPr id="5" name="文本框 4"/>
           <p:cNvSpPr txBox="1"/>
           <p:nvPr/>
@@ -4996,7 +4837,7 @@
 </p:sld>
 </file>
 
-<file path=ppt/slides/slide3.xml><?xml version="1.0" encoding="utf-8"?>
+<file path=ppt/slides/slide2.xml><?xml version="1.0" encoding="utf-8"?>
 <p:sld xmlns:a="http://schemas.openxmlformats.org/drawingml/2006/main" xmlns:r="http://schemas.openxmlformats.org/officeDocument/2006/relationships" xmlns:p="http://schemas.openxmlformats.org/presentationml/2006/main">
   <p:cSld>
     <p:spTree>
@@ -5359,6 +5200,394 @@
 </p:sld>
 </file>
 
+<file path=ppt/slides/slide3.xml><?xml version="1.0" encoding="utf-8"?>
+<p:sld xmlns:a="http://schemas.openxmlformats.org/drawingml/2006/main" xmlns:r="http://schemas.openxmlformats.org/officeDocument/2006/relationships" xmlns:p="http://schemas.openxmlformats.org/presentationml/2006/main">
+  <p:cSld>
+    <p:spTree>
+      <p:nvGrpSpPr>
+        <p:cNvPr id="1" name=""/>
+        <p:cNvGrpSpPr/>
+        <p:nvPr/>
+      </p:nvGrpSpPr>
+      <p:grpSpPr>
+        <a:xfrm>
+          <a:off x="0" y="0"/>
+          <a:ext cx="0" cy="0"/>
+          <a:chOff x="0" y="0"/>
+          <a:chExt cx="0" cy="0"/>
+        </a:xfrm>
+      </p:grpSpPr>
+      <p:sp>
+        <p:nvSpPr>
+          <p:cNvPr id="4" name="文本框 3"/>
+          <p:cNvSpPr txBox="1"/>
+          <p:nvPr/>
+        </p:nvSpPr>
+        <p:spPr>
+          <a:xfrm>
+            <a:off x="7560859" y="887105"/>
+            <a:ext cx="1924334" cy="523220"/>
+          </a:xfrm>
+          <a:prstGeom prst="rect">
+            <a:avLst/>
+          </a:prstGeom>
+          <a:noFill/>
+        </p:spPr>
+        <p:txBody>
+          <a:bodyPr wrap="square" rtlCol="0">
+            <a:spAutoFit/>
+          </a:bodyPr>
+          <a:lstStyle/>
+          <a:p>
+            <a:r>
+              <a:rPr lang="en-US" altLang="zh-CN" sz="2800" dirty="0" smtClean="0"/>
+              <a:t>T1.Country</a:t>
+            </a:r>
+            <a:endParaRPr lang="zh-CN" altLang="en-US" sz="2800" dirty="0"/>
+          </a:p>
+        </p:txBody>
+      </p:sp>
+      <p:sp>
+        <p:nvSpPr>
+          <p:cNvPr id="5" name="文本框 4"/>
+          <p:cNvSpPr txBox="1"/>
+          <p:nvPr/>
+        </p:nvSpPr>
+        <p:spPr>
+          <a:xfrm>
+            <a:off x="6223381" y="2281437"/>
+            <a:ext cx="1337478" cy="523220"/>
+          </a:xfrm>
+          <a:prstGeom prst="rect">
+            <a:avLst/>
+          </a:prstGeom>
+          <a:noFill/>
+        </p:spPr>
+        <p:txBody>
+          <a:bodyPr wrap="square" rtlCol="0">
+            <a:spAutoFit/>
+          </a:bodyPr>
+          <a:lstStyle/>
+          <a:p>
+            <a:r>
+              <a:rPr lang="en-US" altLang="zh-CN" sz="2800" dirty="0" smtClean="0"/>
+              <a:t>T2.Area</a:t>
+            </a:r>
+            <a:endParaRPr lang="zh-CN" altLang="en-US" sz="2800" dirty="0"/>
+          </a:p>
+        </p:txBody>
+      </p:sp>
+      <p:sp>
+        <p:nvSpPr>
+          <p:cNvPr id="6" name="文本框 5"/>
+          <p:cNvSpPr txBox="1"/>
+          <p:nvPr/>
+        </p:nvSpPr>
+        <p:spPr>
+          <a:xfrm>
+            <a:off x="9360349" y="2281437"/>
+            <a:ext cx="1912700" cy="523220"/>
+          </a:xfrm>
+          <a:prstGeom prst="rect">
+            <a:avLst/>
+          </a:prstGeom>
+          <a:noFill/>
+        </p:spPr>
+        <p:txBody>
+          <a:bodyPr wrap="square" rtlCol="0">
+            <a:spAutoFit/>
+          </a:bodyPr>
+          <a:lstStyle/>
+          <a:p>
+            <a:r>
+              <a:rPr lang="en-US" altLang="zh-CN" sz="2800" dirty="0" smtClean="0"/>
+              <a:t>T3.Address</a:t>
+            </a:r>
+            <a:endParaRPr lang="zh-CN" altLang="en-US" sz="2800" dirty="0"/>
+          </a:p>
+        </p:txBody>
+      </p:sp>
+      <p:cxnSp>
+        <p:nvCxnSpPr>
+          <p:cNvPr id="7" name="直接连接符 6"/>
+          <p:cNvCxnSpPr>
+            <a:stCxn id="5" idx="0"/>
+            <a:endCxn id="4" idx="2"/>
+          </p:cNvCxnSpPr>
+          <p:nvPr/>
+        </p:nvCxnSpPr>
+        <p:spPr>
+          <a:xfrm flipV="1">
+            <a:off x="6892120" y="1410325"/>
+            <a:ext cx="1630906" cy="871112"/>
+          </a:xfrm>
+          <a:prstGeom prst="line">
+            <a:avLst/>
+          </a:prstGeom>
+          <a:ln>
+            <a:headEnd type="stealth" w="lg" len="med"/>
+          </a:ln>
+        </p:spPr>
+        <p:style>
+          <a:lnRef idx="3">
+            <a:schemeClr val="dk1"/>
+          </a:lnRef>
+          <a:fillRef idx="0">
+            <a:schemeClr val="dk1"/>
+          </a:fillRef>
+          <a:effectRef idx="2">
+            <a:schemeClr val="dk1"/>
+          </a:effectRef>
+          <a:fontRef idx="minor">
+            <a:schemeClr val="tx1"/>
+          </a:fontRef>
+        </p:style>
+      </p:cxnSp>
+      <p:cxnSp>
+        <p:nvCxnSpPr>
+          <p:cNvPr id="12" name="直接连接符 11"/>
+          <p:cNvCxnSpPr>
+            <a:stCxn id="6" idx="0"/>
+            <a:endCxn id="4" idx="2"/>
+          </p:cNvCxnSpPr>
+          <p:nvPr/>
+        </p:nvCxnSpPr>
+        <p:spPr>
+          <a:xfrm flipH="1" flipV="1">
+            <a:off x="8523026" y="1410325"/>
+            <a:ext cx="1793673" cy="871112"/>
+          </a:xfrm>
+          <a:prstGeom prst="line">
+            <a:avLst/>
+          </a:prstGeom>
+          <a:ln>
+            <a:headEnd type="stealth" w="lg" len="med"/>
+          </a:ln>
+        </p:spPr>
+        <p:style>
+          <a:lnRef idx="3">
+            <a:schemeClr val="dk1"/>
+          </a:lnRef>
+          <a:fillRef idx="0">
+            <a:schemeClr val="dk1"/>
+          </a:fillRef>
+          <a:effectRef idx="2">
+            <a:schemeClr val="dk1"/>
+          </a:effectRef>
+          <a:fontRef idx="minor">
+            <a:schemeClr val="tx1"/>
+          </a:fontRef>
+        </p:style>
+      </p:cxnSp>
+      <p:cxnSp>
+        <p:nvCxnSpPr>
+          <p:cNvPr id="17" name="直接连接符 16"/>
+          <p:cNvCxnSpPr>
+            <a:stCxn id="6" idx="1"/>
+            <a:endCxn id="5" idx="3"/>
+          </p:cNvCxnSpPr>
+          <p:nvPr/>
+        </p:nvCxnSpPr>
+        <p:spPr>
+          <a:xfrm flipH="1">
+            <a:off x="7560859" y="2543047"/>
+            <a:ext cx="1799490" cy="0"/>
+          </a:xfrm>
+          <a:prstGeom prst="line">
+            <a:avLst/>
+          </a:prstGeom>
+          <a:ln>
+            <a:headEnd type="stealth" w="lg" len="med"/>
+          </a:ln>
+        </p:spPr>
+        <p:style>
+          <a:lnRef idx="3">
+            <a:schemeClr val="dk1"/>
+          </a:lnRef>
+          <a:fillRef idx="0">
+            <a:schemeClr val="dk1"/>
+          </a:fillRef>
+          <a:effectRef idx="2">
+            <a:schemeClr val="dk1"/>
+          </a:effectRef>
+          <a:fontRef idx="minor">
+            <a:schemeClr val="tx1"/>
+          </a:fontRef>
+        </p:style>
+      </p:cxnSp>
+      <p:cxnSp>
+        <p:nvCxnSpPr>
+          <p:cNvPr id="26" name="直接连接符 25"/>
+          <p:cNvCxnSpPr/>
+          <p:nvPr/>
+        </p:nvCxnSpPr>
+        <p:spPr>
+          <a:xfrm flipV="1">
+            <a:off x="7574416" y="2660788"/>
+            <a:ext cx="1785933" cy="19606"/>
+          </a:xfrm>
+          <a:prstGeom prst="line">
+            <a:avLst/>
+          </a:prstGeom>
+          <a:ln>
+            <a:headEnd type="stealth" w="lg" len="med"/>
+          </a:ln>
+        </p:spPr>
+        <p:style>
+          <a:lnRef idx="3">
+            <a:schemeClr val="dk1"/>
+          </a:lnRef>
+          <a:fillRef idx="0">
+            <a:schemeClr val="dk1"/>
+          </a:fillRef>
+          <a:effectRef idx="2">
+            <a:schemeClr val="dk1"/>
+          </a:effectRef>
+          <a:fontRef idx="minor">
+            <a:schemeClr val="tx1"/>
+          </a:fontRef>
+        </p:style>
+      </p:cxnSp>
+      <p:sp>
+        <p:nvSpPr>
+          <p:cNvPr id="2" name="文本框 1"/>
+          <p:cNvSpPr txBox="1"/>
+          <p:nvPr/>
+        </p:nvSpPr>
+        <p:spPr>
+          <a:xfrm>
+            <a:off x="791574" y="1289589"/>
+            <a:ext cx="4763068" cy="1569660"/>
+          </a:xfrm>
+          <a:prstGeom prst="rect">
+            <a:avLst/>
+          </a:prstGeom>
+          <a:noFill/>
+        </p:spPr>
+        <p:txBody>
+          <a:bodyPr wrap="square" rtlCol="0">
+            <a:spAutoFit/>
+          </a:bodyPr>
+          <a:lstStyle/>
+          <a:p>
+            <a:r>
+              <a:rPr lang="en-US" altLang="zh-CN" sz="2400" dirty="0" smtClean="0"/>
+              <a:t>Select * from T1, T2, T3</a:t>
+            </a:r>
+          </a:p>
+          <a:p>
+            <a:r>
+              <a:rPr lang="en-US" altLang="zh-CN" sz="2400" dirty="0" smtClean="0"/>
+              <a:t>where  T1.country </a:t>
+            </a:r>
+            <a:r>
+              <a:rPr lang="en-US" altLang="zh-CN" sz="2400" dirty="0" err="1" smtClean="0"/>
+              <a:t>is_hyper</a:t>
+            </a:r>
+            <a:r>
+              <a:rPr lang="en-US" altLang="zh-CN" sz="2400" dirty="0" smtClean="0"/>
+              <a:t> T2.area and T1.country </a:t>
+            </a:r>
+            <a:r>
+              <a:rPr lang="en-US" altLang="zh-CN" sz="2400" dirty="0" err="1" smtClean="0"/>
+              <a:t>is_hyper</a:t>
+            </a:r>
+            <a:r>
+              <a:rPr lang="en-US" altLang="zh-CN" sz="2400" dirty="0" smtClean="0"/>
+              <a:t> T3.address and T2.area </a:t>
+            </a:r>
+            <a:r>
+              <a:rPr lang="en-US" altLang="zh-CN" sz="2400" dirty="0" err="1" smtClean="0"/>
+              <a:t>is_mixIsA</a:t>
+            </a:r>
+            <a:r>
+              <a:rPr lang="en-US" altLang="zh-CN" sz="2400" dirty="0" smtClean="0"/>
+              <a:t> T3.address</a:t>
+            </a:r>
+            <a:endParaRPr lang="zh-CN" altLang="en-US" sz="2400" dirty="0"/>
+          </a:p>
+        </p:txBody>
+      </p:sp>
+      <p:sp>
+        <p:nvSpPr>
+          <p:cNvPr id="3" name="文本框 2"/>
+          <p:cNvSpPr txBox="1"/>
+          <p:nvPr/>
+        </p:nvSpPr>
+        <p:spPr>
+          <a:xfrm>
+            <a:off x="7744601" y="3471592"/>
+            <a:ext cx="2572098" cy="400110"/>
+          </a:xfrm>
+          <a:prstGeom prst="rect">
+            <a:avLst/>
+          </a:prstGeom>
+          <a:noFill/>
+        </p:spPr>
+        <p:txBody>
+          <a:bodyPr wrap="square" rtlCol="0">
+            <a:spAutoFit/>
+          </a:bodyPr>
+          <a:lstStyle/>
+          <a:p>
+            <a:r>
+              <a:rPr lang="en-US" altLang="zh-CN" sz="2000" dirty="0" smtClean="0"/>
+              <a:t>(b) Graph pattern</a:t>
+            </a:r>
+            <a:endParaRPr lang="zh-CN" altLang="en-US" sz="2000" dirty="0"/>
+          </a:p>
+        </p:txBody>
+      </p:sp>
+      <p:sp>
+        <p:nvSpPr>
+          <p:cNvPr id="11" name="文本框 10"/>
+          <p:cNvSpPr txBox="1"/>
+          <p:nvPr/>
+        </p:nvSpPr>
+        <p:spPr>
+          <a:xfrm>
+            <a:off x="1538153" y="3471592"/>
+            <a:ext cx="2572098" cy="400110"/>
+          </a:xfrm>
+          <a:prstGeom prst="rect">
+            <a:avLst/>
+          </a:prstGeom>
+          <a:noFill/>
+        </p:spPr>
+        <p:txBody>
+          <a:bodyPr wrap="square" rtlCol="0">
+            <a:spAutoFit/>
+          </a:bodyPr>
+          <a:lstStyle/>
+          <a:p>
+            <a:r>
+              <a:rPr lang="en-US" altLang="zh-CN" sz="2000" dirty="0" smtClean="0"/>
+              <a:t>(b) An SQL example</a:t>
+            </a:r>
+            <a:endParaRPr lang="zh-CN" altLang="en-US" sz="2000" dirty="0"/>
+          </a:p>
+        </p:txBody>
+      </p:sp>
+    </p:spTree>
+    <p:extLst>
+      <p:ext uri="{BB962C8B-B14F-4D97-AF65-F5344CB8AC3E}">
+        <p14:creationId xmlns:p14="http://schemas.microsoft.com/office/powerpoint/2010/main" val="865130387"/>
+      </p:ext>
+    </p:extLst>
+  </p:cSld>
+  <p:clrMapOvr>
+    <a:masterClrMapping/>
+  </p:clrMapOvr>
+  <p:timing>
+    <p:tnLst>
+      <p:par>
+        <p:cTn id="1" dur="indefinite" restart="never" nodeType="tmRoot"/>
+      </p:par>
+    </p:tnLst>
+  </p:timing>
+</p:sld>
+</file>
+
 <file path=ppt/slides/slide4.xml><?xml version="1.0" encoding="utf-8"?>
 <p:sld xmlns:a="http://schemas.openxmlformats.org/drawingml/2006/main" xmlns:r="http://schemas.openxmlformats.org/officeDocument/2006/relationships" xmlns:p="http://schemas.openxmlformats.org/presentationml/2006/main">
   <p:cSld>
@@ -5384,7 +5613,7 @@
         </p:nvSpPr>
         <p:spPr>
           <a:xfrm>
-            <a:off x="7560859" y="887105"/>
+            <a:off x="7614444" y="1492670"/>
             <a:ext cx="1924334" cy="523220"/>
           </a:xfrm>
           <a:prstGeom prst="rect">
@@ -5400,7 +5629,7 @@
           <a:p>
             <a:r>
               <a:rPr lang="en-US" altLang="zh-CN" sz="2800" dirty="0" smtClean="0"/>
-              <a:t>T1.Country</a:t>
+              <a:t>T1.country</a:t>
             </a:r>
             <a:endParaRPr lang="zh-CN" altLang="en-US" sz="2800" dirty="0"/>
           </a:p>
@@ -5414,7 +5643,7 @@
         </p:nvSpPr>
         <p:spPr>
           <a:xfrm>
-            <a:off x="6223381" y="2281437"/>
+            <a:off x="6223381" y="2683921"/>
             <a:ext cx="1337478" cy="523220"/>
           </a:xfrm>
           <a:prstGeom prst="rect">
@@ -5430,7 +5659,7 @@
           <a:p>
             <a:r>
               <a:rPr lang="en-US" altLang="zh-CN" sz="2800" dirty="0" smtClean="0"/>
-              <a:t>T2.Area</a:t>
+              <a:t>T2.area</a:t>
             </a:r>
             <a:endParaRPr lang="zh-CN" altLang="en-US" sz="2800" dirty="0"/>
           </a:p>
@@ -5444,7 +5673,7 @@
         </p:nvSpPr>
         <p:spPr>
           <a:xfrm>
-            <a:off x="9360349" y="2281437"/>
+            <a:off x="9360349" y="2683921"/>
             <a:ext cx="1912700" cy="523220"/>
           </a:xfrm>
           <a:prstGeom prst="rect">
@@ -5460,7 +5689,7 @@
           <a:p>
             <a:r>
               <a:rPr lang="en-US" altLang="zh-CN" sz="2800" dirty="0" smtClean="0"/>
-              <a:t>T3.Address</a:t>
+              <a:t>T3.address</a:t>
             </a:r>
             <a:endParaRPr lang="zh-CN" altLang="en-US" sz="2800" dirty="0"/>
           </a:p>
@@ -5471,14 +5700,13 @@
           <p:cNvPr id="7" name="直接连接符 6"/>
           <p:cNvCxnSpPr>
             <a:stCxn id="5" idx="0"/>
-            <a:endCxn id="4" idx="2"/>
           </p:cNvCxnSpPr>
           <p:nvPr/>
         </p:nvCxnSpPr>
         <p:spPr>
           <a:xfrm flipV="1">
-            <a:off x="6892120" y="1410325"/>
-            <a:ext cx="1630906" cy="871112"/>
+            <a:off x="6892120" y="2133630"/>
+            <a:ext cx="743615" cy="550291"/>
           </a:xfrm>
           <a:prstGeom prst="line">
             <a:avLst/>
@@ -5504,17 +5732,16 @@
       </p:cxnSp>
       <p:cxnSp>
         <p:nvCxnSpPr>
-          <p:cNvPr id="12" name="直接连接符 11"/>
+          <p:cNvPr id="8" name="直接连接符 7"/>
           <p:cNvCxnSpPr>
             <a:stCxn id="6" idx="0"/>
-            <a:endCxn id="4" idx="2"/>
           </p:cNvCxnSpPr>
           <p:nvPr/>
         </p:nvCxnSpPr>
         <p:spPr>
           <a:xfrm flipH="1" flipV="1">
-            <a:off x="8523026" y="1410325"/>
-            <a:ext cx="1793673" cy="871112"/>
+            <a:off x="9538778" y="2256179"/>
+            <a:ext cx="777921" cy="427742"/>
           </a:xfrm>
           <a:prstGeom prst="line">
             <a:avLst/>
@@ -5540,7 +5767,7 @@
       </p:cxnSp>
       <p:cxnSp>
         <p:nvCxnSpPr>
-          <p:cNvPr id="17" name="直接连接符 16"/>
+          <p:cNvPr id="9" name="直接连接符 8"/>
           <p:cNvCxnSpPr>
             <a:stCxn id="6" idx="1"/>
             <a:endCxn id="5" idx="3"/>
@@ -5549,7 +5776,7 @@
         </p:nvCxnSpPr>
         <p:spPr>
           <a:xfrm flipH="1">
-            <a:off x="7560859" y="2543047"/>
+            <a:off x="7560859" y="2945531"/>
             <a:ext cx="1799490" cy="0"/>
           </a:xfrm>
           <a:prstGeom prst="line">
@@ -5576,13 +5803,13 @@
       </p:cxnSp>
       <p:cxnSp>
         <p:nvCxnSpPr>
-          <p:cNvPr id="26" name="直接连接符 25"/>
+          <p:cNvPr id="10" name="直接连接符 9"/>
           <p:cNvCxnSpPr/>
           <p:nvPr/>
         </p:nvCxnSpPr>
         <p:spPr>
           <a:xfrm flipV="1">
-            <a:off x="7574416" y="2660788"/>
+            <a:off x="7574416" y="3063272"/>
             <a:ext cx="1785933" cy="19606"/>
           </a:xfrm>
           <a:prstGeom prst="line">
@@ -5609,14 +5836,14 @@
       </p:cxnSp>
       <p:sp>
         <p:nvSpPr>
-          <p:cNvPr id="2" name="文本框 1"/>
+          <p:cNvPr id="11" name="文本框 10"/>
           <p:cNvSpPr txBox="1"/>
           <p:nvPr/>
         </p:nvSpPr>
         <p:spPr>
           <a:xfrm>
             <a:off x="791574" y="1289589"/>
-            <a:ext cx="4763068" cy="1569660"/>
+            <a:ext cx="4763068" cy="2308324"/>
           </a:xfrm>
           <a:prstGeom prst="rect">
             <a:avLst/>
@@ -5645,7 +5872,7 @@
             </a:r>
             <a:r>
               <a:rPr lang="en-US" altLang="zh-CN" sz="2400" dirty="0" smtClean="0"/>
-              <a:t> T2.area and T1.country </a:t>
+              <a:t> T2.area with similarity 0.9  and T1.country </a:t>
             </a:r>
             <a:r>
               <a:rPr lang="en-US" altLang="zh-CN" sz="2400" dirty="0" err="1" smtClean="0"/>
@@ -5653,7 +5880,15 @@
             </a:r>
             <a:r>
               <a:rPr lang="en-US" altLang="zh-CN" sz="2400" dirty="0" smtClean="0"/>
-              <a:t> T3.address and T2.area </a:t>
+              <a:t> T3.address</a:t>
+            </a:r>
+            <a:r>
+              <a:rPr lang="en-US" altLang="zh-CN" sz="2400" dirty="0"/>
+              <a:t> with similarity </a:t>
+            </a:r>
+            <a:r>
+              <a:rPr lang="en-US" altLang="zh-CN" sz="2400" dirty="0" smtClean="0"/>
+              <a:t>0.9  and T2.area </a:t>
             </a:r>
             <a:r>
               <a:rPr lang="en-US" altLang="zh-CN" sz="2400" dirty="0" err="1" smtClean="0"/>
@@ -5661,7 +5896,15 @@
             </a:r>
             <a:r>
               <a:rPr lang="en-US" altLang="zh-CN" sz="2400" dirty="0" smtClean="0"/>
-              <a:t> T3.address</a:t>
+              <a:t> T3.address </a:t>
+            </a:r>
+            <a:r>
+              <a:rPr lang="en-US" altLang="zh-CN" sz="2400" dirty="0"/>
+              <a:t>with similarity </a:t>
+            </a:r>
+            <a:r>
+              <a:rPr lang="en-US" altLang="zh-CN" sz="2400" dirty="0" smtClean="0"/>
+              <a:t>0.8 </a:t>
             </a:r>
             <a:endParaRPr lang="zh-CN" altLang="en-US" sz="2400" dirty="0"/>
           </a:p>
@@ -5669,14 +5912,14 @@
       </p:sp>
       <p:sp>
         <p:nvSpPr>
-          <p:cNvPr id="3" name="文本框 2"/>
+          <p:cNvPr id="12" name="文本框 11"/>
           <p:cNvSpPr txBox="1"/>
           <p:nvPr/>
         </p:nvSpPr>
         <p:spPr>
           <a:xfrm>
-            <a:off x="7744601" y="3471592"/>
-            <a:ext cx="2572098" cy="400110"/>
+            <a:off x="7560859" y="3847420"/>
+            <a:ext cx="2572098" cy="461665"/>
           </a:xfrm>
           <a:prstGeom prst="rect">
             <a:avLst/>
@@ -5690,23 +5933,23 @@
           <a:lstStyle/>
           <a:p>
             <a:r>
-              <a:rPr lang="en-US" altLang="zh-CN" sz="2000" dirty="0" smtClean="0"/>
+              <a:rPr lang="en-US" altLang="zh-CN" sz="2400" dirty="0" smtClean="0"/>
               <a:t>(b) Graph pattern</a:t>
             </a:r>
-            <a:endParaRPr lang="zh-CN" altLang="en-US" sz="2000" dirty="0"/>
-          </a:p>
-        </p:txBody>
-      </p:sp>
-      <p:sp>
-        <p:nvSpPr>
-          <p:cNvPr id="11" name="文本框 10"/>
+            <a:endParaRPr lang="zh-CN" altLang="en-US" sz="2400" dirty="0"/>
+          </a:p>
+        </p:txBody>
+      </p:sp>
+      <p:sp>
+        <p:nvSpPr>
+          <p:cNvPr id="13" name="文本框 12"/>
           <p:cNvSpPr txBox="1"/>
           <p:nvPr/>
         </p:nvSpPr>
         <p:spPr>
           <a:xfrm>
-            <a:off x="1538153" y="3471592"/>
-            <a:ext cx="2572098" cy="400110"/>
+            <a:off x="1656184" y="3847420"/>
+            <a:ext cx="3033847" cy="461665"/>
           </a:xfrm>
           <a:prstGeom prst="rect">
             <a:avLst/>
@@ -5720,17 +5963,107 @@
           <a:lstStyle/>
           <a:p>
             <a:r>
-              <a:rPr lang="en-US" altLang="zh-CN" sz="2000" dirty="0" smtClean="0"/>
+              <a:rPr lang="en-US" altLang="zh-CN" sz="2400" dirty="0" smtClean="0"/>
               <a:t>(b) An SQL example</a:t>
             </a:r>
-            <a:endParaRPr lang="zh-CN" altLang="en-US" sz="2000" dirty="0"/>
+            <a:endParaRPr lang="zh-CN" altLang="en-US" sz="2400" dirty="0"/>
+          </a:p>
+        </p:txBody>
+      </p:sp>
+      <p:sp>
+        <p:nvSpPr>
+          <p:cNvPr id="14" name="文本框 13"/>
+          <p:cNvSpPr txBox="1"/>
+          <p:nvPr/>
+        </p:nvSpPr>
+        <p:spPr>
+          <a:xfrm>
+            <a:off x="6892120" y="1960646"/>
+            <a:ext cx="914309" cy="461665"/>
+          </a:xfrm>
+          <a:prstGeom prst="rect">
+            <a:avLst/>
+          </a:prstGeom>
+          <a:noFill/>
+        </p:spPr>
+        <p:txBody>
+          <a:bodyPr wrap="square" rtlCol="0">
+            <a:spAutoFit/>
+          </a:bodyPr>
+          <a:lstStyle/>
+          <a:p>
+            <a:r>
+              <a:rPr lang="en-US" altLang="zh-CN" sz="2400" dirty="0" smtClean="0"/>
+              <a:t>0.9</a:t>
+            </a:r>
+            <a:endParaRPr lang="zh-CN" altLang="en-US" sz="2400" dirty="0"/>
+          </a:p>
+        </p:txBody>
+      </p:sp>
+      <p:sp>
+        <p:nvSpPr>
+          <p:cNvPr id="15" name="文本框 14"/>
+          <p:cNvSpPr txBox="1"/>
+          <p:nvPr/>
+        </p:nvSpPr>
+        <p:spPr>
+          <a:xfrm>
+            <a:off x="9742723" y="2004406"/>
+            <a:ext cx="914309" cy="461665"/>
+          </a:xfrm>
+          <a:prstGeom prst="rect">
+            <a:avLst/>
+          </a:prstGeom>
+          <a:noFill/>
+        </p:spPr>
+        <p:txBody>
+          <a:bodyPr wrap="square" rtlCol="0">
+            <a:spAutoFit/>
+          </a:bodyPr>
+          <a:lstStyle/>
+          <a:p>
+            <a:r>
+              <a:rPr lang="en-US" altLang="zh-CN" sz="2400" dirty="0" smtClean="0"/>
+              <a:t>0.9</a:t>
+            </a:r>
+            <a:endParaRPr lang="zh-CN" altLang="en-US" sz="2400" dirty="0"/>
+          </a:p>
+        </p:txBody>
+      </p:sp>
+      <p:sp>
+        <p:nvSpPr>
+          <p:cNvPr id="16" name="文本框 15"/>
+          <p:cNvSpPr txBox="1"/>
+          <p:nvPr/>
+        </p:nvSpPr>
+        <p:spPr>
+          <a:xfrm>
+            <a:off x="8208072" y="2453088"/>
+            <a:ext cx="914309" cy="461665"/>
+          </a:xfrm>
+          <a:prstGeom prst="rect">
+            <a:avLst/>
+          </a:prstGeom>
+          <a:noFill/>
+        </p:spPr>
+        <p:txBody>
+          <a:bodyPr wrap="square" rtlCol="0">
+            <a:spAutoFit/>
+          </a:bodyPr>
+          <a:lstStyle/>
+          <a:p>
+            <a:r>
+              <a:rPr lang="en-US" altLang="zh-CN" sz="2400" dirty="0" smtClean="0"/>
+              <a:t>0.8</a:t>
+            </a:r>
+            <a:endParaRPr lang="zh-CN" altLang="en-US" sz="2400" dirty="0"/>
           </a:p>
         </p:txBody>
       </p:sp>
     </p:spTree>
     <p:extLst>
       <p:ext uri="{BB962C8B-B14F-4D97-AF65-F5344CB8AC3E}">
-        <p14:creationId xmlns:p14="http://schemas.microsoft.com/office/powerpoint/2010/main" val="865130387"/>
+        <p14:creationId xmlns:p14="http://schemas.microsoft.com/office/powerpoint/2010/main" val="2567231054"/>
       </p:ext>
     </p:extLst>
   </p:cSld>
@@ -5764,16 +6097,225 @@
           <a:chExt cx="0" cy="0"/>
         </a:xfrm>
       </p:grpSpPr>
-      <p:sp>
-        <p:nvSpPr>
-          <p:cNvPr id="4" name="文本框 3"/>
+      <p:graphicFrame>
+        <p:nvGraphicFramePr>
+          <p:cNvPr id="4" name="表格 3"/>
+          <p:cNvGraphicFramePr>
+            <a:graphicFrameLocks noGrp="1"/>
+          </p:cNvGraphicFramePr>
+          <p:nvPr>
+            <p:extLst>
+              <p:ext uri="{D42A27DB-BD31-4B8C-83A1-F6EECF244321}">
+                <p14:modId xmlns:p14="http://schemas.microsoft.com/office/powerpoint/2010/main" val="1683820723"/>
+              </p:ext>
+            </p:extLst>
+          </p:nvPr>
+        </p:nvGraphicFramePr>
+        <p:xfrm>
+          <a:off x="2032000" y="719666"/>
+          <a:ext cx="8127999" cy="1483360"/>
+        </p:xfrm>
+        <a:graphic>
+          <a:graphicData uri="http://schemas.openxmlformats.org/drawingml/2006/table">
+            <a:tbl>
+              <a:tblPr firstRow="1" bandRow="1">
+                <a:tableStyleId>{F5AB1C69-6EDB-4FF4-983F-18BD219EF322}</a:tableStyleId>
+              </a:tblPr>
+              <a:tblGrid>
+                <a:gridCol w="2709333"/>
+                <a:gridCol w="2709333"/>
+                <a:gridCol w="2709333"/>
+              </a:tblGrid>
+              <a:tr h="370840">
+                <a:tc>
+                  <a:txBody>
+                    <a:bodyPr/>
+                    <a:lstStyle/>
+                    <a:p>
+                      <a:r>
+                        <a:rPr lang="en-US" altLang="zh-CN" dirty="0" smtClean="0"/>
+                        <a:t>Product</a:t>
+                      </a:r>
+                      <a:endParaRPr lang="zh-CN" altLang="en-US" dirty="0"/>
+                    </a:p>
+                  </a:txBody>
+                  <a:tcPr/>
+                </a:tc>
+                <a:tc>
+                  <a:txBody>
+                    <a:bodyPr/>
+                    <a:lstStyle/>
+                    <a:p>
+                      <a:r>
+                        <a:rPr lang="en-US" altLang="zh-CN" dirty="0" smtClean="0"/>
+                        <a:t>Area</a:t>
+                      </a:r>
+                      <a:endParaRPr lang="zh-CN" altLang="en-US" dirty="0"/>
+                    </a:p>
+                  </a:txBody>
+                  <a:tcPr/>
+                </a:tc>
+                <a:tc>
+                  <a:txBody>
+                    <a:bodyPr/>
+                    <a:lstStyle/>
+                    <a:p>
+                      <a:r>
+                        <a:rPr lang="en-US" altLang="zh-CN" dirty="0" smtClean="0"/>
+                        <a:t>Price</a:t>
+                      </a:r>
+                      <a:endParaRPr lang="zh-CN" altLang="en-US" dirty="0"/>
+                    </a:p>
+                  </a:txBody>
+                  <a:tcPr/>
+                </a:tc>
+              </a:tr>
+              <a:tr h="370840">
+                <a:tc>
+                  <a:txBody>
+                    <a:bodyPr/>
+                    <a:lstStyle/>
+                    <a:p>
+                      <a:r>
+                        <a:rPr lang="en-US" altLang="zh-CN" dirty="0" smtClean="0"/>
+                        <a:t>iPhone</a:t>
+                      </a:r>
+                      <a:endParaRPr lang="zh-CN" altLang="en-US" dirty="0"/>
+                    </a:p>
+                  </a:txBody>
+                  <a:tcPr/>
+                </a:tc>
+                <a:tc>
+                  <a:txBody>
+                    <a:bodyPr/>
+                    <a:lstStyle/>
+                    <a:p>
+                      <a:r>
+                        <a:rPr lang="en-US" altLang="zh-CN" dirty="0" smtClean="0"/>
+                        <a:t>U.S.</a:t>
+                      </a:r>
+                      <a:endParaRPr lang="zh-CN" altLang="en-US" dirty="0"/>
+                    </a:p>
+                  </a:txBody>
+                  <a:tcPr/>
+                </a:tc>
+                <a:tc>
+                  <a:txBody>
+                    <a:bodyPr/>
+                    <a:lstStyle/>
+                    <a:p>
+                      <a:r>
+                        <a:rPr lang="en-US" altLang="zh-CN" dirty="0" smtClean="0"/>
+                        <a:t>599.0</a:t>
+                      </a:r>
+                      <a:endParaRPr lang="zh-CN" altLang="en-US" dirty="0"/>
+                    </a:p>
+                  </a:txBody>
+                  <a:tcPr/>
+                </a:tc>
+              </a:tr>
+              <a:tr h="370840">
+                <a:tc>
+                  <a:txBody>
+                    <a:bodyPr/>
+                    <a:lstStyle/>
+                    <a:p>
+                      <a:r>
+                        <a:rPr lang="en-US" altLang="zh-CN" dirty="0" smtClean="0"/>
+                        <a:t>Samsung phone</a:t>
+                      </a:r>
+                      <a:endParaRPr lang="zh-CN" altLang="en-US" dirty="0"/>
+                    </a:p>
+                  </a:txBody>
+                  <a:tcPr/>
+                </a:tc>
+                <a:tc>
+                  <a:txBody>
+                    <a:bodyPr/>
+                    <a:lstStyle/>
+                    <a:p>
+                      <a:r>
+                        <a:rPr lang="en-US" altLang="zh-CN" dirty="0" smtClean="0"/>
+                        <a:t>South Korea</a:t>
+                      </a:r>
+                      <a:endParaRPr lang="zh-CN" altLang="en-US" dirty="0"/>
+                    </a:p>
+                  </a:txBody>
+                  <a:tcPr/>
+                </a:tc>
+                <a:tc>
+                  <a:txBody>
+                    <a:bodyPr/>
+                    <a:lstStyle/>
+                    <a:p>
+                      <a:r>
+                        <a:rPr lang="en-US" altLang="zh-CN" dirty="0" smtClean="0"/>
+                        <a:t>394.0</a:t>
+                      </a:r>
+                      <a:endParaRPr lang="zh-CN" altLang="en-US" dirty="0"/>
+                    </a:p>
+                  </a:txBody>
+                  <a:tcPr/>
+                </a:tc>
+              </a:tr>
+              <a:tr h="370840">
+                <a:tc>
+                  <a:txBody>
+                    <a:bodyPr/>
+                    <a:lstStyle/>
+                    <a:p>
+                      <a:r>
+                        <a:rPr lang="en-US" altLang="zh-CN" dirty="0" smtClean="0"/>
+                        <a:t>Huawei</a:t>
+                      </a:r>
+                      <a:endParaRPr lang="zh-CN" altLang="en-US" dirty="0"/>
+                    </a:p>
+                  </a:txBody>
+                  <a:tcPr/>
+                </a:tc>
+                <a:tc>
+                  <a:txBody>
+                    <a:bodyPr/>
+                    <a:lstStyle/>
+                    <a:p>
+                      <a:r>
+                        <a:rPr lang="en-US" altLang="zh-CN" dirty="0" smtClean="0"/>
+                        <a:t>China</a:t>
+                      </a:r>
+                      <a:endParaRPr lang="zh-CN" altLang="en-US" dirty="0"/>
+                    </a:p>
+                  </a:txBody>
+                  <a:tcPr/>
+                </a:tc>
+                <a:tc>
+                  <a:txBody>
+                    <a:bodyPr/>
+                    <a:lstStyle/>
+                    <a:p>
+                      <a:r>
+                        <a:rPr lang="en-US" altLang="zh-CN" dirty="0" smtClean="0"/>
+                        <a:t>499.0</a:t>
+                      </a:r>
+                      <a:endParaRPr lang="zh-CN" altLang="en-US" dirty="0"/>
+                    </a:p>
+                  </a:txBody>
+                  <a:tcPr/>
+                </a:tc>
+              </a:tr>
+            </a:tbl>
+          </a:graphicData>
+        </a:graphic>
+      </p:graphicFrame>
+      <p:sp>
+        <p:nvSpPr>
+          <p:cNvPr id="5" name="文本框 4"/>
           <p:cNvSpPr txBox="1"/>
           <p:nvPr/>
         </p:nvSpPr>
         <p:spPr>
           <a:xfrm>
-            <a:off x="7614444" y="1492670"/>
-            <a:ext cx="1924334" cy="523220"/>
+            <a:off x="2074460" y="272956"/>
+            <a:ext cx="1351128" cy="369332"/>
           </a:xfrm>
           <a:prstGeom prst="rect">
             <a:avLst/>
@@ -5787,23 +6329,236 @@
           <a:lstStyle/>
           <a:p>
             <a:r>
-              <a:rPr lang="en-US" altLang="zh-CN" sz="2800" dirty="0" smtClean="0"/>
-              <a:t>T1.country</a:t>
-            </a:r>
-            <a:endParaRPr lang="zh-CN" altLang="en-US" sz="2800" dirty="0"/>
-          </a:p>
-        </p:txBody>
-      </p:sp>
-      <p:sp>
-        <p:nvSpPr>
-          <p:cNvPr id="5" name="文本框 4"/>
+              <a:rPr lang="en-US" altLang="zh-CN" dirty="0" smtClean="0"/>
+              <a:t>Table T1</a:t>
+            </a:r>
+            <a:endParaRPr lang="zh-CN" altLang="en-US" dirty="0"/>
+          </a:p>
+        </p:txBody>
+      </p:sp>
+      <p:graphicFrame>
+        <p:nvGraphicFramePr>
+          <p:cNvPr id="6" name="表格 5"/>
+          <p:cNvGraphicFramePr>
+            <a:graphicFrameLocks noGrp="1"/>
+          </p:cNvGraphicFramePr>
+          <p:nvPr>
+            <p:extLst>
+              <p:ext uri="{D42A27DB-BD31-4B8C-83A1-F6EECF244321}">
+                <p14:modId xmlns:p14="http://schemas.microsoft.com/office/powerpoint/2010/main" val="2910806813"/>
+              </p:ext>
+            </p:extLst>
+          </p:nvPr>
+        </p:nvGraphicFramePr>
+        <p:xfrm>
+          <a:off x="2074460" y="3001117"/>
+          <a:ext cx="8127999" cy="1483360"/>
+        </p:xfrm>
+        <a:graphic>
+          <a:graphicData uri="http://schemas.openxmlformats.org/drawingml/2006/table">
+            <a:tbl>
+              <a:tblPr firstRow="1" bandRow="1">
+                <a:tableStyleId>{F5AB1C69-6EDB-4FF4-983F-18BD219EF322}</a:tableStyleId>
+              </a:tblPr>
+              <a:tblGrid>
+                <a:gridCol w="2709333"/>
+                <a:gridCol w="2709333"/>
+                <a:gridCol w="2709333"/>
+              </a:tblGrid>
+              <a:tr h="370840">
+                <a:tc>
+                  <a:txBody>
+                    <a:bodyPr/>
+                    <a:lstStyle/>
+                    <a:p>
+                      <a:r>
+                        <a:rPr lang="en-US" altLang="zh-CN" dirty="0" smtClean="0"/>
+                        <a:t>Product</a:t>
+                      </a:r>
+                      <a:endParaRPr lang="zh-CN" altLang="en-US" dirty="0"/>
+                    </a:p>
+                  </a:txBody>
+                  <a:tcPr/>
+                </a:tc>
+                <a:tc>
+                  <a:txBody>
+                    <a:bodyPr/>
+                    <a:lstStyle/>
+                    <a:p>
+                      <a:r>
+                        <a:rPr lang="en-US" altLang="zh-CN" dirty="0" smtClean="0"/>
+                        <a:t>Area</a:t>
+                      </a:r>
+                      <a:endParaRPr lang="zh-CN" altLang="en-US" dirty="0"/>
+                    </a:p>
+                  </a:txBody>
+                  <a:tcPr/>
+                </a:tc>
+                <a:tc>
+                  <a:txBody>
+                    <a:bodyPr/>
+                    <a:lstStyle/>
+                    <a:p>
+                      <a:r>
+                        <a:rPr lang="en-US" altLang="zh-CN" dirty="0" smtClean="0"/>
+                        <a:t>Price</a:t>
+                      </a:r>
+                      <a:endParaRPr lang="zh-CN" altLang="en-US" dirty="0"/>
+                    </a:p>
+                  </a:txBody>
+                  <a:tcPr/>
+                </a:tc>
+              </a:tr>
+              <a:tr h="370840">
+                <a:tc>
+                  <a:txBody>
+                    <a:bodyPr/>
+                    <a:lstStyle/>
+                    <a:p>
+                      <a:r>
+                        <a:rPr lang="en-US" altLang="zh-CN" dirty="0" smtClean="0"/>
+                        <a:t>Apple 6S</a:t>
+                      </a:r>
+                      <a:endParaRPr lang="zh-CN" altLang="en-US" dirty="0"/>
+                    </a:p>
+                  </a:txBody>
+                  <a:tcPr/>
+                </a:tc>
+                <a:tc>
+                  <a:txBody>
+                    <a:bodyPr/>
+                    <a:lstStyle/>
+                    <a:p>
+                      <a:r>
+                        <a:rPr lang="en-US" altLang="zh-CN" dirty="0" smtClean="0"/>
+                        <a:t>California</a:t>
+                      </a:r>
+                      <a:endParaRPr lang="zh-CN" altLang="en-US" dirty="0"/>
+                    </a:p>
+                  </a:txBody>
+                  <a:tcPr/>
+                </a:tc>
+                <a:tc>
+                  <a:txBody>
+                    <a:bodyPr/>
+                    <a:lstStyle/>
+                    <a:p>
+                      <a:r>
+                        <a:rPr lang="en-US" altLang="zh-CN" dirty="0" smtClean="0"/>
+                        <a:t>699.0</a:t>
+                      </a:r>
+                      <a:endParaRPr lang="zh-CN" altLang="en-US" dirty="0"/>
+                    </a:p>
+                  </a:txBody>
+                  <a:tcPr/>
+                </a:tc>
+              </a:tr>
+              <a:tr h="370840">
+                <a:tc>
+                  <a:txBody>
+                    <a:bodyPr/>
+                    <a:lstStyle/>
+                    <a:p>
+                      <a:r>
+                        <a:rPr lang="en-US" altLang="zh-CN" dirty="0" smtClean="0"/>
+                        <a:t>Galaxy</a:t>
+                      </a:r>
+                      <a:r>
+                        <a:rPr lang="en-US" altLang="zh-CN" baseline="0" dirty="0" smtClean="0"/>
+                        <a:t> S6</a:t>
+                      </a:r>
+                      <a:endParaRPr lang="zh-CN" altLang="en-US" dirty="0"/>
+                    </a:p>
+                  </a:txBody>
+                  <a:tcPr/>
+                </a:tc>
+                <a:tc>
+                  <a:txBody>
+                    <a:bodyPr/>
+                    <a:lstStyle/>
+                    <a:p>
+                      <a:r>
+                        <a:rPr lang="en-US" altLang="zh-CN" dirty="0" smtClean="0"/>
+                        <a:t>Seoul</a:t>
+                      </a:r>
+                      <a:endParaRPr lang="zh-CN" altLang="en-US" dirty="0"/>
+                    </a:p>
+                  </a:txBody>
+                  <a:tcPr/>
+                </a:tc>
+                <a:tc>
+                  <a:txBody>
+                    <a:bodyPr/>
+                    <a:lstStyle/>
+                    <a:p>
+                      <a:r>
+                        <a:rPr lang="en-US" altLang="zh-CN" dirty="0" smtClean="0"/>
+                        <a:t>579.0</a:t>
+                      </a:r>
+                      <a:endParaRPr lang="zh-CN" altLang="en-US" dirty="0"/>
+                    </a:p>
+                  </a:txBody>
+                  <a:tcPr/>
+                </a:tc>
+              </a:tr>
+              <a:tr h="370840">
+                <a:tc>
+                  <a:txBody>
+                    <a:bodyPr/>
+                    <a:lstStyle/>
+                    <a:p>
+                      <a:r>
+                        <a:rPr lang="en-US" altLang="zh-CN" dirty="0" smtClean="0"/>
+                        <a:t>Huawei P8</a:t>
+                      </a:r>
+                      <a:endParaRPr lang="zh-CN" altLang="en-US" dirty="0"/>
+                    </a:p>
+                  </a:txBody>
+                  <a:tcPr/>
+                </a:tc>
+                <a:tc>
+                  <a:txBody>
+                    <a:bodyPr/>
+                    <a:lstStyle/>
+                    <a:p>
+                      <a:r>
+                        <a:rPr lang="en-US" altLang="zh-CN" dirty="0" smtClean="0"/>
+                        <a:t>Shenzhen</a:t>
+                      </a:r>
+                      <a:endParaRPr lang="zh-CN" altLang="en-US" dirty="0"/>
+                    </a:p>
+                  </a:txBody>
+                  <a:tcPr/>
+                </a:tc>
+                <a:tc>
+                  <a:txBody>
+                    <a:bodyPr/>
+                    <a:lstStyle/>
+                    <a:p>
+                      <a:r>
+                        <a:rPr lang="en-US" altLang="zh-CN" dirty="0" smtClean="0"/>
+                        <a:t>284.0</a:t>
+                      </a:r>
+                      <a:endParaRPr lang="zh-CN" altLang="en-US" dirty="0"/>
+                    </a:p>
+                  </a:txBody>
+                  <a:tcPr/>
+                </a:tc>
+              </a:tr>
+            </a:tbl>
+          </a:graphicData>
+        </a:graphic>
+      </p:graphicFrame>
+      <p:sp>
+        <p:nvSpPr>
+          <p:cNvPr id="7" name="文本框 6"/>
           <p:cNvSpPr txBox="1"/>
           <p:nvPr/>
         </p:nvSpPr>
         <p:spPr>
           <a:xfrm>
-            <a:off x="6223381" y="2683921"/>
-            <a:ext cx="1337478" cy="523220"/>
+            <a:off x="2116920" y="2554407"/>
+            <a:ext cx="1351128" cy="369332"/>
           </a:xfrm>
           <a:prstGeom prst="rect">
             <a:avLst/>
@@ -5817,425 +6572,23 @@
           <a:lstStyle/>
           <a:p>
             <a:r>
-              <a:rPr lang="en-US" altLang="zh-CN" sz="2800" dirty="0" smtClean="0"/>
-              <a:t>T2.area</a:t>
-            </a:r>
-            <a:endParaRPr lang="zh-CN" altLang="en-US" sz="2800" dirty="0"/>
-          </a:p>
-        </p:txBody>
-      </p:sp>
-      <p:sp>
-        <p:nvSpPr>
-          <p:cNvPr id="6" name="文本框 5"/>
-          <p:cNvSpPr txBox="1"/>
-          <p:nvPr/>
-        </p:nvSpPr>
-        <p:spPr>
-          <a:xfrm>
-            <a:off x="9360349" y="2683921"/>
-            <a:ext cx="1912700" cy="523220"/>
-          </a:xfrm>
-          <a:prstGeom prst="rect">
-            <a:avLst/>
-          </a:prstGeom>
-          <a:noFill/>
-        </p:spPr>
-        <p:txBody>
-          <a:bodyPr wrap="square" rtlCol="0">
-            <a:spAutoFit/>
-          </a:bodyPr>
-          <a:lstStyle/>
-          <a:p>
-            <a:r>
-              <a:rPr lang="en-US" altLang="zh-CN" sz="2800" dirty="0" smtClean="0"/>
-              <a:t>T3.address</a:t>
-            </a:r>
-            <a:endParaRPr lang="zh-CN" altLang="en-US" sz="2800" dirty="0"/>
-          </a:p>
-        </p:txBody>
-      </p:sp>
-      <p:cxnSp>
-        <p:nvCxnSpPr>
-          <p:cNvPr id="7" name="直接连接符 6"/>
-          <p:cNvCxnSpPr>
-            <a:stCxn id="5" idx="0"/>
-          </p:cNvCxnSpPr>
-          <p:nvPr/>
-        </p:nvCxnSpPr>
-        <p:spPr>
-          <a:xfrm flipV="1">
-            <a:off x="6892120" y="2133630"/>
-            <a:ext cx="743615" cy="550291"/>
-          </a:xfrm>
-          <a:prstGeom prst="line">
-            <a:avLst/>
-          </a:prstGeom>
-          <a:ln>
-            <a:headEnd type="stealth" w="lg" len="med"/>
-          </a:ln>
-        </p:spPr>
-        <p:style>
-          <a:lnRef idx="3">
-            <a:schemeClr val="dk1"/>
-          </a:lnRef>
-          <a:fillRef idx="0">
-            <a:schemeClr val="dk1"/>
-          </a:fillRef>
-          <a:effectRef idx="2">
-            <a:schemeClr val="dk1"/>
-          </a:effectRef>
-          <a:fontRef idx="minor">
-            <a:schemeClr val="tx1"/>
-          </a:fontRef>
-        </p:style>
-      </p:cxnSp>
-      <p:cxnSp>
-        <p:nvCxnSpPr>
-          <p:cNvPr id="8" name="直接连接符 7"/>
-          <p:cNvCxnSpPr>
-            <a:stCxn id="6" idx="0"/>
-          </p:cNvCxnSpPr>
-          <p:nvPr/>
-        </p:nvCxnSpPr>
-        <p:spPr>
-          <a:xfrm flipH="1" flipV="1">
-            <a:off x="9538778" y="2256179"/>
-            <a:ext cx="777921" cy="427742"/>
-          </a:xfrm>
-          <a:prstGeom prst="line">
-            <a:avLst/>
-          </a:prstGeom>
-          <a:ln>
-            <a:headEnd type="stealth" w="lg" len="med"/>
-          </a:ln>
-        </p:spPr>
-        <p:style>
-          <a:lnRef idx="3">
-            <a:schemeClr val="dk1"/>
-          </a:lnRef>
-          <a:fillRef idx="0">
-            <a:schemeClr val="dk1"/>
-          </a:fillRef>
-          <a:effectRef idx="2">
-            <a:schemeClr val="dk1"/>
-          </a:effectRef>
-          <a:fontRef idx="minor">
-            <a:schemeClr val="tx1"/>
-          </a:fontRef>
-        </p:style>
-      </p:cxnSp>
-      <p:cxnSp>
-        <p:nvCxnSpPr>
-          <p:cNvPr id="9" name="直接连接符 8"/>
-          <p:cNvCxnSpPr>
-            <a:stCxn id="6" idx="1"/>
-            <a:endCxn id="5" idx="3"/>
-          </p:cNvCxnSpPr>
-          <p:nvPr/>
-        </p:nvCxnSpPr>
-        <p:spPr>
-          <a:xfrm flipH="1">
-            <a:off x="7560859" y="2945531"/>
-            <a:ext cx="1799490" cy="0"/>
-          </a:xfrm>
-          <a:prstGeom prst="line">
-            <a:avLst/>
-          </a:prstGeom>
-          <a:ln>
-            <a:headEnd type="stealth" w="lg" len="med"/>
-          </a:ln>
-        </p:spPr>
-        <p:style>
-          <a:lnRef idx="3">
-            <a:schemeClr val="dk1"/>
-          </a:lnRef>
-          <a:fillRef idx="0">
-            <a:schemeClr val="dk1"/>
-          </a:fillRef>
-          <a:effectRef idx="2">
-            <a:schemeClr val="dk1"/>
-          </a:effectRef>
-          <a:fontRef idx="minor">
-            <a:schemeClr val="tx1"/>
-          </a:fontRef>
-        </p:style>
-      </p:cxnSp>
-      <p:cxnSp>
-        <p:nvCxnSpPr>
-          <p:cNvPr id="10" name="直接连接符 9"/>
-          <p:cNvCxnSpPr/>
-          <p:nvPr/>
-        </p:nvCxnSpPr>
-        <p:spPr>
-          <a:xfrm flipV="1">
-            <a:off x="7574416" y="3063272"/>
-            <a:ext cx="1785933" cy="19606"/>
-          </a:xfrm>
-          <a:prstGeom prst="line">
-            <a:avLst/>
-          </a:prstGeom>
-          <a:ln>
-            <a:headEnd type="stealth" w="lg" len="med"/>
-          </a:ln>
-        </p:spPr>
-        <p:style>
-          <a:lnRef idx="3">
-            <a:schemeClr val="dk1"/>
-          </a:lnRef>
-          <a:fillRef idx="0">
-            <a:schemeClr val="dk1"/>
-          </a:fillRef>
-          <a:effectRef idx="2">
-            <a:schemeClr val="dk1"/>
-          </a:effectRef>
-          <a:fontRef idx="minor">
-            <a:schemeClr val="tx1"/>
-          </a:fontRef>
-        </p:style>
-      </p:cxnSp>
-      <p:sp>
-        <p:nvSpPr>
-          <p:cNvPr id="11" name="文本框 10"/>
-          <p:cNvSpPr txBox="1"/>
-          <p:nvPr/>
-        </p:nvSpPr>
-        <p:spPr>
-          <a:xfrm>
-            <a:off x="791574" y="1289589"/>
-            <a:ext cx="4763068" cy="2308324"/>
-          </a:xfrm>
-          <a:prstGeom prst="rect">
-            <a:avLst/>
-          </a:prstGeom>
-          <a:noFill/>
-        </p:spPr>
-        <p:txBody>
-          <a:bodyPr wrap="square" rtlCol="0">
-            <a:spAutoFit/>
-          </a:bodyPr>
-          <a:lstStyle/>
-          <a:p>
-            <a:r>
-              <a:rPr lang="en-US" altLang="zh-CN" sz="2400" dirty="0" smtClean="0"/>
-              <a:t>Select * from T1, T2, T3</a:t>
-            </a:r>
-          </a:p>
-          <a:p>
-            <a:r>
-              <a:rPr lang="en-US" altLang="zh-CN" sz="2400" dirty="0" smtClean="0"/>
-              <a:t>where  T1.country </a:t>
-            </a:r>
-            <a:r>
-              <a:rPr lang="en-US" altLang="zh-CN" sz="2400" dirty="0" err="1" smtClean="0"/>
-              <a:t>is_hyper</a:t>
-            </a:r>
-            <a:r>
-              <a:rPr lang="en-US" altLang="zh-CN" sz="2400" dirty="0" smtClean="0"/>
-              <a:t> T2.area with similarity 0.9  and T1.country </a:t>
-            </a:r>
-            <a:r>
-              <a:rPr lang="en-US" altLang="zh-CN" sz="2400" dirty="0" err="1" smtClean="0"/>
-              <a:t>is_hyper</a:t>
-            </a:r>
-            <a:r>
-              <a:rPr lang="en-US" altLang="zh-CN" sz="2400" dirty="0" smtClean="0"/>
-              <a:t> T3.address</a:t>
-            </a:r>
-            <a:r>
-              <a:rPr lang="en-US" altLang="zh-CN" sz="2400" dirty="0"/>
-              <a:t> with similarity </a:t>
-            </a:r>
-            <a:r>
-              <a:rPr lang="en-US" altLang="zh-CN" sz="2400" dirty="0" smtClean="0"/>
-              <a:t>0.9  and T2.area </a:t>
-            </a:r>
-            <a:r>
-              <a:rPr lang="en-US" altLang="zh-CN" sz="2400" dirty="0" err="1" smtClean="0"/>
-              <a:t>is_mixIsA</a:t>
-            </a:r>
-            <a:r>
-              <a:rPr lang="en-US" altLang="zh-CN" sz="2400" dirty="0" smtClean="0"/>
-              <a:t> T3.address </a:t>
-            </a:r>
-            <a:r>
-              <a:rPr lang="en-US" altLang="zh-CN" sz="2400" dirty="0"/>
-              <a:t>with similarity </a:t>
-            </a:r>
-            <a:r>
-              <a:rPr lang="en-US" altLang="zh-CN" sz="2400" dirty="0" smtClean="0"/>
-              <a:t>0.8 </a:t>
-            </a:r>
-            <a:endParaRPr lang="zh-CN" altLang="en-US" sz="2400" dirty="0"/>
-          </a:p>
-        </p:txBody>
-      </p:sp>
-      <p:sp>
-        <p:nvSpPr>
-          <p:cNvPr id="12" name="文本框 11"/>
-          <p:cNvSpPr txBox="1"/>
-          <p:nvPr/>
-        </p:nvSpPr>
-        <p:spPr>
-          <a:xfrm>
-            <a:off x="7560859" y="3847420"/>
-            <a:ext cx="2572098" cy="461665"/>
-          </a:xfrm>
-          <a:prstGeom prst="rect">
-            <a:avLst/>
-          </a:prstGeom>
-          <a:noFill/>
-        </p:spPr>
-        <p:txBody>
-          <a:bodyPr wrap="square" rtlCol="0">
-            <a:spAutoFit/>
-          </a:bodyPr>
-          <a:lstStyle/>
-          <a:p>
-            <a:r>
-              <a:rPr lang="en-US" altLang="zh-CN" sz="2400" dirty="0" smtClean="0"/>
-              <a:t>(b) Graph pattern</a:t>
-            </a:r>
-            <a:endParaRPr lang="zh-CN" altLang="en-US" sz="2400" dirty="0"/>
-          </a:p>
-        </p:txBody>
-      </p:sp>
-      <p:sp>
-        <p:nvSpPr>
-          <p:cNvPr id="13" name="文本框 12"/>
-          <p:cNvSpPr txBox="1"/>
-          <p:nvPr/>
-        </p:nvSpPr>
-        <p:spPr>
-          <a:xfrm>
-            <a:off x="1656184" y="3847420"/>
-            <a:ext cx="3033847" cy="461665"/>
-          </a:xfrm>
-          <a:prstGeom prst="rect">
-            <a:avLst/>
-          </a:prstGeom>
-          <a:noFill/>
-        </p:spPr>
-        <p:txBody>
-          <a:bodyPr wrap="square" rtlCol="0">
-            <a:spAutoFit/>
-          </a:bodyPr>
-          <a:lstStyle/>
-          <a:p>
-            <a:r>
-              <a:rPr lang="en-US" altLang="zh-CN" sz="2400" dirty="0" smtClean="0"/>
-              <a:t>(b) An SQL example</a:t>
-            </a:r>
-            <a:endParaRPr lang="zh-CN" altLang="en-US" sz="2400" dirty="0"/>
-          </a:p>
-        </p:txBody>
-      </p:sp>
-      <p:sp>
-        <p:nvSpPr>
-          <p:cNvPr id="14" name="文本框 13"/>
-          <p:cNvSpPr txBox="1"/>
-          <p:nvPr/>
-        </p:nvSpPr>
-        <p:spPr>
-          <a:xfrm>
-            <a:off x="6892120" y="1960646"/>
-            <a:ext cx="914309" cy="461665"/>
-          </a:xfrm>
-          <a:prstGeom prst="rect">
-            <a:avLst/>
-          </a:prstGeom>
-          <a:noFill/>
-        </p:spPr>
-        <p:txBody>
-          <a:bodyPr wrap="square" rtlCol="0">
-            <a:spAutoFit/>
-          </a:bodyPr>
-          <a:lstStyle/>
-          <a:p>
-            <a:r>
-              <a:rPr lang="en-US" altLang="zh-CN" sz="2400" dirty="0" smtClean="0"/>
-              <a:t>0.9</a:t>
-            </a:r>
-            <a:endParaRPr lang="zh-CN" altLang="en-US" sz="2400" dirty="0"/>
-          </a:p>
-        </p:txBody>
-      </p:sp>
-      <p:sp>
-        <p:nvSpPr>
-          <p:cNvPr id="15" name="文本框 14"/>
-          <p:cNvSpPr txBox="1"/>
-          <p:nvPr/>
-        </p:nvSpPr>
-        <p:spPr>
-          <a:xfrm>
-            <a:off x="9742723" y="2004406"/>
-            <a:ext cx="914309" cy="461665"/>
-          </a:xfrm>
-          <a:prstGeom prst="rect">
-            <a:avLst/>
-          </a:prstGeom>
-          <a:noFill/>
-        </p:spPr>
-        <p:txBody>
-          <a:bodyPr wrap="square" rtlCol="0">
-            <a:spAutoFit/>
-          </a:bodyPr>
-          <a:lstStyle/>
-          <a:p>
-            <a:r>
-              <a:rPr lang="en-US" altLang="zh-CN" sz="2400" dirty="0" smtClean="0"/>
-              <a:t>0.9</a:t>
-            </a:r>
-            <a:endParaRPr lang="zh-CN" altLang="en-US" sz="2400" dirty="0"/>
-          </a:p>
-        </p:txBody>
-      </p:sp>
-      <p:sp>
-        <p:nvSpPr>
-          <p:cNvPr id="16" name="文本框 15"/>
-          <p:cNvSpPr txBox="1"/>
-          <p:nvPr/>
-        </p:nvSpPr>
-        <p:spPr>
-          <a:xfrm>
-            <a:off x="8208072" y="2453088"/>
-            <a:ext cx="914309" cy="461665"/>
-          </a:xfrm>
-          <a:prstGeom prst="rect">
-            <a:avLst/>
-          </a:prstGeom>
-          <a:noFill/>
-        </p:spPr>
-        <p:txBody>
-          <a:bodyPr wrap="square" rtlCol="0">
-            <a:spAutoFit/>
-          </a:bodyPr>
-          <a:lstStyle/>
-          <a:p>
-            <a:r>
-              <a:rPr lang="en-US" altLang="zh-CN" sz="2400" dirty="0" smtClean="0"/>
-              <a:t>0.8</a:t>
-            </a:r>
-            <a:endParaRPr lang="zh-CN" altLang="en-US" sz="2400" dirty="0"/>
+              <a:rPr lang="en-US" altLang="zh-CN" dirty="0" smtClean="0"/>
+              <a:t>Table T2</a:t>
+            </a:r>
+            <a:endParaRPr lang="zh-CN" altLang="en-US" dirty="0"/>
           </a:p>
         </p:txBody>
       </p:sp>
     </p:spTree>
     <p:extLst>
       <p:ext uri="{BB962C8B-B14F-4D97-AF65-F5344CB8AC3E}">
-        <p14:creationId xmlns:p14="http://schemas.microsoft.com/office/powerpoint/2010/main" val="2567231054"/>
+        <p14:creationId xmlns:p14="http://schemas.microsoft.com/office/powerpoint/2010/main" val="2483443950"/>
       </p:ext>
     </p:extLst>
   </p:cSld>
   <p:clrMapOvr>
     <a:masterClrMapping/>
   </p:clrMapOvr>
-  <p:timing>
-    <p:tnLst>
-      <p:par>
-        <p:cTn id="1" dur="indefinite" restart="never" nodeType="tmRoot"/>
-      </p:par>
-    </p:tnLst>
-  </p:timing>
 </p:sld>
 </file>
 

--- a/figures/taxonomy.pptx
+++ b/figures/taxonomy.pptx
@@ -5,14 +5,15 @@
     <p:sldMasterId id="2147483648" r:id="rId1"/>
   </p:sldMasterIdLst>
   <p:notesMasterIdLst>
-    <p:notesMasterId r:id="rId7"/>
+    <p:notesMasterId r:id="rId8"/>
   </p:notesMasterIdLst>
   <p:sldIdLst>
     <p:sldId id="257" r:id="rId2"/>
-    <p:sldId id="258" r:id="rId3"/>
-    <p:sldId id="259" r:id="rId4"/>
-    <p:sldId id="260" r:id="rId5"/>
-    <p:sldId id="261" r:id="rId6"/>
+    <p:sldId id="262" r:id="rId3"/>
+    <p:sldId id="258" r:id="rId4"/>
+    <p:sldId id="259" r:id="rId5"/>
+    <p:sldId id="260" r:id="rId6"/>
+    <p:sldId id="261" r:id="rId7"/>
   </p:sldIdLst>
   <p:sldSz cx="12192000" cy="6858000"/>
   <p:notesSz cx="6858000" cy="9144000"/>
@@ -201,7 +202,7 @@
           <a:p>
             <a:fld id="{0D55BE89-D7D9-46DA-844D-6941724E15AE}" type="datetimeFigureOut">
               <a:rPr lang="zh-CN" altLang="en-US" smtClean="0"/>
-              <a:t>2015/6/29</a:t>
+              <a:t>2015/7/15</a:t>
             </a:fld>
             <a:endParaRPr lang="zh-CN" altLang="en-US"/>
           </a:p>
@@ -600,7 +601,7 @@
           <a:p>
             <a:fld id="{E874AFEE-2C2F-4B0D-A59D-72CFE7C0C765}" type="datetimeFigureOut">
               <a:rPr lang="zh-CN" altLang="en-US" smtClean="0"/>
-              <a:t>2015/6/29</a:t>
+              <a:t>2015/7/15</a:t>
             </a:fld>
             <a:endParaRPr lang="zh-CN" altLang="en-US"/>
           </a:p>
@@ -770,7 +771,7 @@
           <a:p>
             <a:fld id="{E874AFEE-2C2F-4B0D-A59D-72CFE7C0C765}" type="datetimeFigureOut">
               <a:rPr lang="zh-CN" altLang="en-US" smtClean="0"/>
-              <a:t>2015/6/29</a:t>
+              <a:t>2015/7/15</a:t>
             </a:fld>
             <a:endParaRPr lang="zh-CN" altLang="en-US"/>
           </a:p>
@@ -950,7 +951,7 @@
           <a:p>
             <a:fld id="{E874AFEE-2C2F-4B0D-A59D-72CFE7C0C765}" type="datetimeFigureOut">
               <a:rPr lang="zh-CN" altLang="en-US" smtClean="0"/>
-              <a:t>2015/6/29</a:t>
+              <a:t>2015/7/15</a:t>
             </a:fld>
             <a:endParaRPr lang="zh-CN" altLang="en-US"/>
           </a:p>
@@ -1120,7 +1121,7 @@
           <a:p>
             <a:fld id="{E874AFEE-2C2F-4B0D-A59D-72CFE7C0C765}" type="datetimeFigureOut">
               <a:rPr lang="zh-CN" altLang="en-US" smtClean="0"/>
-              <a:t>2015/6/29</a:t>
+              <a:t>2015/7/15</a:t>
             </a:fld>
             <a:endParaRPr lang="zh-CN" altLang="en-US"/>
           </a:p>
@@ -1366,7 +1367,7 @@
           <a:p>
             <a:fld id="{E874AFEE-2C2F-4B0D-A59D-72CFE7C0C765}" type="datetimeFigureOut">
               <a:rPr lang="zh-CN" altLang="en-US" smtClean="0"/>
-              <a:t>2015/6/29</a:t>
+              <a:t>2015/7/15</a:t>
             </a:fld>
             <a:endParaRPr lang="zh-CN" altLang="en-US"/>
           </a:p>
@@ -1598,7 +1599,7 @@
           <a:p>
             <a:fld id="{E874AFEE-2C2F-4B0D-A59D-72CFE7C0C765}" type="datetimeFigureOut">
               <a:rPr lang="zh-CN" altLang="en-US" smtClean="0"/>
-              <a:t>2015/6/29</a:t>
+              <a:t>2015/7/15</a:t>
             </a:fld>
             <a:endParaRPr lang="zh-CN" altLang="en-US"/>
           </a:p>
@@ -1965,7 +1966,7 @@
           <a:p>
             <a:fld id="{E874AFEE-2C2F-4B0D-A59D-72CFE7C0C765}" type="datetimeFigureOut">
               <a:rPr lang="zh-CN" altLang="en-US" smtClean="0"/>
-              <a:t>2015/6/29</a:t>
+              <a:t>2015/7/15</a:t>
             </a:fld>
             <a:endParaRPr lang="zh-CN" altLang="en-US"/>
           </a:p>
@@ -2083,7 +2084,7 @@
           <a:p>
             <a:fld id="{E874AFEE-2C2F-4B0D-A59D-72CFE7C0C765}" type="datetimeFigureOut">
               <a:rPr lang="zh-CN" altLang="en-US" smtClean="0"/>
-              <a:t>2015/6/29</a:t>
+              <a:t>2015/7/15</a:t>
             </a:fld>
             <a:endParaRPr lang="zh-CN" altLang="en-US"/>
           </a:p>
@@ -2178,7 +2179,7 @@
           <a:p>
             <a:fld id="{E874AFEE-2C2F-4B0D-A59D-72CFE7C0C765}" type="datetimeFigureOut">
               <a:rPr lang="zh-CN" altLang="en-US" smtClean="0"/>
-              <a:t>2015/6/29</a:t>
+              <a:t>2015/7/15</a:t>
             </a:fld>
             <a:endParaRPr lang="zh-CN" altLang="en-US"/>
           </a:p>
@@ -2455,7 +2456,7 @@
           <a:p>
             <a:fld id="{E874AFEE-2C2F-4B0D-A59D-72CFE7C0C765}" type="datetimeFigureOut">
               <a:rPr lang="zh-CN" altLang="en-US" smtClean="0"/>
-              <a:t>2015/6/29</a:t>
+              <a:t>2015/7/15</a:t>
             </a:fld>
             <a:endParaRPr lang="zh-CN" altLang="en-US"/>
           </a:p>
@@ -2708,7 +2709,7 @@
           <a:p>
             <a:fld id="{E874AFEE-2C2F-4B0D-A59D-72CFE7C0C765}" type="datetimeFigureOut">
               <a:rPr lang="zh-CN" altLang="en-US" smtClean="0"/>
-              <a:t>2015/6/29</a:t>
+              <a:t>2015/7/15</a:t>
             </a:fld>
             <a:endParaRPr lang="zh-CN" altLang="en-US"/>
           </a:p>
@@ -2921,7 +2922,7 @@
           <a:p>
             <a:fld id="{E874AFEE-2C2F-4B0D-A59D-72CFE7C0C765}" type="datetimeFigureOut">
               <a:rPr lang="zh-CN" altLang="en-US" smtClean="0"/>
-              <a:t>2015/6/29</a:t>
+              <a:t>2015/7/15</a:t>
             </a:fld>
             <a:endParaRPr lang="zh-CN" altLang="en-US"/>
           </a:p>
@@ -4856,6 +4857,1442 @@
       </p:grpSpPr>
       <p:sp>
         <p:nvSpPr>
+          <p:cNvPr id="5" name="文本框 4"/>
+          <p:cNvSpPr txBox="1"/>
+          <p:nvPr/>
+        </p:nvSpPr>
+        <p:spPr>
+          <a:xfrm>
+            <a:off x="4517410" y="818867"/>
+            <a:ext cx="2374710" cy="369332"/>
+          </a:xfrm>
+          <a:prstGeom prst="rect">
+            <a:avLst/>
+          </a:prstGeom>
+          <a:noFill/>
+        </p:spPr>
+        <p:txBody>
+          <a:bodyPr wrap="square" rtlCol="0">
+            <a:spAutoFit/>
+          </a:bodyPr>
+          <a:lstStyle/>
+          <a:p>
+            <a:r>
+              <a:rPr lang="en-US" altLang="zh-CN" dirty="0" smtClean="0"/>
+              <a:t>Geographic locations </a:t>
+            </a:r>
+            <a:endParaRPr lang="zh-CN" altLang="en-US" dirty="0"/>
+          </a:p>
+        </p:txBody>
+      </p:sp>
+      <p:sp>
+        <p:nvSpPr>
+          <p:cNvPr id="6" name="文本框 5"/>
+          <p:cNvSpPr txBox="1"/>
+          <p:nvPr/>
+        </p:nvSpPr>
+        <p:spPr>
+          <a:xfrm>
+            <a:off x="1617833" y="1868150"/>
+            <a:ext cx="734704" cy="369332"/>
+          </a:xfrm>
+          <a:prstGeom prst="rect">
+            <a:avLst/>
+          </a:prstGeom>
+          <a:noFill/>
+        </p:spPr>
+        <p:txBody>
+          <a:bodyPr wrap="square" rtlCol="0">
+            <a:spAutoFit/>
+          </a:bodyPr>
+          <a:lstStyle/>
+          <a:p>
+            <a:r>
+              <a:rPr lang="en-US" altLang="zh-CN" dirty="0" smtClean="0"/>
+              <a:t>Africa</a:t>
+            </a:r>
+            <a:endParaRPr lang="zh-CN" altLang="en-US" dirty="0"/>
+          </a:p>
+        </p:txBody>
+      </p:sp>
+      <p:sp>
+        <p:nvSpPr>
+          <p:cNvPr id="7" name="文本框 6"/>
+          <p:cNvSpPr txBox="1"/>
+          <p:nvPr/>
+        </p:nvSpPr>
+        <p:spPr>
+          <a:xfrm>
+            <a:off x="4750558" y="1852868"/>
+            <a:ext cx="1199865" cy="369332"/>
+          </a:xfrm>
+          <a:prstGeom prst="rect">
+            <a:avLst/>
+          </a:prstGeom>
+          <a:noFill/>
+        </p:spPr>
+        <p:txBody>
+          <a:bodyPr wrap="square" rtlCol="0">
+            <a:spAutoFit/>
+          </a:bodyPr>
+          <a:lstStyle/>
+          <a:p>
+            <a:r>
+              <a:rPr lang="en-US" altLang="zh-CN" dirty="0" smtClean="0"/>
+              <a:t>Americas</a:t>
+            </a:r>
+            <a:endParaRPr lang="zh-CN" altLang="en-US" dirty="0"/>
+          </a:p>
+        </p:txBody>
+      </p:sp>
+      <p:sp>
+        <p:nvSpPr>
+          <p:cNvPr id="8" name="文本框 7"/>
+          <p:cNvSpPr txBox="1"/>
+          <p:nvPr/>
+        </p:nvSpPr>
+        <p:spPr>
+          <a:xfrm>
+            <a:off x="7755623" y="1888576"/>
+            <a:ext cx="599932" cy="369332"/>
+          </a:xfrm>
+          <a:prstGeom prst="rect">
+            <a:avLst/>
+          </a:prstGeom>
+          <a:noFill/>
+        </p:spPr>
+        <p:txBody>
+          <a:bodyPr wrap="square" rtlCol="0">
+            <a:spAutoFit/>
+          </a:bodyPr>
+          <a:lstStyle/>
+          <a:p>
+            <a:r>
+              <a:rPr lang="en-US" altLang="zh-CN" dirty="0" smtClean="0"/>
+              <a:t>Asia</a:t>
+            </a:r>
+            <a:endParaRPr lang="zh-CN" altLang="en-US" dirty="0"/>
+          </a:p>
+        </p:txBody>
+      </p:sp>
+      <p:sp>
+        <p:nvSpPr>
+          <p:cNvPr id="9" name="文本框 8"/>
+          <p:cNvSpPr txBox="1"/>
+          <p:nvPr/>
+        </p:nvSpPr>
+        <p:spPr>
+          <a:xfrm>
+            <a:off x="680114" y="3112196"/>
+            <a:ext cx="1837898" cy="369332"/>
+          </a:xfrm>
+          <a:prstGeom prst="rect">
+            <a:avLst/>
+          </a:prstGeom>
+          <a:noFill/>
+        </p:spPr>
+        <p:txBody>
+          <a:bodyPr wrap="square" rtlCol="0">
+            <a:spAutoFit/>
+          </a:bodyPr>
+          <a:lstStyle/>
+          <a:p>
+            <a:r>
+              <a:rPr lang="en-US" altLang="zh-CN" dirty="0"/>
+              <a:t>Algeria</a:t>
+            </a:r>
+            <a:endParaRPr lang="zh-CN" altLang="en-US" dirty="0"/>
+          </a:p>
+        </p:txBody>
+      </p:sp>
+      <p:sp>
+        <p:nvSpPr>
+          <p:cNvPr id="14" name="文本框 13"/>
+          <p:cNvSpPr txBox="1"/>
+          <p:nvPr/>
+        </p:nvSpPr>
+        <p:spPr>
+          <a:xfrm>
+            <a:off x="3460146" y="4334953"/>
+            <a:ext cx="1357952" cy="369332"/>
+          </a:xfrm>
+          <a:prstGeom prst="rect">
+            <a:avLst/>
+          </a:prstGeom>
+          <a:noFill/>
+        </p:spPr>
+        <p:txBody>
+          <a:bodyPr wrap="square" rtlCol="0">
+            <a:spAutoFit/>
+          </a:bodyPr>
+          <a:lstStyle/>
+          <a:p>
+            <a:r>
+              <a:rPr lang="en-US" altLang="zh-CN" dirty="0" smtClean="0"/>
+              <a:t>California</a:t>
+            </a:r>
+            <a:endParaRPr lang="zh-CN" altLang="en-US" dirty="0"/>
+          </a:p>
+        </p:txBody>
+      </p:sp>
+      <p:sp>
+        <p:nvSpPr>
+          <p:cNvPr id="15" name="文本框 14"/>
+          <p:cNvSpPr txBox="1"/>
+          <p:nvPr/>
+        </p:nvSpPr>
+        <p:spPr>
+          <a:xfrm>
+            <a:off x="4743442" y="4307674"/>
+            <a:ext cx="1357952" cy="369332"/>
+          </a:xfrm>
+          <a:prstGeom prst="rect">
+            <a:avLst/>
+          </a:prstGeom>
+          <a:noFill/>
+        </p:spPr>
+        <p:txBody>
+          <a:bodyPr wrap="square" rtlCol="0">
+            <a:spAutoFit/>
+          </a:bodyPr>
+          <a:lstStyle/>
+          <a:p>
+            <a:r>
+              <a:rPr lang="en-US" altLang="zh-CN" dirty="0" smtClean="0"/>
+              <a:t>Michigan</a:t>
+            </a:r>
+            <a:endParaRPr lang="zh-CN" altLang="en-US" dirty="0"/>
+          </a:p>
+        </p:txBody>
+      </p:sp>
+      <p:sp>
+        <p:nvSpPr>
+          <p:cNvPr id="16" name="文本框 15"/>
+          <p:cNvSpPr txBox="1"/>
+          <p:nvPr/>
+        </p:nvSpPr>
+        <p:spPr>
+          <a:xfrm>
+            <a:off x="6836674" y="5158228"/>
+            <a:ext cx="1837898" cy="369332"/>
+          </a:xfrm>
+          <a:prstGeom prst="rect">
+            <a:avLst/>
+          </a:prstGeom>
+          <a:noFill/>
+        </p:spPr>
+        <p:txBody>
+          <a:bodyPr wrap="square" rtlCol="0">
+            <a:spAutoFit/>
+          </a:bodyPr>
+          <a:lstStyle/>
+          <a:p>
+            <a:r>
+              <a:rPr lang="en-US" altLang="zh-CN" dirty="0" smtClean="0"/>
+              <a:t>Seoul</a:t>
+            </a:r>
+            <a:endParaRPr lang="zh-CN" altLang="en-US" dirty="0"/>
+          </a:p>
+        </p:txBody>
+      </p:sp>
+      <p:sp>
+        <p:nvSpPr>
+          <p:cNvPr id="17" name="文本框 16"/>
+          <p:cNvSpPr txBox="1"/>
+          <p:nvPr/>
+        </p:nvSpPr>
+        <p:spPr>
+          <a:xfrm>
+            <a:off x="7282220" y="3086833"/>
+            <a:ext cx="1837898" cy="369332"/>
+          </a:xfrm>
+          <a:prstGeom prst="rect">
+            <a:avLst/>
+          </a:prstGeom>
+          <a:noFill/>
+        </p:spPr>
+        <p:txBody>
+          <a:bodyPr wrap="square" rtlCol="0">
+            <a:spAutoFit/>
+          </a:bodyPr>
+          <a:lstStyle/>
+          <a:p>
+            <a:r>
+              <a:rPr lang="en-US" altLang="zh-CN" dirty="0" smtClean="0"/>
+              <a:t>South Korea</a:t>
+            </a:r>
+            <a:endParaRPr lang="zh-CN" altLang="en-US" dirty="0"/>
+          </a:p>
+        </p:txBody>
+      </p:sp>
+      <p:sp>
+        <p:nvSpPr>
+          <p:cNvPr id="18" name="文本框 17"/>
+          <p:cNvSpPr txBox="1"/>
+          <p:nvPr/>
+        </p:nvSpPr>
+        <p:spPr>
+          <a:xfrm>
+            <a:off x="8063119" y="4341860"/>
+            <a:ext cx="1837898" cy="369332"/>
+          </a:xfrm>
+          <a:prstGeom prst="rect">
+            <a:avLst/>
+          </a:prstGeom>
+          <a:noFill/>
+        </p:spPr>
+        <p:txBody>
+          <a:bodyPr wrap="square" rtlCol="0">
+            <a:spAutoFit/>
+          </a:bodyPr>
+          <a:lstStyle/>
+          <a:p>
+            <a:r>
+              <a:rPr lang="en-US" altLang="zh-CN" dirty="0" smtClean="0"/>
+              <a:t>Guangdong</a:t>
+            </a:r>
+            <a:endParaRPr lang="zh-CN" altLang="en-US" dirty="0"/>
+          </a:p>
+        </p:txBody>
+      </p:sp>
+      <p:sp>
+        <p:nvSpPr>
+          <p:cNvPr id="21" name="文本框 20"/>
+          <p:cNvSpPr txBox="1"/>
+          <p:nvPr/>
+        </p:nvSpPr>
+        <p:spPr>
+          <a:xfrm>
+            <a:off x="9210239" y="1787278"/>
+            <a:ext cx="1837898" cy="461665"/>
+          </a:xfrm>
+          <a:prstGeom prst="rect">
+            <a:avLst/>
+          </a:prstGeom>
+          <a:noFill/>
+        </p:spPr>
+        <p:txBody>
+          <a:bodyPr wrap="square" rtlCol="0">
+            <a:spAutoFit/>
+          </a:bodyPr>
+          <a:lstStyle/>
+          <a:p>
+            <a:r>
+              <a:rPr lang="en-US" altLang="zh-CN" sz="2400" dirty="0" smtClean="0"/>
+              <a:t>…</a:t>
+            </a:r>
+            <a:endParaRPr lang="zh-CN" altLang="en-US" sz="2400" dirty="0"/>
+          </a:p>
+        </p:txBody>
+      </p:sp>
+      <p:sp>
+        <p:nvSpPr>
+          <p:cNvPr id="22" name="文本框 21"/>
+          <p:cNvSpPr txBox="1"/>
+          <p:nvPr/>
+        </p:nvSpPr>
+        <p:spPr>
+          <a:xfrm>
+            <a:off x="2679512" y="2956512"/>
+            <a:ext cx="1837898" cy="461665"/>
+          </a:xfrm>
+          <a:prstGeom prst="rect">
+            <a:avLst/>
+          </a:prstGeom>
+          <a:noFill/>
+        </p:spPr>
+        <p:txBody>
+          <a:bodyPr wrap="square" rtlCol="0">
+            <a:spAutoFit/>
+          </a:bodyPr>
+          <a:lstStyle/>
+          <a:p>
+            <a:r>
+              <a:rPr lang="en-US" altLang="zh-CN" sz="2400" dirty="0" smtClean="0"/>
+              <a:t>…</a:t>
+            </a:r>
+            <a:endParaRPr lang="zh-CN" altLang="en-US" sz="2400" dirty="0"/>
+          </a:p>
+        </p:txBody>
+      </p:sp>
+      <p:sp>
+        <p:nvSpPr>
+          <p:cNvPr id="23" name="文本框 22"/>
+          <p:cNvSpPr txBox="1"/>
+          <p:nvPr/>
+        </p:nvSpPr>
+        <p:spPr>
+          <a:xfrm>
+            <a:off x="6229066" y="2984160"/>
+            <a:ext cx="528854" cy="461665"/>
+          </a:xfrm>
+          <a:prstGeom prst="rect">
+            <a:avLst/>
+          </a:prstGeom>
+          <a:noFill/>
+        </p:spPr>
+        <p:txBody>
+          <a:bodyPr wrap="square" rtlCol="0">
+            <a:spAutoFit/>
+          </a:bodyPr>
+          <a:lstStyle/>
+          <a:p>
+            <a:r>
+              <a:rPr lang="en-US" altLang="zh-CN" sz="2400" dirty="0" smtClean="0"/>
+              <a:t>…</a:t>
+            </a:r>
+            <a:endParaRPr lang="zh-CN" altLang="en-US" sz="2400" dirty="0"/>
+          </a:p>
+        </p:txBody>
+      </p:sp>
+      <p:cxnSp>
+        <p:nvCxnSpPr>
+          <p:cNvPr id="25" name="直接连接符 24"/>
+          <p:cNvCxnSpPr>
+            <a:stCxn id="5" idx="2"/>
+          </p:cNvCxnSpPr>
+          <p:nvPr/>
+        </p:nvCxnSpPr>
+        <p:spPr>
+          <a:xfrm flipH="1">
+            <a:off x="2518012" y="1188199"/>
+            <a:ext cx="3186753" cy="600969"/>
+          </a:xfrm>
+          <a:prstGeom prst="line">
+            <a:avLst/>
+          </a:prstGeom>
+        </p:spPr>
+        <p:style>
+          <a:lnRef idx="3">
+            <a:schemeClr val="dk1"/>
+          </a:lnRef>
+          <a:fillRef idx="0">
+            <a:schemeClr val="dk1"/>
+          </a:fillRef>
+          <a:effectRef idx="2">
+            <a:schemeClr val="dk1"/>
+          </a:effectRef>
+          <a:fontRef idx="minor">
+            <a:schemeClr val="tx1"/>
+          </a:fontRef>
+        </p:style>
+      </p:cxnSp>
+      <p:cxnSp>
+        <p:nvCxnSpPr>
+          <p:cNvPr id="26" name="直接连接符 25"/>
+          <p:cNvCxnSpPr>
+            <a:stCxn id="5" idx="2"/>
+            <a:endCxn id="7" idx="0"/>
+          </p:cNvCxnSpPr>
+          <p:nvPr/>
+        </p:nvCxnSpPr>
+        <p:spPr>
+          <a:xfrm flipH="1">
+            <a:off x="5350491" y="1188199"/>
+            <a:ext cx="354274" cy="664669"/>
+          </a:xfrm>
+          <a:prstGeom prst="line">
+            <a:avLst/>
+          </a:prstGeom>
+        </p:spPr>
+        <p:style>
+          <a:lnRef idx="3">
+            <a:schemeClr val="dk1"/>
+          </a:lnRef>
+          <a:fillRef idx="0">
+            <a:schemeClr val="dk1"/>
+          </a:fillRef>
+          <a:effectRef idx="2">
+            <a:schemeClr val="dk1"/>
+          </a:effectRef>
+          <a:fontRef idx="minor">
+            <a:schemeClr val="tx1"/>
+          </a:fontRef>
+        </p:style>
+      </p:cxnSp>
+      <p:cxnSp>
+        <p:nvCxnSpPr>
+          <p:cNvPr id="29" name="直接连接符 28"/>
+          <p:cNvCxnSpPr>
+            <a:stCxn id="5" idx="2"/>
+          </p:cNvCxnSpPr>
+          <p:nvPr/>
+        </p:nvCxnSpPr>
+        <p:spPr>
+          <a:xfrm>
+            <a:off x="5704765" y="1188199"/>
+            <a:ext cx="2163444" cy="637021"/>
+          </a:xfrm>
+          <a:prstGeom prst="line">
+            <a:avLst/>
+          </a:prstGeom>
+        </p:spPr>
+        <p:style>
+          <a:lnRef idx="3">
+            <a:schemeClr val="dk1"/>
+          </a:lnRef>
+          <a:fillRef idx="0">
+            <a:schemeClr val="dk1"/>
+          </a:fillRef>
+          <a:effectRef idx="2">
+            <a:schemeClr val="dk1"/>
+          </a:effectRef>
+          <a:fontRef idx="minor">
+            <a:schemeClr val="tx1"/>
+          </a:fontRef>
+        </p:style>
+      </p:cxnSp>
+      <p:cxnSp>
+        <p:nvCxnSpPr>
+          <p:cNvPr id="32" name="直接连接符 31"/>
+          <p:cNvCxnSpPr/>
+          <p:nvPr/>
+        </p:nvCxnSpPr>
+        <p:spPr>
+          <a:xfrm flipH="1">
+            <a:off x="1108203" y="2302487"/>
+            <a:ext cx="669310" cy="806689"/>
+          </a:xfrm>
+          <a:prstGeom prst="line">
+            <a:avLst/>
+          </a:prstGeom>
+        </p:spPr>
+        <p:style>
+          <a:lnRef idx="3">
+            <a:schemeClr val="dk1"/>
+          </a:lnRef>
+          <a:fillRef idx="0">
+            <a:schemeClr val="dk1"/>
+          </a:fillRef>
+          <a:effectRef idx="2">
+            <a:schemeClr val="dk1"/>
+          </a:effectRef>
+          <a:fontRef idx="minor">
+            <a:schemeClr val="tx1"/>
+          </a:fontRef>
+        </p:style>
+      </p:cxnSp>
+      <p:cxnSp>
+        <p:nvCxnSpPr>
+          <p:cNvPr id="41" name="直接连接符 40"/>
+          <p:cNvCxnSpPr/>
+          <p:nvPr/>
+        </p:nvCxnSpPr>
+        <p:spPr>
+          <a:xfrm>
+            <a:off x="1842906" y="2275730"/>
+            <a:ext cx="96244" cy="802097"/>
+          </a:xfrm>
+          <a:prstGeom prst="line">
+            <a:avLst/>
+          </a:prstGeom>
+        </p:spPr>
+        <p:style>
+          <a:lnRef idx="3">
+            <a:schemeClr val="dk1"/>
+          </a:lnRef>
+          <a:fillRef idx="0">
+            <a:schemeClr val="dk1"/>
+          </a:fillRef>
+          <a:effectRef idx="2">
+            <a:schemeClr val="dk1"/>
+          </a:effectRef>
+          <a:fontRef idx="minor">
+            <a:schemeClr val="tx1"/>
+          </a:fontRef>
+        </p:style>
+      </p:cxnSp>
+      <p:cxnSp>
+        <p:nvCxnSpPr>
+          <p:cNvPr id="44" name="直接连接符 43"/>
+          <p:cNvCxnSpPr>
+            <a:stCxn id="7" idx="2"/>
+          </p:cNvCxnSpPr>
+          <p:nvPr/>
+        </p:nvCxnSpPr>
+        <p:spPr>
+          <a:xfrm flipH="1">
+            <a:off x="4657868" y="2222200"/>
+            <a:ext cx="692623" cy="761960"/>
+          </a:xfrm>
+          <a:prstGeom prst="line">
+            <a:avLst/>
+          </a:prstGeom>
+        </p:spPr>
+        <p:style>
+          <a:lnRef idx="3">
+            <a:schemeClr val="dk1"/>
+          </a:lnRef>
+          <a:fillRef idx="0">
+            <a:schemeClr val="dk1"/>
+          </a:fillRef>
+          <a:effectRef idx="2">
+            <a:schemeClr val="dk1"/>
+          </a:effectRef>
+          <a:fontRef idx="minor">
+            <a:schemeClr val="tx1"/>
+          </a:fontRef>
+        </p:style>
+      </p:cxnSp>
+      <p:cxnSp>
+        <p:nvCxnSpPr>
+          <p:cNvPr id="45" name="直接连接符 44"/>
+          <p:cNvCxnSpPr>
+            <a:stCxn id="7" idx="2"/>
+          </p:cNvCxnSpPr>
+          <p:nvPr/>
+        </p:nvCxnSpPr>
+        <p:spPr>
+          <a:xfrm>
+            <a:off x="5350491" y="2222200"/>
+            <a:ext cx="1121959" cy="734312"/>
+          </a:xfrm>
+          <a:prstGeom prst="line">
+            <a:avLst/>
+          </a:prstGeom>
+        </p:spPr>
+        <p:style>
+          <a:lnRef idx="3">
+            <a:schemeClr val="dk1"/>
+          </a:lnRef>
+          <a:fillRef idx="0">
+            <a:schemeClr val="dk1"/>
+          </a:fillRef>
+          <a:effectRef idx="2">
+            <a:schemeClr val="dk1"/>
+          </a:effectRef>
+          <a:fontRef idx="minor">
+            <a:schemeClr val="tx1"/>
+          </a:fontRef>
+        </p:style>
+      </p:cxnSp>
+      <p:cxnSp>
+        <p:nvCxnSpPr>
+          <p:cNvPr id="49" name="直接连接符 48"/>
+          <p:cNvCxnSpPr/>
+          <p:nvPr/>
+        </p:nvCxnSpPr>
+        <p:spPr>
+          <a:xfrm flipH="1">
+            <a:off x="3818389" y="3481527"/>
+            <a:ext cx="600218" cy="760153"/>
+          </a:xfrm>
+          <a:prstGeom prst="line">
+            <a:avLst/>
+          </a:prstGeom>
+        </p:spPr>
+        <p:style>
+          <a:lnRef idx="3">
+            <a:schemeClr val="dk1"/>
+          </a:lnRef>
+          <a:fillRef idx="0">
+            <a:schemeClr val="dk1"/>
+          </a:fillRef>
+          <a:effectRef idx="2">
+            <a:schemeClr val="dk1"/>
+          </a:effectRef>
+          <a:fontRef idx="minor">
+            <a:schemeClr val="tx1"/>
+          </a:fontRef>
+        </p:style>
+      </p:cxnSp>
+      <p:cxnSp>
+        <p:nvCxnSpPr>
+          <p:cNvPr id="51" name="直接连接符 50"/>
+          <p:cNvCxnSpPr/>
+          <p:nvPr/>
+        </p:nvCxnSpPr>
+        <p:spPr>
+          <a:xfrm>
+            <a:off x="4403535" y="3466728"/>
+            <a:ext cx="775651" cy="747673"/>
+          </a:xfrm>
+          <a:prstGeom prst="line">
+            <a:avLst/>
+          </a:prstGeom>
+        </p:spPr>
+        <p:style>
+          <a:lnRef idx="3">
+            <a:schemeClr val="dk1"/>
+          </a:lnRef>
+          <a:fillRef idx="0">
+            <a:schemeClr val="dk1"/>
+          </a:fillRef>
+          <a:effectRef idx="2">
+            <a:schemeClr val="dk1"/>
+          </a:effectRef>
+          <a:fontRef idx="minor">
+            <a:schemeClr val="tx1"/>
+          </a:fontRef>
+        </p:style>
+      </p:cxnSp>
+      <p:cxnSp>
+        <p:nvCxnSpPr>
+          <p:cNvPr id="55" name="直接连接符 54"/>
+          <p:cNvCxnSpPr>
+            <a:stCxn id="8" idx="2"/>
+          </p:cNvCxnSpPr>
+          <p:nvPr/>
+        </p:nvCxnSpPr>
+        <p:spPr>
+          <a:xfrm flipH="1">
+            <a:off x="7841492" y="2257908"/>
+            <a:ext cx="214097" cy="646021"/>
+          </a:xfrm>
+          <a:prstGeom prst="line">
+            <a:avLst/>
+          </a:prstGeom>
+        </p:spPr>
+        <p:style>
+          <a:lnRef idx="3">
+            <a:schemeClr val="dk1"/>
+          </a:lnRef>
+          <a:fillRef idx="0">
+            <a:schemeClr val="dk1"/>
+          </a:fillRef>
+          <a:effectRef idx="2">
+            <a:schemeClr val="dk1"/>
+          </a:effectRef>
+          <a:fontRef idx="minor">
+            <a:schemeClr val="tx1"/>
+          </a:fontRef>
+        </p:style>
+      </p:cxnSp>
+      <p:cxnSp>
+        <p:nvCxnSpPr>
+          <p:cNvPr id="59" name="直接连接符 58"/>
+          <p:cNvCxnSpPr/>
+          <p:nvPr/>
+        </p:nvCxnSpPr>
+        <p:spPr>
+          <a:xfrm flipH="1" flipV="1">
+            <a:off x="8085453" y="2260812"/>
+            <a:ext cx="908436" cy="666639"/>
+          </a:xfrm>
+          <a:prstGeom prst="line">
+            <a:avLst/>
+          </a:prstGeom>
+        </p:spPr>
+        <p:style>
+          <a:lnRef idx="3">
+            <a:schemeClr val="dk1"/>
+          </a:lnRef>
+          <a:fillRef idx="0">
+            <a:schemeClr val="dk1"/>
+          </a:fillRef>
+          <a:effectRef idx="2">
+            <a:schemeClr val="dk1"/>
+          </a:effectRef>
+          <a:fontRef idx="minor">
+            <a:schemeClr val="tx1"/>
+          </a:fontRef>
+        </p:style>
+      </p:cxnSp>
+      <p:cxnSp>
+        <p:nvCxnSpPr>
+          <p:cNvPr id="63" name="直接连接符 62"/>
+          <p:cNvCxnSpPr/>
+          <p:nvPr/>
+        </p:nvCxnSpPr>
+        <p:spPr>
+          <a:xfrm flipH="1">
+            <a:off x="7374474" y="3512056"/>
+            <a:ext cx="281778" cy="681814"/>
+          </a:xfrm>
+          <a:prstGeom prst="line">
+            <a:avLst/>
+          </a:prstGeom>
+        </p:spPr>
+        <p:style>
+          <a:lnRef idx="3">
+            <a:schemeClr val="dk1"/>
+          </a:lnRef>
+          <a:fillRef idx="0">
+            <a:schemeClr val="dk1"/>
+          </a:fillRef>
+          <a:effectRef idx="2">
+            <a:schemeClr val="dk1"/>
+          </a:effectRef>
+          <a:fontRef idx="minor">
+            <a:schemeClr val="tx1"/>
+          </a:fontRef>
+        </p:style>
+      </p:cxnSp>
+      <p:cxnSp>
+        <p:nvCxnSpPr>
+          <p:cNvPr id="71" name="直接连接符 70"/>
+          <p:cNvCxnSpPr>
+            <a:stCxn id="5" idx="2"/>
+          </p:cNvCxnSpPr>
+          <p:nvPr/>
+        </p:nvCxnSpPr>
+        <p:spPr>
+          <a:xfrm>
+            <a:off x="5704765" y="1188199"/>
+            <a:ext cx="3505474" cy="586599"/>
+          </a:xfrm>
+          <a:prstGeom prst="line">
+            <a:avLst/>
+          </a:prstGeom>
+        </p:spPr>
+        <p:style>
+          <a:lnRef idx="3">
+            <a:schemeClr val="dk1"/>
+          </a:lnRef>
+          <a:fillRef idx="0">
+            <a:schemeClr val="dk1"/>
+          </a:fillRef>
+          <a:effectRef idx="2">
+            <a:schemeClr val="dk1"/>
+          </a:effectRef>
+          <a:fontRef idx="minor">
+            <a:schemeClr val="tx1"/>
+          </a:fontRef>
+        </p:style>
+      </p:cxnSp>
+      <p:sp>
+        <p:nvSpPr>
+          <p:cNvPr id="74" name="文本框 73"/>
+          <p:cNvSpPr txBox="1"/>
+          <p:nvPr/>
+        </p:nvSpPr>
+        <p:spPr>
+          <a:xfrm>
+            <a:off x="1850694" y="1487894"/>
+            <a:ext cx="734704" cy="369332"/>
+          </a:xfrm>
+          <a:prstGeom prst="rect">
+            <a:avLst/>
+          </a:prstGeom>
+          <a:noFill/>
+        </p:spPr>
+        <p:txBody>
+          <a:bodyPr wrap="square" rtlCol="0">
+            <a:spAutoFit/>
+          </a:bodyPr>
+          <a:lstStyle/>
+          <a:p>
+            <a:r>
+              <a:rPr lang="en-US" altLang="zh-CN" dirty="0" smtClean="0"/>
+              <a:t>1</a:t>
+            </a:r>
+            <a:endParaRPr lang="zh-CN" altLang="en-US" dirty="0"/>
+          </a:p>
+        </p:txBody>
+      </p:sp>
+      <p:sp>
+        <p:nvSpPr>
+          <p:cNvPr id="75" name="文本框 74"/>
+          <p:cNvSpPr txBox="1"/>
+          <p:nvPr/>
+        </p:nvSpPr>
+        <p:spPr>
+          <a:xfrm>
+            <a:off x="503266" y="2181937"/>
+            <a:ext cx="734704" cy="369332"/>
+          </a:xfrm>
+          <a:prstGeom prst="rect">
+            <a:avLst/>
+          </a:prstGeom>
+          <a:noFill/>
+        </p:spPr>
+        <p:txBody>
+          <a:bodyPr wrap="square" rtlCol="0">
+            <a:spAutoFit/>
+          </a:bodyPr>
+          <a:lstStyle/>
+          <a:p>
+            <a:r>
+              <a:rPr lang="en-US" altLang="zh-CN" dirty="0" smtClean="0"/>
+              <a:t>1.1</a:t>
+            </a:r>
+            <a:endParaRPr lang="zh-CN" altLang="en-US" dirty="0"/>
+          </a:p>
+        </p:txBody>
+      </p:sp>
+      <p:sp>
+        <p:nvSpPr>
+          <p:cNvPr id="79" name="文本框 78"/>
+          <p:cNvSpPr txBox="1"/>
+          <p:nvPr/>
+        </p:nvSpPr>
+        <p:spPr>
+          <a:xfrm>
+            <a:off x="4677486" y="1557531"/>
+            <a:ext cx="734704" cy="369332"/>
+          </a:xfrm>
+          <a:prstGeom prst="rect">
+            <a:avLst/>
+          </a:prstGeom>
+          <a:noFill/>
+        </p:spPr>
+        <p:txBody>
+          <a:bodyPr wrap="square" rtlCol="0">
+            <a:spAutoFit/>
+          </a:bodyPr>
+          <a:lstStyle/>
+          <a:p>
+            <a:r>
+              <a:rPr lang="en-US" altLang="zh-CN" dirty="0" smtClean="0"/>
+              <a:t>2</a:t>
+            </a:r>
+            <a:endParaRPr lang="zh-CN" altLang="en-US" dirty="0"/>
+          </a:p>
+        </p:txBody>
+      </p:sp>
+      <p:sp>
+        <p:nvSpPr>
+          <p:cNvPr id="80" name="文本框 79"/>
+          <p:cNvSpPr txBox="1"/>
+          <p:nvPr/>
+        </p:nvSpPr>
+        <p:spPr>
+          <a:xfrm>
+            <a:off x="7103523" y="2771846"/>
+            <a:ext cx="734704" cy="369332"/>
+          </a:xfrm>
+          <a:prstGeom prst="rect">
+            <a:avLst/>
+          </a:prstGeom>
+          <a:noFill/>
+        </p:spPr>
+        <p:txBody>
+          <a:bodyPr wrap="square" rtlCol="0">
+            <a:spAutoFit/>
+          </a:bodyPr>
+          <a:lstStyle/>
+          <a:p>
+            <a:r>
+              <a:rPr lang="en-US" altLang="zh-CN" dirty="0" smtClean="0"/>
+              <a:t>3.1</a:t>
+            </a:r>
+            <a:endParaRPr lang="zh-CN" altLang="en-US" dirty="0"/>
+          </a:p>
+        </p:txBody>
+      </p:sp>
+      <p:sp>
+        <p:nvSpPr>
+          <p:cNvPr id="82" name="文本框 81"/>
+          <p:cNvSpPr txBox="1"/>
+          <p:nvPr/>
+        </p:nvSpPr>
+        <p:spPr>
+          <a:xfrm>
+            <a:off x="4092625" y="2708495"/>
+            <a:ext cx="734704" cy="369332"/>
+          </a:xfrm>
+          <a:prstGeom prst="rect">
+            <a:avLst/>
+          </a:prstGeom>
+          <a:noFill/>
+        </p:spPr>
+        <p:txBody>
+          <a:bodyPr wrap="square" rtlCol="0">
+            <a:spAutoFit/>
+          </a:bodyPr>
+          <a:lstStyle/>
+          <a:p>
+            <a:r>
+              <a:rPr lang="en-US" altLang="zh-CN" dirty="0" smtClean="0"/>
+              <a:t>2.1</a:t>
+            </a:r>
+            <a:endParaRPr lang="zh-CN" altLang="en-US" dirty="0"/>
+          </a:p>
+        </p:txBody>
+      </p:sp>
+      <p:sp>
+        <p:nvSpPr>
+          <p:cNvPr id="83" name="文本框 82"/>
+          <p:cNvSpPr txBox="1"/>
+          <p:nvPr/>
+        </p:nvSpPr>
+        <p:spPr>
+          <a:xfrm>
+            <a:off x="3651054" y="4677006"/>
+            <a:ext cx="734704" cy="369332"/>
+          </a:xfrm>
+          <a:prstGeom prst="rect">
+            <a:avLst/>
+          </a:prstGeom>
+          <a:noFill/>
+        </p:spPr>
+        <p:txBody>
+          <a:bodyPr wrap="square" rtlCol="0">
+            <a:spAutoFit/>
+          </a:bodyPr>
+          <a:lstStyle/>
+          <a:p>
+            <a:r>
+              <a:rPr lang="en-US" altLang="zh-CN" dirty="0" smtClean="0"/>
+              <a:t>2.1.1</a:t>
+            </a:r>
+            <a:endParaRPr lang="zh-CN" altLang="en-US" dirty="0"/>
+          </a:p>
+        </p:txBody>
+      </p:sp>
+      <p:sp>
+        <p:nvSpPr>
+          <p:cNvPr id="84" name="文本框 83"/>
+          <p:cNvSpPr txBox="1"/>
+          <p:nvPr/>
+        </p:nvSpPr>
+        <p:spPr>
+          <a:xfrm>
+            <a:off x="5040162" y="4680687"/>
+            <a:ext cx="734704" cy="369332"/>
+          </a:xfrm>
+          <a:prstGeom prst="rect">
+            <a:avLst/>
+          </a:prstGeom>
+          <a:noFill/>
+        </p:spPr>
+        <p:txBody>
+          <a:bodyPr wrap="square" rtlCol="0">
+            <a:spAutoFit/>
+          </a:bodyPr>
+          <a:lstStyle/>
+          <a:p>
+            <a:r>
+              <a:rPr lang="en-US" altLang="zh-CN" dirty="0" smtClean="0"/>
+              <a:t>2.1.2</a:t>
+            </a:r>
+            <a:endParaRPr lang="zh-CN" altLang="en-US" dirty="0"/>
+          </a:p>
+        </p:txBody>
+      </p:sp>
+      <p:sp>
+        <p:nvSpPr>
+          <p:cNvPr id="85" name="文本框 84"/>
+          <p:cNvSpPr txBox="1"/>
+          <p:nvPr/>
+        </p:nvSpPr>
+        <p:spPr>
+          <a:xfrm>
+            <a:off x="7444853" y="1997271"/>
+            <a:ext cx="734704" cy="369332"/>
+          </a:xfrm>
+          <a:prstGeom prst="rect">
+            <a:avLst/>
+          </a:prstGeom>
+          <a:noFill/>
+        </p:spPr>
+        <p:txBody>
+          <a:bodyPr wrap="square" rtlCol="0">
+            <a:spAutoFit/>
+          </a:bodyPr>
+          <a:lstStyle/>
+          <a:p>
+            <a:r>
+              <a:rPr lang="en-US" altLang="zh-CN" dirty="0" smtClean="0"/>
+              <a:t>3</a:t>
+            </a:r>
+            <a:endParaRPr lang="zh-CN" altLang="en-US" dirty="0"/>
+          </a:p>
+        </p:txBody>
+      </p:sp>
+      <p:sp>
+        <p:nvSpPr>
+          <p:cNvPr id="86" name="文本框 85"/>
+          <p:cNvSpPr txBox="1"/>
+          <p:nvPr/>
+        </p:nvSpPr>
+        <p:spPr>
+          <a:xfrm>
+            <a:off x="7072396" y="5634566"/>
+            <a:ext cx="734704" cy="369332"/>
+          </a:xfrm>
+          <a:prstGeom prst="rect">
+            <a:avLst/>
+          </a:prstGeom>
+          <a:noFill/>
+        </p:spPr>
+        <p:txBody>
+          <a:bodyPr wrap="square" rtlCol="0">
+            <a:spAutoFit/>
+          </a:bodyPr>
+          <a:lstStyle/>
+          <a:p>
+            <a:r>
+              <a:rPr lang="en-US" altLang="zh-CN" dirty="0" smtClean="0"/>
+              <a:t>3.1.1</a:t>
+            </a:r>
+            <a:endParaRPr lang="zh-CN" altLang="en-US" dirty="0"/>
+          </a:p>
+        </p:txBody>
+      </p:sp>
+      <p:sp>
+        <p:nvSpPr>
+          <p:cNvPr id="52" name="文本框 51"/>
+          <p:cNvSpPr txBox="1"/>
+          <p:nvPr/>
+        </p:nvSpPr>
+        <p:spPr>
+          <a:xfrm>
+            <a:off x="4066180" y="3097396"/>
+            <a:ext cx="516623" cy="369332"/>
+          </a:xfrm>
+          <a:prstGeom prst="rect">
+            <a:avLst/>
+          </a:prstGeom>
+          <a:noFill/>
+        </p:spPr>
+        <p:txBody>
+          <a:bodyPr wrap="square" rtlCol="0">
+            <a:spAutoFit/>
+          </a:bodyPr>
+          <a:lstStyle/>
+          <a:p>
+            <a:r>
+              <a:rPr lang="en-US" altLang="zh-CN" dirty="0" smtClean="0"/>
+              <a:t>U.S.</a:t>
+            </a:r>
+            <a:endParaRPr lang="zh-CN" altLang="en-US" dirty="0"/>
+          </a:p>
+        </p:txBody>
+      </p:sp>
+      <p:sp>
+        <p:nvSpPr>
+          <p:cNvPr id="54" name="文本框 53"/>
+          <p:cNvSpPr txBox="1"/>
+          <p:nvPr/>
+        </p:nvSpPr>
+        <p:spPr>
+          <a:xfrm>
+            <a:off x="1599063" y="3112195"/>
+            <a:ext cx="893282" cy="369332"/>
+          </a:xfrm>
+          <a:prstGeom prst="rect">
+            <a:avLst/>
+          </a:prstGeom>
+          <a:noFill/>
+        </p:spPr>
+        <p:txBody>
+          <a:bodyPr wrap="square" rtlCol="0">
+            <a:spAutoFit/>
+          </a:bodyPr>
+          <a:lstStyle/>
+          <a:p>
+            <a:r>
+              <a:rPr lang="en-US" altLang="zh-CN" dirty="0" smtClean="0"/>
+              <a:t>Egypt</a:t>
+            </a:r>
+            <a:endParaRPr lang="zh-CN" altLang="en-US" dirty="0"/>
+          </a:p>
+        </p:txBody>
+      </p:sp>
+      <p:cxnSp>
+        <p:nvCxnSpPr>
+          <p:cNvPr id="57" name="直接连接符 56"/>
+          <p:cNvCxnSpPr/>
+          <p:nvPr/>
+        </p:nvCxnSpPr>
+        <p:spPr>
+          <a:xfrm>
+            <a:off x="1913640" y="2337941"/>
+            <a:ext cx="904085" cy="744755"/>
+          </a:xfrm>
+          <a:prstGeom prst="line">
+            <a:avLst/>
+          </a:prstGeom>
+        </p:spPr>
+        <p:style>
+          <a:lnRef idx="3">
+            <a:schemeClr val="dk1"/>
+          </a:lnRef>
+          <a:fillRef idx="0">
+            <a:schemeClr val="dk1"/>
+          </a:fillRef>
+          <a:effectRef idx="2">
+            <a:schemeClr val="dk1"/>
+          </a:effectRef>
+          <a:fontRef idx="minor">
+            <a:schemeClr val="tx1"/>
+          </a:fontRef>
+        </p:style>
+      </p:cxnSp>
+      <p:cxnSp>
+        <p:nvCxnSpPr>
+          <p:cNvPr id="60" name="直接连接符 59"/>
+          <p:cNvCxnSpPr/>
+          <p:nvPr/>
+        </p:nvCxnSpPr>
+        <p:spPr>
+          <a:xfrm>
+            <a:off x="8553171" y="4759493"/>
+            <a:ext cx="0" cy="440621"/>
+          </a:xfrm>
+          <a:prstGeom prst="line">
+            <a:avLst/>
+          </a:prstGeom>
+        </p:spPr>
+        <p:style>
+          <a:lnRef idx="3">
+            <a:schemeClr val="dk1"/>
+          </a:lnRef>
+          <a:fillRef idx="0">
+            <a:schemeClr val="dk1"/>
+          </a:fillRef>
+          <a:effectRef idx="2">
+            <a:schemeClr val="dk1"/>
+          </a:effectRef>
+          <a:fontRef idx="minor">
+            <a:schemeClr val="tx1"/>
+          </a:fontRef>
+        </p:style>
+      </p:cxnSp>
+      <p:sp>
+        <p:nvSpPr>
+          <p:cNvPr id="61" name="文本框 60"/>
+          <p:cNvSpPr txBox="1"/>
+          <p:nvPr/>
+        </p:nvSpPr>
+        <p:spPr>
+          <a:xfrm>
+            <a:off x="8091815" y="5200114"/>
+            <a:ext cx="1837898" cy="369332"/>
+          </a:xfrm>
+          <a:prstGeom prst="rect">
+            <a:avLst/>
+          </a:prstGeom>
+          <a:noFill/>
+        </p:spPr>
+        <p:txBody>
+          <a:bodyPr wrap="square" rtlCol="0">
+            <a:spAutoFit/>
+          </a:bodyPr>
+          <a:lstStyle/>
+          <a:p>
+            <a:r>
+              <a:rPr lang="en-US" altLang="zh-CN" dirty="0" smtClean="0"/>
+              <a:t>Shenzhen</a:t>
+            </a:r>
+            <a:endParaRPr lang="zh-CN" altLang="en-US" dirty="0"/>
+          </a:p>
+        </p:txBody>
+      </p:sp>
+      <p:sp>
+        <p:nvSpPr>
+          <p:cNvPr id="62" name="文本框 61"/>
+          <p:cNvSpPr txBox="1"/>
+          <p:nvPr/>
+        </p:nvSpPr>
+        <p:spPr>
+          <a:xfrm>
+            <a:off x="8595968" y="3048845"/>
+            <a:ext cx="1837898" cy="369332"/>
+          </a:xfrm>
+          <a:prstGeom prst="rect">
+            <a:avLst/>
+          </a:prstGeom>
+          <a:noFill/>
+        </p:spPr>
+        <p:txBody>
+          <a:bodyPr wrap="square" rtlCol="0">
+            <a:spAutoFit/>
+          </a:bodyPr>
+          <a:lstStyle/>
+          <a:p>
+            <a:r>
+              <a:rPr lang="en-US" altLang="zh-CN" dirty="0" smtClean="0"/>
+              <a:t>China</a:t>
+            </a:r>
+            <a:endParaRPr lang="zh-CN" altLang="en-US" dirty="0"/>
+          </a:p>
+        </p:txBody>
+      </p:sp>
+      <p:cxnSp>
+        <p:nvCxnSpPr>
+          <p:cNvPr id="64" name="直接连接符 63"/>
+          <p:cNvCxnSpPr/>
+          <p:nvPr/>
+        </p:nvCxnSpPr>
+        <p:spPr>
+          <a:xfrm flipH="1">
+            <a:off x="8618267" y="3569184"/>
+            <a:ext cx="254337" cy="567557"/>
+          </a:xfrm>
+          <a:prstGeom prst="line">
+            <a:avLst/>
+          </a:prstGeom>
+        </p:spPr>
+        <p:style>
+          <a:lnRef idx="3">
+            <a:schemeClr val="dk1"/>
+          </a:lnRef>
+          <a:fillRef idx="0">
+            <a:schemeClr val="dk1"/>
+          </a:fillRef>
+          <a:effectRef idx="2">
+            <a:schemeClr val="dk1"/>
+          </a:effectRef>
+          <a:fontRef idx="minor">
+            <a:schemeClr val="tx1"/>
+          </a:fontRef>
+        </p:style>
+      </p:cxnSp>
+      <p:sp>
+        <p:nvSpPr>
+          <p:cNvPr id="66" name="文本框 65"/>
+          <p:cNvSpPr txBox="1"/>
+          <p:nvPr/>
+        </p:nvSpPr>
+        <p:spPr>
+          <a:xfrm>
+            <a:off x="6444101" y="4404863"/>
+            <a:ext cx="1837898" cy="369332"/>
+          </a:xfrm>
+          <a:prstGeom prst="rect">
+            <a:avLst/>
+          </a:prstGeom>
+          <a:noFill/>
+        </p:spPr>
+        <p:txBody>
+          <a:bodyPr wrap="square" rtlCol="0">
+            <a:spAutoFit/>
+          </a:bodyPr>
+          <a:lstStyle/>
+          <a:p>
+            <a:r>
+              <a:rPr lang="en-US" altLang="zh-CN" dirty="0" err="1"/>
+              <a:t>G</a:t>
+            </a:r>
+            <a:r>
+              <a:rPr lang="en-US" altLang="zh-CN" dirty="0" err="1" smtClean="0"/>
+              <a:t>yeonggi</a:t>
+            </a:r>
+            <a:endParaRPr lang="zh-CN" altLang="en-US" dirty="0"/>
+          </a:p>
+        </p:txBody>
+      </p:sp>
+      <p:cxnSp>
+        <p:nvCxnSpPr>
+          <p:cNvPr id="67" name="直接连接符 66"/>
+          <p:cNvCxnSpPr/>
+          <p:nvPr/>
+        </p:nvCxnSpPr>
+        <p:spPr>
+          <a:xfrm>
+            <a:off x="7151153" y="4759494"/>
+            <a:ext cx="0" cy="440621"/>
+          </a:xfrm>
+          <a:prstGeom prst="line">
+            <a:avLst/>
+          </a:prstGeom>
+        </p:spPr>
+        <p:style>
+          <a:lnRef idx="3">
+            <a:schemeClr val="dk1"/>
+          </a:lnRef>
+          <a:fillRef idx="0">
+            <a:schemeClr val="dk1"/>
+          </a:fillRef>
+          <a:effectRef idx="2">
+            <a:schemeClr val="dk1"/>
+          </a:effectRef>
+          <a:fontRef idx="minor">
+            <a:schemeClr val="tx1"/>
+          </a:fontRef>
+        </p:style>
+      </p:cxnSp>
+      <p:sp>
+        <p:nvSpPr>
+          <p:cNvPr id="70" name="文本框 69"/>
+          <p:cNvSpPr txBox="1"/>
+          <p:nvPr/>
+        </p:nvSpPr>
+        <p:spPr>
+          <a:xfrm>
+            <a:off x="9531397" y="4307674"/>
+            <a:ext cx="1837898" cy="461665"/>
+          </a:xfrm>
+          <a:prstGeom prst="rect">
+            <a:avLst/>
+          </a:prstGeom>
+          <a:noFill/>
+        </p:spPr>
+        <p:txBody>
+          <a:bodyPr wrap="square" rtlCol="0">
+            <a:spAutoFit/>
+          </a:bodyPr>
+          <a:lstStyle/>
+          <a:p>
+            <a:r>
+              <a:rPr lang="en-US" altLang="zh-CN" sz="2400" dirty="0" smtClean="0"/>
+              <a:t>…</a:t>
+            </a:r>
+            <a:endParaRPr lang="zh-CN" altLang="en-US" sz="2400" dirty="0"/>
+          </a:p>
+        </p:txBody>
+      </p:sp>
+      <p:sp>
+        <p:nvSpPr>
+          <p:cNvPr id="72" name="文本框 71"/>
+          <p:cNvSpPr txBox="1"/>
+          <p:nvPr/>
+        </p:nvSpPr>
+        <p:spPr>
+          <a:xfrm>
+            <a:off x="7583493" y="4307674"/>
+            <a:ext cx="1837898" cy="461665"/>
+          </a:xfrm>
+          <a:prstGeom prst="rect">
+            <a:avLst/>
+          </a:prstGeom>
+          <a:noFill/>
+        </p:spPr>
+        <p:txBody>
+          <a:bodyPr wrap="square" rtlCol="0">
+            <a:spAutoFit/>
+          </a:bodyPr>
+          <a:lstStyle/>
+          <a:p>
+            <a:r>
+              <a:rPr lang="en-US" altLang="zh-CN" sz="2400" dirty="0" smtClean="0"/>
+              <a:t>…</a:t>
+            </a:r>
+            <a:endParaRPr lang="zh-CN" altLang="en-US" sz="2400" dirty="0"/>
+          </a:p>
+        </p:txBody>
+      </p:sp>
+    </p:spTree>
+    <p:extLst>
+      <p:ext uri="{BB962C8B-B14F-4D97-AF65-F5344CB8AC3E}">
+        <p14:creationId xmlns:p14="http://schemas.microsoft.com/office/powerpoint/2010/main" val="1649734924"/>
+      </p:ext>
+    </p:extLst>
+  </p:cSld>
+  <p:clrMapOvr>
+    <a:masterClrMapping/>
+  </p:clrMapOvr>
+  <p:timing>
+    <p:tnLst>
+      <p:par>
+        <p:cTn id="1" dur="indefinite" restart="never" nodeType="tmRoot"/>
+      </p:par>
+    </p:tnLst>
+  </p:timing>
+</p:sld>
+</file>
+
+<file path=ppt/slides/slide3.xml><?xml version="1.0" encoding="utf-8"?>
+<p:sld xmlns:a="http://schemas.openxmlformats.org/drawingml/2006/main" xmlns:r="http://schemas.openxmlformats.org/officeDocument/2006/relationships" xmlns:p="http://schemas.openxmlformats.org/presentationml/2006/main">
+  <p:cSld>
+    <p:spTree>
+      <p:nvGrpSpPr>
+        <p:cNvPr id="1" name=""/>
+        <p:cNvGrpSpPr/>
+        <p:nvPr/>
+      </p:nvGrpSpPr>
+      <p:grpSpPr>
+        <a:xfrm>
+          <a:off x="0" y="0"/>
+          <a:ext cx="0" cy="0"/>
+          <a:chOff x="0" y="0"/>
+          <a:chExt cx="0" cy="0"/>
+        </a:xfrm>
+      </p:grpSpPr>
+      <p:sp>
+        <p:nvSpPr>
           <p:cNvPr id="2" name="文本框 1"/>
           <p:cNvSpPr txBox="1"/>
           <p:nvPr/>
@@ -5200,7 +6637,7 @@
 </p:sld>
 </file>
 
-<file path=ppt/slides/slide3.xml><?xml version="1.0" encoding="utf-8"?>
+<file path=ppt/slides/slide4.xml><?xml version="1.0" encoding="utf-8"?>
 <p:sld xmlns:a="http://schemas.openxmlformats.org/drawingml/2006/main" xmlns:r="http://schemas.openxmlformats.org/officeDocument/2006/relationships" xmlns:p="http://schemas.openxmlformats.org/presentationml/2006/main">
   <p:cSld>
     <p:spTree>
@@ -5588,7 +7025,7 @@
 </p:sld>
 </file>
 
-<file path=ppt/slides/slide4.xml><?xml version="1.0" encoding="utf-8"?>
+<file path=ppt/slides/slide5.xml><?xml version="1.0" encoding="utf-8"?>
 <p:sld xmlns:a="http://schemas.openxmlformats.org/drawingml/2006/main" xmlns:r="http://schemas.openxmlformats.org/officeDocument/2006/relationships" xmlns:p="http://schemas.openxmlformats.org/presentationml/2006/main">
   <p:cSld>
     <p:spTree>
@@ -6080,7 +7517,7 @@
 </p:sld>
 </file>
 
-<file path=ppt/slides/slide5.xml><?xml version="1.0" encoding="utf-8"?>
+<file path=ppt/slides/slide6.xml><?xml version="1.0" encoding="utf-8"?>
 <p:sld xmlns:a="http://schemas.openxmlformats.org/drawingml/2006/main" xmlns:r="http://schemas.openxmlformats.org/officeDocument/2006/relationships" xmlns:p="http://schemas.openxmlformats.org/presentationml/2006/main">
   <p:cSld>
     <p:spTree>

--- a/figures/taxonomy.pptx
+++ b/figures/taxonomy.pptx
@@ -5,7 +5,7 @@
     <p:sldMasterId id="2147483648" r:id="rId1"/>
   </p:sldMasterIdLst>
   <p:notesMasterIdLst>
-    <p:notesMasterId r:id="rId8"/>
+    <p:notesMasterId r:id="rId9"/>
   </p:notesMasterIdLst>
   <p:sldIdLst>
     <p:sldId id="257" r:id="rId2"/>
@@ -14,6 +14,7 @@
     <p:sldId id="259" r:id="rId5"/>
     <p:sldId id="260" r:id="rId6"/>
     <p:sldId id="261" r:id="rId7"/>
+    <p:sldId id="263" r:id="rId8"/>
   </p:sldIdLst>
   <p:sldSz cx="12192000" cy="6858000"/>
   <p:notesSz cx="6858000" cy="9144000"/>
@@ -202,7 +203,7 @@
           <a:p>
             <a:fld id="{0D55BE89-D7D9-46DA-844D-6941724E15AE}" type="datetimeFigureOut">
               <a:rPr lang="zh-CN" altLang="en-US" smtClean="0"/>
-              <a:t>2015/7/15</a:t>
+              <a:t>2015/7/28</a:t>
             </a:fld>
             <a:endParaRPr lang="zh-CN" altLang="en-US"/>
           </a:p>
@@ -601,7 +602,7 @@
           <a:p>
             <a:fld id="{E874AFEE-2C2F-4B0D-A59D-72CFE7C0C765}" type="datetimeFigureOut">
               <a:rPr lang="zh-CN" altLang="en-US" smtClean="0"/>
-              <a:t>2015/7/15</a:t>
+              <a:t>2015/7/28</a:t>
             </a:fld>
             <a:endParaRPr lang="zh-CN" altLang="en-US"/>
           </a:p>
@@ -771,7 +772,7 @@
           <a:p>
             <a:fld id="{E874AFEE-2C2F-4B0D-A59D-72CFE7C0C765}" type="datetimeFigureOut">
               <a:rPr lang="zh-CN" altLang="en-US" smtClean="0"/>
-              <a:t>2015/7/15</a:t>
+              <a:t>2015/7/28</a:t>
             </a:fld>
             <a:endParaRPr lang="zh-CN" altLang="en-US"/>
           </a:p>
@@ -951,7 +952,7 @@
           <a:p>
             <a:fld id="{E874AFEE-2C2F-4B0D-A59D-72CFE7C0C765}" type="datetimeFigureOut">
               <a:rPr lang="zh-CN" altLang="en-US" smtClean="0"/>
-              <a:t>2015/7/15</a:t>
+              <a:t>2015/7/28</a:t>
             </a:fld>
             <a:endParaRPr lang="zh-CN" altLang="en-US"/>
           </a:p>
@@ -1121,7 +1122,7 @@
           <a:p>
             <a:fld id="{E874AFEE-2C2F-4B0D-A59D-72CFE7C0C765}" type="datetimeFigureOut">
               <a:rPr lang="zh-CN" altLang="en-US" smtClean="0"/>
-              <a:t>2015/7/15</a:t>
+              <a:t>2015/7/28</a:t>
             </a:fld>
             <a:endParaRPr lang="zh-CN" altLang="en-US"/>
           </a:p>
@@ -1367,7 +1368,7 @@
           <a:p>
             <a:fld id="{E874AFEE-2C2F-4B0D-A59D-72CFE7C0C765}" type="datetimeFigureOut">
               <a:rPr lang="zh-CN" altLang="en-US" smtClean="0"/>
-              <a:t>2015/7/15</a:t>
+              <a:t>2015/7/28</a:t>
             </a:fld>
             <a:endParaRPr lang="zh-CN" altLang="en-US"/>
           </a:p>
@@ -1599,7 +1600,7 @@
           <a:p>
             <a:fld id="{E874AFEE-2C2F-4B0D-A59D-72CFE7C0C765}" type="datetimeFigureOut">
               <a:rPr lang="zh-CN" altLang="en-US" smtClean="0"/>
-              <a:t>2015/7/15</a:t>
+              <a:t>2015/7/28</a:t>
             </a:fld>
             <a:endParaRPr lang="zh-CN" altLang="en-US"/>
           </a:p>
@@ -1966,7 +1967,7 @@
           <a:p>
             <a:fld id="{E874AFEE-2C2F-4B0D-A59D-72CFE7C0C765}" type="datetimeFigureOut">
               <a:rPr lang="zh-CN" altLang="en-US" smtClean="0"/>
-              <a:t>2015/7/15</a:t>
+              <a:t>2015/7/28</a:t>
             </a:fld>
             <a:endParaRPr lang="zh-CN" altLang="en-US"/>
           </a:p>
@@ -2084,7 +2085,7 @@
           <a:p>
             <a:fld id="{E874AFEE-2C2F-4B0D-A59D-72CFE7C0C765}" type="datetimeFigureOut">
               <a:rPr lang="zh-CN" altLang="en-US" smtClean="0"/>
-              <a:t>2015/7/15</a:t>
+              <a:t>2015/7/28</a:t>
             </a:fld>
             <a:endParaRPr lang="zh-CN" altLang="en-US"/>
           </a:p>
@@ -2179,7 +2180,7 @@
           <a:p>
             <a:fld id="{E874AFEE-2C2F-4B0D-A59D-72CFE7C0C765}" type="datetimeFigureOut">
               <a:rPr lang="zh-CN" altLang="en-US" smtClean="0"/>
-              <a:t>2015/7/15</a:t>
+              <a:t>2015/7/28</a:t>
             </a:fld>
             <a:endParaRPr lang="zh-CN" altLang="en-US"/>
           </a:p>
@@ -2456,7 +2457,7 @@
           <a:p>
             <a:fld id="{E874AFEE-2C2F-4B0D-A59D-72CFE7C0C765}" type="datetimeFigureOut">
               <a:rPr lang="zh-CN" altLang="en-US" smtClean="0"/>
-              <a:t>2015/7/15</a:t>
+              <a:t>2015/7/28</a:t>
             </a:fld>
             <a:endParaRPr lang="zh-CN" altLang="en-US"/>
           </a:p>
@@ -2709,7 +2710,7 @@
           <a:p>
             <a:fld id="{E874AFEE-2C2F-4B0D-A59D-72CFE7C0C765}" type="datetimeFigureOut">
               <a:rPr lang="zh-CN" altLang="en-US" smtClean="0"/>
-              <a:t>2015/7/15</a:t>
+              <a:t>2015/7/28</a:t>
             </a:fld>
             <a:endParaRPr lang="zh-CN" altLang="en-US"/>
           </a:p>
@@ -2922,7 +2923,7 @@
           <a:p>
             <a:fld id="{E874AFEE-2C2F-4B0D-A59D-72CFE7C0C765}" type="datetimeFigureOut">
               <a:rPr lang="zh-CN" altLang="en-US" smtClean="0"/>
-              <a:t>2015/7/15</a:t>
+              <a:t>2015/7/28</a:t>
             </a:fld>
             <a:endParaRPr lang="zh-CN" altLang="en-US"/>
           </a:p>
@@ -5073,8 +5074,8 @@
         </p:nvSpPr>
         <p:spPr>
           <a:xfrm>
-            <a:off x="6836674" y="5158228"/>
-            <a:ext cx="1837898" cy="369332"/>
+            <a:off x="6000329" y="5158228"/>
+            <a:ext cx="714945" cy="369332"/>
           </a:xfrm>
           <a:prstGeom prst="rect">
             <a:avLst/>
@@ -5164,7 +5165,7 @@
         <p:spPr>
           <a:xfrm>
             <a:off x="9210239" y="1787278"/>
-            <a:ext cx="1837898" cy="461665"/>
+            <a:ext cx="463170" cy="461665"/>
           </a:xfrm>
           <a:prstGeom prst="rect">
             <a:avLst/>
@@ -5898,7 +5899,7 @@
         </p:nvSpPr>
         <p:spPr>
           <a:xfrm>
-            <a:off x="7072396" y="5634566"/>
+            <a:off x="5980570" y="5450703"/>
             <a:ext cx="734704" cy="369332"/>
           </a:xfrm>
           <a:prstGeom prst="rect">
@@ -6049,7 +6050,7 @@
         <p:spPr>
           <a:xfrm>
             <a:off x="8091815" y="5200114"/>
-            <a:ext cx="1837898" cy="369332"/>
+            <a:ext cx="1118424" cy="369332"/>
           </a:xfrm>
           <a:prstGeom prst="rect">
             <a:avLst/>
@@ -6079,7 +6080,7 @@
         <p:spPr>
           <a:xfrm>
             <a:off x="8595968" y="3048845"/>
-            <a:ext cx="1837898" cy="369332"/>
+            <a:ext cx="825423" cy="369332"/>
           </a:xfrm>
           <a:prstGeom prst="rect">
             <a:avLst/>
@@ -6138,7 +6139,7 @@
         </p:nvSpPr>
         <p:spPr>
           <a:xfrm>
-            <a:off x="6444101" y="4404863"/>
+            <a:off x="6225221" y="4361101"/>
             <a:ext cx="1837898" cy="369332"/>
           </a:xfrm>
           <a:prstGeom prst="rect">
@@ -6171,9 +6172,9 @@
           <p:nvPr/>
         </p:nvCxnSpPr>
         <p:spPr>
-          <a:xfrm>
-            <a:off x="7151153" y="4759494"/>
-            <a:ext cx="0" cy="440621"/>
+          <a:xfrm flipH="1">
+            <a:off x="6472450" y="4730433"/>
+            <a:ext cx="285470" cy="427795"/>
           </a:xfrm>
           <a:prstGeom prst="line">
             <a:avLst/>
@@ -6203,7 +6204,7 @@
         <p:spPr>
           <a:xfrm>
             <a:off x="9531397" y="4307674"/>
-            <a:ext cx="1837898" cy="461665"/>
+            <a:ext cx="347993" cy="461665"/>
           </a:xfrm>
           <a:prstGeom prst="rect">
             <a:avLst/>
@@ -6251,6 +6252,66 @@
               <a:t>…</a:t>
             </a:r>
             <a:endParaRPr lang="zh-CN" altLang="en-US" sz="2400" dirty="0"/>
+          </a:p>
+        </p:txBody>
+      </p:sp>
+      <p:cxnSp>
+        <p:nvCxnSpPr>
+          <p:cNvPr id="50" name="直接连接符 49"/>
+          <p:cNvCxnSpPr/>
+          <p:nvPr/>
+        </p:nvCxnSpPr>
+        <p:spPr>
+          <a:xfrm>
+            <a:off x="6757920" y="4749674"/>
+            <a:ext cx="367574" cy="350091"/>
+          </a:xfrm>
+          <a:prstGeom prst="line">
+            <a:avLst/>
+          </a:prstGeom>
+        </p:spPr>
+        <p:style>
+          <a:lnRef idx="3">
+            <a:schemeClr val="dk1"/>
+          </a:lnRef>
+          <a:fillRef idx="0">
+            <a:schemeClr val="dk1"/>
+          </a:fillRef>
+          <a:effectRef idx="2">
+            <a:schemeClr val="dk1"/>
+          </a:effectRef>
+          <a:fontRef idx="minor">
+            <a:schemeClr val="tx1"/>
+          </a:fontRef>
+        </p:style>
+      </p:cxnSp>
+      <p:sp>
+        <p:nvSpPr>
+          <p:cNvPr id="53" name="文本框 52"/>
+          <p:cNvSpPr txBox="1"/>
+          <p:nvPr/>
+        </p:nvSpPr>
+        <p:spPr>
+          <a:xfrm>
+            <a:off x="6943985" y="5182499"/>
+            <a:ext cx="924224" cy="369332"/>
+          </a:xfrm>
+          <a:prstGeom prst="rect">
+            <a:avLst/>
+          </a:prstGeom>
+          <a:noFill/>
+        </p:spPr>
+        <p:txBody>
+          <a:bodyPr wrap="square" rtlCol="0">
+            <a:spAutoFit/>
+          </a:bodyPr>
+          <a:lstStyle/>
+          <a:p>
+            <a:r>
+              <a:rPr lang="en-US" altLang="zh-CN" dirty="0" smtClean="0"/>
+              <a:t>Suwon</a:t>
+            </a:r>
+            <a:endParaRPr lang="zh-CN" altLang="en-US" dirty="0"/>
           </a:p>
         </p:txBody>
       </p:sp>
@@ -8026,6 +8087,137 @@
   <p:clrMapOvr>
     <a:masterClrMapping/>
   </p:clrMapOvr>
+  <p:timing>
+    <p:tnLst>
+      <p:par>
+        <p:cTn id="1" dur="indefinite" restart="never" nodeType="tmRoot"/>
+      </p:par>
+    </p:tnLst>
+  </p:timing>
+</p:sld>
+</file>
+
+<file path=ppt/slides/slide7.xml><?xml version="1.0" encoding="utf-8"?>
+<p:sld xmlns:a="http://schemas.openxmlformats.org/drawingml/2006/main" xmlns:r="http://schemas.openxmlformats.org/officeDocument/2006/relationships" xmlns:p="http://schemas.openxmlformats.org/presentationml/2006/main">
+  <p:cSld>
+    <p:spTree>
+      <p:nvGrpSpPr>
+        <p:cNvPr id="1" name=""/>
+        <p:cNvGrpSpPr/>
+        <p:nvPr/>
+      </p:nvGrpSpPr>
+      <p:grpSpPr>
+        <a:xfrm>
+          <a:off x="0" y="0"/>
+          <a:ext cx="0" cy="0"/>
+          <a:chOff x="0" y="0"/>
+          <a:chExt cx="0" cy="0"/>
+        </a:xfrm>
+      </p:grpSpPr>
+      <p:sp>
+        <p:nvSpPr>
+          <p:cNvPr id="2" name="标题 1"/>
+          <p:cNvSpPr>
+            <a:spLocks noGrp="1"/>
+          </p:cNvSpPr>
+          <p:nvPr>
+            <p:ph type="title"/>
+          </p:nvPr>
+        </p:nvSpPr>
+        <p:spPr>
+          <a:xfrm>
+            <a:off x="838200" y="365126"/>
+            <a:ext cx="2437263" cy="590218"/>
+          </a:xfrm>
+        </p:spPr>
+        <p:txBody>
+          <a:bodyPr>
+            <a:normAutofit/>
+          </a:bodyPr>
+          <a:lstStyle/>
+          <a:p>
+            <a:r>
+              <a:rPr lang="en-US" altLang="zh-CN" sz="3200" dirty="0" smtClean="0"/>
+              <a:t>Inverted lists</a:t>
+            </a:r>
+            <a:r>
+              <a:rPr lang="zh-CN" altLang="en-US" sz="3200" dirty="0" smtClean="0"/>
+              <a:t>：</a:t>
+            </a:r>
+            <a:endParaRPr lang="zh-CN" altLang="en-US" sz="3200" dirty="0"/>
+          </a:p>
+        </p:txBody>
+      </p:sp>
+      <p:sp>
+        <p:nvSpPr>
+          <p:cNvPr id="4" name="标题 1"/>
+          <p:cNvSpPr txBox="1">
+            <a:spLocks/>
+          </p:cNvSpPr>
+          <p:nvPr/>
+        </p:nvSpPr>
+        <p:spPr>
+          <a:xfrm>
+            <a:off x="635759" y="1827711"/>
+            <a:ext cx="2437263" cy="590218"/>
+          </a:xfrm>
+          <a:prstGeom prst="rect">
+            <a:avLst/>
+          </a:prstGeom>
+        </p:spPr>
+        <p:txBody>
+          <a:bodyPr vert="horz" lIns="91440" tIns="45720" rIns="91440" bIns="45720" rtlCol="0" anchor="ctr">
+            <a:normAutofit/>
+          </a:bodyPr>
+          <a:lstStyle>
+            <a:lvl1pPr algn="l" defTabSz="914400" rtl="0" eaLnBrk="1" latinLnBrk="0" hangingPunct="1">
+              <a:lnSpc>
+                <a:spcPct val="90000"/>
+              </a:lnSpc>
+              <a:spcBef>
+                <a:spcPct val="0"/>
+              </a:spcBef>
+              <a:buNone/>
+              <a:defRPr sz="4400" kern="1200">
+                <a:solidFill>
+                  <a:schemeClr val="tx1"/>
+                </a:solidFill>
+                <a:latin typeface="+mj-lt"/>
+                <a:ea typeface="+mj-ea"/>
+                <a:cs typeface="+mj-cs"/>
+              </a:defRPr>
+            </a:lvl1pPr>
+          </a:lstStyle>
+          <a:p>
+            <a:r>
+              <a:rPr lang="en-US" altLang="zh-CN" sz="3200" dirty="0" smtClean="0"/>
+              <a:t>L </a:t>
+            </a:r>
+            <a:r>
+              <a:rPr lang="en-US" altLang="zh-CN" sz="3200" baseline="-25000" dirty="0" smtClean="0"/>
+              <a:t>I</a:t>
+            </a:r>
+            <a:endParaRPr lang="zh-CN" altLang="en-US" sz="3200" baseline="-25000" dirty="0"/>
+          </a:p>
+        </p:txBody>
+      </p:sp>
+    </p:spTree>
+    <p:extLst>
+      <p:ext uri="{BB962C8B-B14F-4D97-AF65-F5344CB8AC3E}">
+        <p14:creationId xmlns:p14="http://schemas.microsoft.com/office/powerpoint/2010/main" val="3046570551"/>
+      </p:ext>
+    </p:extLst>
+  </p:cSld>
+  <p:clrMapOvr>
+    <a:masterClrMapping/>
+  </p:clrMapOvr>
+  <p:timing>
+    <p:tnLst>
+      <p:par>
+        <p:cTn id="1" dur="indefinite" restart="never" nodeType="tmRoot"/>
+      </p:par>
+    </p:tnLst>
+  </p:timing>
 </p:sld>
 </file>
 

--- a/figures/taxonomy.pptx
+++ b/figures/taxonomy.pptx
@@ -203,7 +203,7 @@
           <a:p>
             <a:fld id="{0D55BE89-D7D9-46DA-844D-6941724E15AE}" type="datetimeFigureOut">
               <a:rPr lang="zh-CN" altLang="en-US" smtClean="0"/>
-              <a:t>2015/7/28</a:t>
+              <a:t>2015/7/29</a:t>
             </a:fld>
             <a:endParaRPr lang="zh-CN" altLang="en-US"/>
           </a:p>
@@ -602,7 +602,7 @@
           <a:p>
             <a:fld id="{E874AFEE-2C2F-4B0D-A59D-72CFE7C0C765}" type="datetimeFigureOut">
               <a:rPr lang="zh-CN" altLang="en-US" smtClean="0"/>
-              <a:t>2015/7/28</a:t>
+              <a:t>2015/7/29</a:t>
             </a:fld>
             <a:endParaRPr lang="zh-CN" altLang="en-US"/>
           </a:p>
@@ -772,7 +772,7 @@
           <a:p>
             <a:fld id="{E874AFEE-2C2F-4B0D-A59D-72CFE7C0C765}" type="datetimeFigureOut">
               <a:rPr lang="zh-CN" altLang="en-US" smtClean="0"/>
-              <a:t>2015/7/28</a:t>
+              <a:t>2015/7/29</a:t>
             </a:fld>
             <a:endParaRPr lang="zh-CN" altLang="en-US"/>
           </a:p>
@@ -952,7 +952,7 @@
           <a:p>
             <a:fld id="{E874AFEE-2C2F-4B0D-A59D-72CFE7C0C765}" type="datetimeFigureOut">
               <a:rPr lang="zh-CN" altLang="en-US" smtClean="0"/>
-              <a:t>2015/7/28</a:t>
+              <a:t>2015/7/29</a:t>
             </a:fld>
             <a:endParaRPr lang="zh-CN" altLang="en-US"/>
           </a:p>
@@ -1122,7 +1122,7 @@
           <a:p>
             <a:fld id="{E874AFEE-2C2F-4B0D-A59D-72CFE7C0C765}" type="datetimeFigureOut">
               <a:rPr lang="zh-CN" altLang="en-US" smtClean="0"/>
-              <a:t>2015/7/28</a:t>
+              <a:t>2015/7/29</a:t>
             </a:fld>
             <a:endParaRPr lang="zh-CN" altLang="en-US"/>
           </a:p>
@@ -1368,7 +1368,7 @@
           <a:p>
             <a:fld id="{E874AFEE-2C2F-4B0D-A59D-72CFE7C0C765}" type="datetimeFigureOut">
               <a:rPr lang="zh-CN" altLang="en-US" smtClean="0"/>
-              <a:t>2015/7/28</a:t>
+              <a:t>2015/7/29</a:t>
             </a:fld>
             <a:endParaRPr lang="zh-CN" altLang="en-US"/>
           </a:p>
@@ -1600,7 +1600,7 @@
           <a:p>
             <a:fld id="{E874AFEE-2C2F-4B0D-A59D-72CFE7C0C765}" type="datetimeFigureOut">
               <a:rPr lang="zh-CN" altLang="en-US" smtClean="0"/>
-              <a:t>2015/7/28</a:t>
+              <a:t>2015/7/29</a:t>
             </a:fld>
             <a:endParaRPr lang="zh-CN" altLang="en-US"/>
           </a:p>
@@ -1967,7 +1967,7 @@
           <a:p>
             <a:fld id="{E874AFEE-2C2F-4B0D-A59D-72CFE7C0C765}" type="datetimeFigureOut">
               <a:rPr lang="zh-CN" altLang="en-US" smtClean="0"/>
-              <a:t>2015/7/28</a:t>
+              <a:t>2015/7/29</a:t>
             </a:fld>
             <a:endParaRPr lang="zh-CN" altLang="en-US"/>
           </a:p>
@@ -2085,7 +2085,7 @@
           <a:p>
             <a:fld id="{E874AFEE-2C2F-4B0D-A59D-72CFE7C0C765}" type="datetimeFigureOut">
               <a:rPr lang="zh-CN" altLang="en-US" smtClean="0"/>
-              <a:t>2015/7/28</a:t>
+              <a:t>2015/7/29</a:t>
             </a:fld>
             <a:endParaRPr lang="zh-CN" altLang="en-US"/>
           </a:p>
@@ -2180,7 +2180,7 @@
           <a:p>
             <a:fld id="{E874AFEE-2C2F-4B0D-A59D-72CFE7C0C765}" type="datetimeFigureOut">
               <a:rPr lang="zh-CN" altLang="en-US" smtClean="0"/>
-              <a:t>2015/7/28</a:t>
+              <a:t>2015/7/29</a:t>
             </a:fld>
             <a:endParaRPr lang="zh-CN" altLang="en-US"/>
           </a:p>
@@ -2457,7 +2457,7 @@
           <a:p>
             <a:fld id="{E874AFEE-2C2F-4B0D-A59D-72CFE7C0C765}" type="datetimeFigureOut">
               <a:rPr lang="zh-CN" altLang="en-US" smtClean="0"/>
-              <a:t>2015/7/28</a:t>
+              <a:t>2015/7/29</a:t>
             </a:fld>
             <a:endParaRPr lang="zh-CN" altLang="en-US"/>
           </a:p>
@@ -2710,7 +2710,7 @@
           <a:p>
             <a:fld id="{E874AFEE-2C2F-4B0D-A59D-72CFE7C0C765}" type="datetimeFigureOut">
               <a:rPr lang="zh-CN" altLang="en-US" smtClean="0"/>
-              <a:t>2015/7/28</a:t>
+              <a:t>2015/7/29</a:t>
             </a:fld>
             <a:endParaRPr lang="zh-CN" altLang="en-US"/>
           </a:p>
@@ -2923,7 +2923,7 @@
           <a:p>
             <a:fld id="{E874AFEE-2C2F-4B0D-A59D-72CFE7C0C765}" type="datetimeFigureOut">
               <a:rPr lang="zh-CN" altLang="en-US" smtClean="0"/>
-              <a:t>2015/7/28</a:t>
+              <a:t>2015/7/29</a:t>
             </a:fld>
             <a:endParaRPr lang="zh-CN" altLang="en-US"/>
           </a:p>
@@ -5689,8 +5689,8 @@
         </p:nvSpPr>
         <p:spPr>
           <a:xfrm>
-            <a:off x="503266" y="2181937"/>
-            <a:ext cx="734704" cy="369332"/>
+            <a:off x="681840" y="3511028"/>
+            <a:ext cx="514635" cy="369332"/>
           </a:xfrm>
           <a:prstGeom prst="rect">
             <a:avLst/>
@@ -5750,7 +5750,7 @@
         <p:spPr>
           <a:xfrm>
             <a:off x="7103523" y="2771846"/>
-            <a:ext cx="734704" cy="369332"/>
+            <a:ext cx="473671" cy="369332"/>
           </a:xfrm>
           <a:prstGeom prst="rect">
             <a:avLst/>
@@ -5869,8 +5869,8 @@
         </p:nvSpPr>
         <p:spPr>
           <a:xfrm>
-            <a:off x="7444853" y="1997271"/>
-            <a:ext cx="734704" cy="369332"/>
+            <a:off x="7436738" y="1868150"/>
+            <a:ext cx="266422" cy="369332"/>
           </a:xfrm>
           <a:prstGeom prst="rect">
             <a:avLst/>
@@ -5899,8 +5899,8 @@
         </p:nvSpPr>
         <p:spPr>
           <a:xfrm>
-            <a:off x="5980570" y="5450703"/>
-            <a:ext cx="734704" cy="369332"/>
+            <a:off x="5757585" y="5450703"/>
+            <a:ext cx="911550" cy="369332"/>
           </a:xfrm>
           <a:prstGeom prst="rect">
             <a:avLst/>
@@ -5915,7 +5915,7 @@
           <a:p>
             <a:r>
               <a:rPr lang="en-US" altLang="zh-CN" dirty="0" smtClean="0"/>
-              <a:t>3.1.1</a:t>
+              <a:t>3.1.1.1</a:t>
             </a:r>
             <a:endParaRPr lang="zh-CN" altLang="en-US" dirty="0"/>
           </a:p>
@@ -6310,6 +6310,194 @@
             <a:r>
               <a:rPr lang="en-US" altLang="zh-CN" dirty="0" smtClean="0"/>
               <a:t>Suwon</a:t>
+            </a:r>
+            <a:endParaRPr lang="zh-CN" altLang="en-US" dirty="0"/>
+          </a:p>
+        </p:txBody>
+      </p:sp>
+      <p:sp>
+        <p:nvSpPr>
+          <p:cNvPr id="56" name="文本框 55"/>
+          <p:cNvSpPr txBox="1"/>
+          <p:nvPr/>
+        </p:nvSpPr>
+        <p:spPr>
+          <a:xfrm>
+            <a:off x="1735479" y="3558542"/>
+            <a:ext cx="514635" cy="369332"/>
+          </a:xfrm>
+          <a:prstGeom prst="rect">
+            <a:avLst/>
+          </a:prstGeom>
+          <a:noFill/>
+        </p:spPr>
+        <p:txBody>
+          <a:bodyPr wrap="square" rtlCol="0">
+            <a:spAutoFit/>
+          </a:bodyPr>
+          <a:lstStyle/>
+          <a:p>
+            <a:r>
+              <a:rPr lang="en-US" altLang="zh-CN" dirty="0" smtClean="0"/>
+              <a:t>1.2</a:t>
+            </a:r>
+            <a:endParaRPr lang="zh-CN" altLang="en-US" dirty="0"/>
+          </a:p>
+        </p:txBody>
+      </p:sp>
+      <p:sp>
+        <p:nvSpPr>
+          <p:cNvPr id="58" name="文本框 57"/>
+          <p:cNvSpPr txBox="1"/>
+          <p:nvPr/>
+        </p:nvSpPr>
+        <p:spPr>
+          <a:xfrm>
+            <a:off x="9205987" y="2769108"/>
+            <a:ext cx="473671" cy="369332"/>
+          </a:xfrm>
+          <a:prstGeom prst="rect">
+            <a:avLst/>
+          </a:prstGeom>
+          <a:noFill/>
+        </p:spPr>
+        <p:txBody>
+          <a:bodyPr wrap="square" rtlCol="0">
+            <a:spAutoFit/>
+          </a:bodyPr>
+          <a:lstStyle/>
+          <a:p>
+            <a:r>
+              <a:rPr lang="en-US" altLang="zh-CN" dirty="0" smtClean="0"/>
+              <a:t>3.2</a:t>
+            </a:r>
+            <a:endParaRPr lang="zh-CN" altLang="en-US" dirty="0"/>
+          </a:p>
+        </p:txBody>
+      </p:sp>
+      <p:sp>
+        <p:nvSpPr>
+          <p:cNvPr id="65" name="文本框 64"/>
+          <p:cNvSpPr txBox="1"/>
+          <p:nvPr/>
+        </p:nvSpPr>
+        <p:spPr>
+          <a:xfrm>
+            <a:off x="6256657" y="4029735"/>
+            <a:ext cx="687328" cy="369332"/>
+          </a:xfrm>
+          <a:prstGeom prst="rect">
+            <a:avLst/>
+          </a:prstGeom>
+          <a:noFill/>
+        </p:spPr>
+        <p:txBody>
+          <a:bodyPr wrap="square" rtlCol="0">
+            <a:spAutoFit/>
+          </a:bodyPr>
+          <a:lstStyle/>
+          <a:p>
+            <a:r>
+              <a:rPr lang="en-US" altLang="zh-CN" dirty="0" smtClean="0"/>
+              <a:t>3.1</a:t>
+            </a:r>
+            <a:r>
+              <a:rPr lang="en-US" altLang="zh-CN" dirty="0"/>
+              <a:t>.</a:t>
+            </a:r>
+            <a:r>
+              <a:rPr lang="en-US" altLang="zh-CN" dirty="0" smtClean="0"/>
+              <a:t>1</a:t>
+            </a:r>
+            <a:endParaRPr lang="zh-CN" altLang="en-US" dirty="0"/>
+          </a:p>
+        </p:txBody>
+      </p:sp>
+      <p:sp>
+        <p:nvSpPr>
+          <p:cNvPr id="68" name="文本框 67"/>
+          <p:cNvSpPr txBox="1"/>
+          <p:nvPr/>
+        </p:nvSpPr>
+        <p:spPr>
+          <a:xfrm>
+            <a:off x="9057726" y="4010516"/>
+            <a:ext cx="776893" cy="369332"/>
+          </a:xfrm>
+          <a:prstGeom prst="rect">
+            <a:avLst/>
+          </a:prstGeom>
+          <a:noFill/>
+        </p:spPr>
+        <p:txBody>
+          <a:bodyPr wrap="square" rtlCol="0">
+            <a:spAutoFit/>
+          </a:bodyPr>
+          <a:lstStyle/>
+          <a:p>
+            <a:r>
+              <a:rPr lang="en-US" altLang="zh-CN" dirty="0" smtClean="0"/>
+              <a:t>3.2.1</a:t>
+            </a:r>
+            <a:endParaRPr lang="zh-CN" altLang="en-US" dirty="0"/>
+          </a:p>
+        </p:txBody>
+      </p:sp>
+      <p:sp>
+        <p:nvSpPr>
+          <p:cNvPr id="69" name="文本框 68"/>
+          <p:cNvSpPr txBox="1"/>
+          <p:nvPr/>
+        </p:nvSpPr>
+        <p:spPr>
+          <a:xfrm>
+            <a:off x="6933979" y="5527560"/>
+            <a:ext cx="911550" cy="369332"/>
+          </a:xfrm>
+          <a:prstGeom prst="rect">
+            <a:avLst/>
+          </a:prstGeom>
+          <a:noFill/>
+        </p:spPr>
+        <p:txBody>
+          <a:bodyPr wrap="square" rtlCol="0">
+            <a:spAutoFit/>
+          </a:bodyPr>
+          <a:lstStyle/>
+          <a:p>
+            <a:r>
+              <a:rPr lang="en-US" altLang="zh-CN" dirty="0" smtClean="0"/>
+              <a:t>3.1.1.2</a:t>
+            </a:r>
+            <a:endParaRPr lang="zh-CN" altLang="en-US" dirty="0"/>
+          </a:p>
+        </p:txBody>
+      </p:sp>
+      <p:sp>
+        <p:nvSpPr>
+          <p:cNvPr id="73" name="文本框 72"/>
+          <p:cNvSpPr txBox="1"/>
+          <p:nvPr/>
+        </p:nvSpPr>
+        <p:spPr>
+          <a:xfrm>
+            <a:off x="8429094" y="5569446"/>
+            <a:ext cx="892327" cy="369332"/>
+          </a:xfrm>
+          <a:prstGeom prst="rect">
+            <a:avLst/>
+          </a:prstGeom>
+          <a:noFill/>
+        </p:spPr>
+        <p:txBody>
+          <a:bodyPr wrap="square" rtlCol="0">
+            <a:spAutoFit/>
+          </a:bodyPr>
+          <a:lstStyle/>
+          <a:p>
+            <a:r>
+              <a:rPr lang="en-US" altLang="zh-CN" dirty="0" smtClean="0"/>
+              <a:t>3.2.1.1</a:t>
             </a:r>
             <a:endParaRPr lang="zh-CN" altLang="en-US" dirty="0"/>
           </a:p>

--- a/figures/taxonomy.pptx
+++ b/figures/taxonomy.pptx
@@ -203,7 +203,7 @@
           <a:p>
             <a:fld id="{0D55BE89-D7D9-46DA-844D-6941724E15AE}" type="datetimeFigureOut">
               <a:rPr lang="zh-CN" altLang="en-US" smtClean="0"/>
-              <a:t>2015/7/29</a:t>
+              <a:t>2015/8/8</a:t>
             </a:fld>
             <a:endParaRPr lang="zh-CN" altLang="en-US"/>
           </a:p>
@@ -602,7 +602,7 @@
           <a:p>
             <a:fld id="{E874AFEE-2C2F-4B0D-A59D-72CFE7C0C765}" type="datetimeFigureOut">
               <a:rPr lang="zh-CN" altLang="en-US" smtClean="0"/>
-              <a:t>2015/7/29</a:t>
+              <a:t>2015/8/8</a:t>
             </a:fld>
             <a:endParaRPr lang="zh-CN" altLang="en-US"/>
           </a:p>
@@ -772,7 +772,7 @@
           <a:p>
             <a:fld id="{E874AFEE-2C2F-4B0D-A59D-72CFE7C0C765}" type="datetimeFigureOut">
               <a:rPr lang="zh-CN" altLang="en-US" smtClean="0"/>
-              <a:t>2015/7/29</a:t>
+              <a:t>2015/8/8</a:t>
             </a:fld>
             <a:endParaRPr lang="zh-CN" altLang="en-US"/>
           </a:p>
@@ -952,7 +952,7 @@
           <a:p>
             <a:fld id="{E874AFEE-2C2F-4B0D-A59D-72CFE7C0C765}" type="datetimeFigureOut">
               <a:rPr lang="zh-CN" altLang="en-US" smtClean="0"/>
-              <a:t>2015/7/29</a:t>
+              <a:t>2015/8/8</a:t>
             </a:fld>
             <a:endParaRPr lang="zh-CN" altLang="en-US"/>
           </a:p>
@@ -1122,7 +1122,7 @@
           <a:p>
             <a:fld id="{E874AFEE-2C2F-4B0D-A59D-72CFE7C0C765}" type="datetimeFigureOut">
               <a:rPr lang="zh-CN" altLang="en-US" smtClean="0"/>
-              <a:t>2015/7/29</a:t>
+              <a:t>2015/8/8</a:t>
             </a:fld>
             <a:endParaRPr lang="zh-CN" altLang="en-US"/>
           </a:p>
@@ -1368,7 +1368,7 @@
           <a:p>
             <a:fld id="{E874AFEE-2C2F-4B0D-A59D-72CFE7C0C765}" type="datetimeFigureOut">
               <a:rPr lang="zh-CN" altLang="en-US" smtClean="0"/>
-              <a:t>2015/7/29</a:t>
+              <a:t>2015/8/8</a:t>
             </a:fld>
             <a:endParaRPr lang="zh-CN" altLang="en-US"/>
           </a:p>
@@ -1600,7 +1600,7 @@
           <a:p>
             <a:fld id="{E874AFEE-2C2F-4B0D-A59D-72CFE7C0C765}" type="datetimeFigureOut">
               <a:rPr lang="zh-CN" altLang="en-US" smtClean="0"/>
-              <a:t>2015/7/29</a:t>
+              <a:t>2015/8/8</a:t>
             </a:fld>
             <a:endParaRPr lang="zh-CN" altLang="en-US"/>
           </a:p>
@@ -1967,7 +1967,7 @@
           <a:p>
             <a:fld id="{E874AFEE-2C2F-4B0D-A59D-72CFE7C0C765}" type="datetimeFigureOut">
               <a:rPr lang="zh-CN" altLang="en-US" smtClean="0"/>
-              <a:t>2015/7/29</a:t>
+              <a:t>2015/8/8</a:t>
             </a:fld>
             <a:endParaRPr lang="zh-CN" altLang="en-US"/>
           </a:p>
@@ -2085,7 +2085,7 @@
           <a:p>
             <a:fld id="{E874AFEE-2C2F-4B0D-A59D-72CFE7C0C765}" type="datetimeFigureOut">
               <a:rPr lang="zh-CN" altLang="en-US" smtClean="0"/>
-              <a:t>2015/7/29</a:t>
+              <a:t>2015/8/8</a:t>
             </a:fld>
             <a:endParaRPr lang="zh-CN" altLang="en-US"/>
           </a:p>
@@ -2180,7 +2180,7 @@
           <a:p>
             <a:fld id="{E874AFEE-2C2F-4B0D-A59D-72CFE7C0C765}" type="datetimeFigureOut">
               <a:rPr lang="zh-CN" altLang="en-US" smtClean="0"/>
-              <a:t>2015/7/29</a:t>
+              <a:t>2015/8/8</a:t>
             </a:fld>
             <a:endParaRPr lang="zh-CN" altLang="en-US"/>
           </a:p>
@@ -2457,7 +2457,7 @@
           <a:p>
             <a:fld id="{E874AFEE-2C2F-4B0D-A59D-72CFE7C0C765}" type="datetimeFigureOut">
               <a:rPr lang="zh-CN" altLang="en-US" smtClean="0"/>
-              <a:t>2015/7/29</a:t>
+              <a:t>2015/8/8</a:t>
             </a:fld>
             <a:endParaRPr lang="zh-CN" altLang="en-US"/>
           </a:p>
@@ -2710,7 +2710,7 @@
           <a:p>
             <a:fld id="{E874AFEE-2C2F-4B0D-A59D-72CFE7C0C765}" type="datetimeFigureOut">
               <a:rPr lang="zh-CN" altLang="en-US" smtClean="0"/>
-              <a:t>2015/7/29</a:t>
+              <a:t>2015/8/8</a:t>
             </a:fld>
             <a:endParaRPr lang="zh-CN" altLang="en-US"/>
           </a:p>
@@ -2923,7 +2923,7 @@
           <a:p>
             <a:fld id="{E874AFEE-2C2F-4B0D-A59D-72CFE7C0C765}" type="datetimeFigureOut">
               <a:rPr lang="zh-CN" altLang="en-US" smtClean="0"/>
-              <a:t>2015/7/29</a:t>
+              <a:t>2015/8/8</a:t>
             </a:fld>
             <a:endParaRPr lang="zh-CN" altLang="en-US"/>
           </a:p>
@@ -3336,53 +3336,233 @@
         </p:nvSpPr>
         <p:spPr>
           <a:xfrm>
-            <a:off x="4517410" y="818867"/>
-            <a:ext cx="2374710" cy="369332"/>
-          </a:xfrm>
-          <a:prstGeom prst="rect">
-            <a:avLst/>
-          </a:prstGeom>
-          <a:noFill/>
-        </p:spPr>
-        <p:txBody>
-          <a:bodyPr wrap="square" rtlCol="0">
-            <a:spAutoFit/>
-          </a:bodyPr>
-          <a:lstStyle/>
-          <a:p>
-            <a:r>
-              <a:rPr lang="en-US" altLang="zh-CN" dirty="0" smtClean="0"/>
+            <a:off x="4517409" y="818867"/>
+            <a:ext cx="3320817" cy="461665"/>
+          </a:xfrm>
+          <a:prstGeom prst="rect">
+            <a:avLst/>
+          </a:prstGeom>
+          <a:noFill/>
+        </p:spPr>
+        <p:txBody>
+          <a:bodyPr wrap="square" rtlCol="0">
+            <a:spAutoFit/>
+          </a:bodyPr>
+          <a:lstStyle/>
+          <a:p>
+            <a:r>
+              <a:rPr lang="en-US" altLang="zh-CN" sz="2400" dirty="0" smtClean="0"/>
               <a:t>Geographic locations </a:t>
             </a:r>
+            <a:endParaRPr lang="zh-CN" altLang="en-US" sz="2400" dirty="0"/>
+          </a:p>
+        </p:txBody>
+      </p:sp>
+      <p:sp>
+        <p:nvSpPr>
+          <p:cNvPr id="6" name="文本框 5"/>
+          <p:cNvSpPr txBox="1"/>
+          <p:nvPr/>
+        </p:nvSpPr>
+        <p:spPr>
+          <a:xfrm>
+            <a:off x="1912392" y="1881501"/>
+            <a:ext cx="1091969" cy="461665"/>
+          </a:xfrm>
+          <a:prstGeom prst="rect">
+            <a:avLst/>
+          </a:prstGeom>
+          <a:noFill/>
+        </p:spPr>
+        <p:txBody>
+          <a:bodyPr wrap="square" rtlCol="0">
+            <a:spAutoFit/>
+          </a:bodyPr>
+          <a:lstStyle/>
+          <a:p>
+            <a:r>
+              <a:rPr lang="en-US" altLang="zh-CN" sz="2400" dirty="0" smtClean="0"/>
+              <a:t>Africa</a:t>
+            </a:r>
+            <a:endParaRPr lang="zh-CN" altLang="en-US" sz="2400" dirty="0"/>
+          </a:p>
+        </p:txBody>
+      </p:sp>
+      <p:sp>
+        <p:nvSpPr>
+          <p:cNvPr id="7" name="文本框 6"/>
+          <p:cNvSpPr txBox="1"/>
+          <p:nvPr/>
+        </p:nvSpPr>
+        <p:spPr>
+          <a:xfrm>
+            <a:off x="4750558" y="1852868"/>
+            <a:ext cx="1516316" cy="461665"/>
+          </a:xfrm>
+          <a:prstGeom prst="rect">
+            <a:avLst/>
+          </a:prstGeom>
+          <a:noFill/>
+        </p:spPr>
+        <p:txBody>
+          <a:bodyPr wrap="square" rtlCol="0">
+            <a:spAutoFit/>
+          </a:bodyPr>
+          <a:lstStyle/>
+          <a:p>
+            <a:r>
+              <a:rPr lang="en-US" altLang="zh-CN" sz="2400" dirty="0" smtClean="0"/>
+              <a:t>Americas</a:t>
+            </a:r>
+            <a:endParaRPr lang="zh-CN" altLang="en-US" sz="2400" dirty="0"/>
+          </a:p>
+        </p:txBody>
+      </p:sp>
+      <p:sp>
+        <p:nvSpPr>
+          <p:cNvPr id="8" name="文本框 7"/>
+          <p:cNvSpPr txBox="1"/>
+          <p:nvPr/>
+        </p:nvSpPr>
+        <p:spPr>
+          <a:xfrm>
+            <a:off x="7755622" y="1888576"/>
+            <a:ext cx="928895" cy="461665"/>
+          </a:xfrm>
+          <a:prstGeom prst="rect">
+            <a:avLst/>
+          </a:prstGeom>
+          <a:noFill/>
+        </p:spPr>
+        <p:txBody>
+          <a:bodyPr wrap="square" rtlCol="0">
+            <a:spAutoFit/>
+          </a:bodyPr>
+          <a:lstStyle/>
+          <a:p>
+            <a:r>
+              <a:rPr lang="en-US" altLang="zh-CN" sz="2400" dirty="0" smtClean="0"/>
+              <a:t>Asia</a:t>
+            </a:r>
+            <a:endParaRPr lang="zh-CN" altLang="en-US" sz="2400" dirty="0"/>
+          </a:p>
+        </p:txBody>
+      </p:sp>
+      <p:sp>
+        <p:nvSpPr>
+          <p:cNvPr id="9" name="文本框 8"/>
+          <p:cNvSpPr txBox="1"/>
+          <p:nvPr/>
+        </p:nvSpPr>
+        <p:spPr>
+          <a:xfrm>
+            <a:off x="289144" y="3010735"/>
+            <a:ext cx="2318130" cy="461665"/>
+          </a:xfrm>
+          <a:prstGeom prst="rect">
+            <a:avLst/>
+          </a:prstGeom>
+          <a:noFill/>
+        </p:spPr>
+        <p:txBody>
+          <a:bodyPr wrap="square" rtlCol="0">
+            <a:spAutoFit/>
+          </a:bodyPr>
+          <a:lstStyle/>
+          <a:p>
+            <a:r>
+              <a:rPr lang="en-US" altLang="zh-CN" sz="2400" dirty="0" smtClean="0"/>
+              <a:t>Africa, Northern</a:t>
+            </a:r>
+            <a:endParaRPr lang="zh-CN" altLang="en-US" sz="2400" dirty="0"/>
+          </a:p>
+        </p:txBody>
+      </p:sp>
+      <p:sp>
+        <p:nvSpPr>
+          <p:cNvPr id="10" name="文本框 9"/>
+          <p:cNvSpPr txBox="1"/>
+          <p:nvPr/>
+        </p:nvSpPr>
+        <p:spPr>
+          <a:xfrm>
+            <a:off x="90562" y="4214256"/>
+            <a:ext cx="1186347" cy="461665"/>
+          </a:xfrm>
+          <a:prstGeom prst="rect">
+            <a:avLst/>
+          </a:prstGeom>
+          <a:noFill/>
+        </p:spPr>
+        <p:txBody>
+          <a:bodyPr wrap="square" rtlCol="0">
+            <a:spAutoFit/>
+          </a:bodyPr>
+          <a:lstStyle/>
+          <a:p>
+            <a:r>
+              <a:rPr lang="en-US" altLang="zh-CN" sz="2400" dirty="0" smtClean="0"/>
+              <a:t>Algeria</a:t>
+            </a:r>
+            <a:endParaRPr lang="zh-CN" altLang="en-US" sz="2400" dirty="0"/>
+          </a:p>
+        </p:txBody>
+      </p:sp>
+      <p:sp>
+        <p:nvSpPr>
+          <p:cNvPr id="11" name="文本框 10"/>
+          <p:cNvSpPr txBox="1"/>
+          <p:nvPr/>
+        </p:nvSpPr>
+        <p:spPr>
+          <a:xfrm>
+            <a:off x="1506942" y="4270487"/>
+            <a:ext cx="943969" cy="461665"/>
+          </a:xfrm>
+          <a:prstGeom prst="rect">
+            <a:avLst/>
+          </a:prstGeom>
+          <a:noFill/>
+        </p:spPr>
+        <p:txBody>
+          <a:bodyPr wrap="square" rtlCol="0">
+            <a:spAutoFit/>
+          </a:bodyPr>
+          <a:lstStyle/>
+          <a:p>
+            <a:r>
+              <a:rPr lang="en-US" altLang="zh-CN" sz="2400" dirty="0" smtClean="0"/>
+              <a:t>Egypt</a:t>
+            </a:r>
             <a:endParaRPr lang="zh-CN" altLang="en-US" dirty="0"/>
           </a:p>
         </p:txBody>
       </p:sp>
       <p:sp>
         <p:nvSpPr>
-          <p:cNvPr id="6" name="文本框 5"/>
-          <p:cNvSpPr txBox="1"/>
-          <p:nvPr/>
-        </p:nvSpPr>
-        <p:spPr>
-          <a:xfrm>
-            <a:off x="1912393" y="1881501"/>
-            <a:ext cx="734704" cy="369332"/>
-          </a:xfrm>
-          <a:prstGeom prst="rect">
-            <a:avLst/>
-          </a:prstGeom>
-          <a:noFill/>
-        </p:spPr>
-        <p:txBody>
-          <a:bodyPr wrap="square" rtlCol="0">
-            <a:spAutoFit/>
-          </a:bodyPr>
-          <a:lstStyle/>
-          <a:p>
-            <a:r>
-              <a:rPr lang="en-US" altLang="zh-CN" dirty="0" smtClean="0"/>
-              <a:t>Africa</a:t>
+          <p:cNvPr id="12" name="文本框 11"/>
+          <p:cNvSpPr txBox="1"/>
+          <p:nvPr/>
+        </p:nvSpPr>
+        <p:spPr>
+          <a:xfrm>
+            <a:off x="2518012" y="4268805"/>
+            <a:ext cx="943969" cy="461665"/>
+          </a:xfrm>
+          <a:prstGeom prst="rect">
+            <a:avLst/>
+          </a:prstGeom>
+          <a:noFill/>
+        </p:spPr>
+        <p:txBody>
+          <a:bodyPr wrap="square" rtlCol="0">
+            <a:spAutoFit/>
+          </a:bodyPr>
+          <a:lstStyle/>
+          <a:p>
+            <a:r>
+              <a:rPr lang="en-US" altLang="zh-CN" sz="2400" dirty="0" smtClean="0"/>
+              <a:t>Libya</a:t>
             </a:r>
             <a:endParaRPr lang="zh-CN" altLang="en-US" dirty="0"/>
           </a:p>
@@ -3390,29 +3570,89 @@
       </p:sp>
       <p:sp>
         <p:nvSpPr>
-          <p:cNvPr id="7" name="文本框 6"/>
-          <p:cNvSpPr txBox="1"/>
-          <p:nvPr/>
-        </p:nvSpPr>
-        <p:spPr>
-          <a:xfrm>
-            <a:off x="4750558" y="1852868"/>
-            <a:ext cx="1199865" cy="369332"/>
-          </a:xfrm>
-          <a:prstGeom prst="rect">
-            <a:avLst/>
-          </a:prstGeom>
-          <a:noFill/>
-        </p:spPr>
-        <p:txBody>
-          <a:bodyPr wrap="square" rtlCol="0">
-            <a:spAutoFit/>
-          </a:bodyPr>
-          <a:lstStyle/>
-          <a:p>
-            <a:r>
-              <a:rPr lang="en-US" altLang="zh-CN" dirty="0" smtClean="0"/>
-              <a:t>Americas</a:t>
+          <p:cNvPr id="13" name="文本框 12"/>
+          <p:cNvSpPr txBox="1"/>
+          <p:nvPr/>
+        </p:nvSpPr>
+        <p:spPr>
+          <a:xfrm>
+            <a:off x="3502920" y="3058603"/>
+            <a:ext cx="2413967" cy="461665"/>
+          </a:xfrm>
+          <a:prstGeom prst="rect">
+            <a:avLst/>
+          </a:prstGeom>
+          <a:noFill/>
+        </p:spPr>
+        <p:txBody>
+          <a:bodyPr wrap="square" rtlCol="0">
+            <a:spAutoFit/>
+          </a:bodyPr>
+          <a:lstStyle/>
+          <a:p>
+            <a:r>
+              <a:rPr lang="en-US" altLang="zh-CN" sz="2400" dirty="0" smtClean="0"/>
+              <a:t>Caribbean Region</a:t>
+            </a:r>
+            <a:endParaRPr lang="zh-CN" altLang="en-US" sz="2400" dirty="0"/>
+          </a:p>
+        </p:txBody>
+      </p:sp>
+      <p:sp>
+        <p:nvSpPr>
+          <p:cNvPr id="14" name="文本框 13"/>
+          <p:cNvSpPr txBox="1"/>
+          <p:nvPr/>
+        </p:nvSpPr>
+        <p:spPr>
+          <a:xfrm>
+            <a:off x="3605941" y="4299582"/>
+            <a:ext cx="1499833" cy="400110"/>
+          </a:xfrm>
+          <a:prstGeom prst="rect">
+            <a:avLst/>
+          </a:prstGeom>
+          <a:noFill/>
+        </p:spPr>
+        <p:txBody>
+          <a:bodyPr wrap="square" rtlCol="0">
+            <a:spAutoFit/>
+          </a:bodyPr>
+          <a:lstStyle/>
+          <a:p>
+            <a:r>
+              <a:rPr lang="en-US" altLang="zh-CN" sz="2000" dirty="0" smtClean="0"/>
+              <a:t>West Indies</a:t>
+            </a:r>
+            <a:endParaRPr lang="zh-CN" altLang="en-US" sz="2000" dirty="0"/>
+          </a:p>
+        </p:txBody>
+      </p:sp>
+      <p:sp>
+        <p:nvSpPr>
+          <p:cNvPr id="15" name="文本框 14"/>
+          <p:cNvSpPr txBox="1"/>
+          <p:nvPr/>
+        </p:nvSpPr>
+        <p:spPr>
+          <a:xfrm>
+            <a:off x="5229370" y="4301187"/>
+            <a:ext cx="1357952" cy="461665"/>
+          </a:xfrm>
+          <a:prstGeom prst="rect">
+            <a:avLst/>
+          </a:prstGeom>
+          <a:noFill/>
+        </p:spPr>
+        <p:txBody>
+          <a:bodyPr wrap="square" rtlCol="0">
+            <a:spAutoFit/>
+          </a:bodyPr>
+          <a:lstStyle/>
+          <a:p>
+            <a:r>
+              <a:rPr lang="en-US" altLang="zh-CN" sz="2400" dirty="0" smtClean="0"/>
+              <a:t>Bahamas</a:t>
             </a:r>
             <a:endParaRPr lang="zh-CN" altLang="en-US" dirty="0"/>
           </a:p>
@@ -3420,29 +3660,29 @@
       </p:sp>
       <p:sp>
         <p:nvSpPr>
-          <p:cNvPr id="8" name="文本框 7"/>
-          <p:cNvSpPr txBox="1"/>
-          <p:nvPr/>
-        </p:nvSpPr>
-        <p:spPr>
-          <a:xfrm>
-            <a:off x="7755623" y="1888576"/>
-            <a:ext cx="599932" cy="369332"/>
-          </a:xfrm>
-          <a:prstGeom prst="rect">
-            <a:avLst/>
-          </a:prstGeom>
-          <a:noFill/>
-        </p:spPr>
-        <p:txBody>
-          <a:bodyPr wrap="square" rtlCol="0">
-            <a:spAutoFit/>
-          </a:bodyPr>
-          <a:lstStyle/>
-          <a:p>
-            <a:r>
-              <a:rPr lang="en-US" altLang="zh-CN" dirty="0" smtClean="0"/>
-              <a:t>Asia</a:t>
+          <p:cNvPr id="16" name="文本框 15"/>
+          <p:cNvSpPr txBox="1"/>
+          <p:nvPr/>
+        </p:nvSpPr>
+        <p:spPr>
+          <a:xfrm>
+            <a:off x="6764580" y="4284870"/>
+            <a:ext cx="1837898" cy="461665"/>
+          </a:xfrm>
+          <a:prstGeom prst="rect">
+            <a:avLst/>
+          </a:prstGeom>
+          <a:noFill/>
+        </p:spPr>
+        <p:txBody>
+          <a:bodyPr wrap="square" rtlCol="0">
+            <a:spAutoFit/>
+          </a:bodyPr>
+          <a:lstStyle/>
+          <a:p>
+            <a:r>
+              <a:rPr lang="en-US" altLang="zh-CN" sz="2400" dirty="0" smtClean="0"/>
+              <a:t>Kazakhstan</a:t>
             </a:r>
             <a:endParaRPr lang="zh-CN" altLang="en-US" dirty="0"/>
           </a:p>
@@ -3450,29 +3690,59 @@
       </p:sp>
       <p:sp>
         <p:nvSpPr>
-          <p:cNvPr id="9" name="文本框 8"/>
-          <p:cNvSpPr txBox="1"/>
-          <p:nvPr/>
-        </p:nvSpPr>
-        <p:spPr>
-          <a:xfrm>
-            <a:off x="680114" y="3112196"/>
-            <a:ext cx="1837898" cy="369332"/>
-          </a:xfrm>
-          <a:prstGeom prst="rect">
-            <a:avLst/>
-          </a:prstGeom>
-          <a:noFill/>
-        </p:spPr>
-        <p:txBody>
-          <a:bodyPr wrap="square" rtlCol="0">
-            <a:spAutoFit/>
-          </a:bodyPr>
-          <a:lstStyle/>
-          <a:p>
-            <a:r>
-              <a:rPr lang="en-US" altLang="zh-CN" dirty="0" smtClean="0"/>
-              <a:t>Africa, Northern</a:t>
+          <p:cNvPr id="17" name="文本框 16"/>
+          <p:cNvSpPr txBox="1"/>
+          <p:nvPr/>
+        </p:nvSpPr>
+        <p:spPr>
+          <a:xfrm>
+            <a:off x="6812623" y="3001152"/>
+            <a:ext cx="1837898" cy="461665"/>
+          </a:xfrm>
+          <a:prstGeom prst="rect">
+            <a:avLst/>
+          </a:prstGeom>
+          <a:noFill/>
+        </p:spPr>
+        <p:txBody>
+          <a:bodyPr wrap="square" rtlCol="0">
+            <a:spAutoFit/>
+          </a:bodyPr>
+          <a:lstStyle/>
+          <a:p>
+            <a:r>
+              <a:rPr lang="en-US" altLang="zh-CN" sz="2400" dirty="0" smtClean="0"/>
+              <a:t>Asia, Central</a:t>
+            </a:r>
+            <a:endParaRPr lang="zh-CN" altLang="en-US" sz="2400" dirty="0"/>
+          </a:p>
+        </p:txBody>
+      </p:sp>
+      <p:sp>
+        <p:nvSpPr>
+          <p:cNvPr id="18" name="文本框 17"/>
+          <p:cNvSpPr txBox="1"/>
+          <p:nvPr/>
+        </p:nvSpPr>
+        <p:spPr>
+          <a:xfrm>
+            <a:off x="8283491" y="4246200"/>
+            <a:ext cx="1557195" cy="461665"/>
+          </a:xfrm>
+          <a:prstGeom prst="rect">
+            <a:avLst/>
+          </a:prstGeom>
+          <a:noFill/>
+        </p:spPr>
+        <p:txBody>
+          <a:bodyPr wrap="square" rtlCol="0">
+            <a:spAutoFit/>
+          </a:bodyPr>
+          <a:lstStyle/>
+          <a:p>
+            <a:r>
+              <a:rPr lang="en-US" altLang="zh-CN" sz="2400" dirty="0" smtClean="0"/>
+              <a:t>Kyrgyzstan</a:t>
             </a:r>
             <a:endParaRPr lang="zh-CN" altLang="en-US" dirty="0"/>
           </a:p>
@@ -3480,284 +3750,14 @@
       </p:sp>
       <p:sp>
         <p:nvSpPr>
-          <p:cNvPr id="10" name="文本框 9"/>
-          <p:cNvSpPr txBox="1"/>
-          <p:nvPr/>
-        </p:nvSpPr>
-        <p:spPr>
-          <a:xfrm>
-            <a:off x="366218" y="4283715"/>
-            <a:ext cx="943969" cy="369332"/>
-          </a:xfrm>
-          <a:prstGeom prst="rect">
-            <a:avLst/>
-          </a:prstGeom>
-          <a:noFill/>
-        </p:spPr>
-        <p:txBody>
-          <a:bodyPr wrap="square" rtlCol="0">
-            <a:spAutoFit/>
-          </a:bodyPr>
-          <a:lstStyle/>
-          <a:p>
-            <a:r>
-              <a:rPr lang="en-US" altLang="zh-CN" dirty="0" smtClean="0"/>
-              <a:t>Algeria</a:t>
-            </a:r>
-            <a:endParaRPr lang="zh-CN" altLang="en-US" dirty="0"/>
-          </a:p>
-        </p:txBody>
-      </p:sp>
-      <p:sp>
-        <p:nvSpPr>
-          <p:cNvPr id="11" name="文本框 10"/>
-          <p:cNvSpPr txBox="1"/>
-          <p:nvPr/>
-        </p:nvSpPr>
-        <p:spPr>
-          <a:xfrm>
-            <a:off x="1506942" y="4270487"/>
-            <a:ext cx="943969" cy="369332"/>
-          </a:xfrm>
-          <a:prstGeom prst="rect">
-            <a:avLst/>
-          </a:prstGeom>
-          <a:noFill/>
-        </p:spPr>
-        <p:txBody>
-          <a:bodyPr wrap="square" rtlCol="0">
-            <a:spAutoFit/>
-          </a:bodyPr>
-          <a:lstStyle/>
-          <a:p>
-            <a:r>
-              <a:rPr lang="en-US" altLang="zh-CN" dirty="0" smtClean="0"/>
-              <a:t>Egypt</a:t>
-            </a:r>
-            <a:endParaRPr lang="zh-CN" altLang="en-US" dirty="0"/>
-          </a:p>
-        </p:txBody>
-      </p:sp>
-      <p:sp>
-        <p:nvSpPr>
-          <p:cNvPr id="12" name="文本框 11"/>
-          <p:cNvSpPr txBox="1"/>
-          <p:nvPr/>
-        </p:nvSpPr>
-        <p:spPr>
-          <a:xfrm>
-            <a:off x="2518012" y="4268805"/>
-            <a:ext cx="943969" cy="369332"/>
-          </a:xfrm>
-          <a:prstGeom prst="rect">
-            <a:avLst/>
-          </a:prstGeom>
-          <a:noFill/>
-        </p:spPr>
-        <p:txBody>
-          <a:bodyPr wrap="square" rtlCol="0">
-            <a:spAutoFit/>
-          </a:bodyPr>
-          <a:lstStyle/>
-          <a:p>
-            <a:r>
-              <a:rPr lang="en-US" altLang="zh-CN" dirty="0" smtClean="0"/>
-              <a:t>Libya</a:t>
-            </a:r>
-            <a:endParaRPr lang="zh-CN" altLang="en-US" dirty="0"/>
-          </a:p>
-        </p:txBody>
-      </p:sp>
-      <p:sp>
-        <p:nvSpPr>
-          <p:cNvPr id="13" name="文本框 12"/>
-          <p:cNvSpPr txBox="1"/>
-          <p:nvPr/>
-        </p:nvSpPr>
-        <p:spPr>
-          <a:xfrm>
-            <a:off x="4112525" y="3112196"/>
-            <a:ext cx="1837898" cy="369332"/>
-          </a:xfrm>
-          <a:prstGeom prst="rect">
-            <a:avLst/>
-          </a:prstGeom>
-          <a:noFill/>
-        </p:spPr>
-        <p:txBody>
-          <a:bodyPr wrap="square" rtlCol="0">
-            <a:spAutoFit/>
-          </a:bodyPr>
-          <a:lstStyle/>
-          <a:p>
-            <a:r>
-              <a:rPr lang="en-US" altLang="zh-CN" dirty="0" smtClean="0"/>
-              <a:t>Caribbean Region</a:t>
-            </a:r>
-            <a:endParaRPr lang="zh-CN" altLang="en-US" dirty="0"/>
-          </a:p>
-        </p:txBody>
-      </p:sp>
-      <p:sp>
-        <p:nvSpPr>
-          <p:cNvPr id="14" name="文本框 13"/>
-          <p:cNvSpPr txBox="1"/>
-          <p:nvPr/>
-        </p:nvSpPr>
-        <p:spPr>
-          <a:xfrm>
-            <a:off x="3752280" y="4241681"/>
-            <a:ext cx="1357952" cy="369332"/>
-          </a:xfrm>
-          <a:prstGeom prst="rect">
-            <a:avLst/>
-          </a:prstGeom>
-          <a:noFill/>
-        </p:spPr>
-        <p:txBody>
-          <a:bodyPr wrap="square" rtlCol="0">
-            <a:spAutoFit/>
-          </a:bodyPr>
-          <a:lstStyle/>
-          <a:p>
-            <a:r>
-              <a:rPr lang="en-US" altLang="zh-CN" dirty="0" smtClean="0"/>
-              <a:t>West Indies</a:t>
-            </a:r>
-            <a:endParaRPr lang="zh-CN" altLang="en-US" dirty="0"/>
-          </a:p>
-        </p:txBody>
-      </p:sp>
-      <p:sp>
-        <p:nvSpPr>
-          <p:cNvPr id="15" name="文本框 14"/>
-          <p:cNvSpPr txBox="1"/>
-          <p:nvPr/>
-        </p:nvSpPr>
-        <p:spPr>
-          <a:xfrm>
-            <a:off x="5128149" y="4229201"/>
-            <a:ext cx="1357952" cy="369332"/>
-          </a:xfrm>
-          <a:prstGeom prst="rect">
-            <a:avLst/>
-          </a:prstGeom>
-          <a:noFill/>
-        </p:spPr>
-        <p:txBody>
-          <a:bodyPr wrap="square" rtlCol="0">
-            <a:spAutoFit/>
-          </a:bodyPr>
-          <a:lstStyle/>
-          <a:p>
-            <a:r>
-              <a:rPr lang="en-US" altLang="zh-CN" dirty="0" smtClean="0"/>
-              <a:t>Bahamas</a:t>
-            </a:r>
-            <a:endParaRPr lang="zh-CN" altLang="en-US" dirty="0"/>
-          </a:p>
-        </p:txBody>
-      </p:sp>
-      <p:sp>
-        <p:nvSpPr>
-          <p:cNvPr id="16" name="文本框 15"/>
-          <p:cNvSpPr txBox="1"/>
-          <p:nvPr/>
-        </p:nvSpPr>
-        <p:spPr>
-          <a:xfrm>
-            <a:off x="6846620" y="4201804"/>
-            <a:ext cx="1837898" cy="369332"/>
-          </a:xfrm>
-          <a:prstGeom prst="rect">
-            <a:avLst/>
-          </a:prstGeom>
-          <a:noFill/>
-        </p:spPr>
-        <p:txBody>
-          <a:bodyPr wrap="square" rtlCol="0">
-            <a:spAutoFit/>
-          </a:bodyPr>
-          <a:lstStyle/>
-          <a:p>
-            <a:r>
-              <a:rPr lang="en-US" altLang="zh-CN" dirty="0" smtClean="0"/>
-              <a:t>Kazakhstan</a:t>
-            </a:r>
-            <a:endParaRPr lang="zh-CN" altLang="en-US" dirty="0"/>
-          </a:p>
-        </p:txBody>
-      </p:sp>
-      <p:sp>
-        <p:nvSpPr>
-          <p:cNvPr id="17" name="文本框 16"/>
-          <p:cNvSpPr txBox="1"/>
-          <p:nvPr/>
-        </p:nvSpPr>
-        <p:spPr>
-          <a:xfrm>
-            <a:off x="7282220" y="3086833"/>
-            <a:ext cx="1837898" cy="369332"/>
-          </a:xfrm>
-          <a:prstGeom prst="rect">
-            <a:avLst/>
-          </a:prstGeom>
-          <a:noFill/>
-        </p:spPr>
-        <p:txBody>
-          <a:bodyPr wrap="square" rtlCol="0">
-            <a:spAutoFit/>
-          </a:bodyPr>
-          <a:lstStyle/>
-          <a:p>
-            <a:r>
-              <a:rPr lang="en-US" altLang="zh-CN" dirty="0" smtClean="0"/>
-              <a:t>Asia, Central</a:t>
-            </a:r>
-            <a:endParaRPr lang="zh-CN" altLang="en-US" dirty="0"/>
-          </a:p>
-        </p:txBody>
-      </p:sp>
-      <p:sp>
-        <p:nvSpPr>
-          <p:cNvPr id="18" name="文本框 17"/>
-          <p:cNvSpPr txBox="1"/>
-          <p:nvPr/>
-        </p:nvSpPr>
-        <p:spPr>
-          <a:xfrm>
-            <a:off x="8270822" y="4201804"/>
-            <a:ext cx="1837898" cy="369332"/>
-          </a:xfrm>
-          <a:prstGeom prst="rect">
-            <a:avLst/>
-          </a:prstGeom>
-          <a:noFill/>
-        </p:spPr>
-        <p:txBody>
-          <a:bodyPr wrap="square" rtlCol="0">
-            <a:spAutoFit/>
-          </a:bodyPr>
-          <a:lstStyle/>
-          <a:p>
-            <a:r>
-              <a:rPr lang="en-US" altLang="zh-CN" dirty="0" smtClean="0"/>
-              <a:t>Kyrgyzstan</a:t>
-            </a:r>
-            <a:endParaRPr lang="zh-CN" altLang="en-US" dirty="0"/>
-          </a:p>
-        </p:txBody>
-      </p:sp>
-      <p:sp>
-        <p:nvSpPr>
           <p:cNvPr id="19" name="文本框 18"/>
           <p:cNvSpPr txBox="1"/>
           <p:nvPr/>
         </p:nvSpPr>
         <p:spPr>
           <a:xfrm>
-            <a:off x="8826688" y="2922096"/>
-            <a:ext cx="1837898" cy="461665"/>
+            <a:off x="8896626" y="2927213"/>
+            <a:ext cx="536408" cy="461665"/>
           </a:xfrm>
           <a:prstGeom prst="rect">
             <a:avLst/>
@@ -3780,14 +3780,14 @@
       </p:sp>
       <p:sp>
         <p:nvSpPr>
-          <p:cNvPr id="20" name="文本框 19"/>
-          <p:cNvSpPr txBox="1"/>
-          <p:nvPr/>
-        </p:nvSpPr>
-        <p:spPr>
-          <a:xfrm>
-            <a:off x="9842307" y="4010848"/>
-            <a:ext cx="1837898" cy="461665"/>
+          <p:cNvPr id="21" name="文本框 20"/>
+          <p:cNvSpPr txBox="1"/>
+          <p:nvPr/>
+        </p:nvSpPr>
+        <p:spPr>
+          <a:xfrm>
+            <a:off x="9210239" y="1787278"/>
+            <a:ext cx="253887" cy="461665"/>
           </a:xfrm>
           <a:prstGeom prst="rect">
             <a:avLst/>
@@ -3810,13 +3810,13 @@
       </p:sp>
       <p:sp>
         <p:nvSpPr>
-          <p:cNvPr id="21" name="文本框 20"/>
-          <p:cNvSpPr txBox="1"/>
-          <p:nvPr/>
-        </p:nvSpPr>
-        <p:spPr>
-          <a:xfrm>
-            <a:off x="9210239" y="1787278"/>
+          <p:cNvPr id="22" name="文本框 21"/>
+          <p:cNvSpPr txBox="1"/>
+          <p:nvPr/>
+        </p:nvSpPr>
+        <p:spPr>
+          <a:xfrm>
+            <a:off x="2679512" y="2956512"/>
             <a:ext cx="1837898" cy="461665"/>
           </a:xfrm>
           <a:prstGeom prst="rect">
@@ -3840,43 +3840,13 @@
       </p:sp>
       <p:sp>
         <p:nvSpPr>
-          <p:cNvPr id="22" name="文本框 21"/>
-          <p:cNvSpPr txBox="1"/>
-          <p:nvPr/>
-        </p:nvSpPr>
-        <p:spPr>
-          <a:xfrm>
-            <a:off x="2679512" y="2956512"/>
-            <a:ext cx="1837898" cy="461665"/>
-          </a:xfrm>
-          <a:prstGeom prst="rect">
-            <a:avLst/>
-          </a:prstGeom>
-          <a:noFill/>
-        </p:spPr>
-        <p:txBody>
-          <a:bodyPr wrap="square" rtlCol="0">
-            <a:spAutoFit/>
-          </a:bodyPr>
-          <a:lstStyle/>
-          <a:p>
-            <a:r>
-              <a:rPr lang="en-US" altLang="zh-CN" sz="2400" dirty="0" smtClean="0"/>
-              <a:t>…</a:t>
-            </a:r>
-            <a:endParaRPr lang="zh-CN" altLang="en-US" sz="2400" dirty="0"/>
-          </a:p>
-        </p:txBody>
-      </p:sp>
-      <p:sp>
-        <p:nvSpPr>
           <p:cNvPr id="23" name="文本框 22"/>
           <p:cNvSpPr txBox="1"/>
           <p:nvPr/>
         </p:nvSpPr>
         <p:spPr>
           <a:xfrm>
-            <a:off x="6229066" y="2984160"/>
+            <a:off x="6228944" y="2971901"/>
             <a:ext cx="528854" cy="461665"/>
           </a:xfrm>
           <a:prstGeom prst="rect">
@@ -3908,8 +3878,8 @@
         </p:nvCxnSpPr>
         <p:spPr>
           <a:xfrm flipH="1">
-            <a:off x="2518012" y="1188199"/>
-            <a:ext cx="3186753" cy="600969"/>
+            <a:off x="2518014" y="1280532"/>
+            <a:ext cx="3659804" cy="508636"/>
           </a:xfrm>
           <a:prstGeom prst="line">
             <a:avLst/>
@@ -3941,8 +3911,8 @@
         </p:nvCxnSpPr>
         <p:spPr>
           <a:xfrm flipH="1">
-            <a:off x="5350491" y="1188199"/>
-            <a:ext cx="354274" cy="664669"/>
+            <a:off x="5508716" y="1280532"/>
+            <a:ext cx="669102" cy="572336"/>
           </a:xfrm>
           <a:prstGeom prst="line">
             <a:avLst/>
@@ -3973,8 +3943,8 @@
         </p:nvCxnSpPr>
         <p:spPr>
           <a:xfrm>
-            <a:off x="5704765" y="1188199"/>
-            <a:ext cx="2163444" cy="637021"/>
+            <a:off x="6177818" y="1280532"/>
+            <a:ext cx="1690391" cy="544688"/>
           </a:xfrm>
           <a:prstGeom prst="line">
             <a:avLst/>
@@ -4155,8 +4125,8 @@
         </p:nvCxnSpPr>
         <p:spPr>
           <a:xfrm flipH="1">
-            <a:off x="4657868" y="2222200"/>
-            <a:ext cx="692623" cy="761960"/>
+            <a:off x="4657870" y="2314533"/>
+            <a:ext cx="850846" cy="669627"/>
           </a:xfrm>
           <a:prstGeom prst="line">
             <a:avLst/>
@@ -4187,8 +4157,8 @@
         </p:nvCxnSpPr>
         <p:spPr>
           <a:xfrm>
-            <a:off x="5350491" y="2222200"/>
-            <a:ext cx="1121959" cy="734312"/>
+            <a:off x="5508716" y="2314533"/>
+            <a:ext cx="963734" cy="641979"/>
           </a:xfrm>
           <a:prstGeom prst="line">
             <a:avLst/>
@@ -4220,8 +4190,8 @@
         </p:nvCxnSpPr>
         <p:spPr>
           <a:xfrm flipH="1">
-            <a:off x="4431256" y="3481528"/>
-            <a:ext cx="600218" cy="760153"/>
+            <a:off x="4355858" y="3520268"/>
+            <a:ext cx="354046" cy="779314"/>
           </a:xfrm>
           <a:prstGeom prst="line">
             <a:avLst/>
@@ -4253,8 +4223,8 @@
         </p:nvCxnSpPr>
         <p:spPr>
           <a:xfrm>
-            <a:off x="5031474" y="3481528"/>
-            <a:ext cx="775651" cy="747673"/>
+            <a:off x="4709904" y="3520268"/>
+            <a:ext cx="1198442" cy="780919"/>
           </a:xfrm>
           <a:prstGeom prst="line">
             <a:avLst/>
@@ -4285,8 +4255,8 @@
         </p:nvCxnSpPr>
         <p:spPr>
           <a:xfrm flipH="1">
-            <a:off x="7841492" y="2257908"/>
-            <a:ext cx="214097" cy="646021"/>
+            <a:off x="7841494" y="2350241"/>
+            <a:ext cx="378576" cy="553688"/>
           </a:xfrm>
           <a:prstGeom prst="line">
             <a:avLst/>
@@ -4407,8 +4377,8 @@
         </p:nvCxnSpPr>
         <p:spPr>
           <a:xfrm>
-            <a:off x="5704765" y="1188199"/>
-            <a:ext cx="3505474" cy="586599"/>
+            <a:off x="6177818" y="1280532"/>
+            <a:ext cx="3032421" cy="494266"/>
           </a:xfrm>
           <a:prstGeom prst="line">
             <a:avLst/>
@@ -4437,22 +4407,22 @@
         </p:nvSpPr>
         <p:spPr>
           <a:xfrm>
-            <a:off x="1850694" y="1487894"/>
-            <a:ext cx="734704" cy="369332"/>
-          </a:xfrm>
-          <a:prstGeom prst="rect">
-            <a:avLst/>
-          </a:prstGeom>
-          <a:noFill/>
-        </p:spPr>
-        <p:txBody>
-          <a:bodyPr wrap="square" rtlCol="0">
-            <a:spAutoFit/>
-          </a:bodyPr>
-          <a:lstStyle/>
-          <a:p>
-            <a:r>
-              <a:rPr lang="en-US" altLang="zh-CN" dirty="0" smtClean="0"/>
+            <a:off x="1591249" y="1735574"/>
+            <a:ext cx="734704" cy="400110"/>
+          </a:xfrm>
+          <a:prstGeom prst="rect">
+            <a:avLst/>
+          </a:prstGeom>
+          <a:noFill/>
+        </p:spPr>
+        <p:txBody>
+          <a:bodyPr wrap="square" rtlCol="0">
+            <a:spAutoFit/>
+          </a:bodyPr>
+          <a:lstStyle/>
+          <a:p>
+            <a:r>
+              <a:rPr lang="en-US" altLang="zh-CN" sz="2000" dirty="0" smtClean="0"/>
               <a:t>1</a:t>
             </a:r>
             <a:endParaRPr lang="zh-CN" altLang="en-US" dirty="0"/>
@@ -4468,24 +4438,24 @@
         <p:spPr>
           <a:xfrm>
             <a:off x="856545" y="2675034"/>
-            <a:ext cx="734704" cy="369332"/>
-          </a:xfrm>
-          <a:prstGeom prst="rect">
-            <a:avLst/>
-          </a:prstGeom>
-          <a:noFill/>
-        </p:spPr>
-        <p:txBody>
-          <a:bodyPr wrap="square" rtlCol="0">
-            <a:spAutoFit/>
-          </a:bodyPr>
-          <a:lstStyle/>
-          <a:p>
-            <a:r>
-              <a:rPr lang="en-US" altLang="zh-CN" dirty="0" smtClean="0"/>
+            <a:ext cx="734704" cy="400110"/>
+          </a:xfrm>
+          <a:prstGeom prst="rect">
+            <a:avLst/>
+          </a:prstGeom>
+          <a:noFill/>
+        </p:spPr>
+        <p:txBody>
+          <a:bodyPr wrap="square" rtlCol="0">
+            <a:spAutoFit/>
+          </a:bodyPr>
+          <a:lstStyle/>
+          <a:p>
+            <a:r>
+              <a:rPr lang="en-US" altLang="zh-CN" sz="2000" dirty="0" smtClean="0"/>
               <a:t>1.1</a:t>
             </a:r>
-            <a:endParaRPr lang="zh-CN" altLang="en-US" dirty="0"/>
+            <a:endParaRPr lang="zh-CN" altLang="en-US" sz="2000" dirty="0"/>
           </a:p>
         </p:txBody>
       </p:sp>
@@ -4497,25 +4467,25 @@
         </p:nvSpPr>
         <p:spPr>
           <a:xfrm>
-            <a:off x="366218" y="4658257"/>
-            <a:ext cx="734704" cy="369332"/>
-          </a:xfrm>
-          <a:prstGeom prst="rect">
-            <a:avLst/>
-          </a:prstGeom>
-          <a:noFill/>
-        </p:spPr>
-        <p:txBody>
-          <a:bodyPr wrap="square" rtlCol="0">
-            <a:spAutoFit/>
-          </a:bodyPr>
-          <a:lstStyle/>
-          <a:p>
-            <a:r>
-              <a:rPr lang="en-US" altLang="zh-CN" dirty="0" smtClean="0"/>
+            <a:off x="369346" y="4758728"/>
+            <a:ext cx="734704" cy="400110"/>
+          </a:xfrm>
+          <a:prstGeom prst="rect">
+            <a:avLst/>
+          </a:prstGeom>
+          <a:noFill/>
+        </p:spPr>
+        <p:txBody>
+          <a:bodyPr wrap="square" rtlCol="0">
+            <a:spAutoFit/>
+          </a:bodyPr>
+          <a:lstStyle/>
+          <a:p>
+            <a:r>
+              <a:rPr lang="en-US" altLang="zh-CN" sz="2000" dirty="0" smtClean="0"/>
               <a:t>1.1.1</a:t>
             </a:r>
-            <a:endParaRPr lang="zh-CN" altLang="en-US" dirty="0"/>
+            <a:endParaRPr lang="zh-CN" altLang="en-US" sz="2000" dirty="0"/>
           </a:p>
         </p:txBody>
       </p:sp>
@@ -4527,7 +4497,7 @@
         </p:nvSpPr>
         <p:spPr>
           <a:xfrm>
-            <a:off x="1467843" y="4616223"/>
+            <a:off x="1545040" y="4758728"/>
             <a:ext cx="734704" cy="369332"/>
           </a:xfrm>
           <a:prstGeom prst="rect">
@@ -4557,22 +4527,22 @@
         </p:nvSpPr>
         <p:spPr>
           <a:xfrm>
-            <a:off x="2566340" y="4643180"/>
-            <a:ext cx="734704" cy="369332"/>
-          </a:xfrm>
-          <a:prstGeom prst="rect">
-            <a:avLst/>
-          </a:prstGeom>
-          <a:noFill/>
-        </p:spPr>
-        <p:txBody>
-          <a:bodyPr wrap="square" rtlCol="0">
-            <a:spAutoFit/>
-          </a:bodyPr>
-          <a:lstStyle/>
-          <a:p>
-            <a:r>
-              <a:rPr lang="en-US" altLang="zh-CN" dirty="0" smtClean="0"/>
+            <a:off x="2583247" y="4758728"/>
+            <a:ext cx="734704" cy="400110"/>
+          </a:xfrm>
+          <a:prstGeom prst="rect">
+            <a:avLst/>
+          </a:prstGeom>
+          <a:noFill/>
+        </p:spPr>
+        <p:txBody>
+          <a:bodyPr wrap="square" rtlCol="0">
+            <a:spAutoFit/>
+          </a:bodyPr>
+          <a:lstStyle/>
+          <a:p>
+            <a:r>
+              <a:rPr lang="en-US" altLang="zh-CN" sz="2000" dirty="0" smtClean="0"/>
               <a:t>1.1.3</a:t>
             </a:r>
             <a:endParaRPr lang="zh-CN" altLang="en-US" dirty="0"/>
@@ -4587,53 +4557,83 @@
         </p:nvSpPr>
         <p:spPr>
           <a:xfrm>
-            <a:off x="4677486" y="1557531"/>
-            <a:ext cx="734704" cy="369332"/>
-          </a:xfrm>
-          <a:prstGeom prst="rect">
-            <a:avLst/>
-          </a:prstGeom>
-          <a:noFill/>
-        </p:spPr>
-        <p:txBody>
-          <a:bodyPr wrap="square" rtlCol="0">
-            <a:spAutoFit/>
-          </a:bodyPr>
-          <a:lstStyle/>
-          <a:p>
-            <a:r>
-              <a:rPr lang="en-US" altLang="zh-CN" dirty="0" smtClean="0"/>
+            <a:off x="4517409" y="1801483"/>
+            <a:ext cx="734704" cy="400110"/>
+          </a:xfrm>
+          <a:prstGeom prst="rect">
+            <a:avLst/>
+          </a:prstGeom>
+          <a:noFill/>
+        </p:spPr>
+        <p:txBody>
+          <a:bodyPr wrap="square" rtlCol="0">
+            <a:spAutoFit/>
+          </a:bodyPr>
+          <a:lstStyle/>
+          <a:p>
+            <a:r>
+              <a:rPr lang="en-US" altLang="zh-CN" sz="2000" dirty="0" smtClean="0"/>
               <a:t>2</a:t>
             </a:r>
+            <a:endParaRPr lang="zh-CN" altLang="en-US" sz="2000" dirty="0"/>
+          </a:p>
+        </p:txBody>
+      </p:sp>
+      <p:sp>
+        <p:nvSpPr>
+          <p:cNvPr id="80" name="文本框 79"/>
+          <p:cNvSpPr txBox="1"/>
+          <p:nvPr/>
+        </p:nvSpPr>
+        <p:spPr>
+          <a:xfrm>
+            <a:off x="7103523" y="2771846"/>
+            <a:ext cx="734704" cy="400110"/>
+          </a:xfrm>
+          <a:prstGeom prst="rect">
+            <a:avLst/>
+          </a:prstGeom>
+          <a:noFill/>
+        </p:spPr>
+        <p:txBody>
+          <a:bodyPr wrap="square" rtlCol="0">
+            <a:spAutoFit/>
+          </a:bodyPr>
+          <a:lstStyle/>
+          <a:p>
+            <a:r>
+              <a:rPr lang="en-US" altLang="zh-CN" sz="2000" dirty="0" smtClean="0"/>
+              <a:t>3.1</a:t>
+            </a:r>
             <a:endParaRPr lang="zh-CN" altLang="en-US" dirty="0"/>
           </a:p>
         </p:txBody>
       </p:sp>
       <p:sp>
         <p:nvSpPr>
-          <p:cNvPr id="80" name="文本框 79"/>
-          <p:cNvSpPr txBox="1"/>
-          <p:nvPr/>
-        </p:nvSpPr>
-        <p:spPr>
-          <a:xfrm>
-            <a:off x="7103523" y="2771846"/>
-            <a:ext cx="734704" cy="369332"/>
-          </a:xfrm>
-          <a:prstGeom prst="rect">
-            <a:avLst/>
-          </a:prstGeom>
-          <a:noFill/>
-        </p:spPr>
-        <p:txBody>
-          <a:bodyPr wrap="square" rtlCol="0">
-            <a:spAutoFit/>
-          </a:bodyPr>
-          <a:lstStyle/>
-          <a:p>
-            <a:r>
-              <a:rPr lang="en-US" altLang="zh-CN" dirty="0" smtClean="0"/>
-              <a:t>3.1</a:t>
+          <p:cNvPr id="82" name="文本框 81"/>
+          <p:cNvSpPr txBox="1"/>
+          <p:nvPr/>
+        </p:nvSpPr>
+        <p:spPr>
+          <a:xfrm>
+            <a:off x="4092625" y="2708495"/>
+            <a:ext cx="734704" cy="400110"/>
+          </a:xfrm>
+          <a:prstGeom prst="rect">
+            <a:avLst/>
+          </a:prstGeom>
+          <a:noFill/>
+        </p:spPr>
+        <p:txBody>
+          <a:bodyPr wrap="square" rtlCol="0">
+            <a:spAutoFit/>
+          </a:bodyPr>
+          <a:lstStyle/>
+          <a:p>
+            <a:r>
+              <a:rPr lang="en-US" altLang="zh-CN" sz="2000" dirty="0" smtClean="0"/>
+              <a:t>2.1</a:t>
             </a:r>
             <a:endParaRPr lang="zh-CN" altLang="en-US" dirty="0"/>
           </a:p>
@@ -4641,29 +4641,29 @@
       </p:sp>
       <p:sp>
         <p:nvSpPr>
-          <p:cNvPr id="82" name="文本框 81"/>
-          <p:cNvSpPr txBox="1"/>
-          <p:nvPr/>
-        </p:nvSpPr>
-        <p:spPr>
-          <a:xfrm>
-            <a:off x="4092625" y="2708495"/>
-            <a:ext cx="734704" cy="369332"/>
-          </a:xfrm>
-          <a:prstGeom prst="rect">
-            <a:avLst/>
-          </a:prstGeom>
-          <a:noFill/>
-        </p:spPr>
-        <p:txBody>
-          <a:bodyPr wrap="square" rtlCol="0">
-            <a:spAutoFit/>
-          </a:bodyPr>
-          <a:lstStyle/>
-          <a:p>
-            <a:r>
-              <a:rPr lang="en-US" altLang="zh-CN" dirty="0" smtClean="0"/>
-              <a:t>2.1</a:t>
+          <p:cNvPr id="83" name="文本框 82"/>
+          <p:cNvSpPr txBox="1"/>
+          <p:nvPr/>
+        </p:nvSpPr>
+        <p:spPr>
+          <a:xfrm>
+            <a:off x="3939343" y="4746535"/>
+            <a:ext cx="734704" cy="400110"/>
+          </a:xfrm>
+          <a:prstGeom prst="rect">
+            <a:avLst/>
+          </a:prstGeom>
+          <a:noFill/>
+        </p:spPr>
+        <p:txBody>
+          <a:bodyPr wrap="square" rtlCol="0">
+            <a:spAutoFit/>
+          </a:bodyPr>
+          <a:lstStyle/>
+          <a:p>
+            <a:r>
+              <a:rPr lang="en-US" altLang="zh-CN" sz="2000" dirty="0" smtClean="0"/>
+              <a:t>2.1.1</a:t>
             </a:r>
             <a:endParaRPr lang="zh-CN" altLang="en-US" dirty="0"/>
           </a:p>
@@ -4671,29 +4671,29 @@
       </p:sp>
       <p:sp>
         <p:nvSpPr>
-          <p:cNvPr id="83" name="文本框 82"/>
-          <p:cNvSpPr txBox="1"/>
-          <p:nvPr/>
-        </p:nvSpPr>
-        <p:spPr>
-          <a:xfrm>
-            <a:off x="3923164" y="4641984"/>
-            <a:ext cx="734704" cy="369332"/>
-          </a:xfrm>
-          <a:prstGeom prst="rect">
-            <a:avLst/>
-          </a:prstGeom>
-          <a:noFill/>
-        </p:spPr>
-        <p:txBody>
-          <a:bodyPr wrap="square" rtlCol="0">
-            <a:spAutoFit/>
-          </a:bodyPr>
-          <a:lstStyle/>
-          <a:p>
-            <a:r>
-              <a:rPr lang="en-US" altLang="zh-CN" dirty="0" smtClean="0"/>
-              <a:t>2.1.1</a:t>
+          <p:cNvPr id="84" name="文本框 83"/>
+          <p:cNvSpPr txBox="1"/>
+          <p:nvPr/>
+        </p:nvSpPr>
+        <p:spPr>
+          <a:xfrm>
+            <a:off x="5295439" y="4763370"/>
+            <a:ext cx="734704" cy="400110"/>
+          </a:xfrm>
+          <a:prstGeom prst="rect">
+            <a:avLst/>
+          </a:prstGeom>
+          <a:noFill/>
+        </p:spPr>
+        <p:txBody>
+          <a:bodyPr wrap="square" rtlCol="0">
+            <a:spAutoFit/>
+          </a:bodyPr>
+          <a:lstStyle/>
+          <a:p>
+            <a:r>
+              <a:rPr lang="en-US" altLang="zh-CN" sz="2000" dirty="0" smtClean="0"/>
+              <a:t>2.1.2</a:t>
             </a:r>
             <a:endParaRPr lang="zh-CN" altLang="en-US" dirty="0"/>
           </a:p>
@@ -4701,29 +4701,29 @@
       </p:sp>
       <p:sp>
         <p:nvSpPr>
-          <p:cNvPr id="84" name="文本框 83"/>
-          <p:cNvSpPr txBox="1"/>
-          <p:nvPr/>
-        </p:nvSpPr>
-        <p:spPr>
-          <a:xfrm>
-            <a:off x="5216154" y="4601532"/>
-            <a:ext cx="734704" cy="369332"/>
-          </a:xfrm>
-          <a:prstGeom prst="rect">
-            <a:avLst/>
-          </a:prstGeom>
-          <a:noFill/>
-        </p:spPr>
-        <p:txBody>
-          <a:bodyPr wrap="square" rtlCol="0">
-            <a:spAutoFit/>
-          </a:bodyPr>
-          <a:lstStyle/>
-          <a:p>
-            <a:r>
-              <a:rPr lang="en-US" altLang="zh-CN" dirty="0" smtClean="0"/>
-              <a:t>2.1.2</a:t>
+          <p:cNvPr id="85" name="文本框 84"/>
+          <p:cNvSpPr txBox="1"/>
+          <p:nvPr/>
+        </p:nvSpPr>
+        <p:spPr>
+          <a:xfrm>
+            <a:off x="7446250" y="1923904"/>
+            <a:ext cx="734704" cy="400110"/>
+          </a:xfrm>
+          <a:prstGeom prst="rect">
+            <a:avLst/>
+          </a:prstGeom>
+          <a:noFill/>
+        </p:spPr>
+        <p:txBody>
+          <a:bodyPr wrap="square" rtlCol="0">
+            <a:spAutoFit/>
+          </a:bodyPr>
+          <a:lstStyle/>
+          <a:p>
+            <a:r>
+              <a:rPr lang="en-US" altLang="zh-CN" sz="2000" dirty="0" smtClean="0"/>
+              <a:t>3</a:t>
             </a:r>
             <a:endParaRPr lang="zh-CN" altLang="en-US" dirty="0"/>
           </a:p>
@@ -4731,29 +4731,29 @@
       </p:sp>
       <p:sp>
         <p:nvSpPr>
-          <p:cNvPr id="85" name="文本框 84"/>
-          <p:cNvSpPr txBox="1"/>
-          <p:nvPr/>
-        </p:nvSpPr>
-        <p:spPr>
-          <a:xfrm>
-            <a:off x="7444853" y="1997271"/>
-            <a:ext cx="734704" cy="369332"/>
-          </a:xfrm>
-          <a:prstGeom prst="rect">
-            <a:avLst/>
-          </a:prstGeom>
-          <a:noFill/>
-        </p:spPr>
-        <p:txBody>
-          <a:bodyPr wrap="square" rtlCol="0">
-            <a:spAutoFit/>
-          </a:bodyPr>
-          <a:lstStyle/>
-          <a:p>
-            <a:r>
-              <a:rPr lang="en-US" altLang="zh-CN" dirty="0" smtClean="0"/>
-              <a:t>3</a:t>
+          <p:cNvPr id="86" name="文本框 85"/>
+          <p:cNvSpPr txBox="1"/>
+          <p:nvPr/>
+        </p:nvSpPr>
+        <p:spPr>
+          <a:xfrm>
+            <a:off x="7024470" y="4758728"/>
+            <a:ext cx="734704" cy="400110"/>
+          </a:xfrm>
+          <a:prstGeom prst="rect">
+            <a:avLst/>
+          </a:prstGeom>
+          <a:noFill/>
+        </p:spPr>
+        <p:txBody>
+          <a:bodyPr wrap="square" rtlCol="0">
+            <a:spAutoFit/>
+          </a:bodyPr>
+          <a:lstStyle/>
+          <a:p>
+            <a:r>
+              <a:rPr lang="en-US" altLang="zh-CN" sz="2000" dirty="0" smtClean="0"/>
+              <a:t>3.1.1</a:t>
             </a:r>
             <a:endParaRPr lang="zh-CN" altLang="en-US" dirty="0"/>
           </a:p>
@@ -4761,58 +4761,28 @@
       </p:sp>
       <p:sp>
         <p:nvSpPr>
-          <p:cNvPr id="86" name="文本框 85"/>
-          <p:cNvSpPr txBox="1"/>
-          <p:nvPr/>
-        </p:nvSpPr>
-        <p:spPr>
-          <a:xfrm>
-            <a:off x="7024331" y="4574062"/>
-            <a:ext cx="734704" cy="369332"/>
-          </a:xfrm>
-          <a:prstGeom prst="rect">
-            <a:avLst/>
-          </a:prstGeom>
-          <a:noFill/>
-        </p:spPr>
-        <p:txBody>
-          <a:bodyPr wrap="square" rtlCol="0">
-            <a:spAutoFit/>
-          </a:bodyPr>
-          <a:lstStyle/>
-          <a:p>
-            <a:r>
-              <a:rPr lang="en-US" altLang="zh-CN" dirty="0" smtClean="0"/>
-              <a:t>3.1.1</a:t>
-            </a:r>
-            <a:endParaRPr lang="zh-CN" altLang="en-US" dirty="0"/>
-          </a:p>
-        </p:txBody>
-      </p:sp>
-      <p:sp>
-        <p:nvSpPr>
           <p:cNvPr id="87" name="文本框 86"/>
           <p:cNvSpPr txBox="1"/>
           <p:nvPr/>
         </p:nvSpPr>
         <p:spPr>
           <a:xfrm>
-            <a:off x="8597113" y="4592198"/>
-            <a:ext cx="734704" cy="369332"/>
-          </a:xfrm>
-          <a:prstGeom prst="rect">
-            <a:avLst/>
-          </a:prstGeom>
-          <a:noFill/>
-        </p:spPr>
-        <p:txBody>
-          <a:bodyPr wrap="square" rtlCol="0">
-            <a:spAutoFit/>
-          </a:bodyPr>
-          <a:lstStyle/>
-          <a:p>
-            <a:r>
-              <a:rPr lang="en-US" altLang="zh-CN" dirty="0" smtClean="0"/>
+            <a:off x="8624949" y="4737683"/>
+            <a:ext cx="734704" cy="400110"/>
+          </a:xfrm>
+          <a:prstGeom prst="rect">
+            <a:avLst/>
+          </a:prstGeom>
+          <a:noFill/>
+        </p:spPr>
+        <p:txBody>
+          <a:bodyPr wrap="square" rtlCol="0">
+            <a:spAutoFit/>
+          </a:bodyPr>
+          <a:lstStyle/>
+          <a:p>
+            <a:r>
+              <a:rPr lang="en-US" altLang="zh-CN" sz="2000" dirty="0" smtClean="0"/>
               <a:t>3.1.2</a:t>
             </a:r>
             <a:endParaRPr lang="zh-CN" altLang="en-US" dirty="0"/>
@@ -4865,24 +4835,24 @@
         <p:spPr>
           <a:xfrm>
             <a:off x="4517410" y="818867"/>
-            <a:ext cx="2374710" cy="369332"/>
-          </a:xfrm>
-          <a:prstGeom prst="rect">
-            <a:avLst/>
-          </a:prstGeom>
-          <a:noFill/>
-        </p:spPr>
-        <p:txBody>
-          <a:bodyPr wrap="square" rtlCol="0">
-            <a:spAutoFit/>
-          </a:bodyPr>
-          <a:lstStyle/>
-          <a:p>
-            <a:r>
-              <a:rPr lang="en-US" altLang="zh-CN" dirty="0" smtClean="0"/>
+            <a:ext cx="2857064" cy="461665"/>
+          </a:xfrm>
+          <a:prstGeom prst="rect">
+            <a:avLst/>
+          </a:prstGeom>
+          <a:noFill/>
+        </p:spPr>
+        <p:txBody>
+          <a:bodyPr wrap="square" rtlCol="0">
+            <a:spAutoFit/>
+          </a:bodyPr>
+          <a:lstStyle/>
+          <a:p>
+            <a:r>
+              <a:rPr lang="en-US" altLang="zh-CN" sz="2400" dirty="0" smtClean="0"/>
               <a:t>Geographic locations </a:t>
             </a:r>
-            <a:endParaRPr lang="zh-CN" altLang="en-US" dirty="0"/>
+            <a:endParaRPr lang="zh-CN" altLang="en-US" sz="2400" dirty="0"/>
           </a:p>
         </p:txBody>
       </p:sp>
@@ -4894,25 +4864,25 @@
         </p:nvSpPr>
         <p:spPr>
           <a:xfrm>
-            <a:off x="1617833" y="1868150"/>
-            <a:ext cx="734704" cy="369332"/>
-          </a:xfrm>
-          <a:prstGeom prst="rect">
-            <a:avLst/>
-          </a:prstGeom>
-          <a:noFill/>
-        </p:spPr>
-        <p:txBody>
-          <a:bodyPr wrap="square" rtlCol="0">
-            <a:spAutoFit/>
-          </a:bodyPr>
-          <a:lstStyle/>
-          <a:p>
-            <a:r>
-              <a:rPr lang="en-US" altLang="zh-CN" dirty="0" smtClean="0"/>
+            <a:off x="1617832" y="1868150"/>
+            <a:ext cx="1061680" cy="461665"/>
+          </a:xfrm>
+          <a:prstGeom prst="rect">
+            <a:avLst/>
+          </a:prstGeom>
+          <a:noFill/>
+        </p:spPr>
+        <p:txBody>
+          <a:bodyPr wrap="square" rtlCol="0">
+            <a:spAutoFit/>
+          </a:bodyPr>
+          <a:lstStyle/>
+          <a:p>
+            <a:r>
+              <a:rPr lang="en-US" altLang="zh-CN" sz="2400" dirty="0" smtClean="0"/>
               <a:t>Africa</a:t>
             </a:r>
-            <a:endParaRPr lang="zh-CN" altLang="en-US" dirty="0"/>
+            <a:endParaRPr lang="zh-CN" altLang="en-US" sz="2400" dirty="0"/>
           </a:p>
         </p:txBody>
       </p:sp>
@@ -4924,25 +4894,25 @@
         </p:nvSpPr>
         <p:spPr>
           <a:xfrm>
-            <a:off x="4750558" y="1852868"/>
-            <a:ext cx="1199865" cy="369332"/>
-          </a:xfrm>
-          <a:prstGeom prst="rect">
-            <a:avLst/>
-          </a:prstGeom>
-          <a:noFill/>
-        </p:spPr>
-        <p:txBody>
-          <a:bodyPr wrap="square" rtlCol="0">
-            <a:spAutoFit/>
-          </a:bodyPr>
-          <a:lstStyle/>
-          <a:p>
-            <a:r>
-              <a:rPr lang="en-US" altLang="zh-CN" dirty="0" smtClean="0"/>
+            <a:off x="4620306" y="1751629"/>
+            <a:ext cx="1411506" cy="461665"/>
+          </a:xfrm>
+          <a:prstGeom prst="rect">
+            <a:avLst/>
+          </a:prstGeom>
+          <a:noFill/>
+        </p:spPr>
+        <p:txBody>
+          <a:bodyPr wrap="square" rtlCol="0">
+            <a:spAutoFit/>
+          </a:bodyPr>
+          <a:lstStyle/>
+          <a:p>
+            <a:r>
+              <a:rPr lang="en-US" altLang="zh-CN" sz="2400" dirty="0" smtClean="0"/>
               <a:t>Americas</a:t>
             </a:r>
-            <a:endParaRPr lang="zh-CN" altLang="en-US" dirty="0"/>
+            <a:endParaRPr lang="zh-CN" altLang="en-US" sz="2400" dirty="0"/>
           </a:p>
         </p:txBody>
       </p:sp>
@@ -4954,25 +4924,25 @@
         </p:nvSpPr>
         <p:spPr>
           <a:xfrm>
-            <a:off x="7755623" y="1888576"/>
-            <a:ext cx="599932" cy="369332"/>
-          </a:xfrm>
-          <a:prstGeom prst="rect">
-            <a:avLst/>
-          </a:prstGeom>
-          <a:noFill/>
-        </p:spPr>
-        <p:txBody>
-          <a:bodyPr wrap="square" rtlCol="0">
-            <a:spAutoFit/>
-          </a:bodyPr>
-          <a:lstStyle/>
-          <a:p>
-            <a:r>
-              <a:rPr lang="en-US" altLang="zh-CN" dirty="0" smtClean="0"/>
+            <a:off x="7755623" y="1787278"/>
+            <a:ext cx="797548" cy="461665"/>
+          </a:xfrm>
+          <a:prstGeom prst="rect">
+            <a:avLst/>
+          </a:prstGeom>
+          <a:noFill/>
+        </p:spPr>
+        <p:txBody>
+          <a:bodyPr wrap="square" rtlCol="0">
+            <a:spAutoFit/>
+          </a:bodyPr>
+          <a:lstStyle/>
+          <a:p>
+            <a:r>
+              <a:rPr lang="en-US" altLang="zh-CN" sz="2400" dirty="0" smtClean="0"/>
               <a:t>Asia</a:t>
             </a:r>
-            <a:endParaRPr lang="zh-CN" altLang="en-US" dirty="0"/>
+            <a:endParaRPr lang="zh-CN" altLang="en-US" sz="2400" dirty="0"/>
           </a:p>
         </p:txBody>
       </p:sp>
@@ -4984,25 +4954,25 @@
         </p:nvSpPr>
         <p:spPr>
           <a:xfrm>
-            <a:off x="680114" y="3112196"/>
-            <a:ext cx="1837898" cy="369332"/>
-          </a:xfrm>
-          <a:prstGeom prst="rect">
-            <a:avLst/>
-          </a:prstGeom>
-          <a:noFill/>
-        </p:spPr>
-        <p:txBody>
-          <a:bodyPr wrap="square" rtlCol="0">
-            <a:spAutoFit/>
-          </a:bodyPr>
-          <a:lstStyle/>
-          <a:p>
-            <a:r>
-              <a:rPr lang="en-US" altLang="zh-CN" dirty="0"/>
+            <a:off x="479415" y="3110918"/>
+            <a:ext cx="1837898" cy="461665"/>
+          </a:xfrm>
+          <a:prstGeom prst="rect">
+            <a:avLst/>
+          </a:prstGeom>
+          <a:noFill/>
+        </p:spPr>
+        <p:txBody>
+          <a:bodyPr wrap="square" rtlCol="0">
+            <a:spAutoFit/>
+          </a:bodyPr>
+          <a:lstStyle/>
+          <a:p>
+            <a:r>
+              <a:rPr lang="en-US" altLang="zh-CN" sz="2400" dirty="0"/>
               <a:t>Algeria</a:t>
             </a:r>
-            <a:endParaRPr lang="zh-CN" altLang="en-US" dirty="0"/>
+            <a:endParaRPr lang="zh-CN" altLang="en-US" sz="2400" dirty="0"/>
           </a:p>
         </p:txBody>
       </p:sp>
@@ -5014,25 +4984,25 @@
         </p:nvSpPr>
         <p:spPr>
           <a:xfrm>
-            <a:off x="3460146" y="4334953"/>
-            <a:ext cx="1357952" cy="369332"/>
-          </a:xfrm>
-          <a:prstGeom prst="rect">
-            <a:avLst/>
-          </a:prstGeom>
-          <a:noFill/>
-        </p:spPr>
-        <p:txBody>
-          <a:bodyPr wrap="square" rtlCol="0">
-            <a:spAutoFit/>
-          </a:bodyPr>
-          <a:lstStyle/>
-          <a:p>
-            <a:r>
-              <a:rPr lang="en-US" altLang="zh-CN" dirty="0" smtClean="0"/>
+            <a:off x="3230227" y="4306135"/>
+            <a:ext cx="1446972" cy="461665"/>
+          </a:xfrm>
+          <a:prstGeom prst="rect">
+            <a:avLst/>
+          </a:prstGeom>
+          <a:noFill/>
+        </p:spPr>
+        <p:txBody>
+          <a:bodyPr wrap="square" rtlCol="0">
+            <a:spAutoFit/>
+          </a:bodyPr>
+          <a:lstStyle/>
+          <a:p>
+            <a:r>
+              <a:rPr lang="en-US" altLang="zh-CN" sz="2400" dirty="0" smtClean="0"/>
               <a:t>California</a:t>
             </a:r>
-            <a:endParaRPr lang="zh-CN" altLang="en-US" dirty="0"/>
+            <a:endParaRPr lang="zh-CN" altLang="en-US" sz="2000" dirty="0"/>
           </a:p>
         </p:txBody>
       </p:sp>
@@ -5045,24 +5015,24 @@
         <p:spPr>
           <a:xfrm>
             <a:off x="4743442" y="4307674"/>
-            <a:ext cx="1357952" cy="369332"/>
-          </a:xfrm>
-          <a:prstGeom prst="rect">
-            <a:avLst/>
-          </a:prstGeom>
-          <a:noFill/>
-        </p:spPr>
-        <p:txBody>
-          <a:bodyPr wrap="square" rtlCol="0">
-            <a:spAutoFit/>
-          </a:bodyPr>
-          <a:lstStyle/>
-          <a:p>
-            <a:r>
-              <a:rPr lang="en-US" altLang="zh-CN" dirty="0" smtClean="0"/>
+            <a:ext cx="1357952" cy="461665"/>
+          </a:xfrm>
+          <a:prstGeom prst="rect">
+            <a:avLst/>
+          </a:prstGeom>
+          <a:noFill/>
+        </p:spPr>
+        <p:txBody>
+          <a:bodyPr wrap="square" rtlCol="0">
+            <a:spAutoFit/>
+          </a:bodyPr>
+          <a:lstStyle/>
+          <a:p>
+            <a:r>
+              <a:rPr lang="en-US" altLang="zh-CN" sz="2400" dirty="0" smtClean="0"/>
               <a:t>Michigan</a:t>
             </a:r>
-            <a:endParaRPr lang="zh-CN" altLang="en-US" dirty="0"/>
+            <a:endParaRPr lang="zh-CN" altLang="en-US" sz="2000" dirty="0"/>
           </a:p>
         </p:txBody>
       </p:sp>
@@ -5075,24 +5045,24 @@
         <p:spPr>
           <a:xfrm>
             <a:off x="6000329" y="5158228"/>
-            <a:ext cx="714945" cy="369332"/>
-          </a:xfrm>
-          <a:prstGeom prst="rect">
-            <a:avLst/>
-          </a:prstGeom>
-          <a:noFill/>
-        </p:spPr>
-        <p:txBody>
-          <a:bodyPr wrap="square" rtlCol="0">
-            <a:spAutoFit/>
-          </a:bodyPr>
-          <a:lstStyle/>
-          <a:p>
-            <a:r>
-              <a:rPr lang="en-US" altLang="zh-CN" dirty="0" smtClean="0"/>
+            <a:ext cx="892412" cy="461665"/>
+          </a:xfrm>
+          <a:prstGeom prst="rect">
+            <a:avLst/>
+          </a:prstGeom>
+          <a:noFill/>
+        </p:spPr>
+        <p:txBody>
+          <a:bodyPr wrap="square" rtlCol="0">
+            <a:spAutoFit/>
+          </a:bodyPr>
+          <a:lstStyle/>
+          <a:p>
+            <a:r>
+              <a:rPr lang="en-US" altLang="zh-CN" sz="2400" dirty="0" smtClean="0"/>
               <a:t>Seoul</a:t>
             </a:r>
-            <a:endParaRPr lang="zh-CN" altLang="en-US" dirty="0"/>
+            <a:endParaRPr lang="zh-CN" altLang="en-US" sz="2000" dirty="0"/>
           </a:p>
         </p:txBody>
       </p:sp>
@@ -5104,25 +5074,25 @@
         </p:nvSpPr>
         <p:spPr>
           <a:xfrm>
-            <a:off x="7282220" y="3086833"/>
-            <a:ext cx="1837898" cy="369332"/>
-          </a:xfrm>
-          <a:prstGeom prst="rect">
-            <a:avLst/>
-          </a:prstGeom>
-          <a:noFill/>
-        </p:spPr>
-        <p:txBody>
-          <a:bodyPr wrap="square" rtlCol="0">
-            <a:spAutoFit/>
-          </a:bodyPr>
-          <a:lstStyle/>
-          <a:p>
-            <a:r>
-              <a:rPr lang="en-US" altLang="zh-CN" dirty="0" smtClean="0"/>
+            <a:off x="6715782" y="3027952"/>
+            <a:ext cx="1837898" cy="461665"/>
+          </a:xfrm>
+          <a:prstGeom prst="rect">
+            <a:avLst/>
+          </a:prstGeom>
+          <a:noFill/>
+        </p:spPr>
+        <p:txBody>
+          <a:bodyPr wrap="square" rtlCol="0">
+            <a:spAutoFit/>
+          </a:bodyPr>
+          <a:lstStyle/>
+          <a:p>
+            <a:r>
+              <a:rPr lang="en-US" altLang="zh-CN" sz="2400" dirty="0" smtClean="0"/>
               <a:t>South Korea</a:t>
             </a:r>
-            <a:endParaRPr lang="zh-CN" altLang="en-US" dirty="0"/>
+            <a:endParaRPr lang="zh-CN" altLang="en-US" sz="2400" dirty="0"/>
           </a:p>
         </p:txBody>
       </p:sp>
@@ -5134,22 +5104,22 @@
         </p:nvSpPr>
         <p:spPr>
           <a:xfrm>
-            <a:off x="8063119" y="4341860"/>
-            <a:ext cx="1837898" cy="369332"/>
-          </a:xfrm>
-          <a:prstGeom prst="rect">
-            <a:avLst/>
-          </a:prstGeom>
-          <a:noFill/>
-        </p:spPr>
-        <p:txBody>
-          <a:bodyPr wrap="square" rtlCol="0">
-            <a:spAutoFit/>
-          </a:bodyPr>
-          <a:lstStyle/>
-          <a:p>
-            <a:r>
-              <a:rPr lang="en-US" altLang="zh-CN" dirty="0" smtClean="0"/>
+            <a:off x="7917119" y="4325984"/>
+            <a:ext cx="1837898" cy="461665"/>
+          </a:xfrm>
+          <a:prstGeom prst="rect">
+            <a:avLst/>
+          </a:prstGeom>
+          <a:noFill/>
+        </p:spPr>
+        <p:txBody>
+          <a:bodyPr wrap="square" rtlCol="0">
+            <a:spAutoFit/>
+          </a:bodyPr>
+          <a:lstStyle/>
+          <a:p>
+            <a:r>
+              <a:rPr lang="en-US" altLang="zh-CN" sz="2400" dirty="0" smtClean="0"/>
               <a:t>Guangdong</a:t>
             </a:r>
             <a:endParaRPr lang="zh-CN" altLang="en-US" dirty="0"/>
@@ -5224,7 +5194,7 @@
         </p:nvSpPr>
         <p:spPr>
           <a:xfrm>
-            <a:off x="6229066" y="2984160"/>
+            <a:off x="5811434" y="2986576"/>
             <a:ext cx="528854" cy="461665"/>
           </a:xfrm>
           <a:prstGeom prst="rect">
@@ -5251,13 +5221,14 @@
           <p:cNvPr id="25" name="直接连接符 24"/>
           <p:cNvCxnSpPr>
             <a:stCxn id="5" idx="2"/>
+            <a:endCxn id="6" idx="0"/>
           </p:cNvCxnSpPr>
           <p:nvPr/>
         </p:nvCxnSpPr>
         <p:spPr>
           <a:xfrm flipH="1">
-            <a:off x="2518012" y="1188199"/>
-            <a:ext cx="3186753" cy="600969"/>
+            <a:off x="2148672" y="1280532"/>
+            <a:ext cx="3797270" cy="587618"/>
           </a:xfrm>
           <a:prstGeom prst="line">
             <a:avLst/>
@@ -5289,8 +5260,8 @@
         </p:nvCxnSpPr>
         <p:spPr>
           <a:xfrm flipH="1">
-            <a:off x="5350491" y="1188199"/>
-            <a:ext cx="354274" cy="664669"/>
+            <a:off x="5326059" y="1280532"/>
+            <a:ext cx="619883" cy="471097"/>
           </a:xfrm>
           <a:prstGeom prst="line">
             <a:avLst/>
@@ -5321,8 +5292,8 @@
         </p:nvCxnSpPr>
         <p:spPr>
           <a:xfrm>
-            <a:off x="5704765" y="1188199"/>
-            <a:ext cx="2163444" cy="637021"/>
+            <a:off x="5945942" y="1280532"/>
+            <a:ext cx="1922267" cy="544688"/>
           </a:xfrm>
           <a:prstGeom prst="line">
             <a:avLst/>
@@ -5413,8 +5384,8 @@
         </p:nvCxnSpPr>
         <p:spPr>
           <a:xfrm flipH="1">
-            <a:off x="4657868" y="2222200"/>
-            <a:ext cx="692623" cy="761960"/>
+            <a:off x="4527617" y="2213294"/>
+            <a:ext cx="798442" cy="669627"/>
           </a:xfrm>
           <a:prstGeom prst="line">
             <a:avLst/>
@@ -5445,8 +5416,8 @@
         </p:nvCxnSpPr>
         <p:spPr>
           <a:xfrm>
-            <a:off x="5350491" y="2222200"/>
-            <a:ext cx="1121959" cy="734312"/>
+            <a:off x="5326059" y="2213294"/>
+            <a:ext cx="705753" cy="697275"/>
           </a:xfrm>
           <a:prstGeom prst="line">
             <a:avLst/>
@@ -5537,8 +5508,8 @@
         </p:nvCxnSpPr>
         <p:spPr>
           <a:xfrm flipH="1">
-            <a:off x="7841492" y="2257908"/>
-            <a:ext cx="214097" cy="646021"/>
+            <a:off x="7841493" y="2248943"/>
+            <a:ext cx="312904" cy="553688"/>
           </a:xfrm>
           <a:prstGeom prst="line">
             <a:avLst/>
@@ -5592,13 +5563,15 @@
       <p:cxnSp>
         <p:nvCxnSpPr>
           <p:cNvPr id="63" name="直接连接符 62"/>
-          <p:cNvCxnSpPr/>
+          <p:cNvCxnSpPr>
+            <a:endCxn id="65" idx="0"/>
+          </p:cNvCxnSpPr>
           <p:nvPr/>
         </p:nvCxnSpPr>
         <p:spPr>
           <a:xfrm flipH="1">
-            <a:off x="7374474" y="3512056"/>
-            <a:ext cx="281778" cy="681814"/>
+            <a:off x="6869488" y="3397615"/>
+            <a:ext cx="310874" cy="613232"/>
           </a:xfrm>
           <a:prstGeom prst="line">
             <a:avLst/>
@@ -5629,8 +5602,8 @@
         </p:nvCxnSpPr>
         <p:spPr>
           <a:xfrm>
-            <a:off x="5704765" y="1188199"/>
-            <a:ext cx="3505474" cy="586599"/>
+            <a:off x="5945942" y="1280532"/>
+            <a:ext cx="3264297" cy="494266"/>
           </a:xfrm>
           <a:prstGeom prst="line">
             <a:avLst/>
@@ -5659,53 +5632,143 @@
         </p:nvSpPr>
         <p:spPr>
           <a:xfrm>
-            <a:off x="1850694" y="1487894"/>
-            <a:ext cx="734704" cy="369332"/>
-          </a:xfrm>
-          <a:prstGeom prst="rect">
-            <a:avLst/>
-          </a:prstGeom>
-          <a:noFill/>
-        </p:spPr>
-        <p:txBody>
-          <a:bodyPr wrap="square" rtlCol="0">
-            <a:spAutoFit/>
-          </a:bodyPr>
-          <a:lstStyle/>
-          <a:p>
-            <a:r>
-              <a:rPr lang="en-US" altLang="zh-CN" dirty="0" smtClean="0"/>
+            <a:off x="1373787" y="1783694"/>
+            <a:ext cx="734704" cy="400110"/>
+          </a:xfrm>
+          <a:prstGeom prst="rect">
+            <a:avLst/>
+          </a:prstGeom>
+          <a:noFill/>
+        </p:spPr>
+        <p:txBody>
+          <a:bodyPr wrap="square" rtlCol="0">
+            <a:spAutoFit/>
+          </a:bodyPr>
+          <a:lstStyle/>
+          <a:p>
+            <a:r>
+              <a:rPr lang="en-US" altLang="zh-CN" sz="2000" dirty="0" smtClean="0"/>
               <a:t>1</a:t>
             </a:r>
+            <a:endParaRPr lang="zh-CN" altLang="en-US" sz="2000" dirty="0"/>
+          </a:p>
+        </p:txBody>
+      </p:sp>
+      <p:sp>
+        <p:nvSpPr>
+          <p:cNvPr id="75" name="文本框 74"/>
+          <p:cNvSpPr txBox="1"/>
+          <p:nvPr/>
+        </p:nvSpPr>
+        <p:spPr>
+          <a:xfrm>
+            <a:off x="757663" y="3510647"/>
+            <a:ext cx="514635" cy="400110"/>
+          </a:xfrm>
+          <a:prstGeom prst="rect">
+            <a:avLst/>
+          </a:prstGeom>
+          <a:noFill/>
+        </p:spPr>
+        <p:txBody>
+          <a:bodyPr wrap="square" rtlCol="0">
+            <a:spAutoFit/>
+          </a:bodyPr>
+          <a:lstStyle/>
+          <a:p>
+            <a:r>
+              <a:rPr lang="en-US" altLang="zh-CN" sz="2000" dirty="0" smtClean="0"/>
+              <a:t>1.1</a:t>
+            </a:r>
             <a:endParaRPr lang="zh-CN" altLang="en-US" dirty="0"/>
           </a:p>
         </p:txBody>
       </p:sp>
       <p:sp>
         <p:nvSpPr>
-          <p:cNvPr id="75" name="文本框 74"/>
-          <p:cNvSpPr txBox="1"/>
-          <p:nvPr/>
-        </p:nvSpPr>
-        <p:spPr>
-          <a:xfrm>
-            <a:off x="681840" y="3511028"/>
-            <a:ext cx="514635" cy="369332"/>
-          </a:xfrm>
-          <a:prstGeom prst="rect">
-            <a:avLst/>
-          </a:prstGeom>
-          <a:noFill/>
-        </p:spPr>
-        <p:txBody>
-          <a:bodyPr wrap="square" rtlCol="0">
-            <a:spAutoFit/>
-          </a:bodyPr>
-          <a:lstStyle/>
-          <a:p>
-            <a:r>
-              <a:rPr lang="en-US" altLang="zh-CN" dirty="0" smtClean="0"/>
-              <a:t>1.1</a:t>
+          <p:cNvPr id="79" name="文本框 78"/>
+          <p:cNvSpPr txBox="1"/>
+          <p:nvPr/>
+        </p:nvSpPr>
+        <p:spPr>
+          <a:xfrm>
+            <a:off x="4368788" y="1673810"/>
+            <a:ext cx="470248" cy="400110"/>
+          </a:xfrm>
+          <a:prstGeom prst="rect">
+            <a:avLst/>
+          </a:prstGeom>
+          <a:noFill/>
+        </p:spPr>
+        <p:txBody>
+          <a:bodyPr wrap="square" rtlCol="0">
+            <a:spAutoFit/>
+          </a:bodyPr>
+          <a:lstStyle/>
+          <a:p>
+            <a:r>
+              <a:rPr lang="en-US" altLang="zh-CN" sz="2000" dirty="0" smtClean="0"/>
+              <a:t>2</a:t>
+            </a:r>
+            <a:endParaRPr lang="zh-CN" altLang="en-US" sz="2000" dirty="0"/>
+          </a:p>
+        </p:txBody>
+      </p:sp>
+      <p:sp>
+        <p:nvSpPr>
+          <p:cNvPr id="80" name="文本框 79"/>
+          <p:cNvSpPr txBox="1"/>
+          <p:nvPr/>
+        </p:nvSpPr>
+        <p:spPr>
+          <a:xfrm>
+            <a:off x="7103523" y="2771846"/>
+            <a:ext cx="664130" cy="400110"/>
+          </a:xfrm>
+          <a:prstGeom prst="rect">
+            <a:avLst/>
+          </a:prstGeom>
+          <a:noFill/>
+        </p:spPr>
+        <p:txBody>
+          <a:bodyPr wrap="square" rtlCol="0">
+            <a:spAutoFit/>
+          </a:bodyPr>
+          <a:lstStyle/>
+          <a:p>
+            <a:r>
+              <a:rPr lang="en-US" altLang="zh-CN" sz="2000" dirty="0" smtClean="0"/>
+              <a:t>3.1</a:t>
+            </a:r>
+            <a:endParaRPr lang="zh-CN" altLang="en-US" sz="2000" dirty="0"/>
+          </a:p>
+        </p:txBody>
+      </p:sp>
+      <p:sp>
+        <p:nvSpPr>
+          <p:cNvPr id="82" name="文本框 81"/>
+          <p:cNvSpPr txBox="1"/>
+          <p:nvPr/>
+        </p:nvSpPr>
+        <p:spPr>
+          <a:xfrm>
+            <a:off x="3755647" y="3169218"/>
+            <a:ext cx="734704" cy="400110"/>
+          </a:xfrm>
+          <a:prstGeom prst="rect">
+            <a:avLst/>
+          </a:prstGeom>
+          <a:noFill/>
+        </p:spPr>
+        <p:txBody>
+          <a:bodyPr wrap="square" rtlCol="0">
+            <a:spAutoFit/>
+          </a:bodyPr>
+          <a:lstStyle/>
+          <a:p>
+            <a:r>
+              <a:rPr lang="en-US" altLang="zh-CN" sz="2000" dirty="0" smtClean="0"/>
+              <a:t>2.1</a:t>
             </a:r>
             <a:endParaRPr lang="zh-CN" altLang="en-US" dirty="0"/>
           </a:p>
@@ -5713,121 +5776,31 @@
       </p:sp>
       <p:sp>
         <p:nvSpPr>
-          <p:cNvPr id="79" name="文本框 78"/>
-          <p:cNvSpPr txBox="1"/>
-          <p:nvPr/>
-        </p:nvSpPr>
-        <p:spPr>
-          <a:xfrm>
-            <a:off x="4677486" y="1557531"/>
-            <a:ext cx="734704" cy="369332"/>
-          </a:xfrm>
-          <a:prstGeom prst="rect">
-            <a:avLst/>
-          </a:prstGeom>
-          <a:noFill/>
-        </p:spPr>
-        <p:txBody>
-          <a:bodyPr wrap="square" rtlCol="0">
-            <a:spAutoFit/>
-          </a:bodyPr>
-          <a:lstStyle/>
-          <a:p>
-            <a:r>
-              <a:rPr lang="en-US" altLang="zh-CN" dirty="0" smtClean="0"/>
-              <a:t>2</a:t>
-            </a:r>
-            <a:endParaRPr lang="zh-CN" altLang="en-US" dirty="0"/>
-          </a:p>
-        </p:txBody>
-      </p:sp>
-      <p:sp>
-        <p:nvSpPr>
-          <p:cNvPr id="80" name="文本框 79"/>
-          <p:cNvSpPr txBox="1"/>
-          <p:nvPr/>
-        </p:nvSpPr>
-        <p:spPr>
-          <a:xfrm>
-            <a:off x="7103523" y="2771846"/>
-            <a:ext cx="473671" cy="369332"/>
-          </a:xfrm>
-          <a:prstGeom prst="rect">
-            <a:avLst/>
-          </a:prstGeom>
-          <a:noFill/>
-        </p:spPr>
-        <p:txBody>
-          <a:bodyPr wrap="square" rtlCol="0">
-            <a:spAutoFit/>
-          </a:bodyPr>
-          <a:lstStyle/>
-          <a:p>
-            <a:r>
-              <a:rPr lang="en-US" altLang="zh-CN" dirty="0" smtClean="0"/>
-              <a:t>3.1</a:t>
-            </a:r>
-            <a:endParaRPr lang="zh-CN" altLang="en-US" dirty="0"/>
-          </a:p>
-        </p:txBody>
-      </p:sp>
-      <p:sp>
-        <p:nvSpPr>
-          <p:cNvPr id="82" name="文本框 81"/>
-          <p:cNvSpPr txBox="1"/>
-          <p:nvPr/>
-        </p:nvSpPr>
-        <p:spPr>
-          <a:xfrm>
-            <a:off x="4092625" y="2708495"/>
-            <a:ext cx="734704" cy="369332"/>
-          </a:xfrm>
-          <a:prstGeom prst="rect">
-            <a:avLst/>
-          </a:prstGeom>
-          <a:noFill/>
-        </p:spPr>
-        <p:txBody>
-          <a:bodyPr wrap="square" rtlCol="0">
-            <a:spAutoFit/>
-          </a:bodyPr>
-          <a:lstStyle/>
-          <a:p>
-            <a:r>
-              <a:rPr lang="en-US" altLang="zh-CN" dirty="0" smtClean="0"/>
-              <a:t>2.1</a:t>
-            </a:r>
-            <a:endParaRPr lang="zh-CN" altLang="en-US" dirty="0"/>
-          </a:p>
-        </p:txBody>
-      </p:sp>
-      <p:sp>
-        <p:nvSpPr>
           <p:cNvPr id="83" name="文本框 82"/>
           <p:cNvSpPr txBox="1"/>
           <p:nvPr/>
         </p:nvSpPr>
         <p:spPr>
           <a:xfrm>
-            <a:off x="3651054" y="4677006"/>
-            <a:ext cx="734704" cy="369332"/>
-          </a:xfrm>
-          <a:prstGeom prst="rect">
-            <a:avLst/>
-          </a:prstGeom>
-          <a:noFill/>
-        </p:spPr>
-        <p:txBody>
-          <a:bodyPr wrap="square" rtlCol="0">
-            <a:spAutoFit/>
-          </a:bodyPr>
-          <a:lstStyle/>
-          <a:p>
-            <a:r>
-              <a:rPr lang="en-US" altLang="zh-CN" dirty="0" smtClean="0"/>
+            <a:off x="3453267" y="4728910"/>
+            <a:ext cx="734704" cy="400110"/>
+          </a:xfrm>
+          <a:prstGeom prst="rect">
+            <a:avLst/>
+          </a:prstGeom>
+          <a:noFill/>
+        </p:spPr>
+        <p:txBody>
+          <a:bodyPr wrap="square" rtlCol="0">
+            <a:spAutoFit/>
+          </a:bodyPr>
+          <a:lstStyle/>
+          <a:p>
+            <a:r>
+              <a:rPr lang="en-US" altLang="zh-CN" sz="2000" dirty="0" smtClean="0"/>
               <a:t>2.1.1</a:t>
             </a:r>
-            <a:endParaRPr lang="zh-CN" altLang="en-US" dirty="0"/>
+            <a:endParaRPr lang="zh-CN" altLang="en-US" sz="2000" dirty="0"/>
           </a:p>
         </p:txBody>
       </p:sp>
@@ -5839,25 +5812,25 @@
         </p:nvSpPr>
         <p:spPr>
           <a:xfrm>
-            <a:off x="5040162" y="4680687"/>
-            <a:ext cx="734704" cy="369332"/>
-          </a:xfrm>
-          <a:prstGeom prst="rect">
-            <a:avLst/>
-          </a:prstGeom>
-          <a:noFill/>
-        </p:spPr>
-        <p:txBody>
-          <a:bodyPr wrap="square" rtlCol="0">
-            <a:spAutoFit/>
-          </a:bodyPr>
-          <a:lstStyle/>
-          <a:p>
-            <a:r>
-              <a:rPr lang="en-US" altLang="zh-CN" dirty="0" smtClean="0"/>
+            <a:off x="4955606" y="4724664"/>
+            <a:ext cx="734704" cy="400110"/>
+          </a:xfrm>
+          <a:prstGeom prst="rect">
+            <a:avLst/>
+          </a:prstGeom>
+          <a:noFill/>
+        </p:spPr>
+        <p:txBody>
+          <a:bodyPr wrap="square" rtlCol="0">
+            <a:spAutoFit/>
+          </a:bodyPr>
+          <a:lstStyle/>
+          <a:p>
+            <a:r>
+              <a:rPr lang="en-US" altLang="zh-CN" sz="2000" dirty="0" smtClean="0"/>
               <a:t>2.1.2</a:t>
             </a:r>
-            <a:endParaRPr lang="zh-CN" altLang="en-US" dirty="0"/>
+            <a:endParaRPr lang="zh-CN" altLang="en-US" sz="2000" dirty="0"/>
           </a:p>
         </p:txBody>
       </p:sp>
@@ -5869,25 +5842,25 @@
         </p:nvSpPr>
         <p:spPr>
           <a:xfrm>
-            <a:off x="7436738" y="1868150"/>
-            <a:ext cx="266422" cy="369332"/>
-          </a:xfrm>
-          <a:prstGeom prst="rect">
-            <a:avLst/>
-          </a:prstGeom>
-          <a:noFill/>
-        </p:spPr>
-        <p:txBody>
-          <a:bodyPr wrap="square" rtlCol="0">
-            <a:spAutoFit/>
-          </a:bodyPr>
-          <a:lstStyle/>
-          <a:p>
-            <a:r>
-              <a:rPr lang="en-US" altLang="zh-CN" dirty="0" smtClean="0"/>
+            <a:off x="7483534" y="1778845"/>
+            <a:ext cx="266422" cy="400110"/>
+          </a:xfrm>
+          <a:prstGeom prst="rect">
+            <a:avLst/>
+          </a:prstGeom>
+          <a:noFill/>
+        </p:spPr>
+        <p:txBody>
+          <a:bodyPr wrap="square" rtlCol="0">
+            <a:spAutoFit/>
+          </a:bodyPr>
+          <a:lstStyle/>
+          <a:p>
+            <a:r>
+              <a:rPr lang="en-US" altLang="zh-CN" sz="2000" dirty="0" smtClean="0"/>
               <a:t>3</a:t>
             </a:r>
-            <a:endParaRPr lang="zh-CN" altLang="en-US" dirty="0"/>
+            <a:endParaRPr lang="zh-CN" altLang="en-US" sz="2000" dirty="0"/>
           </a:p>
         </p:txBody>
       </p:sp>
@@ -5899,25 +5872,25 @@
         </p:nvSpPr>
         <p:spPr>
           <a:xfrm>
-            <a:off x="5757585" y="5450703"/>
-            <a:ext cx="911550" cy="369332"/>
-          </a:xfrm>
-          <a:prstGeom prst="rect">
-            <a:avLst/>
-          </a:prstGeom>
-          <a:noFill/>
-        </p:spPr>
-        <p:txBody>
-          <a:bodyPr wrap="square" rtlCol="0">
-            <a:spAutoFit/>
-          </a:bodyPr>
-          <a:lstStyle/>
-          <a:p>
-            <a:r>
-              <a:rPr lang="en-US" altLang="zh-CN" dirty="0" smtClean="0"/>
+            <a:off x="5945942" y="5599498"/>
+            <a:ext cx="911550" cy="400110"/>
+          </a:xfrm>
+          <a:prstGeom prst="rect">
+            <a:avLst/>
+          </a:prstGeom>
+          <a:noFill/>
+        </p:spPr>
+        <p:txBody>
+          <a:bodyPr wrap="square" rtlCol="0">
+            <a:spAutoFit/>
+          </a:bodyPr>
+          <a:lstStyle/>
+          <a:p>
+            <a:r>
+              <a:rPr lang="en-US" altLang="zh-CN" sz="2000" dirty="0" smtClean="0"/>
               <a:t>3.1.1.1</a:t>
             </a:r>
-            <a:endParaRPr lang="zh-CN" altLang="en-US" dirty="0"/>
+            <a:endParaRPr lang="zh-CN" altLang="en-US" sz="2000" dirty="0"/>
           </a:p>
         </p:txBody>
       </p:sp>
@@ -5929,25 +5902,25 @@
         </p:nvSpPr>
         <p:spPr>
           <a:xfrm>
-            <a:off x="4066180" y="3097396"/>
-            <a:ext cx="516623" cy="369332"/>
-          </a:xfrm>
-          <a:prstGeom prst="rect">
-            <a:avLst/>
-          </a:prstGeom>
-          <a:noFill/>
-        </p:spPr>
-        <p:txBody>
-          <a:bodyPr wrap="square" rtlCol="0">
-            <a:spAutoFit/>
-          </a:bodyPr>
-          <a:lstStyle/>
-          <a:p>
-            <a:r>
-              <a:rPr lang="en-US" altLang="zh-CN" dirty="0" smtClean="0"/>
+            <a:off x="4175488" y="3069988"/>
+            <a:ext cx="704101" cy="461665"/>
+          </a:xfrm>
+          <a:prstGeom prst="rect">
+            <a:avLst/>
+          </a:prstGeom>
+          <a:noFill/>
+        </p:spPr>
+        <p:txBody>
+          <a:bodyPr wrap="square" rtlCol="0">
+            <a:spAutoFit/>
+          </a:bodyPr>
+          <a:lstStyle/>
+          <a:p>
+            <a:r>
+              <a:rPr lang="en-US" altLang="zh-CN" sz="2400" dirty="0" smtClean="0"/>
               <a:t>U.S.</a:t>
             </a:r>
-            <a:endParaRPr lang="zh-CN" altLang="en-US" dirty="0"/>
+            <a:endParaRPr lang="zh-CN" altLang="en-US" sz="2400" dirty="0"/>
           </a:p>
         </p:txBody>
       </p:sp>
@@ -5959,25 +5932,25 @@
         </p:nvSpPr>
         <p:spPr>
           <a:xfrm>
-            <a:off x="1599063" y="3112195"/>
-            <a:ext cx="893282" cy="369332"/>
-          </a:xfrm>
-          <a:prstGeom prst="rect">
-            <a:avLst/>
-          </a:prstGeom>
-          <a:noFill/>
-        </p:spPr>
-        <p:txBody>
-          <a:bodyPr wrap="square" rtlCol="0">
-            <a:spAutoFit/>
-          </a:bodyPr>
-          <a:lstStyle/>
-          <a:p>
-            <a:r>
-              <a:rPr lang="en-US" altLang="zh-CN" dirty="0" smtClean="0"/>
+            <a:off x="1598871" y="3084438"/>
+            <a:ext cx="893282" cy="461665"/>
+          </a:xfrm>
+          <a:prstGeom prst="rect">
+            <a:avLst/>
+          </a:prstGeom>
+          <a:noFill/>
+        </p:spPr>
+        <p:txBody>
+          <a:bodyPr wrap="square" rtlCol="0">
+            <a:spAutoFit/>
+          </a:bodyPr>
+          <a:lstStyle/>
+          <a:p>
+            <a:r>
+              <a:rPr lang="en-US" altLang="zh-CN" sz="2400" dirty="0" smtClean="0"/>
               <a:t>Egypt</a:t>
             </a:r>
-            <a:endParaRPr lang="zh-CN" altLang="en-US" dirty="0"/>
+            <a:endParaRPr lang="zh-CN" altLang="en-US" sz="2400" dirty="0"/>
           </a:p>
         </p:txBody>
       </p:sp>
@@ -6050,24 +6023,24 @@
         <p:spPr>
           <a:xfrm>
             <a:off x="8091815" y="5200114"/>
-            <a:ext cx="1118424" cy="369332"/>
-          </a:xfrm>
-          <a:prstGeom prst="rect">
-            <a:avLst/>
-          </a:prstGeom>
-          <a:noFill/>
-        </p:spPr>
-        <p:txBody>
-          <a:bodyPr wrap="square" rtlCol="0">
-            <a:spAutoFit/>
-          </a:bodyPr>
-          <a:lstStyle/>
-          <a:p>
-            <a:r>
-              <a:rPr lang="en-US" altLang="zh-CN" dirty="0" smtClean="0"/>
+            <a:ext cx="1439582" cy="461665"/>
+          </a:xfrm>
+          <a:prstGeom prst="rect">
+            <a:avLst/>
+          </a:prstGeom>
+          <a:noFill/>
+        </p:spPr>
+        <p:txBody>
+          <a:bodyPr wrap="square" rtlCol="0">
+            <a:spAutoFit/>
+          </a:bodyPr>
+          <a:lstStyle/>
+          <a:p>
+            <a:r>
+              <a:rPr lang="en-US" altLang="zh-CN" sz="2400" dirty="0" smtClean="0"/>
               <a:t>Shenzhen</a:t>
             </a:r>
-            <a:endParaRPr lang="zh-CN" altLang="en-US" dirty="0"/>
+            <a:endParaRPr lang="zh-CN" altLang="en-US" sz="2000" dirty="0"/>
           </a:p>
         </p:txBody>
       </p:sp>
@@ -6079,25 +6052,25 @@
         </p:nvSpPr>
         <p:spPr>
           <a:xfrm>
-            <a:off x="8595968" y="3048845"/>
-            <a:ext cx="825423" cy="369332"/>
-          </a:xfrm>
-          <a:prstGeom prst="rect">
-            <a:avLst/>
-          </a:prstGeom>
-          <a:noFill/>
-        </p:spPr>
-        <p:txBody>
-          <a:bodyPr wrap="square" rtlCol="0">
-            <a:spAutoFit/>
-          </a:bodyPr>
-          <a:lstStyle/>
-          <a:p>
-            <a:r>
-              <a:rPr lang="en-US" altLang="zh-CN" dirty="0" smtClean="0"/>
+            <a:off x="8495998" y="3020495"/>
+            <a:ext cx="912832" cy="461665"/>
+          </a:xfrm>
+          <a:prstGeom prst="rect">
+            <a:avLst/>
+          </a:prstGeom>
+          <a:noFill/>
+        </p:spPr>
+        <p:txBody>
+          <a:bodyPr wrap="square" rtlCol="0">
+            <a:spAutoFit/>
+          </a:bodyPr>
+          <a:lstStyle/>
+          <a:p>
+            <a:r>
+              <a:rPr lang="en-US" altLang="zh-CN" sz="2400" dirty="0" smtClean="0"/>
               <a:t>China</a:t>
             </a:r>
-            <a:endParaRPr lang="zh-CN" altLang="en-US" dirty="0"/>
+            <a:endParaRPr lang="zh-CN" altLang="en-US" sz="2000" dirty="0"/>
           </a:p>
         </p:txBody>
       </p:sp>
@@ -6109,7 +6082,7 @@
         </p:nvCxnSpPr>
         <p:spPr>
           <a:xfrm flipH="1">
-            <a:off x="8618267" y="3569184"/>
+            <a:off x="8680747" y="3440767"/>
             <a:ext cx="254337" cy="567557"/>
           </a:xfrm>
           <a:prstGeom prst="line">
@@ -6139,29 +6112,29 @@
         </p:nvSpPr>
         <p:spPr>
           <a:xfrm>
-            <a:off x="6225221" y="4361101"/>
-            <a:ext cx="1837898" cy="369332"/>
-          </a:xfrm>
-          <a:prstGeom prst="rect">
-            <a:avLst/>
-          </a:prstGeom>
-          <a:noFill/>
-        </p:spPr>
-        <p:txBody>
-          <a:bodyPr wrap="square" rtlCol="0">
-            <a:spAutoFit/>
-          </a:bodyPr>
-          <a:lstStyle/>
-          <a:p>
-            <a:r>
-              <a:rPr lang="en-US" altLang="zh-CN" dirty="0" err="1"/>
+            <a:off x="6047226" y="4303687"/>
+            <a:ext cx="1837898" cy="461665"/>
+          </a:xfrm>
+          <a:prstGeom prst="rect">
+            <a:avLst/>
+          </a:prstGeom>
+          <a:noFill/>
+        </p:spPr>
+        <p:txBody>
+          <a:bodyPr wrap="square" rtlCol="0">
+            <a:spAutoFit/>
+          </a:bodyPr>
+          <a:lstStyle/>
+          <a:p>
+            <a:r>
+              <a:rPr lang="en-US" altLang="zh-CN" sz="2400" dirty="0" err="1"/>
               <a:t>G</a:t>
             </a:r>
             <a:r>
-              <a:rPr lang="en-US" altLang="zh-CN" dirty="0" err="1" smtClean="0"/>
+              <a:rPr lang="en-US" altLang="zh-CN" sz="2400" dirty="0" err="1" smtClean="0"/>
               <a:t>yeonggi</a:t>
             </a:r>
-            <a:endParaRPr lang="zh-CN" altLang="en-US" dirty="0"/>
+            <a:endParaRPr lang="zh-CN" altLang="en-US" sz="2000" dirty="0"/>
           </a:p>
         </p:txBody>
       </p:sp>
@@ -6203,7 +6176,7 @@
         </p:nvSpPr>
         <p:spPr>
           <a:xfrm>
-            <a:off x="9531397" y="4307674"/>
+            <a:off x="9568031" y="4279820"/>
             <a:ext cx="347993" cy="461665"/>
           </a:xfrm>
           <a:prstGeom prst="rect">
@@ -6233,8 +6206,8 @@
         </p:nvSpPr>
         <p:spPr>
           <a:xfrm>
-            <a:off x="7583493" y="4307674"/>
-            <a:ext cx="1837898" cy="461665"/>
+            <a:off x="7367847" y="4248558"/>
+            <a:ext cx="471820" cy="461665"/>
           </a:xfrm>
           <a:prstGeom prst="rect">
             <a:avLst/>
@@ -6293,53 +6266,121 @@
         </p:nvSpPr>
         <p:spPr>
           <a:xfrm>
-            <a:off x="6943985" y="5182499"/>
-            <a:ext cx="924224" cy="369332"/>
-          </a:xfrm>
-          <a:prstGeom prst="rect">
-            <a:avLst/>
-          </a:prstGeom>
-          <a:noFill/>
-        </p:spPr>
-        <p:txBody>
-          <a:bodyPr wrap="square" rtlCol="0">
-            <a:spAutoFit/>
-          </a:bodyPr>
-          <a:lstStyle/>
-          <a:p>
-            <a:r>
-              <a:rPr lang="en-US" altLang="zh-CN" dirty="0" smtClean="0"/>
+            <a:off x="6943984" y="5182499"/>
+            <a:ext cx="1112581" cy="461665"/>
+          </a:xfrm>
+          <a:prstGeom prst="rect">
+            <a:avLst/>
+          </a:prstGeom>
+          <a:noFill/>
+        </p:spPr>
+        <p:txBody>
+          <a:bodyPr wrap="square" rtlCol="0">
+            <a:spAutoFit/>
+          </a:bodyPr>
+          <a:lstStyle/>
+          <a:p>
+            <a:r>
+              <a:rPr lang="en-US" altLang="zh-CN" sz="2400" dirty="0" smtClean="0"/>
               <a:t>Suwon</a:t>
             </a:r>
+            <a:endParaRPr lang="zh-CN" altLang="en-US" sz="2000" dirty="0"/>
+          </a:p>
+        </p:txBody>
+      </p:sp>
+      <p:sp>
+        <p:nvSpPr>
+          <p:cNvPr id="56" name="文本框 55"/>
+          <p:cNvSpPr txBox="1"/>
+          <p:nvPr/>
+        </p:nvSpPr>
+        <p:spPr>
+          <a:xfrm>
+            <a:off x="1877119" y="3510647"/>
+            <a:ext cx="514635" cy="400110"/>
+          </a:xfrm>
+          <a:prstGeom prst="rect">
+            <a:avLst/>
+          </a:prstGeom>
+          <a:noFill/>
+        </p:spPr>
+        <p:txBody>
+          <a:bodyPr wrap="square" rtlCol="0">
+            <a:spAutoFit/>
+          </a:bodyPr>
+          <a:lstStyle/>
+          <a:p>
+            <a:r>
+              <a:rPr lang="en-US" altLang="zh-CN" sz="2000" dirty="0" smtClean="0"/>
+              <a:t>1.2</a:t>
+            </a:r>
             <a:endParaRPr lang="zh-CN" altLang="en-US" dirty="0"/>
           </a:p>
         </p:txBody>
       </p:sp>
       <p:sp>
         <p:nvSpPr>
-          <p:cNvPr id="56" name="文本框 55"/>
-          <p:cNvSpPr txBox="1"/>
-          <p:nvPr/>
-        </p:nvSpPr>
-        <p:spPr>
-          <a:xfrm>
-            <a:off x="1735479" y="3558542"/>
-            <a:ext cx="514635" cy="369332"/>
-          </a:xfrm>
-          <a:prstGeom prst="rect">
-            <a:avLst/>
-          </a:prstGeom>
-          <a:noFill/>
-        </p:spPr>
-        <p:txBody>
-          <a:bodyPr wrap="square" rtlCol="0">
-            <a:spAutoFit/>
-          </a:bodyPr>
-          <a:lstStyle/>
-          <a:p>
-            <a:r>
-              <a:rPr lang="en-US" altLang="zh-CN" dirty="0" smtClean="0"/>
-              <a:t>1.2</a:t>
+          <p:cNvPr id="58" name="文本框 57"/>
+          <p:cNvSpPr txBox="1"/>
+          <p:nvPr/>
+        </p:nvSpPr>
+        <p:spPr>
+          <a:xfrm>
+            <a:off x="9205987" y="2769108"/>
+            <a:ext cx="695030" cy="400110"/>
+          </a:xfrm>
+          <a:prstGeom prst="rect">
+            <a:avLst/>
+          </a:prstGeom>
+          <a:noFill/>
+        </p:spPr>
+        <p:txBody>
+          <a:bodyPr wrap="square" rtlCol="0">
+            <a:spAutoFit/>
+          </a:bodyPr>
+          <a:lstStyle/>
+          <a:p>
+            <a:r>
+              <a:rPr lang="en-US" altLang="zh-CN" sz="2000" dirty="0" smtClean="0"/>
+              <a:t>3.2</a:t>
+            </a:r>
+            <a:endParaRPr lang="zh-CN" altLang="en-US" sz="2000" dirty="0"/>
+          </a:p>
+        </p:txBody>
+      </p:sp>
+      <p:sp>
+        <p:nvSpPr>
+          <p:cNvPr id="65" name="文本框 64"/>
+          <p:cNvSpPr txBox="1"/>
+          <p:nvPr/>
+        </p:nvSpPr>
+        <p:spPr>
+          <a:xfrm>
+            <a:off x="6410447" y="4010847"/>
+            <a:ext cx="918081" cy="461665"/>
+          </a:xfrm>
+          <a:prstGeom prst="rect">
+            <a:avLst/>
+          </a:prstGeom>
+          <a:noFill/>
+        </p:spPr>
+        <p:txBody>
+          <a:bodyPr wrap="square" rtlCol="0">
+            <a:spAutoFit/>
+          </a:bodyPr>
+          <a:lstStyle/>
+          <a:p>
+            <a:r>
+              <a:rPr lang="en-US" altLang="zh-CN" sz="2400" dirty="0" smtClean="0"/>
+              <a:t>3.1</a:t>
+            </a:r>
+            <a:r>
+              <a:rPr lang="en-US" altLang="zh-CN" sz="2400" dirty="0"/>
+              <a:t>.</a:t>
+            </a:r>
+            <a:r>
+              <a:rPr lang="en-US" altLang="zh-CN" sz="2400" dirty="0" smtClean="0"/>
+              <a:t>1</a:t>
             </a:r>
             <a:endParaRPr lang="zh-CN" altLang="en-US" dirty="0"/>
           </a:p>
@@ -6347,99 +6388,31 @@
       </p:sp>
       <p:sp>
         <p:nvSpPr>
-          <p:cNvPr id="58" name="文本框 57"/>
-          <p:cNvSpPr txBox="1"/>
-          <p:nvPr/>
-        </p:nvSpPr>
-        <p:spPr>
-          <a:xfrm>
-            <a:off x="9205987" y="2769108"/>
-            <a:ext cx="473671" cy="369332"/>
-          </a:xfrm>
-          <a:prstGeom prst="rect">
-            <a:avLst/>
-          </a:prstGeom>
-          <a:noFill/>
-        </p:spPr>
-        <p:txBody>
-          <a:bodyPr wrap="square" rtlCol="0">
-            <a:spAutoFit/>
-          </a:bodyPr>
-          <a:lstStyle/>
-          <a:p>
-            <a:r>
-              <a:rPr lang="en-US" altLang="zh-CN" dirty="0" smtClean="0"/>
-              <a:t>3.2</a:t>
-            </a:r>
-            <a:endParaRPr lang="zh-CN" altLang="en-US" dirty="0"/>
-          </a:p>
-        </p:txBody>
-      </p:sp>
-      <p:sp>
-        <p:nvSpPr>
-          <p:cNvPr id="65" name="文本框 64"/>
-          <p:cNvSpPr txBox="1"/>
-          <p:nvPr/>
-        </p:nvSpPr>
-        <p:spPr>
-          <a:xfrm>
-            <a:off x="6256657" y="4029735"/>
-            <a:ext cx="687328" cy="369332"/>
-          </a:xfrm>
-          <a:prstGeom prst="rect">
-            <a:avLst/>
-          </a:prstGeom>
-          <a:noFill/>
-        </p:spPr>
-        <p:txBody>
-          <a:bodyPr wrap="square" rtlCol="0">
-            <a:spAutoFit/>
-          </a:bodyPr>
-          <a:lstStyle/>
-          <a:p>
-            <a:r>
-              <a:rPr lang="en-US" altLang="zh-CN" dirty="0" smtClean="0"/>
-              <a:t>3.1</a:t>
-            </a:r>
-            <a:r>
-              <a:rPr lang="en-US" altLang="zh-CN" dirty="0"/>
-              <a:t>.</a:t>
-            </a:r>
-            <a:r>
-              <a:rPr lang="en-US" altLang="zh-CN" dirty="0" smtClean="0"/>
-              <a:t>1</a:t>
-            </a:r>
-            <a:endParaRPr lang="zh-CN" altLang="en-US" dirty="0"/>
-          </a:p>
-        </p:txBody>
-      </p:sp>
-      <p:sp>
-        <p:nvSpPr>
           <p:cNvPr id="68" name="文本框 67"/>
           <p:cNvSpPr txBox="1"/>
           <p:nvPr/>
         </p:nvSpPr>
         <p:spPr>
           <a:xfrm>
-            <a:off x="9057726" y="4010516"/>
-            <a:ext cx="776893" cy="369332"/>
-          </a:xfrm>
-          <a:prstGeom prst="rect">
-            <a:avLst/>
-          </a:prstGeom>
-          <a:noFill/>
-        </p:spPr>
-        <p:txBody>
-          <a:bodyPr wrap="square" rtlCol="0">
-            <a:spAutoFit/>
-          </a:bodyPr>
-          <a:lstStyle/>
-          <a:p>
-            <a:r>
-              <a:rPr lang="en-US" altLang="zh-CN" dirty="0" smtClean="0"/>
+            <a:off x="8318091" y="3995379"/>
+            <a:ext cx="1088933" cy="461665"/>
+          </a:xfrm>
+          <a:prstGeom prst="rect">
+            <a:avLst/>
+          </a:prstGeom>
+          <a:noFill/>
+        </p:spPr>
+        <p:txBody>
+          <a:bodyPr wrap="square" rtlCol="0">
+            <a:spAutoFit/>
+          </a:bodyPr>
+          <a:lstStyle/>
+          <a:p>
+            <a:r>
+              <a:rPr lang="en-US" altLang="zh-CN" sz="2400" dirty="0" smtClean="0"/>
               <a:t>3.2.1</a:t>
             </a:r>
-            <a:endParaRPr lang="zh-CN" altLang="en-US" dirty="0"/>
+            <a:endParaRPr lang="zh-CN" altLang="en-US" sz="2000" dirty="0"/>
           </a:p>
         </p:txBody>
       </p:sp>
@@ -6451,25 +6424,25 @@
         </p:nvSpPr>
         <p:spPr>
           <a:xfrm>
-            <a:off x="6933979" y="5527560"/>
-            <a:ext cx="911550" cy="369332"/>
-          </a:xfrm>
-          <a:prstGeom prst="rect">
-            <a:avLst/>
-          </a:prstGeom>
-          <a:noFill/>
-        </p:spPr>
-        <p:txBody>
-          <a:bodyPr wrap="square" rtlCol="0">
-            <a:spAutoFit/>
-          </a:bodyPr>
-          <a:lstStyle/>
-          <a:p>
-            <a:r>
-              <a:rPr lang="en-US" altLang="zh-CN" dirty="0" smtClean="0"/>
+            <a:off x="7027759" y="5580177"/>
+            <a:ext cx="911550" cy="400110"/>
+          </a:xfrm>
+          <a:prstGeom prst="rect">
+            <a:avLst/>
+          </a:prstGeom>
+          <a:noFill/>
+        </p:spPr>
+        <p:txBody>
+          <a:bodyPr wrap="square" rtlCol="0">
+            <a:spAutoFit/>
+          </a:bodyPr>
+          <a:lstStyle/>
+          <a:p>
+            <a:r>
+              <a:rPr lang="en-US" altLang="zh-CN" sz="2000" dirty="0" smtClean="0"/>
               <a:t>3.1.1.2</a:t>
             </a:r>
-            <a:endParaRPr lang="zh-CN" altLang="en-US" dirty="0"/>
+            <a:endParaRPr lang="zh-CN" altLang="en-US" sz="2000" dirty="0"/>
           </a:p>
         </p:txBody>
       </p:sp>
@@ -6481,25 +6454,25 @@
         </p:nvSpPr>
         <p:spPr>
           <a:xfrm>
-            <a:off x="8429094" y="5569446"/>
-            <a:ext cx="892327" cy="369332"/>
-          </a:xfrm>
-          <a:prstGeom prst="rect">
-            <a:avLst/>
-          </a:prstGeom>
-          <a:noFill/>
-        </p:spPr>
-        <p:txBody>
-          <a:bodyPr wrap="square" rtlCol="0">
-            <a:spAutoFit/>
-          </a:bodyPr>
-          <a:lstStyle/>
-          <a:p>
-            <a:r>
-              <a:rPr lang="en-US" altLang="zh-CN" dirty="0" smtClean="0"/>
+            <a:off x="8429094" y="5599498"/>
+            <a:ext cx="892327" cy="400110"/>
+          </a:xfrm>
+          <a:prstGeom prst="rect">
+            <a:avLst/>
+          </a:prstGeom>
+          <a:noFill/>
+        </p:spPr>
+        <p:txBody>
+          <a:bodyPr wrap="square" rtlCol="0">
+            <a:spAutoFit/>
+          </a:bodyPr>
+          <a:lstStyle/>
+          <a:p>
+            <a:r>
+              <a:rPr lang="en-US" altLang="zh-CN" sz="2000" dirty="0" smtClean="0"/>
               <a:t>3.2.1.1</a:t>
             </a:r>
-            <a:endParaRPr lang="zh-CN" altLang="en-US" dirty="0"/>
+            <a:endParaRPr lang="zh-CN" altLang="en-US" sz="2000" dirty="0"/>
           </a:p>
         </p:txBody>
       </p:sp>
@@ -8001,7 +7974,7 @@
         <p:spPr>
           <a:xfrm>
             <a:off x="2074460" y="272956"/>
-            <a:ext cx="1351128" cy="369332"/>
+            <a:ext cx="2076626" cy="369332"/>
           </a:xfrm>
           <a:prstGeom prst="rect">
             <a:avLst/>
@@ -8016,7 +7989,15 @@
           <a:p>
             <a:r>
               <a:rPr lang="en-US" altLang="zh-CN" dirty="0" smtClean="0"/>
-              <a:t>Table T1</a:t>
+              <a:t>Product </a:t>
+            </a:r>
+            <a:r>
+              <a:rPr lang="en-US" altLang="zh-CN" dirty="0" smtClean="0"/>
+              <a:t>Table </a:t>
+            </a:r>
+            <a:r>
+              <a:rPr lang="en-US" altLang="zh-CN" dirty="0" smtClean="0"/>
+              <a:t>T1</a:t>
             </a:r>
             <a:endParaRPr lang="zh-CN" altLang="en-US" dirty="0"/>
           </a:p>
@@ -8243,8 +8224,8 @@
         </p:nvSpPr>
         <p:spPr>
           <a:xfrm>
-            <a:off x="2116920" y="2554407"/>
-            <a:ext cx="1351128" cy="369332"/>
+            <a:off x="2116919" y="2554407"/>
+            <a:ext cx="1801937" cy="369332"/>
           </a:xfrm>
           <a:prstGeom prst="rect">
             <a:avLst/>
@@ -8259,7 +8240,11 @@
           <a:p>
             <a:r>
               <a:rPr lang="en-US" altLang="zh-CN" dirty="0" smtClean="0"/>
-              <a:t>Table T2</a:t>
+              <a:t>Product Table </a:t>
+            </a:r>
+            <a:r>
+              <a:rPr lang="en-US" altLang="zh-CN" dirty="0" smtClean="0"/>
+              <a:t>T2</a:t>
             </a:r>
             <a:endParaRPr lang="zh-CN" altLang="en-US" dirty="0"/>
           </a:p>

--- a/figures/taxonomy.pptx
+++ b/figures/taxonomy.pptx
@@ -5,7 +5,7 @@
     <p:sldMasterId id="2147483648" r:id="rId1"/>
   </p:sldMasterIdLst>
   <p:notesMasterIdLst>
-    <p:notesMasterId r:id="rId9"/>
+    <p:notesMasterId r:id="rId10"/>
   </p:notesMasterIdLst>
   <p:sldIdLst>
     <p:sldId id="257" r:id="rId2"/>
@@ -15,6 +15,7 @@
     <p:sldId id="260" r:id="rId6"/>
     <p:sldId id="261" r:id="rId7"/>
     <p:sldId id="263" r:id="rId8"/>
+    <p:sldId id="264" r:id="rId9"/>
   </p:sldIdLst>
   <p:sldSz cx="12192000" cy="6858000"/>
   <p:notesSz cx="6858000" cy="9144000"/>
@@ -203,7 +204,7 @@
           <a:p>
             <a:fld id="{0D55BE89-D7D9-46DA-844D-6941724E15AE}" type="datetimeFigureOut">
               <a:rPr lang="zh-CN" altLang="en-US" smtClean="0"/>
-              <a:t>2015/8/8</a:t>
+              <a:t>2015/10/10</a:t>
             </a:fld>
             <a:endParaRPr lang="zh-CN" altLang="en-US"/>
           </a:p>
@@ -602,7 +603,7 @@
           <a:p>
             <a:fld id="{E874AFEE-2C2F-4B0D-A59D-72CFE7C0C765}" type="datetimeFigureOut">
               <a:rPr lang="zh-CN" altLang="en-US" smtClean="0"/>
-              <a:t>2015/8/8</a:t>
+              <a:t>2015/10/10</a:t>
             </a:fld>
             <a:endParaRPr lang="zh-CN" altLang="en-US"/>
           </a:p>
@@ -772,7 +773,7 @@
           <a:p>
             <a:fld id="{E874AFEE-2C2F-4B0D-A59D-72CFE7C0C765}" type="datetimeFigureOut">
               <a:rPr lang="zh-CN" altLang="en-US" smtClean="0"/>
-              <a:t>2015/8/8</a:t>
+              <a:t>2015/10/10</a:t>
             </a:fld>
             <a:endParaRPr lang="zh-CN" altLang="en-US"/>
           </a:p>
@@ -952,7 +953,7 @@
           <a:p>
             <a:fld id="{E874AFEE-2C2F-4B0D-A59D-72CFE7C0C765}" type="datetimeFigureOut">
               <a:rPr lang="zh-CN" altLang="en-US" smtClean="0"/>
-              <a:t>2015/8/8</a:t>
+              <a:t>2015/10/10</a:t>
             </a:fld>
             <a:endParaRPr lang="zh-CN" altLang="en-US"/>
           </a:p>
@@ -1122,7 +1123,7 @@
           <a:p>
             <a:fld id="{E874AFEE-2C2F-4B0D-A59D-72CFE7C0C765}" type="datetimeFigureOut">
               <a:rPr lang="zh-CN" altLang="en-US" smtClean="0"/>
-              <a:t>2015/8/8</a:t>
+              <a:t>2015/10/10</a:t>
             </a:fld>
             <a:endParaRPr lang="zh-CN" altLang="en-US"/>
           </a:p>
@@ -1368,7 +1369,7 @@
           <a:p>
             <a:fld id="{E874AFEE-2C2F-4B0D-A59D-72CFE7C0C765}" type="datetimeFigureOut">
               <a:rPr lang="zh-CN" altLang="en-US" smtClean="0"/>
-              <a:t>2015/8/8</a:t>
+              <a:t>2015/10/10</a:t>
             </a:fld>
             <a:endParaRPr lang="zh-CN" altLang="en-US"/>
           </a:p>
@@ -1600,7 +1601,7 @@
           <a:p>
             <a:fld id="{E874AFEE-2C2F-4B0D-A59D-72CFE7C0C765}" type="datetimeFigureOut">
               <a:rPr lang="zh-CN" altLang="en-US" smtClean="0"/>
-              <a:t>2015/8/8</a:t>
+              <a:t>2015/10/10</a:t>
             </a:fld>
             <a:endParaRPr lang="zh-CN" altLang="en-US"/>
           </a:p>
@@ -1967,7 +1968,7 @@
           <a:p>
             <a:fld id="{E874AFEE-2C2F-4B0D-A59D-72CFE7C0C765}" type="datetimeFigureOut">
               <a:rPr lang="zh-CN" altLang="en-US" smtClean="0"/>
-              <a:t>2015/8/8</a:t>
+              <a:t>2015/10/10</a:t>
             </a:fld>
             <a:endParaRPr lang="zh-CN" altLang="en-US"/>
           </a:p>
@@ -2085,7 +2086,7 @@
           <a:p>
             <a:fld id="{E874AFEE-2C2F-4B0D-A59D-72CFE7C0C765}" type="datetimeFigureOut">
               <a:rPr lang="zh-CN" altLang="en-US" smtClean="0"/>
-              <a:t>2015/8/8</a:t>
+              <a:t>2015/10/10</a:t>
             </a:fld>
             <a:endParaRPr lang="zh-CN" altLang="en-US"/>
           </a:p>
@@ -2180,7 +2181,7 @@
           <a:p>
             <a:fld id="{E874AFEE-2C2F-4B0D-A59D-72CFE7C0C765}" type="datetimeFigureOut">
               <a:rPr lang="zh-CN" altLang="en-US" smtClean="0"/>
-              <a:t>2015/8/8</a:t>
+              <a:t>2015/10/10</a:t>
             </a:fld>
             <a:endParaRPr lang="zh-CN" altLang="en-US"/>
           </a:p>
@@ -2457,7 +2458,7 @@
           <a:p>
             <a:fld id="{E874AFEE-2C2F-4B0D-A59D-72CFE7C0C765}" type="datetimeFigureOut">
               <a:rPr lang="zh-CN" altLang="en-US" smtClean="0"/>
-              <a:t>2015/8/8</a:t>
+              <a:t>2015/10/10</a:t>
             </a:fld>
             <a:endParaRPr lang="zh-CN" altLang="en-US"/>
           </a:p>
@@ -2710,7 +2711,7 @@
           <a:p>
             <a:fld id="{E874AFEE-2C2F-4B0D-A59D-72CFE7C0C765}" type="datetimeFigureOut">
               <a:rPr lang="zh-CN" altLang="en-US" smtClean="0"/>
-              <a:t>2015/8/8</a:t>
+              <a:t>2015/10/10</a:t>
             </a:fld>
             <a:endParaRPr lang="zh-CN" altLang="en-US"/>
           </a:p>
@@ -2923,7 +2924,7 @@
           <a:p>
             <a:fld id="{E874AFEE-2C2F-4B0D-A59D-72CFE7C0C765}" type="datetimeFigureOut">
               <a:rPr lang="zh-CN" altLang="en-US" smtClean="0"/>
-              <a:t>2015/8/8</a:t>
+              <a:t>2015/10/10</a:t>
             </a:fld>
             <a:endParaRPr lang="zh-CN" altLang="en-US"/>
           </a:p>
@@ -6476,6 +6477,192 @@
           </a:p>
         </p:txBody>
       </p:sp>
+      <p:sp>
+        <p:nvSpPr>
+          <p:cNvPr id="76" name="文本框 75"/>
+          <p:cNvSpPr txBox="1"/>
+          <p:nvPr/>
+        </p:nvSpPr>
+        <p:spPr>
+          <a:xfrm>
+            <a:off x="2391754" y="5599498"/>
+            <a:ext cx="1564374" cy="461665"/>
+          </a:xfrm>
+          <a:prstGeom prst="rect">
+            <a:avLst/>
+          </a:prstGeom>
+          <a:noFill/>
+        </p:spPr>
+        <p:txBody>
+          <a:bodyPr wrap="square" rtlCol="0">
+            <a:spAutoFit/>
+          </a:bodyPr>
+          <a:lstStyle/>
+          <a:p>
+            <a:r>
+              <a:rPr lang="en-US" altLang="zh-CN" sz="2400" dirty="0" smtClean="0"/>
+              <a:t>Los Angels</a:t>
+            </a:r>
+            <a:endParaRPr lang="zh-CN" altLang="en-US" sz="2000" dirty="0"/>
+          </a:p>
+        </p:txBody>
+      </p:sp>
+      <p:cxnSp>
+        <p:nvCxnSpPr>
+          <p:cNvPr id="77" name="直接连接符 76"/>
+          <p:cNvCxnSpPr>
+            <a:stCxn id="83" idx="2"/>
+            <a:endCxn id="76" idx="0"/>
+          </p:cNvCxnSpPr>
+          <p:nvPr/>
+        </p:nvCxnSpPr>
+        <p:spPr>
+          <a:xfrm flipH="1">
+            <a:off x="3173941" y="5129020"/>
+            <a:ext cx="646678" cy="470478"/>
+          </a:xfrm>
+          <a:prstGeom prst="line">
+            <a:avLst/>
+          </a:prstGeom>
+        </p:spPr>
+        <p:style>
+          <a:lnRef idx="3">
+            <a:schemeClr val="dk1"/>
+          </a:lnRef>
+          <a:fillRef idx="0">
+            <a:schemeClr val="dk1"/>
+          </a:fillRef>
+          <a:effectRef idx="2">
+            <a:schemeClr val="dk1"/>
+          </a:effectRef>
+          <a:fontRef idx="minor">
+            <a:schemeClr val="tx1"/>
+          </a:fontRef>
+        </p:style>
+      </p:cxnSp>
+      <p:sp>
+        <p:nvSpPr>
+          <p:cNvPr id="78" name="文本框 77"/>
+          <p:cNvSpPr txBox="1"/>
+          <p:nvPr/>
+        </p:nvSpPr>
+        <p:spPr>
+          <a:xfrm>
+            <a:off x="3884961" y="5599498"/>
+            <a:ext cx="1441098" cy="461665"/>
+          </a:xfrm>
+          <a:prstGeom prst="rect">
+            <a:avLst/>
+          </a:prstGeom>
+          <a:noFill/>
+        </p:spPr>
+        <p:txBody>
+          <a:bodyPr wrap="square" rtlCol="0">
+            <a:spAutoFit/>
+          </a:bodyPr>
+          <a:lstStyle/>
+          <a:p>
+            <a:r>
+              <a:rPr lang="en-US" altLang="zh-CN" sz="2400" dirty="0"/>
+              <a:t>Cupertino</a:t>
+            </a:r>
+            <a:endParaRPr lang="zh-CN" altLang="en-US" sz="2400" dirty="0"/>
+          </a:p>
+        </p:txBody>
+      </p:sp>
+      <p:cxnSp>
+        <p:nvCxnSpPr>
+          <p:cNvPr id="81" name="直接连接符 80"/>
+          <p:cNvCxnSpPr>
+            <a:stCxn id="83" idx="2"/>
+            <a:endCxn id="78" idx="0"/>
+          </p:cNvCxnSpPr>
+          <p:nvPr/>
+        </p:nvCxnSpPr>
+        <p:spPr>
+          <a:xfrm>
+            <a:off x="3820619" y="5129020"/>
+            <a:ext cx="784891" cy="470478"/>
+          </a:xfrm>
+          <a:prstGeom prst="line">
+            <a:avLst/>
+          </a:prstGeom>
+        </p:spPr>
+        <p:style>
+          <a:lnRef idx="3">
+            <a:schemeClr val="dk1"/>
+          </a:lnRef>
+          <a:fillRef idx="0">
+            <a:schemeClr val="dk1"/>
+          </a:fillRef>
+          <a:effectRef idx="2">
+            <a:schemeClr val="dk1"/>
+          </a:effectRef>
+          <a:fontRef idx="minor">
+            <a:schemeClr val="tx1"/>
+          </a:fontRef>
+        </p:style>
+      </p:cxnSp>
+      <p:sp>
+        <p:nvSpPr>
+          <p:cNvPr id="87" name="文本框 86"/>
+          <p:cNvSpPr txBox="1"/>
+          <p:nvPr/>
+        </p:nvSpPr>
+        <p:spPr>
+          <a:xfrm>
+            <a:off x="2566639" y="6056431"/>
+            <a:ext cx="911550" cy="400110"/>
+          </a:xfrm>
+          <a:prstGeom prst="rect">
+            <a:avLst/>
+          </a:prstGeom>
+          <a:noFill/>
+        </p:spPr>
+        <p:txBody>
+          <a:bodyPr wrap="square" rtlCol="0">
+            <a:spAutoFit/>
+          </a:bodyPr>
+          <a:lstStyle/>
+          <a:p>
+            <a:r>
+              <a:rPr lang="en-US" altLang="zh-CN" sz="2000" dirty="0" smtClean="0"/>
+              <a:t>2.1.1.1</a:t>
+            </a:r>
+            <a:endParaRPr lang="zh-CN" altLang="en-US" sz="2000" dirty="0"/>
+          </a:p>
+        </p:txBody>
+      </p:sp>
+      <p:sp>
+        <p:nvSpPr>
+          <p:cNvPr id="88" name="文本框 87"/>
+          <p:cNvSpPr txBox="1"/>
+          <p:nvPr/>
+        </p:nvSpPr>
+        <p:spPr>
+          <a:xfrm>
+            <a:off x="4071763" y="6050424"/>
+            <a:ext cx="911550" cy="400110"/>
+          </a:xfrm>
+          <a:prstGeom prst="rect">
+            <a:avLst/>
+          </a:prstGeom>
+          <a:noFill/>
+        </p:spPr>
+        <p:txBody>
+          <a:bodyPr wrap="square" rtlCol="0">
+            <a:spAutoFit/>
+          </a:bodyPr>
+          <a:lstStyle/>
+          <a:p>
+            <a:r>
+              <a:rPr lang="en-US" altLang="zh-CN" sz="2000" dirty="0" smtClean="0"/>
+              <a:t>2.1.1.2</a:t>
+            </a:r>
+            <a:endParaRPr lang="zh-CN" altLang="en-US" sz="2000" dirty="0"/>
+          </a:p>
+        </p:txBody>
+      </p:sp>
     </p:spTree>
     <p:extLst>
       <p:ext uri="{BB962C8B-B14F-4D97-AF65-F5344CB8AC3E}">
@@ -7765,14 +7952,14 @@
           <p:nvPr>
             <p:extLst>
               <p:ext uri="{D42A27DB-BD31-4B8C-83A1-F6EECF244321}">
-                <p14:modId xmlns:p14="http://schemas.microsoft.com/office/powerpoint/2010/main" val="1683820723"/>
+                <p14:modId xmlns:p14="http://schemas.microsoft.com/office/powerpoint/2010/main" val="2561441141"/>
               </p:ext>
             </p:extLst>
           </p:nvPr>
         </p:nvGraphicFramePr>
         <p:xfrm>
           <a:off x="2032000" y="719666"/>
-          <a:ext cx="8127999" cy="1483360"/>
+          <a:ext cx="8127999" cy="1854200"/>
         </p:xfrm>
         <a:graphic>
           <a:graphicData uri="http://schemas.openxmlformats.org/drawingml/2006/table">
@@ -7879,11 +8066,32 @@
                     <a:bodyPr/>
                     <a:lstStyle/>
                     <a:p>
+                      <a:pPr marL="0" marR="0" indent="0" algn="l" defTabSz="914400" rtl="0" eaLnBrk="1" fontAlgn="auto" latinLnBrk="0" hangingPunct="1">
+                        <a:lnSpc>
+                          <a:spcPct val="100000"/>
+                        </a:lnSpc>
+                        <a:spcBef>
+                          <a:spcPts val="0"/>
+                        </a:spcBef>
+                        <a:spcAft>
+                          <a:spcPts val="0"/>
+                        </a:spcAft>
+                        <a:buClrTx/>
+                        <a:buSzTx/>
+                        <a:buFontTx/>
+                        <a:buNone/>
+                        <a:tabLst/>
+                        <a:defRPr/>
+                      </a:pPr>
                       <a:r>
                         <a:rPr lang="en-US" altLang="zh-CN" dirty="0" smtClean="0"/>
-                        <a:t>Samsung phone</a:t>
+                        <a:t>Galaxy</a:t>
                       </a:r>
-                      <a:endParaRPr lang="zh-CN" altLang="en-US" dirty="0"/>
+                      <a:r>
+                        <a:rPr lang="en-US" altLang="zh-CN" baseline="0" dirty="0" smtClean="0"/>
+                        <a:t> S6</a:t>
+                      </a:r>
+                      <a:endParaRPr lang="zh-CN" altLang="en-US" dirty="0" smtClean="0"/>
                     </a:p>
                   </a:txBody>
                   <a:tcPr/>
@@ -7961,6 +8169,50 @@
                   <a:tcPr/>
                 </a:tc>
               </a:tr>
+              <a:tr h="370840">
+                <a:tc>
+                  <a:txBody>
+                    <a:bodyPr/>
+                    <a:lstStyle/>
+                    <a:p>
+                      <a:r>
+                        <a:rPr lang="en-US" altLang="zh-CN" dirty="0" smtClean="0"/>
+                        <a:t>iPhone 5</a:t>
+                      </a:r>
+                      <a:endParaRPr lang="zh-CN" altLang="en-US" dirty="0"/>
+                    </a:p>
+                  </a:txBody>
+                  <a:tcPr/>
+                </a:tc>
+                <a:tc>
+                  <a:txBody>
+                    <a:bodyPr/>
+                    <a:lstStyle/>
+                    <a:p>
+                      <a:r>
+                        <a:rPr lang="en-US" altLang="zh-CN" dirty="0" smtClean="0"/>
+                        <a:t>Los Angles</a:t>
+                      </a:r>
+                      <a:endParaRPr lang="zh-CN" altLang="en-US" dirty="0"/>
+                    </a:p>
+                  </a:txBody>
+                  <a:tcPr/>
+                </a:tc>
+                <a:tc>
+                  <a:txBody>
+                    <a:bodyPr/>
+                    <a:lstStyle/>
+                    <a:p>
+                      <a:r>
+                        <a:rPr lang="en-US" altLang="zh-CN" dirty="0" smtClean="0"/>
+                        <a:t>399.0</a:t>
+                      </a:r>
+                      <a:endParaRPr lang="zh-CN" altLang="en-US" dirty="0"/>
+                    </a:p>
+                  </a:txBody>
+                  <a:tcPr/>
+                </a:tc>
+              </a:tr>
             </a:tbl>
           </a:graphicData>
         </a:graphic>
@@ -7989,15 +8241,7 @@
           <a:p>
             <a:r>
               <a:rPr lang="en-US" altLang="zh-CN" dirty="0" smtClean="0"/>
-              <a:t>Product </a:t>
-            </a:r>
-            <a:r>
-              <a:rPr lang="en-US" altLang="zh-CN" dirty="0" smtClean="0"/>
-              <a:t>Table </a:t>
-            </a:r>
-            <a:r>
-              <a:rPr lang="en-US" altLang="zh-CN" dirty="0" smtClean="0"/>
-              <a:t>T1</a:t>
+              <a:t>Product Table T1</a:t>
             </a:r>
             <a:endParaRPr lang="zh-CN" altLang="en-US" dirty="0"/>
           </a:p>
@@ -8012,14 +8256,14 @@
           <p:nvPr>
             <p:extLst>
               <p:ext uri="{D42A27DB-BD31-4B8C-83A1-F6EECF244321}">
-                <p14:modId xmlns:p14="http://schemas.microsoft.com/office/powerpoint/2010/main" val="2910806813"/>
+                <p14:modId xmlns:p14="http://schemas.microsoft.com/office/powerpoint/2010/main" val="1379235117"/>
               </p:ext>
             </p:extLst>
           </p:nvPr>
         </p:nvGraphicFramePr>
         <p:xfrm>
-          <a:off x="2074460" y="3001117"/>
-          <a:ext cx="8127999" cy="1483360"/>
+          <a:off x="2032001" y="3205834"/>
+          <a:ext cx="8127999" cy="1854200"/>
         </p:xfrm>
         <a:graphic>
           <a:graphicData uri="http://schemas.openxmlformats.org/drawingml/2006/table">
@@ -8128,11 +8372,7 @@
                     <a:p>
                       <a:r>
                         <a:rPr lang="en-US" altLang="zh-CN" dirty="0" smtClean="0"/>
-                        <a:t>Galaxy</a:t>
-                      </a:r>
-                      <a:r>
-                        <a:rPr lang="en-US" altLang="zh-CN" baseline="0" dirty="0" smtClean="0"/>
-                        <a:t> S6</a:t>
+                        <a:t>Samsung phone </a:t>
                       </a:r>
                       <a:endParaRPr lang="zh-CN" altLang="en-US" dirty="0"/>
                     </a:p>
@@ -8212,6 +8452,50 @@
                   <a:tcPr/>
                 </a:tc>
               </a:tr>
+              <a:tr h="370840">
+                <a:tc>
+                  <a:txBody>
+                    <a:bodyPr/>
+                    <a:lstStyle/>
+                    <a:p>
+                      <a:r>
+                        <a:rPr lang="en-US" altLang="zh-CN" dirty="0" smtClean="0"/>
+                        <a:t>iPhone 6 Plus</a:t>
+                      </a:r>
+                      <a:endParaRPr lang="zh-CN" altLang="en-US" dirty="0"/>
+                    </a:p>
+                  </a:txBody>
+                  <a:tcPr/>
+                </a:tc>
+                <a:tc>
+                  <a:txBody>
+                    <a:bodyPr/>
+                    <a:lstStyle/>
+                    <a:p>
+                      <a:r>
+                        <a:rPr lang="en-US" altLang="zh-CN" dirty="0" smtClean="0"/>
+                        <a:t>Cupertino</a:t>
+                      </a:r>
+                      <a:endParaRPr lang="zh-CN" altLang="en-US" dirty="0"/>
+                    </a:p>
+                  </a:txBody>
+                  <a:tcPr/>
+                </a:tc>
+                <a:tc>
+                  <a:txBody>
+                    <a:bodyPr/>
+                    <a:lstStyle/>
+                    <a:p>
+                      <a:r>
+                        <a:rPr lang="en-US" altLang="zh-CN" dirty="0" smtClean="0"/>
+                        <a:t>599.0</a:t>
+                      </a:r>
+                      <a:endParaRPr lang="zh-CN" altLang="en-US" dirty="0"/>
+                    </a:p>
+                  </a:txBody>
+                  <a:tcPr/>
+                </a:tc>
+              </a:tr>
             </a:tbl>
           </a:graphicData>
         </a:graphic>
@@ -8224,7 +8508,7 @@
         </p:nvSpPr>
         <p:spPr>
           <a:xfrm>
-            <a:off x="2116919" y="2554407"/>
+            <a:off x="2074460" y="2759124"/>
             <a:ext cx="1801937" cy="369332"/>
           </a:xfrm>
           <a:prstGeom prst="rect">
@@ -8240,11 +8524,7 @@
           <a:p>
             <a:r>
               <a:rPr lang="en-US" altLang="zh-CN" dirty="0" smtClean="0"/>
-              <a:t>Product Table </a:t>
-            </a:r>
-            <a:r>
-              <a:rPr lang="en-US" altLang="zh-CN" dirty="0" smtClean="0"/>
-              <a:t>T2</a:t>
+              <a:t>Product Table T2</a:t>
             </a:r>
             <a:endParaRPr lang="zh-CN" altLang="en-US" dirty="0"/>
           </a:p>
@@ -8287,97 +8567,2190 @@
           <a:chExt cx="0" cy="0"/>
         </a:xfrm>
       </p:grpSpPr>
-      <p:sp>
-        <p:nvSpPr>
-          <p:cNvPr id="2" name="标题 1"/>
-          <p:cNvSpPr>
-            <a:spLocks noGrp="1"/>
-          </p:cNvSpPr>
-          <p:nvPr>
-            <p:ph type="title"/>
-          </p:nvPr>
-        </p:nvSpPr>
-        <p:spPr>
-          <a:xfrm>
-            <a:off x="838200" y="365126"/>
-            <a:ext cx="2437263" cy="590218"/>
-          </a:xfrm>
-        </p:spPr>
-        <p:txBody>
-          <a:bodyPr>
-            <a:normAutofit/>
+      <p:cxnSp>
+        <p:nvCxnSpPr>
+          <p:cNvPr id="9" name="直接连接符 8"/>
+          <p:cNvCxnSpPr/>
+          <p:nvPr/>
+        </p:nvCxnSpPr>
+        <p:spPr>
+          <a:xfrm flipH="1">
+            <a:off x="2285709" y="1855777"/>
+            <a:ext cx="587144" cy="409332"/>
+          </a:xfrm>
+          <a:prstGeom prst="line">
+            <a:avLst/>
+          </a:prstGeom>
+        </p:spPr>
+        <p:style>
+          <a:lnRef idx="3">
+            <a:schemeClr val="dk1"/>
+          </a:lnRef>
+          <a:fillRef idx="0">
+            <a:schemeClr val="dk1"/>
+          </a:fillRef>
+          <a:effectRef idx="2">
+            <a:schemeClr val="dk1"/>
+          </a:effectRef>
+          <a:fontRef idx="minor">
+            <a:schemeClr val="tx1"/>
+          </a:fontRef>
+        </p:style>
+      </p:cxnSp>
+      <p:cxnSp>
+        <p:nvCxnSpPr>
+          <p:cNvPr id="10" name="直接连接符 9"/>
+          <p:cNvCxnSpPr/>
+          <p:nvPr/>
+        </p:nvCxnSpPr>
+        <p:spPr>
+          <a:xfrm flipH="1">
+            <a:off x="2916669" y="1855777"/>
+            <a:ext cx="4767" cy="443240"/>
+          </a:xfrm>
+          <a:prstGeom prst="line">
+            <a:avLst/>
+          </a:prstGeom>
+        </p:spPr>
+        <p:style>
+          <a:lnRef idx="3">
+            <a:schemeClr val="dk1"/>
+          </a:lnRef>
+          <a:fillRef idx="0">
+            <a:schemeClr val="dk1"/>
+          </a:fillRef>
+          <a:effectRef idx="2">
+            <a:schemeClr val="dk1"/>
+          </a:effectRef>
+          <a:fontRef idx="minor">
+            <a:schemeClr val="tx1"/>
+          </a:fontRef>
+        </p:style>
+      </p:cxnSp>
+      <p:sp>
+        <p:nvSpPr>
+          <p:cNvPr id="11" name="文本框 10"/>
+          <p:cNvSpPr txBox="1"/>
+          <p:nvPr/>
+        </p:nvSpPr>
+        <p:spPr>
+          <a:xfrm>
+            <a:off x="1845635" y="2344068"/>
+            <a:ext cx="734704" cy="400110"/>
+          </a:xfrm>
+          <a:prstGeom prst="rect">
+            <a:avLst/>
+          </a:prstGeom>
+          <a:noFill/>
+        </p:spPr>
+        <p:txBody>
+          <a:bodyPr wrap="square" rtlCol="0">
+            <a:spAutoFit/>
           </a:bodyPr>
           <a:lstStyle/>
           <a:p>
             <a:r>
-              <a:rPr lang="en-US" altLang="zh-CN" sz="3200" dirty="0" smtClean="0"/>
-              <a:t>Inverted lists</a:t>
-            </a:r>
-            <a:r>
-              <a:rPr lang="zh-CN" altLang="en-US" sz="3200" dirty="0" smtClean="0"/>
-              <a:t>：</a:t>
-            </a:r>
-            <a:endParaRPr lang="zh-CN" altLang="en-US" sz="3200" dirty="0"/>
-          </a:p>
-        </p:txBody>
-      </p:sp>
-      <p:sp>
-        <p:nvSpPr>
-          <p:cNvPr id="4" name="标题 1"/>
-          <p:cNvSpPr txBox="1">
-            <a:spLocks/>
-          </p:cNvSpPr>
-          <p:nvPr/>
-        </p:nvSpPr>
-        <p:spPr>
-          <a:xfrm>
-            <a:off x="635759" y="1827711"/>
-            <a:ext cx="2437263" cy="590218"/>
-          </a:xfrm>
-          <a:prstGeom prst="rect">
-            <a:avLst/>
-          </a:prstGeom>
-        </p:spPr>
-        <p:txBody>
-          <a:bodyPr vert="horz" lIns="91440" tIns="45720" rIns="91440" bIns="45720" rtlCol="0" anchor="ctr">
-            <a:normAutofit/>
+              <a:rPr lang="en-US" altLang="zh-CN" sz="2000" dirty="0" smtClean="0"/>
+              <a:t>2.1</a:t>
+            </a:r>
+            <a:endParaRPr lang="zh-CN" altLang="en-US" dirty="0"/>
+          </a:p>
+        </p:txBody>
+      </p:sp>
+      <p:sp>
+        <p:nvSpPr>
+          <p:cNvPr id="12" name="文本框 11"/>
+          <p:cNvSpPr txBox="1"/>
+          <p:nvPr/>
+        </p:nvSpPr>
+        <p:spPr>
+          <a:xfrm>
+            <a:off x="3268837" y="2344068"/>
+            <a:ext cx="734704" cy="400110"/>
+          </a:xfrm>
+          <a:prstGeom prst="rect">
+            <a:avLst/>
+          </a:prstGeom>
+          <a:noFill/>
+        </p:spPr>
+        <p:txBody>
+          <a:bodyPr wrap="square" rtlCol="0">
+            <a:spAutoFit/>
           </a:bodyPr>
-          <a:lstStyle>
-            <a:lvl1pPr algn="l" defTabSz="914400" rtl="0" eaLnBrk="1" latinLnBrk="0" hangingPunct="1">
-              <a:lnSpc>
-                <a:spcPct val="90000"/>
-              </a:lnSpc>
-              <a:spcBef>
-                <a:spcPct val="0"/>
-              </a:spcBef>
-              <a:buNone/>
-              <a:defRPr sz="4400" kern="1200">
-                <a:solidFill>
-                  <a:schemeClr val="tx1"/>
-                </a:solidFill>
-                <a:latin typeface="+mj-lt"/>
-                <a:ea typeface="+mj-ea"/>
-                <a:cs typeface="+mj-cs"/>
-              </a:defRPr>
-            </a:lvl1pPr>
-          </a:lstStyle>
-          <a:p>
-            <a:r>
-              <a:rPr lang="en-US" altLang="zh-CN" sz="3200" dirty="0" smtClean="0"/>
-              <a:t>L </a:t>
-            </a:r>
-            <a:r>
-              <a:rPr lang="en-US" altLang="zh-CN" sz="3200" baseline="-25000" dirty="0" smtClean="0"/>
-              <a:t>I</a:t>
-            </a:r>
-            <a:endParaRPr lang="zh-CN" altLang="en-US" sz="3200" baseline="-25000" dirty="0"/>
-          </a:p>
-        </p:txBody>
-      </p:sp>
+          <a:lstStyle/>
+          <a:p>
+            <a:r>
+              <a:rPr lang="en-US" altLang="zh-CN" sz="2000" dirty="0" smtClean="0"/>
+              <a:t>3.2</a:t>
+            </a:r>
+            <a:endParaRPr lang="zh-CN" altLang="en-US" dirty="0"/>
+          </a:p>
+        </p:txBody>
+      </p:sp>
+      <p:sp>
+        <p:nvSpPr>
+          <p:cNvPr id="13" name="文本框 12"/>
+          <p:cNvSpPr txBox="1"/>
+          <p:nvPr/>
+        </p:nvSpPr>
+        <p:spPr>
+          <a:xfrm>
+            <a:off x="2627431" y="2359026"/>
+            <a:ext cx="734704" cy="400110"/>
+          </a:xfrm>
+          <a:prstGeom prst="rect">
+            <a:avLst/>
+          </a:prstGeom>
+          <a:noFill/>
+        </p:spPr>
+        <p:txBody>
+          <a:bodyPr wrap="square" rtlCol="0">
+            <a:spAutoFit/>
+          </a:bodyPr>
+          <a:lstStyle/>
+          <a:p>
+            <a:r>
+              <a:rPr lang="en-US" altLang="zh-CN" sz="2000" dirty="0" smtClean="0"/>
+              <a:t>3.1</a:t>
+            </a:r>
+            <a:endParaRPr lang="zh-CN" altLang="en-US" dirty="0"/>
+          </a:p>
+        </p:txBody>
+      </p:sp>
+      <p:cxnSp>
+        <p:nvCxnSpPr>
+          <p:cNvPr id="20" name="直接连接符 19"/>
+          <p:cNvCxnSpPr/>
+          <p:nvPr/>
+        </p:nvCxnSpPr>
+        <p:spPr>
+          <a:xfrm>
+            <a:off x="2994783" y="1855777"/>
+            <a:ext cx="585029" cy="450719"/>
+          </a:xfrm>
+          <a:prstGeom prst="line">
+            <a:avLst/>
+          </a:prstGeom>
+        </p:spPr>
+        <p:style>
+          <a:lnRef idx="3">
+            <a:schemeClr val="dk1"/>
+          </a:lnRef>
+          <a:fillRef idx="0">
+            <a:schemeClr val="dk1"/>
+          </a:fillRef>
+          <a:effectRef idx="2">
+            <a:schemeClr val="dk1"/>
+          </a:effectRef>
+          <a:fontRef idx="minor">
+            <a:schemeClr val="tx1"/>
+          </a:fontRef>
+        </p:style>
+      </p:cxnSp>
+      <p:cxnSp>
+        <p:nvCxnSpPr>
+          <p:cNvPr id="22" name="直接连接符 21"/>
+          <p:cNvCxnSpPr/>
+          <p:nvPr/>
+        </p:nvCxnSpPr>
+        <p:spPr>
+          <a:xfrm flipH="1">
+            <a:off x="2033516" y="2804187"/>
+            <a:ext cx="76755" cy="321150"/>
+          </a:xfrm>
+          <a:prstGeom prst="line">
+            <a:avLst/>
+          </a:prstGeom>
+        </p:spPr>
+        <p:style>
+          <a:lnRef idx="3">
+            <a:schemeClr val="dk1"/>
+          </a:lnRef>
+          <a:fillRef idx="0">
+            <a:schemeClr val="dk1"/>
+          </a:fillRef>
+          <a:effectRef idx="2">
+            <a:schemeClr val="dk1"/>
+          </a:effectRef>
+          <a:fontRef idx="minor">
+            <a:schemeClr val="tx1"/>
+          </a:fontRef>
+        </p:style>
+      </p:cxnSp>
+      <p:sp>
+        <p:nvSpPr>
+          <p:cNvPr id="25" name="文本框 24"/>
+          <p:cNvSpPr txBox="1"/>
+          <p:nvPr/>
+        </p:nvSpPr>
+        <p:spPr>
+          <a:xfrm>
+            <a:off x="1742918" y="3133911"/>
+            <a:ext cx="972985" cy="400110"/>
+          </a:xfrm>
+          <a:prstGeom prst="rect">
+            <a:avLst/>
+          </a:prstGeom>
+          <a:noFill/>
+        </p:spPr>
+        <p:txBody>
+          <a:bodyPr wrap="square" rtlCol="0">
+            <a:spAutoFit/>
+          </a:bodyPr>
+          <a:lstStyle/>
+          <a:p>
+            <a:r>
+              <a:rPr lang="en-US" altLang="zh-CN" sz="2000" dirty="0" smtClean="0"/>
+              <a:t>2.1.1.1</a:t>
+            </a:r>
+            <a:endParaRPr lang="zh-CN" altLang="en-US" dirty="0"/>
+          </a:p>
+        </p:txBody>
+      </p:sp>
+      <p:sp>
+        <p:nvSpPr>
+          <p:cNvPr id="28" name="文本框 27"/>
+          <p:cNvSpPr txBox="1"/>
+          <p:nvPr/>
+        </p:nvSpPr>
+        <p:spPr>
+          <a:xfrm>
+            <a:off x="5031184" y="2336259"/>
+            <a:ext cx="734704" cy="400110"/>
+          </a:xfrm>
+          <a:prstGeom prst="rect">
+            <a:avLst/>
+          </a:prstGeom>
+          <a:noFill/>
+        </p:spPr>
+        <p:txBody>
+          <a:bodyPr wrap="square" rtlCol="0">
+            <a:spAutoFit/>
+          </a:bodyPr>
+          <a:lstStyle/>
+          <a:p>
+            <a:r>
+              <a:rPr lang="en-US" altLang="zh-CN" sz="2000" dirty="0" smtClean="0"/>
+              <a:t>2.1.1</a:t>
+            </a:r>
+            <a:endParaRPr lang="zh-CN" altLang="en-US" dirty="0"/>
+          </a:p>
+        </p:txBody>
+      </p:sp>
+      <p:sp>
+        <p:nvSpPr>
+          <p:cNvPr id="29" name="文本框 28"/>
+          <p:cNvSpPr txBox="1"/>
+          <p:nvPr/>
+        </p:nvSpPr>
+        <p:spPr>
+          <a:xfrm>
+            <a:off x="6793531" y="2336259"/>
+            <a:ext cx="1012987" cy="400110"/>
+          </a:xfrm>
+          <a:prstGeom prst="rect">
+            <a:avLst/>
+          </a:prstGeom>
+          <a:noFill/>
+        </p:spPr>
+        <p:txBody>
+          <a:bodyPr wrap="square" rtlCol="0">
+            <a:spAutoFit/>
+          </a:bodyPr>
+          <a:lstStyle/>
+          <a:p>
+            <a:r>
+              <a:rPr lang="en-US" altLang="zh-CN" sz="2000" dirty="0" smtClean="0"/>
+              <a:t>3.2.1.1</a:t>
+            </a:r>
+            <a:endParaRPr lang="zh-CN" altLang="en-US" dirty="0"/>
+          </a:p>
+        </p:txBody>
+      </p:sp>
+      <p:sp>
+        <p:nvSpPr>
+          <p:cNvPr id="30" name="文本框 29"/>
+          <p:cNvSpPr txBox="1"/>
+          <p:nvPr/>
+        </p:nvSpPr>
+        <p:spPr>
+          <a:xfrm>
+            <a:off x="5729982" y="2332927"/>
+            <a:ext cx="932887" cy="400110"/>
+          </a:xfrm>
+          <a:prstGeom prst="rect">
+            <a:avLst/>
+          </a:prstGeom>
+          <a:noFill/>
+        </p:spPr>
+        <p:txBody>
+          <a:bodyPr wrap="square" rtlCol="0">
+            <a:spAutoFit/>
+          </a:bodyPr>
+          <a:lstStyle/>
+          <a:p>
+            <a:r>
+              <a:rPr lang="en-US" altLang="zh-CN" sz="2000" dirty="0" smtClean="0"/>
+              <a:t>3.1.1.1</a:t>
+            </a:r>
+            <a:endParaRPr lang="zh-CN" altLang="en-US" dirty="0"/>
+          </a:p>
+        </p:txBody>
+      </p:sp>
+      <p:cxnSp>
+        <p:nvCxnSpPr>
+          <p:cNvPr id="32" name="直接连接符 31"/>
+          <p:cNvCxnSpPr/>
+          <p:nvPr/>
+        </p:nvCxnSpPr>
+        <p:spPr>
+          <a:xfrm flipH="1">
+            <a:off x="5229367" y="2736369"/>
+            <a:ext cx="76755" cy="321150"/>
+          </a:xfrm>
+          <a:prstGeom prst="line">
+            <a:avLst/>
+          </a:prstGeom>
+        </p:spPr>
+        <p:style>
+          <a:lnRef idx="3">
+            <a:schemeClr val="dk1"/>
+          </a:lnRef>
+          <a:fillRef idx="0">
+            <a:schemeClr val="dk1"/>
+          </a:fillRef>
+          <a:effectRef idx="2">
+            <a:schemeClr val="dk1"/>
+          </a:effectRef>
+          <a:fontRef idx="minor">
+            <a:schemeClr val="tx1"/>
+          </a:fontRef>
+        </p:style>
+      </p:cxnSp>
+      <p:sp>
+        <p:nvSpPr>
+          <p:cNvPr id="33" name="文本框 32"/>
+          <p:cNvSpPr txBox="1"/>
+          <p:nvPr/>
+        </p:nvSpPr>
+        <p:spPr>
+          <a:xfrm>
+            <a:off x="4938769" y="3066093"/>
+            <a:ext cx="972985" cy="400110"/>
+          </a:xfrm>
+          <a:prstGeom prst="rect">
+            <a:avLst/>
+          </a:prstGeom>
+          <a:noFill/>
+        </p:spPr>
+        <p:txBody>
+          <a:bodyPr wrap="square" rtlCol="0">
+            <a:spAutoFit/>
+          </a:bodyPr>
+          <a:lstStyle/>
+          <a:p>
+            <a:r>
+              <a:rPr lang="en-US" altLang="zh-CN" sz="2000" dirty="0" smtClean="0"/>
+              <a:t>2.1.1.2</a:t>
+            </a:r>
+            <a:endParaRPr lang="zh-CN" altLang="en-US" dirty="0"/>
+          </a:p>
+        </p:txBody>
+      </p:sp>
+      <p:sp>
+        <p:nvSpPr>
+          <p:cNvPr id="34" name="文本框 33"/>
+          <p:cNvSpPr txBox="1"/>
+          <p:nvPr/>
+        </p:nvSpPr>
+        <p:spPr>
+          <a:xfrm>
+            <a:off x="1877839" y="3794085"/>
+            <a:ext cx="2087194" cy="400110"/>
+          </a:xfrm>
+          <a:prstGeom prst="rect">
+            <a:avLst/>
+          </a:prstGeom>
+          <a:noFill/>
+        </p:spPr>
+        <p:txBody>
+          <a:bodyPr wrap="square" rtlCol="0">
+            <a:spAutoFit/>
+          </a:bodyPr>
+          <a:lstStyle/>
+          <a:p>
+            <a:r>
+              <a:rPr lang="en-US" altLang="zh-CN" sz="2000" dirty="0" smtClean="0"/>
+              <a:t>Areas in Table T1</a:t>
+            </a:r>
+            <a:endParaRPr lang="zh-CN" altLang="en-US" dirty="0"/>
+          </a:p>
+        </p:txBody>
+      </p:sp>
+      <p:sp>
+        <p:nvSpPr>
+          <p:cNvPr id="35" name="文本框 34"/>
+          <p:cNvSpPr txBox="1"/>
+          <p:nvPr/>
+        </p:nvSpPr>
+        <p:spPr>
+          <a:xfrm>
+            <a:off x="5552290" y="3762135"/>
+            <a:ext cx="2087194" cy="400110"/>
+          </a:xfrm>
+          <a:prstGeom prst="rect">
+            <a:avLst/>
+          </a:prstGeom>
+          <a:noFill/>
+        </p:spPr>
+        <p:txBody>
+          <a:bodyPr wrap="square" rtlCol="0">
+            <a:spAutoFit/>
+          </a:bodyPr>
+          <a:lstStyle/>
+          <a:p>
+            <a:r>
+              <a:rPr lang="en-US" altLang="zh-CN" sz="2000" dirty="0" smtClean="0"/>
+              <a:t>Areas in Table T2</a:t>
+            </a:r>
+            <a:endParaRPr lang="zh-CN" altLang="en-US" dirty="0"/>
+          </a:p>
+        </p:txBody>
+      </p:sp>
+      <p:cxnSp>
+        <p:nvCxnSpPr>
+          <p:cNvPr id="44" name="直接连接符 43"/>
+          <p:cNvCxnSpPr/>
+          <p:nvPr/>
+        </p:nvCxnSpPr>
+        <p:spPr>
+          <a:xfrm flipH="1">
+            <a:off x="5306122" y="1774511"/>
+            <a:ext cx="834185" cy="443240"/>
+          </a:xfrm>
+          <a:prstGeom prst="line">
+            <a:avLst/>
+          </a:prstGeom>
+        </p:spPr>
+        <p:style>
+          <a:lnRef idx="3">
+            <a:schemeClr val="dk1"/>
+          </a:lnRef>
+          <a:fillRef idx="0">
+            <a:schemeClr val="dk1"/>
+          </a:fillRef>
+          <a:effectRef idx="2">
+            <a:schemeClr val="dk1"/>
+          </a:effectRef>
+          <a:fontRef idx="minor">
+            <a:schemeClr val="tx1"/>
+          </a:fontRef>
+        </p:style>
+      </p:cxnSp>
+      <p:cxnSp>
+        <p:nvCxnSpPr>
+          <p:cNvPr id="45" name="直接连接符 44"/>
+          <p:cNvCxnSpPr/>
+          <p:nvPr/>
+        </p:nvCxnSpPr>
+        <p:spPr>
+          <a:xfrm flipH="1">
+            <a:off x="6184123" y="1774511"/>
+            <a:ext cx="4767" cy="443240"/>
+          </a:xfrm>
+          <a:prstGeom prst="line">
+            <a:avLst/>
+          </a:prstGeom>
+        </p:spPr>
+        <p:style>
+          <a:lnRef idx="3">
+            <a:schemeClr val="dk1"/>
+          </a:lnRef>
+          <a:fillRef idx="0">
+            <a:schemeClr val="dk1"/>
+          </a:fillRef>
+          <a:effectRef idx="2">
+            <a:schemeClr val="dk1"/>
+          </a:effectRef>
+          <a:fontRef idx="minor">
+            <a:schemeClr val="tx1"/>
+          </a:fontRef>
+        </p:style>
+      </p:cxnSp>
+      <p:cxnSp>
+        <p:nvCxnSpPr>
+          <p:cNvPr id="46" name="直接连接符 45"/>
+          <p:cNvCxnSpPr/>
+          <p:nvPr/>
+        </p:nvCxnSpPr>
+        <p:spPr>
+          <a:xfrm>
+            <a:off x="6262237" y="1774511"/>
+            <a:ext cx="943781" cy="490598"/>
+          </a:xfrm>
+          <a:prstGeom prst="line">
+            <a:avLst/>
+          </a:prstGeom>
+        </p:spPr>
+        <p:style>
+          <a:lnRef idx="3">
+            <a:schemeClr val="dk1"/>
+          </a:lnRef>
+          <a:fillRef idx="0">
+            <a:schemeClr val="dk1"/>
+          </a:fillRef>
+          <a:effectRef idx="2">
+            <a:schemeClr val="dk1"/>
+          </a:effectRef>
+          <a:fontRef idx="minor">
+            <a:schemeClr val="tx1"/>
+          </a:fontRef>
+        </p:style>
+      </p:cxnSp>
     </p:spTree>
     <p:extLst>
       <p:ext uri="{BB962C8B-B14F-4D97-AF65-F5344CB8AC3E}">
         <p14:creationId xmlns:p14="http://schemas.microsoft.com/office/powerpoint/2010/main" val="3046570551"/>
+      </p:ext>
+    </p:extLst>
+  </p:cSld>
+  <p:clrMapOvr>
+    <a:masterClrMapping/>
+  </p:clrMapOvr>
+  <p:timing>
+    <p:tnLst>
+      <p:par>
+        <p:cTn id="1" dur="indefinite" restart="never" nodeType="tmRoot"/>
+      </p:par>
+    </p:tnLst>
+  </p:timing>
+</p:sld>
+</file>
+
+<file path=ppt/slides/slide8.xml><?xml version="1.0" encoding="utf-8"?>
+<p:sld xmlns:a="http://schemas.openxmlformats.org/drawingml/2006/main" xmlns:r="http://schemas.openxmlformats.org/officeDocument/2006/relationships" xmlns:p="http://schemas.openxmlformats.org/presentationml/2006/main">
+  <p:cSld>
+    <p:spTree>
+      <p:nvGrpSpPr>
+        <p:cNvPr id="1" name=""/>
+        <p:cNvGrpSpPr/>
+        <p:nvPr/>
+      </p:nvGrpSpPr>
+      <p:grpSpPr>
+        <a:xfrm>
+          <a:off x="0" y="0"/>
+          <a:ext cx="0" cy="0"/>
+          <a:chOff x="0" y="0"/>
+          <a:chExt cx="0" cy="0"/>
+        </a:xfrm>
+      </p:grpSpPr>
+      <p:cxnSp>
+        <p:nvCxnSpPr>
+          <p:cNvPr id="9" name="直接连接符 8"/>
+          <p:cNvCxnSpPr/>
+          <p:nvPr/>
+        </p:nvCxnSpPr>
+        <p:spPr>
+          <a:xfrm flipH="1">
+            <a:off x="2285709" y="1855777"/>
+            <a:ext cx="587144" cy="409332"/>
+          </a:xfrm>
+          <a:prstGeom prst="line">
+            <a:avLst/>
+          </a:prstGeom>
+        </p:spPr>
+        <p:style>
+          <a:lnRef idx="3">
+            <a:schemeClr val="dk1"/>
+          </a:lnRef>
+          <a:fillRef idx="0">
+            <a:schemeClr val="dk1"/>
+          </a:fillRef>
+          <a:effectRef idx="2">
+            <a:schemeClr val="dk1"/>
+          </a:effectRef>
+          <a:fontRef idx="minor">
+            <a:schemeClr val="tx1"/>
+          </a:fontRef>
+        </p:style>
+      </p:cxnSp>
+      <p:cxnSp>
+        <p:nvCxnSpPr>
+          <p:cNvPr id="10" name="直接连接符 9"/>
+          <p:cNvCxnSpPr/>
+          <p:nvPr/>
+        </p:nvCxnSpPr>
+        <p:spPr>
+          <a:xfrm>
+            <a:off x="2916669" y="1855777"/>
+            <a:ext cx="576541" cy="398228"/>
+          </a:xfrm>
+          <a:prstGeom prst="line">
+            <a:avLst/>
+          </a:prstGeom>
+        </p:spPr>
+        <p:style>
+          <a:lnRef idx="3">
+            <a:schemeClr val="dk1"/>
+          </a:lnRef>
+          <a:fillRef idx="0">
+            <a:schemeClr val="dk1"/>
+          </a:fillRef>
+          <a:effectRef idx="2">
+            <a:schemeClr val="dk1"/>
+          </a:effectRef>
+          <a:fontRef idx="minor">
+            <a:schemeClr val="tx1"/>
+          </a:fontRef>
+        </p:style>
+      </p:cxnSp>
+      <p:cxnSp>
+        <p:nvCxnSpPr>
+          <p:cNvPr id="22" name="直接连接符 21"/>
+          <p:cNvCxnSpPr/>
+          <p:nvPr/>
+        </p:nvCxnSpPr>
+        <p:spPr>
+          <a:xfrm flipH="1">
+            <a:off x="2222695" y="2744943"/>
+            <a:ext cx="17460" cy="293679"/>
+          </a:xfrm>
+          <a:prstGeom prst="line">
+            <a:avLst/>
+          </a:prstGeom>
+        </p:spPr>
+        <p:style>
+          <a:lnRef idx="3">
+            <a:schemeClr val="dk1"/>
+          </a:lnRef>
+          <a:fillRef idx="0">
+            <a:schemeClr val="dk1"/>
+          </a:fillRef>
+          <a:effectRef idx="2">
+            <a:schemeClr val="dk1"/>
+          </a:effectRef>
+          <a:fontRef idx="minor">
+            <a:schemeClr val="tx1"/>
+          </a:fontRef>
+        </p:style>
+      </p:cxnSp>
+      <p:sp>
+        <p:nvSpPr>
+          <p:cNvPr id="34" name="文本框 33"/>
+          <p:cNvSpPr txBox="1"/>
+          <p:nvPr/>
+        </p:nvSpPr>
+        <p:spPr>
+          <a:xfrm>
+            <a:off x="1742918" y="5341531"/>
+            <a:ext cx="2087194" cy="400110"/>
+          </a:xfrm>
+          <a:prstGeom prst="rect">
+            <a:avLst/>
+          </a:prstGeom>
+          <a:noFill/>
+        </p:spPr>
+        <p:txBody>
+          <a:bodyPr wrap="square" rtlCol="0">
+            <a:spAutoFit/>
+          </a:bodyPr>
+          <a:lstStyle/>
+          <a:p>
+            <a:r>
+              <a:rPr lang="en-US" altLang="zh-CN" sz="2000" dirty="0" smtClean="0"/>
+              <a:t>Areas in Table T1</a:t>
+            </a:r>
+            <a:endParaRPr lang="zh-CN" altLang="en-US" dirty="0"/>
+          </a:p>
+        </p:txBody>
+      </p:sp>
+      <p:sp>
+        <p:nvSpPr>
+          <p:cNvPr id="35" name="文本框 34"/>
+          <p:cNvSpPr txBox="1"/>
+          <p:nvPr/>
+        </p:nvSpPr>
+        <p:spPr>
+          <a:xfrm>
+            <a:off x="4823342" y="5356489"/>
+            <a:ext cx="2087194" cy="400110"/>
+          </a:xfrm>
+          <a:prstGeom prst="rect">
+            <a:avLst/>
+          </a:prstGeom>
+          <a:noFill/>
+        </p:spPr>
+        <p:txBody>
+          <a:bodyPr wrap="square" rtlCol="0">
+            <a:spAutoFit/>
+          </a:bodyPr>
+          <a:lstStyle/>
+          <a:p>
+            <a:r>
+              <a:rPr lang="en-US" altLang="zh-CN" sz="2000" dirty="0" smtClean="0"/>
+              <a:t>Areas in Table T2</a:t>
+            </a:r>
+            <a:endParaRPr lang="zh-CN" altLang="en-US" dirty="0"/>
+          </a:p>
+        </p:txBody>
+      </p:sp>
+      <p:sp>
+        <p:nvSpPr>
+          <p:cNvPr id="2" name="椭圆 1"/>
+          <p:cNvSpPr/>
+          <p:nvPr/>
+        </p:nvSpPr>
+        <p:spPr>
+          <a:xfrm>
+            <a:off x="1998518" y="2273743"/>
+            <a:ext cx="536499" cy="470435"/>
+          </a:xfrm>
+          <a:prstGeom prst="ellipse">
+            <a:avLst/>
+          </a:prstGeom>
+          <a:solidFill>
+            <a:schemeClr val="bg1"/>
+          </a:solidFill>
+        </p:spPr>
+        <p:style>
+          <a:lnRef idx="2">
+            <a:schemeClr val="accent1">
+              <a:shade val="50000"/>
+            </a:schemeClr>
+          </a:lnRef>
+          <a:fillRef idx="1">
+            <a:schemeClr val="accent1"/>
+          </a:fillRef>
+          <a:effectRef idx="0">
+            <a:schemeClr val="accent1"/>
+          </a:effectRef>
+          <a:fontRef idx="minor">
+            <a:schemeClr val="lt1"/>
+          </a:fontRef>
+        </p:style>
+        <p:txBody>
+          <a:bodyPr rtlCol="0" anchor="ctr"/>
+          <a:lstStyle/>
+          <a:p>
+            <a:pPr algn="ctr"/>
+            <a:r>
+              <a:rPr lang="en-US" altLang="zh-CN" dirty="0" smtClean="0">
+                <a:solidFill>
+                  <a:schemeClr val="tx1"/>
+                </a:solidFill>
+              </a:rPr>
+              <a:t>2</a:t>
+            </a:r>
+            <a:endParaRPr lang="zh-CN" altLang="en-US" dirty="0">
+              <a:solidFill>
+                <a:schemeClr val="tx1"/>
+              </a:solidFill>
+            </a:endParaRPr>
+          </a:p>
+        </p:txBody>
+      </p:sp>
+      <p:sp>
+        <p:nvSpPr>
+          <p:cNvPr id="3" name="矩形 2"/>
+          <p:cNvSpPr/>
+          <p:nvPr/>
+        </p:nvSpPr>
+        <p:spPr>
+          <a:xfrm>
+            <a:off x="2081714" y="3057519"/>
+            <a:ext cx="370106" cy="450166"/>
+          </a:xfrm>
+          <a:prstGeom prst="rect">
+            <a:avLst/>
+          </a:prstGeom>
+          <a:solidFill>
+            <a:schemeClr val="bg1"/>
+          </a:solidFill>
+        </p:spPr>
+        <p:style>
+          <a:lnRef idx="2">
+            <a:schemeClr val="accent1">
+              <a:shade val="50000"/>
+            </a:schemeClr>
+          </a:lnRef>
+          <a:fillRef idx="1">
+            <a:schemeClr val="accent1"/>
+          </a:fillRef>
+          <a:effectRef idx="0">
+            <a:schemeClr val="accent1"/>
+          </a:effectRef>
+          <a:fontRef idx="minor">
+            <a:schemeClr val="lt1"/>
+          </a:fontRef>
+        </p:style>
+        <p:txBody>
+          <a:bodyPr rtlCol="0" anchor="ctr"/>
+          <a:lstStyle/>
+          <a:p>
+            <a:pPr algn="ctr"/>
+            <a:r>
+              <a:rPr lang="en-US" altLang="zh-CN" dirty="0" smtClean="0">
+                <a:solidFill>
+                  <a:schemeClr val="tx1"/>
+                </a:solidFill>
+              </a:rPr>
+              <a:t>1</a:t>
+            </a:r>
+            <a:endParaRPr lang="zh-CN" altLang="en-US" dirty="0">
+              <a:solidFill>
+                <a:schemeClr val="tx1"/>
+              </a:solidFill>
+            </a:endParaRPr>
+          </a:p>
+        </p:txBody>
+      </p:sp>
+      <p:sp>
+        <p:nvSpPr>
+          <p:cNvPr id="24" name="矩形 23"/>
+          <p:cNvSpPr/>
+          <p:nvPr/>
+        </p:nvSpPr>
+        <p:spPr>
+          <a:xfrm>
+            <a:off x="2100656" y="4652947"/>
+            <a:ext cx="370106" cy="450166"/>
+          </a:xfrm>
+          <a:prstGeom prst="rect">
+            <a:avLst/>
+          </a:prstGeom>
+          <a:solidFill>
+            <a:schemeClr val="bg1"/>
+          </a:solidFill>
+        </p:spPr>
+        <p:style>
+          <a:lnRef idx="2">
+            <a:schemeClr val="accent1">
+              <a:shade val="50000"/>
+            </a:schemeClr>
+          </a:lnRef>
+          <a:fillRef idx="1">
+            <a:schemeClr val="accent1"/>
+          </a:fillRef>
+          <a:effectRef idx="0">
+            <a:schemeClr val="accent1"/>
+          </a:effectRef>
+          <a:fontRef idx="minor">
+            <a:schemeClr val="lt1"/>
+          </a:fontRef>
+        </p:style>
+        <p:txBody>
+          <a:bodyPr rtlCol="0" anchor="ctr"/>
+          <a:lstStyle/>
+          <a:p>
+            <a:pPr algn="ctr"/>
+            <a:r>
+              <a:rPr lang="en-US" altLang="zh-CN" dirty="0" smtClean="0">
+                <a:solidFill>
+                  <a:schemeClr val="tx1"/>
+                </a:solidFill>
+              </a:rPr>
+              <a:t>1</a:t>
+            </a:r>
+            <a:endParaRPr lang="zh-CN" altLang="en-US" dirty="0">
+              <a:solidFill>
+                <a:schemeClr val="tx1"/>
+              </a:solidFill>
+            </a:endParaRPr>
+          </a:p>
+        </p:txBody>
+      </p:sp>
+      <p:sp>
+        <p:nvSpPr>
+          <p:cNvPr id="26" name="椭圆 25"/>
+          <p:cNvSpPr/>
+          <p:nvPr/>
+        </p:nvSpPr>
+        <p:spPr>
+          <a:xfrm>
+            <a:off x="1986055" y="3815116"/>
+            <a:ext cx="536499" cy="470435"/>
+          </a:xfrm>
+          <a:prstGeom prst="ellipse">
+            <a:avLst/>
+          </a:prstGeom>
+          <a:solidFill>
+            <a:schemeClr val="bg1"/>
+          </a:solidFill>
+        </p:spPr>
+        <p:style>
+          <a:lnRef idx="2">
+            <a:schemeClr val="accent1">
+              <a:shade val="50000"/>
+            </a:schemeClr>
+          </a:lnRef>
+          <a:fillRef idx="1">
+            <a:schemeClr val="accent1"/>
+          </a:fillRef>
+          <a:effectRef idx="0">
+            <a:schemeClr val="accent1"/>
+          </a:effectRef>
+          <a:fontRef idx="minor">
+            <a:schemeClr val="lt1"/>
+          </a:fontRef>
+        </p:style>
+        <p:txBody>
+          <a:bodyPr rtlCol="0" anchor="ctr"/>
+          <a:lstStyle/>
+          <a:p>
+            <a:pPr algn="ctr"/>
+            <a:r>
+              <a:rPr lang="en-US" altLang="zh-CN" dirty="0" smtClean="0">
+                <a:solidFill>
+                  <a:schemeClr val="tx1"/>
+                </a:solidFill>
+              </a:rPr>
+              <a:t>2</a:t>
+            </a:r>
+            <a:endParaRPr lang="zh-CN" altLang="en-US" dirty="0">
+              <a:solidFill>
+                <a:schemeClr val="tx1"/>
+              </a:solidFill>
+            </a:endParaRPr>
+          </a:p>
+        </p:txBody>
+      </p:sp>
+      <p:cxnSp>
+        <p:nvCxnSpPr>
+          <p:cNvPr id="27" name="直接连接符 26"/>
+          <p:cNvCxnSpPr/>
+          <p:nvPr/>
+        </p:nvCxnSpPr>
+        <p:spPr>
+          <a:xfrm flipH="1">
+            <a:off x="2236845" y="3529032"/>
+            <a:ext cx="17460" cy="293679"/>
+          </a:xfrm>
+          <a:prstGeom prst="line">
+            <a:avLst/>
+          </a:prstGeom>
+        </p:spPr>
+        <p:style>
+          <a:lnRef idx="3">
+            <a:schemeClr val="dk1"/>
+          </a:lnRef>
+          <a:fillRef idx="0">
+            <a:schemeClr val="dk1"/>
+          </a:fillRef>
+          <a:effectRef idx="2">
+            <a:schemeClr val="dk1"/>
+          </a:effectRef>
+          <a:fontRef idx="minor">
+            <a:schemeClr val="tx1"/>
+          </a:fontRef>
+        </p:style>
+      </p:cxnSp>
+      <p:cxnSp>
+        <p:nvCxnSpPr>
+          <p:cNvPr id="31" name="直接连接符 30"/>
+          <p:cNvCxnSpPr/>
+          <p:nvPr/>
+        </p:nvCxnSpPr>
+        <p:spPr>
+          <a:xfrm flipH="1">
+            <a:off x="2236844" y="4330610"/>
+            <a:ext cx="17460" cy="293679"/>
+          </a:xfrm>
+          <a:prstGeom prst="line">
+            <a:avLst/>
+          </a:prstGeom>
+        </p:spPr>
+        <p:style>
+          <a:lnRef idx="3">
+            <a:schemeClr val="dk1"/>
+          </a:lnRef>
+          <a:fillRef idx="0">
+            <a:schemeClr val="dk1"/>
+          </a:fillRef>
+          <a:effectRef idx="2">
+            <a:schemeClr val="dk1"/>
+          </a:effectRef>
+          <a:fontRef idx="minor">
+            <a:schemeClr val="tx1"/>
+          </a:fontRef>
+        </p:style>
+      </p:cxnSp>
+      <p:sp>
+        <p:nvSpPr>
+          <p:cNvPr id="36" name="椭圆 35"/>
+          <p:cNvSpPr/>
+          <p:nvPr/>
+        </p:nvSpPr>
+        <p:spPr>
+          <a:xfrm>
+            <a:off x="3176634" y="2254005"/>
+            <a:ext cx="536499" cy="470435"/>
+          </a:xfrm>
+          <a:prstGeom prst="ellipse">
+            <a:avLst/>
+          </a:prstGeom>
+          <a:solidFill>
+            <a:schemeClr val="bg1"/>
+          </a:solidFill>
+        </p:spPr>
+        <p:style>
+          <a:lnRef idx="2">
+            <a:schemeClr val="accent1">
+              <a:shade val="50000"/>
+            </a:schemeClr>
+          </a:lnRef>
+          <a:fillRef idx="1">
+            <a:schemeClr val="accent1"/>
+          </a:fillRef>
+          <a:effectRef idx="0">
+            <a:schemeClr val="accent1"/>
+          </a:effectRef>
+          <a:fontRef idx="minor">
+            <a:schemeClr val="lt1"/>
+          </a:fontRef>
+        </p:style>
+        <p:txBody>
+          <a:bodyPr rtlCol="0" anchor="ctr"/>
+          <a:lstStyle/>
+          <a:p>
+            <a:pPr algn="ctr"/>
+            <a:r>
+              <a:rPr lang="en-US" altLang="zh-CN" dirty="0" smtClean="0">
+                <a:solidFill>
+                  <a:schemeClr val="tx1"/>
+                </a:solidFill>
+              </a:rPr>
+              <a:t>3</a:t>
+            </a:r>
+            <a:endParaRPr lang="zh-CN" altLang="en-US" dirty="0">
+              <a:solidFill>
+                <a:schemeClr val="tx1"/>
+              </a:solidFill>
+            </a:endParaRPr>
+          </a:p>
+        </p:txBody>
+      </p:sp>
+      <p:sp>
+        <p:nvSpPr>
+          <p:cNvPr id="37" name="矩形 36"/>
+          <p:cNvSpPr/>
+          <p:nvPr/>
+        </p:nvSpPr>
+        <p:spPr>
+          <a:xfrm>
+            <a:off x="2765657" y="3096006"/>
+            <a:ext cx="370106" cy="450166"/>
+          </a:xfrm>
+          <a:prstGeom prst="rect">
+            <a:avLst/>
+          </a:prstGeom>
+          <a:solidFill>
+            <a:schemeClr val="bg1"/>
+          </a:solidFill>
+        </p:spPr>
+        <p:style>
+          <a:lnRef idx="2">
+            <a:schemeClr val="accent1">
+              <a:shade val="50000"/>
+            </a:schemeClr>
+          </a:lnRef>
+          <a:fillRef idx="1">
+            <a:schemeClr val="accent1"/>
+          </a:fillRef>
+          <a:effectRef idx="0">
+            <a:schemeClr val="accent1"/>
+          </a:effectRef>
+          <a:fontRef idx="minor">
+            <a:schemeClr val="lt1"/>
+          </a:fontRef>
+        </p:style>
+        <p:txBody>
+          <a:bodyPr rtlCol="0" anchor="ctr"/>
+          <a:lstStyle/>
+          <a:p>
+            <a:pPr algn="ctr"/>
+            <a:r>
+              <a:rPr lang="en-US" altLang="zh-CN" dirty="0" smtClean="0">
+                <a:solidFill>
+                  <a:schemeClr val="tx1"/>
+                </a:solidFill>
+              </a:rPr>
+              <a:t>1</a:t>
+            </a:r>
+            <a:endParaRPr lang="zh-CN" altLang="en-US" dirty="0">
+              <a:solidFill>
+                <a:schemeClr val="tx1"/>
+              </a:solidFill>
+            </a:endParaRPr>
+          </a:p>
+        </p:txBody>
+      </p:sp>
+      <p:cxnSp>
+        <p:nvCxnSpPr>
+          <p:cNvPr id="38" name="直接连接符 37"/>
+          <p:cNvCxnSpPr>
+            <a:stCxn id="36" idx="4"/>
+          </p:cNvCxnSpPr>
+          <p:nvPr/>
+        </p:nvCxnSpPr>
+        <p:spPr>
+          <a:xfrm flipH="1">
+            <a:off x="2950710" y="2724440"/>
+            <a:ext cx="494174" cy="368341"/>
+          </a:xfrm>
+          <a:prstGeom prst="line">
+            <a:avLst/>
+          </a:prstGeom>
+        </p:spPr>
+        <p:style>
+          <a:lnRef idx="3">
+            <a:schemeClr val="dk1"/>
+          </a:lnRef>
+          <a:fillRef idx="0">
+            <a:schemeClr val="dk1"/>
+          </a:fillRef>
+          <a:effectRef idx="2">
+            <a:schemeClr val="dk1"/>
+          </a:effectRef>
+          <a:fontRef idx="minor">
+            <a:schemeClr val="tx1"/>
+          </a:fontRef>
+        </p:style>
+      </p:cxnSp>
+      <p:sp>
+        <p:nvSpPr>
+          <p:cNvPr id="40" name="矩形 39"/>
+          <p:cNvSpPr/>
+          <p:nvPr/>
+        </p:nvSpPr>
+        <p:spPr>
+          <a:xfrm>
+            <a:off x="3630316" y="3066093"/>
+            <a:ext cx="370106" cy="450166"/>
+          </a:xfrm>
+          <a:prstGeom prst="rect">
+            <a:avLst/>
+          </a:prstGeom>
+          <a:solidFill>
+            <a:schemeClr val="bg1"/>
+          </a:solidFill>
+        </p:spPr>
+        <p:style>
+          <a:lnRef idx="2">
+            <a:schemeClr val="accent1">
+              <a:shade val="50000"/>
+            </a:schemeClr>
+          </a:lnRef>
+          <a:fillRef idx="1">
+            <a:schemeClr val="accent1"/>
+          </a:fillRef>
+          <a:effectRef idx="0">
+            <a:schemeClr val="accent1"/>
+          </a:effectRef>
+          <a:fontRef idx="minor">
+            <a:schemeClr val="lt1"/>
+          </a:fontRef>
+        </p:style>
+        <p:txBody>
+          <a:bodyPr rtlCol="0" anchor="ctr"/>
+          <a:lstStyle/>
+          <a:p>
+            <a:pPr algn="ctr"/>
+            <a:r>
+              <a:rPr lang="en-US" altLang="zh-CN" dirty="0" smtClean="0">
+                <a:solidFill>
+                  <a:schemeClr val="tx1"/>
+                </a:solidFill>
+              </a:rPr>
+              <a:t>2</a:t>
+            </a:r>
+            <a:endParaRPr lang="zh-CN" altLang="en-US" dirty="0">
+              <a:solidFill>
+                <a:schemeClr val="tx1"/>
+              </a:solidFill>
+            </a:endParaRPr>
+          </a:p>
+        </p:txBody>
+      </p:sp>
+      <p:cxnSp>
+        <p:nvCxnSpPr>
+          <p:cNvPr id="41" name="直接连接符 40"/>
+          <p:cNvCxnSpPr>
+            <a:stCxn id="36" idx="4"/>
+            <a:endCxn id="40" idx="0"/>
+          </p:cNvCxnSpPr>
+          <p:nvPr/>
+        </p:nvCxnSpPr>
+        <p:spPr>
+          <a:xfrm>
+            <a:off x="3444884" y="2724440"/>
+            <a:ext cx="370485" cy="341653"/>
+          </a:xfrm>
+          <a:prstGeom prst="line">
+            <a:avLst/>
+          </a:prstGeom>
+        </p:spPr>
+        <p:style>
+          <a:lnRef idx="3">
+            <a:schemeClr val="dk1"/>
+          </a:lnRef>
+          <a:fillRef idx="0">
+            <a:schemeClr val="dk1"/>
+          </a:fillRef>
+          <a:effectRef idx="2">
+            <a:schemeClr val="dk1"/>
+          </a:effectRef>
+          <a:fontRef idx="minor">
+            <a:schemeClr val="tx1"/>
+          </a:fontRef>
+        </p:style>
+      </p:cxnSp>
+      <p:cxnSp>
+        <p:nvCxnSpPr>
+          <p:cNvPr id="42" name="直接连接符 41"/>
+          <p:cNvCxnSpPr/>
+          <p:nvPr/>
+        </p:nvCxnSpPr>
+        <p:spPr>
+          <a:xfrm flipH="1">
+            <a:off x="5235979" y="1855777"/>
+            <a:ext cx="587144" cy="409332"/>
+          </a:xfrm>
+          <a:prstGeom prst="line">
+            <a:avLst/>
+          </a:prstGeom>
+        </p:spPr>
+        <p:style>
+          <a:lnRef idx="3">
+            <a:schemeClr val="dk1"/>
+          </a:lnRef>
+          <a:fillRef idx="0">
+            <a:schemeClr val="dk1"/>
+          </a:fillRef>
+          <a:effectRef idx="2">
+            <a:schemeClr val="dk1"/>
+          </a:effectRef>
+          <a:fontRef idx="minor">
+            <a:schemeClr val="tx1"/>
+          </a:fontRef>
+        </p:style>
+      </p:cxnSp>
+      <p:cxnSp>
+        <p:nvCxnSpPr>
+          <p:cNvPr id="43" name="直接连接符 42"/>
+          <p:cNvCxnSpPr/>
+          <p:nvPr/>
+        </p:nvCxnSpPr>
+        <p:spPr>
+          <a:xfrm>
+            <a:off x="5866939" y="1855777"/>
+            <a:ext cx="576541" cy="398228"/>
+          </a:xfrm>
+          <a:prstGeom prst="line">
+            <a:avLst/>
+          </a:prstGeom>
+        </p:spPr>
+        <p:style>
+          <a:lnRef idx="3">
+            <a:schemeClr val="dk1"/>
+          </a:lnRef>
+          <a:fillRef idx="0">
+            <a:schemeClr val="dk1"/>
+          </a:fillRef>
+          <a:effectRef idx="2">
+            <a:schemeClr val="dk1"/>
+          </a:effectRef>
+          <a:fontRef idx="minor">
+            <a:schemeClr val="tx1"/>
+          </a:fontRef>
+        </p:style>
+      </p:cxnSp>
+      <p:cxnSp>
+        <p:nvCxnSpPr>
+          <p:cNvPr id="47" name="直接连接符 46"/>
+          <p:cNvCxnSpPr/>
+          <p:nvPr/>
+        </p:nvCxnSpPr>
+        <p:spPr>
+          <a:xfrm flipH="1">
+            <a:off x="5172965" y="2744943"/>
+            <a:ext cx="17460" cy="293679"/>
+          </a:xfrm>
+          <a:prstGeom prst="line">
+            <a:avLst/>
+          </a:prstGeom>
+        </p:spPr>
+        <p:style>
+          <a:lnRef idx="3">
+            <a:schemeClr val="dk1"/>
+          </a:lnRef>
+          <a:fillRef idx="0">
+            <a:schemeClr val="dk1"/>
+          </a:fillRef>
+          <a:effectRef idx="2">
+            <a:schemeClr val="dk1"/>
+          </a:effectRef>
+          <a:fontRef idx="minor">
+            <a:schemeClr val="tx1"/>
+          </a:fontRef>
+        </p:style>
+      </p:cxnSp>
+      <p:sp>
+        <p:nvSpPr>
+          <p:cNvPr id="48" name="椭圆 47"/>
+          <p:cNvSpPr/>
+          <p:nvPr/>
+        </p:nvSpPr>
+        <p:spPr>
+          <a:xfrm>
+            <a:off x="4948788" y="2273743"/>
+            <a:ext cx="536499" cy="470435"/>
+          </a:xfrm>
+          <a:prstGeom prst="ellipse">
+            <a:avLst/>
+          </a:prstGeom>
+          <a:solidFill>
+            <a:schemeClr val="bg1"/>
+          </a:solidFill>
+        </p:spPr>
+        <p:style>
+          <a:lnRef idx="2">
+            <a:schemeClr val="accent1">
+              <a:shade val="50000"/>
+            </a:schemeClr>
+          </a:lnRef>
+          <a:fillRef idx="1">
+            <a:schemeClr val="accent1"/>
+          </a:fillRef>
+          <a:effectRef idx="0">
+            <a:schemeClr val="accent1"/>
+          </a:effectRef>
+          <a:fontRef idx="minor">
+            <a:schemeClr val="lt1"/>
+          </a:fontRef>
+        </p:style>
+        <p:txBody>
+          <a:bodyPr rtlCol="0" anchor="ctr"/>
+          <a:lstStyle/>
+          <a:p>
+            <a:pPr algn="ctr"/>
+            <a:r>
+              <a:rPr lang="en-US" altLang="zh-CN" dirty="0" smtClean="0">
+                <a:solidFill>
+                  <a:schemeClr val="tx1"/>
+                </a:solidFill>
+              </a:rPr>
+              <a:t>2</a:t>
+            </a:r>
+            <a:endParaRPr lang="zh-CN" altLang="en-US" dirty="0">
+              <a:solidFill>
+                <a:schemeClr val="tx1"/>
+              </a:solidFill>
+            </a:endParaRPr>
+          </a:p>
+        </p:txBody>
+      </p:sp>
+      <p:sp>
+        <p:nvSpPr>
+          <p:cNvPr id="49" name="矩形 48"/>
+          <p:cNvSpPr/>
+          <p:nvPr/>
+        </p:nvSpPr>
+        <p:spPr>
+          <a:xfrm>
+            <a:off x="4987912" y="3830167"/>
+            <a:ext cx="370106" cy="450166"/>
+          </a:xfrm>
+          <a:prstGeom prst="rect">
+            <a:avLst/>
+          </a:prstGeom>
+          <a:solidFill>
+            <a:schemeClr val="bg1"/>
+          </a:solidFill>
+        </p:spPr>
+        <p:style>
+          <a:lnRef idx="2">
+            <a:schemeClr val="accent1">
+              <a:shade val="50000"/>
+            </a:schemeClr>
+          </a:lnRef>
+          <a:fillRef idx="1">
+            <a:schemeClr val="accent1"/>
+          </a:fillRef>
+          <a:effectRef idx="0">
+            <a:schemeClr val="accent1"/>
+          </a:effectRef>
+          <a:fontRef idx="minor">
+            <a:schemeClr val="lt1"/>
+          </a:fontRef>
+        </p:style>
+        <p:txBody>
+          <a:bodyPr rtlCol="0" anchor="ctr"/>
+          <a:lstStyle/>
+          <a:p>
+            <a:pPr algn="ctr"/>
+            <a:r>
+              <a:rPr lang="en-US" altLang="zh-CN" dirty="0" smtClean="0">
+                <a:solidFill>
+                  <a:schemeClr val="tx1"/>
+                </a:solidFill>
+              </a:rPr>
+              <a:t>1</a:t>
+            </a:r>
+            <a:endParaRPr lang="zh-CN" altLang="en-US" dirty="0">
+              <a:solidFill>
+                <a:schemeClr val="tx1"/>
+              </a:solidFill>
+            </a:endParaRPr>
+          </a:p>
+        </p:txBody>
+      </p:sp>
+      <p:sp>
+        <p:nvSpPr>
+          <p:cNvPr id="50" name="矩形 49"/>
+          <p:cNvSpPr/>
+          <p:nvPr/>
+        </p:nvSpPr>
+        <p:spPr>
+          <a:xfrm>
+            <a:off x="5019521" y="4652947"/>
+            <a:ext cx="370106" cy="450166"/>
+          </a:xfrm>
+          <a:prstGeom prst="rect">
+            <a:avLst/>
+          </a:prstGeom>
+          <a:solidFill>
+            <a:schemeClr val="bg1"/>
+          </a:solidFill>
+        </p:spPr>
+        <p:style>
+          <a:lnRef idx="2">
+            <a:schemeClr val="accent1">
+              <a:shade val="50000"/>
+            </a:schemeClr>
+          </a:lnRef>
+          <a:fillRef idx="1">
+            <a:schemeClr val="accent1"/>
+          </a:fillRef>
+          <a:effectRef idx="0">
+            <a:schemeClr val="accent1"/>
+          </a:effectRef>
+          <a:fontRef idx="minor">
+            <a:schemeClr val="lt1"/>
+          </a:fontRef>
+        </p:style>
+        <p:txBody>
+          <a:bodyPr rtlCol="0" anchor="ctr"/>
+          <a:lstStyle/>
+          <a:p>
+            <a:pPr algn="ctr"/>
+            <a:r>
+              <a:rPr lang="en-US" altLang="zh-CN" dirty="0" smtClean="0">
+                <a:solidFill>
+                  <a:schemeClr val="tx1"/>
+                </a:solidFill>
+              </a:rPr>
+              <a:t>2</a:t>
+            </a:r>
+            <a:endParaRPr lang="zh-CN" altLang="en-US" dirty="0">
+              <a:solidFill>
+                <a:schemeClr val="tx1"/>
+              </a:solidFill>
+            </a:endParaRPr>
+          </a:p>
+        </p:txBody>
+      </p:sp>
+      <p:sp>
+        <p:nvSpPr>
+          <p:cNvPr id="51" name="椭圆 50"/>
+          <p:cNvSpPr/>
+          <p:nvPr/>
+        </p:nvSpPr>
+        <p:spPr>
+          <a:xfrm>
+            <a:off x="4948788" y="3040438"/>
+            <a:ext cx="536499" cy="470435"/>
+          </a:xfrm>
+          <a:prstGeom prst="ellipse">
+            <a:avLst/>
+          </a:prstGeom>
+          <a:solidFill>
+            <a:schemeClr val="bg1"/>
+          </a:solidFill>
+        </p:spPr>
+        <p:style>
+          <a:lnRef idx="2">
+            <a:schemeClr val="accent1">
+              <a:shade val="50000"/>
+            </a:schemeClr>
+          </a:lnRef>
+          <a:fillRef idx="1">
+            <a:schemeClr val="accent1"/>
+          </a:fillRef>
+          <a:effectRef idx="0">
+            <a:schemeClr val="accent1"/>
+          </a:effectRef>
+          <a:fontRef idx="minor">
+            <a:schemeClr val="lt1"/>
+          </a:fontRef>
+        </p:style>
+        <p:txBody>
+          <a:bodyPr rtlCol="0" anchor="ctr"/>
+          <a:lstStyle/>
+          <a:p>
+            <a:pPr algn="ctr"/>
+            <a:r>
+              <a:rPr lang="en-US" altLang="zh-CN" dirty="0" smtClean="0">
+                <a:solidFill>
+                  <a:schemeClr val="tx1"/>
+                </a:solidFill>
+              </a:rPr>
+              <a:t>1</a:t>
+            </a:r>
+            <a:endParaRPr lang="zh-CN" altLang="en-US" dirty="0">
+              <a:solidFill>
+                <a:schemeClr val="tx1"/>
+              </a:solidFill>
+            </a:endParaRPr>
+          </a:p>
+        </p:txBody>
+      </p:sp>
+      <p:cxnSp>
+        <p:nvCxnSpPr>
+          <p:cNvPr id="52" name="直接连接符 51"/>
+          <p:cNvCxnSpPr/>
+          <p:nvPr/>
+        </p:nvCxnSpPr>
+        <p:spPr>
+          <a:xfrm flipH="1">
+            <a:off x="5187115" y="3529032"/>
+            <a:ext cx="17460" cy="293679"/>
+          </a:xfrm>
+          <a:prstGeom prst="line">
+            <a:avLst/>
+          </a:prstGeom>
+        </p:spPr>
+        <p:style>
+          <a:lnRef idx="3">
+            <a:schemeClr val="dk1"/>
+          </a:lnRef>
+          <a:fillRef idx="0">
+            <a:schemeClr val="dk1"/>
+          </a:fillRef>
+          <a:effectRef idx="2">
+            <a:schemeClr val="dk1"/>
+          </a:effectRef>
+          <a:fontRef idx="minor">
+            <a:schemeClr val="tx1"/>
+          </a:fontRef>
+        </p:style>
+      </p:cxnSp>
+      <p:cxnSp>
+        <p:nvCxnSpPr>
+          <p:cNvPr id="53" name="直接连接符 52"/>
+          <p:cNvCxnSpPr/>
+          <p:nvPr/>
+        </p:nvCxnSpPr>
+        <p:spPr>
+          <a:xfrm flipH="1">
+            <a:off x="5187114" y="4330610"/>
+            <a:ext cx="17460" cy="293679"/>
+          </a:xfrm>
+          <a:prstGeom prst="line">
+            <a:avLst/>
+          </a:prstGeom>
+        </p:spPr>
+        <p:style>
+          <a:lnRef idx="3">
+            <a:schemeClr val="dk1"/>
+          </a:lnRef>
+          <a:fillRef idx="0">
+            <a:schemeClr val="dk1"/>
+          </a:fillRef>
+          <a:effectRef idx="2">
+            <a:schemeClr val="dk1"/>
+          </a:effectRef>
+          <a:fontRef idx="minor">
+            <a:schemeClr val="tx1"/>
+          </a:fontRef>
+        </p:style>
+      </p:cxnSp>
+      <p:sp>
+        <p:nvSpPr>
+          <p:cNvPr id="54" name="椭圆 53"/>
+          <p:cNvSpPr/>
+          <p:nvPr/>
+        </p:nvSpPr>
+        <p:spPr>
+          <a:xfrm>
+            <a:off x="6126904" y="2254005"/>
+            <a:ext cx="536499" cy="470435"/>
+          </a:xfrm>
+          <a:prstGeom prst="ellipse">
+            <a:avLst/>
+          </a:prstGeom>
+          <a:solidFill>
+            <a:schemeClr val="bg1"/>
+          </a:solidFill>
+        </p:spPr>
+        <p:style>
+          <a:lnRef idx="2">
+            <a:schemeClr val="accent1">
+              <a:shade val="50000"/>
+            </a:schemeClr>
+          </a:lnRef>
+          <a:fillRef idx="1">
+            <a:schemeClr val="accent1"/>
+          </a:fillRef>
+          <a:effectRef idx="0">
+            <a:schemeClr val="accent1"/>
+          </a:effectRef>
+          <a:fontRef idx="minor">
+            <a:schemeClr val="lt1"/>
+          </a:fontRef>
+        </p:style>
+        <p:txBody>
+          <a:bodyPr rtlCol="0" anchor="ctr"/>
+          <a:lstStyle/>
+          <a:p>
+            <a:pPr algn="ctr"/>
+            <a:r>
+              <a:rPr lang="en-US" altLang="zh-CN" dirty="0" smtClean="0">
+                <a:solidFill>
+                  <a:schemeClr val="tx1"/>
+                </a:solidFill>
+              </a:rPr>
+              <a:t>3</a:t>
+            </a:r>
+            <a:endParaRPr lang="zh-CN" altLang="en-US" dirty="0">
+              <a:solidFill>
+                <a:schemeClr val="tx1"/>
+              </a:solidFill>
+            </a:endParaRPr>
+          </a:p>
+        </p:txBody>
+      </p:sp>
+      <p:sp>
+        <p:nvSpPr>
+          <p:cNvPr id="55" name="矩形 54"/>
+          <p:cNvSpPr/>
+          <p:nvPr/>
+        </p:nvSpPr>
+        <p:spPr>
+          <a:xfrm>
+            <a:off x="5743421" y="4641233"/>
+            <a:ext cx="370106" cy="450166"/>
+          </a:xfrm>
+          <a:prstGeom prst="rect">
+            <a:avLst/>
+          </a:prstGeom>
+          <a:solidFill>
+            <a:schemeClr val="bg1"/>
+          </a:solidFill>
+        </p:spPr>
+        <p:style>
+          <a:lnRef idx="2">
+            <a:schemeClr val="accent1">
+              <a:shade val="50000"/>
+            </a:schemeClr>
+          </a:lnRef>
+          <a:fillRef idx="1">
+            <a:schemeClr val="accent1"/>
+          </a:fillRef>
+          <a:effectRef idx="0">
+            <a:schemeClr val="accent1"/>
+          </a:effectRef>
+          <a:fontRef idx="minor">
+            <a:schemeClr val="lt1"/>
+          </a:fontRef>
+        </p:style>
+        <p:txBody>
+          <a:bodyPr rtlCol="0" anchor="ctr"/>
+          <a:lstStyle/>
+          <a:p>
+            <a:pPr algn="ctr"/>
+            <a:r>
+              <a:rPr lang="en-US" altLang="zh-CN" dirty="0" smtClean="0">
+                <a:solidFill>
+                  <a:schemeClr val="tx1"/>
+                </a:solidFill>
+              </a:rPr>
+              <a:t>1</a:t>
+            </a:r>
+            <a:endParaRPr lang="zh-CN" altLang="en-US" dirty="0">
+              <a:solidFill>
+                <a:schemeClr val="tx1"/>
+              </a:solidFill>
+            </a:endParaRPr>
+          </a:p>
+        </p:txBody>
+      </p:sp>
+      <p:cxnSp>
+        <p:nvCxnSpPr>
+          <p:cNvPr id="56" name="直接连接符 55"/>
+          <p:cNvCxnSpPr>
+            <a:stCxn id="54" idx="4"/>
+          </p:cNvCxnSpPr>
+          <p:nvPr/>
+        </p:nvCxnSpPr>
+        <p:spPr>
+          <a:xfrm flipH="1">
+            <a:off x="5900980" y="2724440"/>
+            <a:ext cx="494174" cy="368341"/>
+          </a:xfrm>
+          <a:prstGeom prst="line">
+            <a:avLst/>
+          </a:prstGeom>
+        </p:spPr>
+        <p:style>
+          <a:lnRef idx="3">
+            <a:schemeClr val="dk1"/>
+          </a:lnRef>
+          <a:fillRef idx="0">
+            <a:schemeClr val="dk1"/>
+          </a:fillRef>
+          <a:effectRef idx="2">
+            <a:schemeClr val="dk1"/>
+          </a:effectRef>
+          <a:fontRef idx="minor">
+            <a:schemeClr val="tx1"/>
+          </a:fontRef>
+        </p:style>
+      </p:cxnSp>
+      <p:cxnSp>
+        <p:nvCxnSpPr>
+          <p:cNvPr id="58" name="直接连接符 57"/>
+          <p:cNvCxnSpPr>
+            <a:stCxn id="54" idx="4"/>
+          </p:cNvCxnSpPr>
+          <p:nvPr/>
+        </p:nvCxnSpPr>
+        <p:spPr>
+          <a:xfrm>
+            <a:off x="6395154" y="2724440"/>
+            <a:ext cx="284171" cy="354426"/>
+          </a:xfrm>
+          <a:prstGeom prst="line">
+            <a:avLst/>
+          </a:prstGeom>
+        </p:spPr>
+        <p:style>
+          <a:lnRef idx="3">
+            <a:schemeClr val="dk1"/>
+          </a:lnRef>
+          <a:fillRef idx="0">
+            <a:schemeClr val="dk1"/>
+          </a:fillRef>
+          <a:effectRef idx="2">
+            <a:schemeClr val="dk1"/>
+          </a:effectRef>
+          <a:fontRef idx="minor">
+            <a:schemeClr val="tx1"/>
+          </a:fontRef>
+        </p:style>
+      </p:cxnSp>
+      <p:sp>
+        <p:nvSpPr>
+          <p:cNvPr id="59" name="椭圆 58"/>
+          <p:cNvSpPr/>
+          <p:nvPr/>
+        </p:nvSpPr>
+        <p:spPr>
+          <a:xfrm>
+            <a:off x="5660225" y="3066093"/>
+            <a:ext cx="536499" cy="470435"/>
+          </a:xfrm>
+          <a:prstGeom prst="ellipse">
+            <a:avLst/>
+          </a:prstGeom>
+          <a:solidFill>
+            <a:schemeClr val="bg1"/>
+          </a:solidFill>
+        </p:spPr>
+        <p:style>
+          <a:lnRef idx="2">
+            <a:schemeClr val="accent1">
+              <a:shade val="50000"/>
+            </a:schemeClr>
+          </a:lnRef>
+          <a:fillRef idx="1">
+            <a:schemeClr val="accent1"/>
+          </a:fillRef>
+          <a:effectRef idx="0">
+            <a:schemeClr val="accent1"/>
+          </a:effectRef>
+          <a:fontRef idx="minor">
+            <a:schemeClr val="lt1"/>
+          </a:fontRef>
+        </p:style>
+        <p:txBody>
+          <a:bodyPr rtlCol="0" anchor="ctr"/>
+          <a:lstStyle/>
+          <a:p>
+            <a:pPr algn="ctr"/>
+            <a:r>
+              <a:rPr lang="en-US" altLang="zh-CN" dirty="0" smtClean="0">
+                <a:solidFill>
+                  <a:schemeClr val="tx1"/>
+                </a:solidFill>
+              </a:rPr>
+              <a:t>1</a:t>
+            </a:r>
+            <a:endParaRPr lang="zh-CN" altLang="en-US" dirty="0">
+              <a:solidFill>
+                <a:schemeClr val="tx1"/>
+              </a:solidFill>
+            </a:endParaRPr>
+          </a:p>
+        </p:txBody>
+      </p:sp>
+      <p:sp>
+        <p:nvSpPr>
+          <p:cNvPr id="60" name="椭圆 59"/>
+          <p:cNvSpPr/>
+          <p:nvPr/>
+        </p:nvSpPr>
+        <p:spPr>
+          <a:xfrm>
+            <a:off x="5634078" y="3878181"/>
+            <a:ext cx="536499" cy="470435"/>
+          </a:xfrm>
+          <a:prstGeom prst="ellipse">
+            <a:avLst/>
+          </a:prstGeom>
+          <a:solidFill>
+            <a:schemeClr val="bg1"/>
+          </a:solidFill>
+        </p:spPr>
+        <p:style>
+          <a:lnRef idx="2">
+            <a:schemeClr val="accent1">
+              <a:shade val="50000"/>
+            </a:schemeClr>
+          </a:lnRef>
+          <a:fillRef idx="1">
+            <a:schemeClr val="accent1"/>
+          </a:fillRef>
+          <a:effectRef idx="0">
+            <a:schemeClr val="accent1"/>
+          </a:effectRef>
+          <a:fontRef idx="minor">
+            <a:schemeClr val="lt1"/>
+          </a:fontRef>
+        </p:style>
+        <p:txBody>
+          <a:bodyPr rtlCol="0" anchor="ctr"/>
+          <a:lstStyle/>
+          <a:p>
+            <a:pPr algn="ctr"/>
+            <a:r>
+              <a:rPr lang="en-US" altLang="zh-CN" dirty="0" smtClean="0">
+                <a:solidFill>
+                  <a:schemeClr val="tx1"/>
+                </a:solidFill>
+              </a:rPr>
+              <a:t>1</a:t>
+            </a:r>
+            <a:endParaRPr lang="zh-CN" altLang="en-US" dirty="0">
+              <a:solidFill>
+                <a:schemeClr val="tx1"/>
+              </a:solidFill>
+            </a:endParaRPr>
+          </a:p>
+        </p:txBody>
+      </p:sp>
+      <p:cxnSp>
+        <p:nvCxnSpPr>
+          <p:cNvPr id="61" name="直接连接符 60"/>
+          <p:cNvCxnSpPr/>
+          <p:nvPr/>
+        </p:nvCxnSpPr>
+        <p:spPr>
+          <a:xfrm flipH="1">
+            <a:off x="5892250" y="3556844"/>
+            <a:ext cx="17460" cy="293679"/>
+          </a:xfrm>
+          <a:prstGeom prst="line">
+            <a:avLst/>
+          </a:prstGeom>
+        </p:spPr>
+        <p:style>
+          <a:lnRef idx="3">
+            <a:schemeClr val="dk1"/>
+          </a:lnRef>
+          <a:fillRef idx="0">
+            <a:schemeClr val="dk1"/>
+          </a:fillRef>
+          <a:effectRef idx="2">
+            <a:schemeClr val="dk1"/>
+          </a:effectRef>
+          <a:fontRef idx="minor">
+            <a:schemeClr val="tx1"/>
+          </a:fontRef>
+        </p:style>
+      </p:cxnSp>
+      <p:cxnSp>
+        <p:nvCxnSpPr>
+          <p:cNvPr id="62" name="直接连接符 61"/>
+          <p:cNvCxnSpPr/>
+          <p:nvPr/>
+        </p:nvCxnSpPr>
+        <p:spPr>
+          <a:xfrm flipH="1">
+            <a:off x="5860700" y="4340283"/>
+            <a:ext cx="17460" cy="293679"/>
+          </a:xfrm>
+          <a:prstGeom prst="line">
+            <a:avLst/>
+          </a:prstGeom>
+        </p:spPr>
+        <p:style>
+          <a:lnRef idx="3">
+            <a:schemeClr val="dk1"/>
+          </a:lnRef>
+          <a:fillRef idx="0">
+            <a:schemeClr val="dk1"/>
+          </a:fillRef>
+          <a:effectRef idx="2">
+            <a:schemeClr val="dk1"/>
+          </a:effectRef>
+          <a:fontRef idx="minor">
+            <a:schemeClr val="tx1"/>
+          </a:fontRef>
+        </p:style>
+      </p:cxnSp>
+      <p:sp>
+        <p:nvSpPr>
+          <p:cNvPr id="63" name="椭圆 62"/>
+          <p:cNvSpPr/>
+          <p:nvPr/>
+        </p:nvSpPr>
+        <p:spPr>
+          <a:xfrm>
+            <a:off x="6480412" y="3078866"/>
+            <a:ext cx="536499" cy="470435"/>
+          </a:xfrm>
+          <a:prstGeom prst="ellipse">
+            <a:avLst/>
+          </a:prstGeom>
+          <a:solidFill>
+            <a:schemeClr val="bg1"/>
+          </a:solidFill>
+        </p:spPr>
+        <p:style>
+          <a:lnRef idx="2">
+            <a:schemeClr val="accent1">
+              <a:shade val="50000"/>
+            </a:schemeClr>
+          </a:lnRef>
+          <a:fillRef idx="1">
+            <a:schemeClr val="accent1"/>
+          </a:fillRef>
+          <a:effectRef idx="0">
+            <a:schemeClr val="accent1"/>
+          </a:effectRef>
+          <a:fontRef idx="minor">
+            <a:schemeClr val="lt1"/>
+          </a:fontRef>
+        </p:style>
+        <p:txBody>
+          <a:bodyPr rtlCol="0" anchor="ctr"/>
+          <a:lstStyle/>
+          <a:p>
+            <a:pPr algn="ctr"/>
+            <a:r>
+              <a:rPr lang="en-US" altLang="zh-CN" dirty="0" smtClean="0">
+                <a:solidFill>
+                  <a:schemeClr val="tx1"/>
+                </a:solidFill>
+              </a:rPr>
+              <a:t>2</a:t>
+            </a:r>
+            <a:endParaRPr lang="zh-CN" altLang="en-US" dirty="0">
+              <a:solidFill>
+                <a:schemeClr val="tx1"/>
+              </a:solidFill>
+            </a:endParaRPr>
+          </a:p>
+        </p:txBody>
+      </p:sp>
+      <p:sp>
+        <p:nvSpPr>
+          <p:cNvPr id="64" name="椭圆 63"/>
+          <p:cNvSpPr/>
+          <p:nvPr/>
+        </p:nvSpPr>
+        <p:spPr>
+          <a:xfrm>
+            <a:off x="6446779" y="3877625"/>
+            <a:ext cx="536499" cy="470435"/>
+          </a:xfrm>
+          <a:prstGeom prst="ellipse">
+            <a:avLst/>
+          </a:prstGeom>
+          <a:solidFill>
+            <a:schemeClr val="bg1"/>
+          </a:solidFill>
+        </p:spPr>
+        <p:style>
+          <a:lnRef idx="2">
+            <a:schemeClr val="accent1">
+              <a:shade val="50000"/>
+            </a:schemeClr>
+          </a:lnRef>
+          <a:fillRef idx="1">
+            <a:schemeClr val="accent1"/>
+          </a:fillRef>
+          <a:effectRef idx="0">
+            <a:schemeClr val="accent1"/>
+          </a:effectRef>
+          <a:fontRef idx="minor">
+            <a:schemeClr val="lt1"/>
+          </a:fontRef>
+        </p:style>
+        <p:txBody>
+          <a:bodyPr rtlCol="0" anchor="ctr"/>
+          <a:lstStyle/>
+          <a:p>
+            <a:pPr algn="ctr"/>
+            <a:r>
+              <a:rPr lang="en-US" altLang="zh-CN" dirty="0" smtClean="0">
+                <a:solidFill>
+                  <a:schemeClr val="tx1"/>
+                </a:solidFill>
+              </a:rPr>
+              <a:t>1</a:t>
+            </a:r>
+            <a:endParaRPr lang="zh-CN" altLang="en-US" dirty="0">
+              <a:solidFill>
+                <a:schemeClr val="tx1"/>
+              </a:solidFill>
+            </a:endParaRPr>
+          </a:p>
+        </p:txBody>
+      </p:sp>
+      <p:sp>
+        <p:nvSpPr>
+          <p:cNvPr id="65" name="矩形 64"/>
+          <p:cNvSpPr/>
+          <p:nvPr/>
+        </p:nvSpPr>
+        <p:spPr>
+          <a:xfrm>
+            <a:off x="6540430" y="4639004"/>
+            <a:ext cx="370106" cy="450166"/>
+          </a:xfrm>
+          <a:prstGeom prst="rect">
+            <a:avLst/>
+          </a:prstGeom>
+          <a:solidFill>
+            <a:schemeClr val="bg1"/>
+          </a:solidFill>
+        </p:spPr>
+        <p:style>
+          <a:lnRef idx="2">
+            <a:schemeClr val="accent1">
+              <a:shade val="50000"/>
+            </a:schemeClr>
+          </a:lnRef>
+          <a:fillRef idx="1">
+            <a:schemeClr val="accent1"/>
+          </a:fillRef>
+          <a:effectRef idx="0">
+            <a:schemeClr val="accent1"/>
+          </a:effectRef>
+          <a:fontRef idx="minor">
+            <a:schemeClr val="lt1"/>
+          </a:fontRef>
+        </p:style>
+        <p:txBody>
+          <a:bodyPr rtlCol="0" anchor="ctr"/>
+          <a:lstStyle/>
+          <a:p>
+            <a:pPr algn="ctr"/>
+            <a:r>
+              <a:rPr lang="en-US" altLang="zh-CN" dirty="0" smtClean="0">
+                <a:solidFill>
+                  <a:schemeClr val="tx1"/>
+                </a:solidFill>
+              </a:rPr>
+              <a:t>1</a:t>
+            </a:r>
+            <a:endParaRPr lang="zh-CN" altLang="en-US" dirty="0">
+              <a:solidFill>
+                <a:schemeClr val="tx1"/>
+              </a:solidFill>
+            </a:endParaRPr>
+          </a:p>
+        </p:txBody>
+      </p:sp>
+      <p:cxnSp>
+        <p:nvCxnSpPr>
+          <p:cNvPr id="66" name="直接连接符 65"/>
+          <p:cNvCxnSpPr>
+            <a:endCxn id="64" idx="0"/>
+          </p:cNvCxnSpPr>
+          <p:nvPr/>
+        </p:nvCxnSpPr>
+        <p:spPr>
+          <a:xfrm flipH="1">
+            <a:off x="6715029" y="3526302"/>
+            <a:ext cx="21500" cy="351323"/>
+          </a:xfrm>
+          <a:prstGeom prst="line">
+            <a:avLst/>
+          </a:prstGeom>
+        </p:spPr>
+        <p:style>
+          <a:lnRef idx="3">
+            <a:schemeClr val="dk1"/>
+          </a:lnRef>
+          <a:fillRef idx="0">
+            <a:schemeClr val="dk1"/>
+          </a:fillRef>
+          <a:effectRef idx="2">
+            <a:schemeClr val="dk1"/>
+          </a:effectRef>
+          <a:fontRef idx="minor">
+            <a:schemeClr val="tx1"/>
+          </a:fontRef>
+        </p:style>
+      </p:cxnSp>
+      <p:cxnSp>
+        <p:nvCxnSpPr>
+          <p:cNvPr id="67" name="直接连接符 66"/>
+          <p:cNvCxnSpPr>
+            <a:stCxn id="64" idx="4"/>
+          </p:cNvCxnSpPr>
+          <p:nvPr/>
+        </p:nvCxnSpPr>
+        <p:spPr>
+          <a:xfrm flipH="1">
+            <a:off x="6693528" y="4348060"/>
+            <a:ext cx="21501" cy="297573"/>
+          </a:xfrm>
+          <a:prstGeom prst="line">
+            <a:avLst/>
+          </a:prstGeom>
+        </p:spPr>
+        <p:style>
+          <a:lnRef idx="3">
+            <a:schemeClr val="dk1"/>
+          </a:lnRef>
+          <a:fillRef idx="0">
+            <a:schemeClr val="dk1"/>
+          </a:fillRef>
+          <a:effectRef idx="2">
+            <a:schemeClr val="dk1"/>
+          </a:effectRef>
+          <a:fontRef idx="minor">
+            <a:schemeClr val="tx1"/>
+          </a:fontRef>
+        </p:style>
+      </p:cxnSp>
+    </p:spTree>
+    <p:extLst>
+      <p:ext uri="{BB962C8B-B14F-4D97-AF65-F5344CB8AC3E}">
+        <p14:creationId xmlns:p14="http://schemas.microsoft.com/office/powerpoint/2010/main" val="2142516578"/>
       </p:ext>
     </p:extLst>
   </p:cSld>

--- a/figures/taxonomy.pptx
+++ b/figures/taxonomy.pptx
@@ -9812,8 +9812,8 @@
         </p:nvCxnSpPr>
         <p:spPr>
           <a:xfrm flipH="1">
-            <a:off x="5235979" y="1855777"/>
-            <a:ext cx="587144" cy="409332"/>
+            <a:off x="4967729" y="1855777"/>
+            <a:ext cx="692496" cy="409332"/>
           </a:xfrm>
           <a:prstGeom prst="line">
             <a:avLst/>
@@ -9842,8 +9842,8 @@
         </p:nvCxnSpPr>
         <p:spPr>
           <a:xfrm>
-            <a:off x="5866939" y="1855777"/>
-            <a:ext cx="576541" cy="398228"/>
+            <a:off x="5743421" y="1855777"/>
+            <a:ext cx="700059" cy="398228"/>
           </a:xfrm>
           <a:prstGeom prst="line">
             <a:avLst/>
@@ -9872,7 +9872,7 @@
         </p:nvCxnSpPr>
         <p:spPr>
           <a:xfrm flipH="1">
-            <a:off x="5172965" y="2744943"/>
+            <a:off x="4924511" y="2744943"/>
             <a:ext cx="17460" cy="293679"/>
           </a:xfrm>
           <a:prstGeom prst="line">
@@ -9902,7 +9902,7 @@
         </p:nvSpPr>
         <p:spPr>
           <a:xfrm>
-            <a:off x="4948788" y="2273743"/>
+            <a:off x="4699480" y="2260441"/>
             <a:ext cx="536499" cy="470435"/>
           </a:xfrm>
           <a:prstGeom prst="ellipse">
@@ -9957,7 +9957,7 @@
         </p:nvSpPr>
         <p:spPr>
           <a:xfrm>
-            <a:off x="4987912" y="3830167"/>
+            <a:off x="4372051" y="4652947"/>
             <a:ext cx="370106" cy="450166"/>
           </a:xfrm>
           <a:prstGeom prst="rect">
@@ -10067,7 +10067,7 @@
         </p:nvSpPr>
         <p:spPr>
           <a:xfrm>
-            <a:off x="4948788" y="3040438"/>
+            <a:off x="4631574" y="3092781"/>
             <a:ext cx="536499" cy="470435"/>
           </a:xfrm>
           <a:prstGeom prst="ellipse">
@@ -10122,7 +10122,7 @@
         </p:nvCxnSpPr>
         <p:spPr>
           <a:xfrm flipH="1">
-            <a:off x="5187115" y="3529032"/>
+            <a:off x="4860202" y="3546172"/>
             <a:ext cx="17460" cy="293679"/>
           </a:xfrm>
           <a:prstGeom prst="line">
@@ -10147,13 +10147,15 @@
       <p:cxnSp>
         <p:nvCxnSpPr>
           <p:cNvPr id="53" name="直接连接符 52"/>
-          <p:cNvCxnSpPr/>
+          <p:cNvCxnSpPr>
+            <a:stCxn id="44" idx="4"/>
+          </p:cNvCxnSpPr>
           <p:nvPr/>
         </p:nvCxnSpPr>
         <p:spPr>
-          <a:xfrm flipH="1">
-            <a:off x="5187114" y="4330610"/>
-            <a:ext cx="17460" cy="293679"/>
+          <a:xfrm>
+            <a:off x="4825354" y="4228905"/>
+            <a:ext cx="361760" cy="395384"/>
           </a:xfrm>
           <a:prstGeom prst="line">
             <a:avLst/>
@@ -10727,6 +10729,93 @@
           <a:xfrm flipH="1">
             <a:off x="6693528" y="4348060"/>
             <a:ext cx="21501" cy="297573"/>
+          </a:xfrm>
+          <a:prstGeom prst="line">
+            <a:avLst/>
+          </a:prstGeom>
+        </p:spPr>
+        <p:style>
+          <a:lnRef idx="3">
+            <a:schemeClr val="dk1"/>
+          </a:lnRef>
+          <a:fillRef idx="0">
+            <a:schemeClr val="dk1"/>
+          </a:fillRef>
+          <a:effectRef idx="2">
+            <a:schemeClr val="dk1"/>
+          </a:effectRef>
+          <a:fontRef idx="minor">
+            <a:schemeClr val="tx1"/>
+          </a:fontRef>
+        </p:style>
+      </p:cxnSp>
+      <p:sp>
+        <p:nvSpPr>
+          <p:cNvPr id="44" name="椭圆 43"/>
+          <p:cNvSpPr/>
+          <p:nvPr/>
+        </p:nvSpPr>
+        <p:spPr>
+          <a:xfrm>
+            <a:off x="4557104" y="3758470"/>
+            <a:ext cx="536499" cy="470435"/>
+          </a:xfrm>
+          <a:prstGeom prst="ellipse">
+            <a:avLst/>
+          </a:prstGeom>
+          <a:solidFill>
+            <a:schemeClr val="bg1"/>
+          </a:solidFill>
+        </p:spPr>
+        <p:style>
+          <a:lnRef idx="2">
+            <a:schemeClr val="accent1">
+              <a:shade val="50000"/>
+            </a:schemeClr>
+          </a:lnRef>
+          <a:fillRef idx="1">
+            <a:schemeClr val="accent1"/>
+          </a:fillRef>
+          <a:effectRef idx="0">
+            <a:schemeClr val="accent1"/>
+          </a:effectRef>
+          <a:fontRef idx="minor">
+            <a:schemeClr val="lt1"/>
+          </a:fontRef>
+        </p:style>
+        <p:txBody>
+          <a:bodyPr rtlCol="0" anchor="ctr"/>
+          <a:lstStyle/>
+          <a:p>
+            <a:pPr algn="ctr"/>
+            <a:r>
+              <a:rPr lang="en-US" altLang="zh-CN" dirty="0" smtClean="0">
+                <a:solidFill>
+                  <a:schemeClr val="tx1"/>
+                </a:solidFill>
+              </a:rPr>
+              <a:t>1</a:t>
+            </a:r>
+            <a:endParaRPr lang="zh-CN" altLang="en-US" dirty="0">
+              <a:solidFill>
+                <a:schemeClr val="tx1"/>
+              </a:solidFill>
+            </a:endParaRPr>
+          </a:p>
+        </p:txBody>
+      </p:sp>
+      <p:cxnSp>
+        <p:nvCxnSpPr>
+          <p:cNvPr id="45" name="直接连接符 44"/>
+          <p:cNvCxnSpPr>
+            <a:endCxn id="49" idx="0"/>
+          </p:cNvCxnSpPr>
+          <p:nvPr/>
+        </p:nvCxnSpPr>
+        <p:spPr>
+          <a:xfrm flipH="1">
+            <a:off x="4557104" y="4228905"/>
+            <a:ext cx="255938" cy="424042"/>
           </a:xfrm>
           <a:prstGeom prst="line">
             <a:avLst/>

--- a/figures/taxonomy.pptx
+++ b/figures/taxonomy.pptx
@@ -5,7 +5,7 @@
     <p:sldMasterId id="2147483648" r:id="rId1"/>
   </p:sldMasterIdLst>
   <p:notesMasterIdLst>
-    <p:notesMasterId r:id="rId10"/>
+    <p:notesMasterId r:id="rId11"/>
   </p:notesMasterIdLst>
   <p:sldIdLst>
     <p:sldId id="257" r:id="rId2"/>
@@ -16,6 +16,7 @@
     <p:sldId id="261" r:id="rId7"/>
     <p:sldId id="263" r:id="rId8"/>
     <p:sldId id="264" r:id="rId9"/>
+    <p:sldId id="265" r:id="rId10"/>
   </p:sldIdLst>
   <p:sldSz cx="12192000" cy="6858000"/>
   <p:notesSz cx="6858000" cy="9144000"/>
@@ -204,7 +205,7 @@
           <a:p>
             <a:fld id="{0D55BE89-D7D9-46DA-844D-6941724E15AE}" type="datetimeFigureOut">
               <a:rPr lang="zh-CN" altLang="en-US" smtClean="0"/>
-              <a:t>2015/10/10</a:t>
+              <a:t>2015/10/12</a:t>
             </a:fld>
             <a:endParaRPr lang="zh-CN" altLang="en-US"/>
           </a:p>
@@ -603,7 +604,7 @@
           <a:p>
             <a:fld id="{E874AFEE-2C2F-4B0D-A59D-72CFE7C0C765}" type="datetimeFigureOut">
               <a:rPr lang="zh-CN" altLang="en-US" smtClean="0"/>
-              <a:t>2015/10/10</a:t>
+              <a:t>2015/10/12</a:t>
             </a:fld>
             <a:endParaRPr lang="zh-CN" altLang="en-US"/>
           </a:p>
@@ -773,7 +774,7 @@
           <a:p>
             <a:fld id="{E874AFEE-2C2F-4B0D-A59D-72CFE7C0C765}" type="datetimeFigureOut">
               <a:rPr lang="zh-CN" altLang="en-US" smtClean="0"/>
-              <a:t>2015/10/10</a:t>
+              <a:t>2015/10/12</a:t>
             </a:fld>
             <a:endParaRPr lang="zh-CN" altLang="en-US"/>
           </a:p>
@@ -953,7 +954,7 @@
           <a:p>
             <a:fld id="{E874AFEE-2C2F-4B0D-A59D-72CFE7C0C765}" type="datetimeFigureOut">
               <a:rPr lang="zh-CN" altLang="en-US" smtClean="0"/>
-              <a:t>2015/10/10</a:t>
+              <a:t>2015/10/12</a:t>
             </a:fld>
             <a:endParaRPr lang="zh-CN" altLang="en-US"/>
           </a:p>
@@ -1123,7 +1124,7 @@
           <a:p>
             <a:fld id="{E874AFEE-2C2F-4B0D-A59D-72CFE7C0C765}" type="datetimeFigureOut">
               <a:rPr lang="zh-CN" altLang="en-US" smtClean="0"/>
-              <a:t>2015/10/10</a:t>
+              <a:t>2015/10/12</a:t>
             </a:fld>
             <a:endParaRPr lang="zh-CN" altLang="en-US"/>
           </a:p>
@@ -1369,7 +1370,7 @@
           <a:p>
             <a:fld id="{E874AFEE-2C2F-4B0D-A59D-72CFE7C0C765}" type="datetimeFigureOut">
               <a:rPr lang="zh-CN" altLang="en-US" smtClean="0"/>
-              <a:t>2015/10/10</a:t>
+              <a:t>2015/10/12</a:t>
             </a:fld>
             <a:endParaRPr lang="zh-CN" altLang="en-US"/>
           </a:p>
@@ -1601,7 +1602,7 @@
           <a:p>
             <a:fld id="{E874AFEE-2C2F-4B0D-A59D-72CFE7C0C765}" type="datetimeFigureOut">
               <a:rPr lang="zh-CN" altLang="en-US" smtClean="0"/>
-              <a:t>2015/10/10</a:t>
+              <a:t>2015/10/12</a:t>
             </a:fld>
             <a:endParaRPr lang="zh-CN" altLang="en-US"/>
           </a:p>
@@ -1968,7 +1969,7 @@
           <a:p>
             <a:fld id="{E874AFEE-2C2F-4B0D-A59D-72CFE7C0C765}" type="datetimeFigureOut">
               <a:rPr lang="zh-CN" altLang="en-US" smtClean="0"/>
-              <a:t>2015/10/10</a:t>
+              <a:t>2015/10/12</a:t>
             </a:fld>
             <a:endParaRPr lang="zh-CN" altLang="en-US"/>
           </a:p>
@@ -2086,7 +2087,7 @@
           <a:p>
             <a:fld id="{E874AFEE-2C2F-4B0D-A59D-72CFE7C0C765}" type="datetimeFigureOut">
               <a:rPr lang="zh-CN" altLang="en-US" smtClean="0"/>
-              <a:t>2015/10/10</a:t>
+              <a:t>2015/10/12</a:t>
             </a:fld>
             <a:endParaRPr lang="zh-CN" altLang="en-US"/>
           </a:p>
@@ -2181,7 +2182,7 @@
           <a:p>
             <a:fld id="{E874AFEE-2C2F-4B0D-A59D-72CFE7C0C765}" type="datetimeFigureOut">
               <a:rPr lang="zh-CN" altLang="en-US" smtClean="0"/>
-              <a:t>2015/10/10</a:t>
+              <a:t>2015/10/12</a:t>
             </a:fld>
             <a:endParaRPr lang="zh-CN" altLang="en-US"/>
           </a:p>
@@ -2458,7 +2459,7 @@
           <a:p>
             <a:fld id="{E874AFEE-2C2F-4B0D-A59D-72CFE7C0C765}" type="datetimeFigureOut">
               <a:rPr lang="zh-CN" altLang="en-US" smtClean="0"/>
-              <a:t>2015/10/10</a:t>
+              <a:t>2015/10/12</a:t>
             </a:fld>
             <a:endParaRPr lang="zh-CN" altLang="en-US"/>
           </a:p>
@@ -2711,7 +2712,7 @@
           <a:p>
             <a:fld id="{E874AFEE-2C2F-4B0D-A59D-72CFE7C0C765}" type="datetimeFigureOut">
               <a:rPr lang="zh-CN" altLang="en-US" smtClean="0"/>
-              <a:t>2015/10/10</a:t>
+              <a:t>2015/10/12</a:t>
             </a:fld>
             <a:endParaRPr lang="zh-CN" altLang="en-US"/>
           </a:p>
@@ -2924,7 +2925,7 @@
           <a:p>
             <a:fld id="{E874AFEE-2C2F-4B0D-A59D-72CFE7C0C765}" type="datetimeFigureOut">
               <a:rPr lang="zh-CN" altLang="en-US" smtClean="0"/>
-              <a:t>2015/10/10</a:t>
+              <a:t>2015/10/12</a:t>
             </a:fld>
             <a:endParaRPr lang="zh-CN" altLang="en-US"/>
           </a:p>
@@ -9153,7 +9154,7 @@
         <p:spPr>
           <a:xfrm flipH="1">
             <a:off x="2285709" y="1855777"/>
-            <a:ext cx="587144" cy="409332"/>
+            <a:ext cx="665001" cy="409332"/>
           </a:xfrm>
           <a:prstGeom prst="line">
             <a:avLst/>
@@ -9504,7 +9505,7 @@
                   <a:schemeClr val="tx1"/>
                 </a:solidFill>
               </a:rPr>
-              <a:t>2</a:t>
+              <a:t>1</a:t>
             </a:r>
             <a:endParaRPr lang="zh-CN" altLang="en-US" dirty="0">
               <a:solidFill>
@@ -9812,8 +9813,8 @@
         </p:nvCxnSpPr>
         <p:spPr>
           <a:xfrm flipH="1">
-            <a:off x="4967729" y="1855777"/>
-            <a:ext cx="692496" cy="409332"/>
+            <a:off x="4967729" y="1918788"/>
+            <a:ext cx="573176" cy="346321"/>
           </a:xfrm>
           <a:prstGeom prst="line">
             <a:avLst/>
@@ -9842,8 +9843,8 @@
         </p:nvCxnSpPr>
         <p:spPr>
           <a:xfrm>
-            <a:off x="5743421" y="1855777"/>
-            <a:ext cx="700059" cy="398228"/>
+            <a:off x="5540905" y="1918788"/>
+            <a:ext cx="700059" cy="362703"/>
           </a:xfrm>
           <a:prstGeom prst="line">
             <a:avLst/>
@@ -9951,13 +9952,13 @@
       </p:sp>
       <p:sp>
         <p:nvSpPr>
-          <p:cNvPr id="49" name="矩形 48"/>
+          <p:cNvPr id="50" name="矩形 49"/>
           <p:cNvSpPr/>
           <p:nvPr/>
         </p:nvSpPr>
         <p:spPr>
           <a:xfrm>
-            <a:off x="4372051" y="4652947"/>
+            <a:off x="4597623" y="4652947"/>
             <a:ext cx="370106" cy="450166"/>
           </a:xfrm>
           <a:prstGeom prst="rect">
@@ -9994,7 +9995,7 @@
                   <a:schemeClr val="tx1"/>
                 </a:solidFill>
               </a:rPr>
-              <a:t>1</a:t>
+              <a:t>2</a:t>
             </a:r>
             <a:endParaRPr lang="zh-CN" altLang="en-US" dirty="0">
               <a:solidFill>
@@ -10006,16 +10007,16 @@
       </p:sp>
       <p:sp>
         <p:nvSpPr>
-          <p:cNvPr id="50" name="矩形 49"/>
+          <p:cNvPr id="51" name="椭圆 50"/>
           <p:cNvSpPr/>
           <p:nvPr/>
         </p:nvSpPr>
         <p:spPr>
           <a:xfrm>
-            <a:off x="5019521" y="4652947"/>
-            <a:ext cx="370106" cy="450166"/>
-          </a:xfrm>
-          <a:prstGeom prst="rect">
+            <a:off x="4631574" y="3092781"/>
+            <a:ext cx="536499" cy="470435"/>
+          </a:xfrm>
+          <a:prstGeom prst="ellipse">
             <a:avLst/>
           </a:prstGeom>
           <a:solidFill>
@@ -10049,7 +10050,7 @@
                   <a:schemeClr val="tx1"/>
                 </a:solidFill>
               </a:rPr>
-              <a:t>2</a:t>
+              <a:t>1</a:t>
             </a:r>
             <a:endParaRPr lang="zh-CN" altLang="en-US" dirty="0">
               <a:solidFill>
@@ -10059,15 +10060,75 @@
           </a:p>
         </p:txBody>
       </p:sp>
-      <p:sp>
-        <p:nvSpPr>
-          <p:cNvPr id="51" name="椭圆 50"/>
+      <p:cxnSp>
+        <p:nvCxnSpPr>
+          <p:cNvPr id="52" name="直接连接符 51"/>
+          <p:cNvCxnSpPr/>
+          <p:nvPr/>
+        </p:nvCxnSpPr>
+        <p:spPr>
+          <a:xfrm flipH="1">
+            <a:off x="4860202" y="3546172"/>
+            <a:ext cx="17460" cy="293679"/>
+          </a:xfrm>
+          <a:prstGeom prst="line">
+            <a:avLst/>
+          </a:prstGeom>
+        </p:spPr>
+        <p:style>
+          <a:lnRef idx="3">
+            <a:schemeClr val="dk1"/>
+          </a:lnRef>
+          <a:fillRef idx="0">
+            <a:schemeClr val="dk1"/>
+          </a:fillRef>
+          <a:effectRef idx="2">
+            <a:schemeClr val="dk1"/>
+          </a:effectRef>
+          <a:fontRef idx="minor">
+            <a:schemeClr val="tx1"/>
+          </a:fontRef>
+        </p:style>
+      </p:cxnSp>
+      <p:cxnSp>
+        <p:nvCxnSpPr>
+          <p:cNvPr id="53" name="直接连接符 52"/>
+          <p:cNvCxnSpPr/>
+          <p:nvPr/>
+        </p:nvCxnSpPr>
+        <p:spPr>
+          <a:xfrm flipH="1">
+            <a:off x="4828758" y="4281712"/>
+            <a:ext cx="1" cy="371235"/>
+          </a:xfrm>
+          <a:prstGeom prst="line">
+            <a:avLst/>
+          </a:prstGeom>
+        </p:spPr>
+        <p:style>
+          <a:lnRef idx="3">
+            <a:schemeClr val="dk1"/>
+          </a:lnRef>
+          <a:fillRef idx="0">
+            <a:schemeClr val="dk1"/>
+          </a:fillRef>
+          <a:effectRef idx="2">
+            <a:schemeClr val="dk1"/>
+          </a:effectRef>
+          <a:fontRef idx="minor">
+            <a:schemeClr val="tx1"/>
+          </a:fontRef>
+        </p:style>
+      </p:cxnSp>
+      <p:sp>
+        <p:nvSpPr>
+          <p:cNvPr id="54" name="椭圆 53"/>
           <p:cNvSpPr/>
           <p:nvPr/>
         </p:nvSpPr>
         <p:spPr>
           <a:xfrm>
-            <a:off x="4631574" y="3092781"/>
+            <a:off x="5924388" y="2281491"/>
             <a:ext cx="536499" cy="470435"/>
           </a:xfrm>
           <a:prstGeom prst="ellipse">
@@ -10104,7 +10165,7 @@
                   <a:schemeClr val="tx1"/>
                 </a:solidFill>
               </a:rPr>
-              <a:t>1</a:t>
+              <a:t>3</a:t>
             </a:r>
             <a:endParaRPr lang="zh-CN" altLang="en-US" dirty="0">
               <a:solidFill>
@@ -10114,80 +10175,18 @@
           </a:p>
         </p:txBody>
       </p:sp>
-      <p:cxnSp>
-        <p:nvCxnSpPr>
-          <p:cNvPr id="52" name="直接连接符 51"/>
-          <p:cNvCxnSpPr/>
-          <p:nvPr/>
-        </p:nvCxnSpPr>
-        <p:spPr>
-          <a:xfrm flipH="1">
-            <a:off x="4860202" y="3546172"/>
-            <a:ext cx="17460" cy="293679"/>
-          </a:xfrm>
-          <a:prstGeom prst="line">
-            <a:avLst/>
-          </a:prstGeom>
-        </p:spPr>
-        <p:style>
-          <a:lnRef idx="3">
-            <a:schemeClr val="dk1"/>
-          </a:lnRef>
-          <a:fillRef idx="0">
-            <a:schemeClr val="dk1"/>
-          </a:fillRef>
-          <a:effectRef idx="2">
-            <a:schemeClr val="dk1"/>
-          </a:effectRef>
-          <a:fontRef idx="minor">
-            <a:schemeClr val="tx1"/>
-          </a:fontRef>
-        </p:style>
-      </p:cxnSp>
-      <p:cxnSp>
-        <p:nvCxnSpPr>
-          <p:cNvPr id="53" name="直接连接符 52"/>
-          <p:cNvCxnSpPr>
-            <a:stCxn id="44" idx="4"/>
-          </p:cNvCxnSpPr>
-          <p:nvPr/>
-        </p:nvCxnSpPr>
-        <p:spPr>
-          <a:xfrm>
-            <a:off x="4825354" y="4228905"/>
-            <a:ext cx="361760" cy="395384"/>
-          </a:xfrm>
-          <a:prstGeom prst="line">
-            <a:avLst/>
-          </a:prstGeom>
-        </p:spPr>
-        <p:style>
-          <a:lnRef idx="3">
-            <a:schemeClr val="dk1"/>
-          </a:lnRef>
-          <a:fillRef idx="0">
-            <a:schemeClr val="dk1"/>
-          </a:fillRef>
-          <a:effectRef idx="2">
-            <a:schemeClr val="dk1"/>
-          </a:effectRef>
-          <a:fontRef idx="minor">
-            <a:schemeClr val="tx1"/>
-          </a:fontRef>
-        </p:style>
-      </p:cxnSp>
-      <p:sp>
-        <p:nvSpPr>
-          <p:cNvPr id="54" name="椭圆 53"/>
+      <p:sp>
+        <p:nvSpPr>
+          <p:cNvPr id="55" name="矩形 54"/>
           <p:cNvSpPr/>
           <p:nvPr/>
         </p:nvSpPr>
         <p:spPr>
           <a:xfrm>
-            <a:off x="6126904" y="2254005"/>
-            <a:ext cx="536499" cy="470435"/>
-          </a:xfrm>
-          <a:prstGeom prst="ellipse">
+            <a:off x="5540905" y="4668719"/>
+            <a:ext cx="370106" cy="450166"/>
+          </a:xfrm>
+          <a:prstGeom prst="rect">
             <a:avLst/>
           </a:prstGeom>
           <a:solidFill>
@@ -10221,7 +10220,7 @@
                   <a:schemeClr val="tx1"/>
                 </a:solidFill>
               </a:rPr>
-              <a:t>3</a:t>
+              <a:t>1</a:t>
             </a:r>
             <a:endParaRPr lang="zh-CN" altLang="en-US" dirty="0">
               <a:solidFill>
@@ -10231,18 +10230,82 @@
           </a:p>
         </p:txBody>
       </p:sp>
-      <p:sp>
-        <p:nvSpPr>
-          <p:cNvPr id="55" name="矩形 54"/>
+      <p:cxnSp>
+        <p:nvCxnSpPr>
+          <p:cNvPr id="56" name="直接连接符 55"/>
+          <p:cNvCxnSpPr>
+            <a:stCxn id="54" idx="4"/>
+          </p:cNvCxnSpPr>
+          <p:nvPr/>
+        </p:nvCxnSpPr>
+        <p:spPr>
+          <a:xfrm flipH="1">
+            <a:off x="5698464" y="2751926"/>
+            <a:ext cx="494174" cy="368341"/>
+          </a:xfrm>
+          <a:prstGeom prst="line">
+            <a:avLst/>
+          </a:prstGeom>
+        </p:spPr>
+        <p:style>
+          <a:lnRef idx="3">
+            <a:schemeClr val="dk1"/>
+          </a:lnRef>
+          <a:fillRef idx="0">
+            <a:schemeClr val="dk1"/>
+          </a:fillRef>
+          <a:effectRef idx="2">
+            <a:schemeClr val="dk1"/>
+          </a:effectRef>
+          <a:fontRef idx="minor">
+            <a:schemeClr val="tx1"/>
+          </a:fontRef>
+        </p:style>
+      </p:cxnSp>
+      <p:cxnSp>
+        <p:nvCxnSpPr>
+          <p:cNvPr id="58" name="直接连接符 57"/>
+          <p:cNvCxnSpPr>
+            <a:stCxn id="54" idx="4"/>
+          </p:cNvCxnSpPr>
+          <p:nvPr/>
+        </p:nvCxnSpPr>
+        <p:spPr>
+          <a:xfrm>
+            <a:off x="6192638" y="2751926"/>
+            <a:ext cx="284171" cy="354426"/>
+          </a:xfrm>
+          <a:prstGeom prst="line">
+            <a:avLst/>
+          </a:prstGeom>
+        </p:spPr>
+        <p:style>
+          <a:lnRef idx="3">
+            <a:schemeClr val="dk1"/>
+          </a:lnRef>
+          <a:fillRef idx="0">
+            <a:schemeClr val="dk1"/>
+          </a:fillRef>
+          <a:effectRef idx="2">
+            <a:schemeClr val="dk1"/>
+          </a:effectRef>
+          <a:fontRef idx="minor">
+            <a:schemeClr val="tx1"/>
+          </a:fontRef>
+        </p:style>
+      </p:cxnSp>
+      <p:sp>
+        <p:nvSpPr>
+          <p:cNvPr id="59" name="椭圆 58"/>
           <p:cNvSpPr/>
           <p:nvPr/>
         </p:nvSpPr>
         <p:spPr>
           <a:xfrm>
-            <a:off x="5743421" y="4641233"/>
-            <a:ext cx="370106" cy="450166"/>
-          </a:xfrm>
-          <a:prstGeom prst="rect">
+            <a:off x="5457709" y="3093579"/>
+            <a:ext cx="536499" cy="470435"/>
+          </a:xfrm>
+          <a:prstGeom prst="ellipse">
             <a:avLst/>
           </a:prstGeom>
           <a:solidFill>
@@ -10286,79 +10349,15 @@
           </a:p>
         </p:txBody>
       </p:sp>
-      <p:cxnSp>
-        <p:nvCxnSpPr>
-          <p:cNvPr id="56" name="直接连接符 55"/>
-          <p:cNvCxnSpPr>
-            <a:stCxn id="54" idx="4"/>
-          </p:cNvCxnSpPr>
-          <p:nvPr/>
-        </p:nvCxnSpPr>
-        <p:spPr>
-          <a:xfrm flipH="1">
-            <a:off x="5900980" y="2724440"/>
-            <a:ext cx="494174" cy="368341"/>
-          </a:xfrm>
-          <a:prstGeom prst="line">
-            <a:avLst/>
-          </a:prstGeom>
-        </p:spPr>
-        <p:style>
-          <a:lnRef idx="3">
-            <a:schemeClr val="dk1"/>
-          </a:lnRef>
-          <a:fillRef idx="0">
-            <a:schemeClr val="dk1"/>
-          </a:fillRef>
-          <a:effectRef idx="2">
-            <a:schemeClr val="dk1"/>
-          </a:effectRef>
-          <a:fontRef idx="minor">
-            <a:schemeClr val="tx1"/>
-          </a:fontRef>
-        </p:style>
-      </p:cxnSp>
-      <p:cxnSp>
-        <p:nvCxnSpPr>
-          <p:cNvPr id="58" name="直接连接符 57"/>
-          <p:cNvCxnSpPr>
-            <a:stCxn id="54" idx="4"/>
-          </p:cNvCxnSpPr>
-          <p:nvPr/>
-        </p:nvCxnSpPr>
-        <p:spPr>
-          <a:xfrm>
-            <a:off x="6395154" y="2724440"/>
-            <a:ext cx="284171" cy="354426"/>
-          </a:xfrm>
-          <a:prstGeom prst="line">
-            <a:avLst/>
-          </a:prstGeom>
-        </p:spPr>
-        <p:style>
-          <a:lnRef idx="3">
-            <a:schemeClr val="dk1"/>
-          </a:lnRef>
-          <a:fillRef idx="0">
-            <a:schemeClr val="dk1"/>
-          </a:fillRef>
-          <a:effectRef idx="2">
-            <a:schemeClr val="dk1"/>
-          </a:effectRef>
-          <a:fontRef idx="minor">
-            <a:schemeClr val="tx1"/>
-          </a:fontRef>
-        </p:style>
-      </p:cxnSp>
-      <p:sp>
-        <p:nvSpPr>
-          <p:cNvPr id="59" name="椭圆 58"/>
+      <p:sp>
+        <p:nvSpPr>
+          <p:cNvPr id="60" name="椭圆 59"/>
           <p:cNvSpPr/>
           <p:nvPr/>
         </p:nvSpPr>
         <p:spPr>
           <a:xfrm>
-            <a:off x="5660225" y="3066093"/>
+            <a:off x="5431562" y="3905667"/>
             <a:ext cx="536499" cy="470435"/>
           </a:xfrm>
           <a:prstGeom prst="ellipse">
@@ -10405,15 +10404,75 @@
           </a:p>
         </p:txBody>
       </p:sp>
-      <p:sp>
-        <p:nvSpPr>
-          <p:cNvPr id="60" name="椭圆 59"/>
+      <p:cxnSp>
+        <p:nvCxnSpPr>
+          <p:cNvPr id="61" name="直接连接符 60"/>
+          <p:cNvCxnSpPr/>
+          <p:nvPr/>
+        </p:nvCxnSpPr>
+        <p:spPr>
+          <a:xfrm flipH="1">
+            <a:off x="5689734" y="3584330"/>
+            <a:ext cx="17460" cy="293679"/>
+          </a:xfrm>
+          <a:prstGeom prst="line">
+            <a:avLst/>
+          </a:prstGeom>
+        </p:spPr>
+        <p:style>
+          <a:lnRef idx="3">
+            <a:schemeClr val="dk1"/>
+          </a:lnRef>
+          <a:fillRef idx="0">
+            <a:schemeClr val="dk1"/>
+          </a:fillRef>
+          <a:effectRef idx="2">
+            <a:schemeClr val="dk1"/>
+          </a:effectRef>
+          <a:fontRef idx="minor">
+            <a:schemeClr val="tx1"/>
+          </a:fontRef>
+        </p:style>
+      </p:cxnSp>
+      <p:cxnSp>
+        <p:nvCxnSpPr>
+          <p:cNvPr id="62" name="直接连接符 61"/>
+          <p:cNvCxnSpPr/>
+          <p:nvPr/>
+        </p:nvCxnSpPr>
+        <p:spPr>
+          <a:xfrm flipH="1">
+            <a:off x="5658184" y="4367769"/>
+            <a:ext cx="17460" cy="293679"/>
+          </a:xfrm>
+          <a:prstGeom prst="line">
+            <a:avLst/>
+          </a:prstGeom>
+        </p:spPr>
+        <p:style>
+          <a:lnRef idx="3">
+            <a:schemeClr val="dk1"/>
+          </a:lnRef>
+          <a:fillRef idx="0">
+            <a:schemeClr val="dk1"/>
+          </a:fillRef>
+          <a:effectRef idx="2">
+            <a:schemeClr val="dk1"/>
+          </a:effectRef>
+          <a:fontRef idx="minor">
+            <a:schemeClr val="tx1"/>
+          </a:fontRef>
+        </p:style>
+      </p:cxnSp>
+      <p:sp>
+        <p:nvSpPr>
+          <p:cNvPr id="63" name="椭圆 62"/>
           <p:cNvSpPr/>
           <p:nvPr/>
         </p:nvSpPr>
         <p:spPr>
           <a:xfrm>
-            <a:off x="5634078" y="3878181"/>
+            <a:off x="6277896" y="3106352"/>
             <a:ext cx="536499" cy="470435"/>
           </a:xfrm>
           <a:prstGeom prst="ellipse">
@@ -10450,7 +10509,7 @@
                   <a:schemeClr val="tx1"/>
                 </a:solidFill>
               </a:rPr>
-              <a:t>1</a:t>
+              <a:t>2</a:t>
             </a:r>
             <a:endParaRPr lang="zh-CN" altLang="en-US" dirty="0">
               <a:solidFill>
@@ -10460,75 +10519,15 @@
           </a:p>
         </p:txBody>
       </p:sp>
-      <p:cxnSp>
-        <p:nvCxnSpPr>
-          <p:cNvPr id="61" name="直接连接符 60"/>
-          <p:cNvCxnSpPr/>
-          <p:nvPr/>
-        </p:nvCxnSpPr>
-        <p:spPr>
-          <a:xfrm flipH="1">
-            <a:off x="5892250" y="3556844"/>
-            <a:ext cx="17460" cy="293679"/>
-          </a:xfrm>
-          <a:prstGeom prst="line">
-            <a:avLst/>
-          </a:prstGeom>
-        </p:spPr>
-        <p:style>
-          <a:lnRef idx="3">
-            <a:schemeClr val="dk1"/>
-          </a:lnRef>
-          <a:fillRef idx="0">
-            <a:schemeClr val="dk1"/>
-          </a:fillRef>
-          <a:effectRef idx="2">
-            <a:schemeClr val="dk1"/>
-          </a:effectRef>
-          <a:fontRef idx="minor">
-            <a:schemeClr val="tx1"/>
-          </a:fontRef>
-        </p:style>
-      </p:cxnSp>
-      <p:cxnSp>
-        <p:nvCxnSpPr>
-          <p:cNvPr id="62" name="直接连接符 61"/>
-          <p:cNvCxnSpPr/>
-          <p:nvPr/>
-        </p:nvCxnSpPr>
-        <p:spPr>
-          <a:xfrm flipH="1">
-            <a:off x="5860700" y="4340283"/>
-            <a:ext cx="17460" cy="293679"/>
-          </a:xfrm>
-          <a:prstGeom prst="line">
-            <a:avLst/>
-          </a:prstGeom>
-        </p:spPr>
-        <p:style>
-          <a:lnRef idx="3">
-            <a:schemeClr val="dk1"/>
-          </a:lnRef>
-          <a:fillRef idx="0">
-            <a:schemeClr val="dk1"/>
-          </a:fillRef>
-          <a:effectRef idx="2">
-            <a:schemeClr val="dk1"/>
-          </a:effectRef>
-          <a:fontRef idx="minor">
-            <a:schemeClr val="tx1"/>
-          </a:fontRef>
-        </p:style>
-      </p:cxnSp>
-      <p:sp>
-        <p:nvSpPr>
-          <p:cNvPr id="63" name="椭圆 62"/>
+      <p:sp>
+        <p:nvSpPr>
+          <p:cNvPr id="64" name="椭圆 63"/>
           <p:cNvSpPr/>
           <p:nvPr/>
         </p:nvSpPr>
         <p:spPr>
           <a:xfrm>
-            <a:off x="6480412" y="3078866"/>
+            <a:off x="6244263" y="3905111"/>
             <a:ext cx="536499" cy="470435"/>
           </a:xfrm>
           <a:prstGeom prst="ellipse">
@@ -10565,7 +10564,7 @@
                   <a:schemeClr val="tx1"/>
                 </a:solidFill>
               </a:rPr>
-              <a:t>2</a:t>
+              <a:t>1</a:t>
             </a:r>
             <a:endParaRPr lang="zh-CN" altLang="en-US" dirty="0">
               <a:solidFill>
@@ -10577,16 +10576,16 @@
       </p:sp>
       <p:sp>
         <p:nvSpPr>
-          <p:cNvPr id="64" name="椭圆 63"/>
+          <p:cNvPr id="65" name="矩形 64"/>
           <p:cNvSpPr/>
           <p:nvPr/>
         </p:nvSpPr>
         <p:spPr>
           <a:xfrm>
-            <a:off x="6446779" y="3877625"/>
-            <a:ext cx="536499" cy="470435"/>
-          </a:xfrm>
-          <a:prstGeom prst="ellipse">
+            <a:off x="6337914" y="4666490"/>
+            <a:ext cx="370106" cy="450166"/>
+          </a:xfrm>
+          <a:prstGeom prst="rect">
             <a:avLst/>
           </a:prstGeom>
           <a:solidFill>
@@ -10630,15 +10629,79 @@
           </a:p>
         </p:txBody>
       </p:sp>
-      <p:sp>
-        <p:nvSpPr>
-          <p:cNvPr id="65" name="矩形 64"/>
+      <p:cxnSp>
+        <p:nvCxnSpPr>
+          <p:cNvPr id="66" name="直接连接符 65"/>
+          <p:cNvCxnSpPr>
+            <a:endCxn id="64" idx="0"/>
+          </p:cNvCxnSpPr>
+          <p:nvPr/>
+        </p:nvCxnSpPr>
+        <p:spPr>
+          <a:xfrm flipH="1">
+            <a:off x="6512513" y="3553788"/>
+            <a:ext cx="21500" cy="351323"/>
+          </a:xfrm>
+          <a:prstGeom prst="line">
+            <a:avLst/>
+          </a:prstGeom>
+        </p:spPr>
+        <p:style>
+          <a:lnRef idx="3">
+            <a:schemeClr val="dk1"/>
+          </a:lnRef>
+          <a:fillRef idx="0">
+            <a:schemeClr val="dk1"/>
+          </a:fillRef>
+          <a:effectRef idx="2">
+            <a:schemeClr val="dk1"/>
+          </a:effectRef>
+          <a:fontRef idx="minor">
+            <a:schemeClr val="tx1"/>
+          </a:fontRef>
+        </p:style>
+      </p:cxnSp>
+      <p:cxnSp>
+        <p:nvCxnSpPr>
+          <p:cNvPr id="67" name="直接连接符 66"/>
+          <p:cNvCxnSpPr>
+            <a:stCxn id="64" idx="4"/>
+          </p:cNvCxnSpPr>
+          <p:nvPr/>
+        </p:nvCxnSpPr>
+        <p:spPr>
+          <a:xfrm flipH="1">
+            <a:off x="6491012" y="4375546"/>
+            <a:ext cx="21501" cy="297573"/>
+          </a:xfrm>
+          <a:prstGeom prst="line">
+            <a:avLst/>
+          </a:prstGeom>
+        </p:spPr>
+        <p:style>
+          <a:lnRef idx="3">
+            <a:schemeClr val="dk1"/>
+          </a:lnRef>
+          <a:fillRef idx="0">
+            <a:schemeClr val="dk1"/>
+          </a:fillRef>
+          <a:effectRef idx="2">
+            <a:schemeClr val="dk1"/>
+          </a:effectRef>
+          <a:fontRef idx="minor">
+            <a:schemeClr val="tx1"/>
+          </a:fontRef>
+        </p:style>
+      </p:cxnSp>
+      <p:sp>
+        <p:nvSpPr>
+          <p:cNvPr id="57" name="矩形 56"/>
           <p:cNvSpPr/>
           <p:nvPr/>
         </p:nvSpPr>
         <p:spPr>
           <a:xfrm>
-            <a:off x="6540430" y="4639004"/>
+            <a:off x="4655420" y="3796849"/>
             <a:ext cx="370106" cy="450166"/>
           </a:xfrm>
           <a:prstGeom prst="rect">
@@ -10685,87 +10748,302 @@
           </a:p>
         </p:txBody>
       </p:sp>
+    </p:spTree>
+    <p:extLst>
+      <p:ext uri="{BB962C8B-B14F-4D97-AF65-F5344CB8AC3E}">
+        <p14:creationId xmlns:p14="http://schemas.microsoft.com/office/powerpoint/2010/main" val="2142516578"/>
+      </p:ext>
+    </p:extLst>
+  </p:cSld>
+  <p:clrMapOvr>
+    <a:masterClrMapping/>
+  </p:clrMapOvr>
+  <p:timing>
+    <p:tnLst>
+      <p:par>
+        <p:cTn id="1" dur="indefinite" restart="never" nodeType="tmRoot"/>
+      </p:par>
+    </p:tnLst>
+  </p:timing>
+</p:sld>
+</file>
+
+<file path=ppt/slides/slide9.xml><?xml version="1.0" encoding="utf-8"?>
+<p:sld xmlns:a="http://schemas.openxmlformats.org/drawingml/2006/main" xmlns:r="http://schemas.openxmlformats.org/officeDocument/2006/relationships" xmlns:p="http://schemas.openxmlformats.org/presentationml/2006/main">
+  <p:cSld>
+    <p:spTree>
+      <p:nvGrpSpPr>
+        <p:cNvPr id="1" name=""/>
+        <p:cNvGrpSpPr/>
+        <p:nvPr/>
+      </p:nvGrpSpPr>
+      <p:grpSpPr>
+        <a:xfrm>
+          <a:off x="0" y="0"/>
+          <a:ext cx="0" cy="0"/>
+          <a:chOff x="0" y="0"/>
+          <a:chExt cx="0" cy="0"/>
+        </a:xfrm>
+      </p:grpSpPr>
+      <p:sp>
+        <p:nvSpPr>
+          <p:cNvPr id="5" name="文本框 4"/>
+          <p:cNvSpPr txBox="1"/>
+          <p:nvPr/>
+        </p:nvSpPr>
+        <p:spPr>
+          <a:xfrm>
+            <a:off x="3084394" y="313898"/>
+            <a:ext cx="3821374" cy="461665"/>
+          </a:xfrm>
+          <a:prstGeom prst="rect">
+            <a:avLst/>
+          </a:prstGeom>
+          <a:noFill/>
+        </p:spPr>
+        <p:txBody>
+          <a:bodyPr wrap="square" rtlCol="0">
+            <a:spAutoFit/>
+          </a:bodyPr>
+          <a:lstStyle/>
+          <a:p>
+            <a:r>
+              <a:rPr lang="en-US" altLang="zh-CN" sz="2400" dirty="0" smtClean="0"/>
+              <a:t>Class summary for taxonomy </a:t>
+            </a:r>
+            <a:endParaRPr lang="zh-CN" altLang="en-US" sz="2400" dirty="0"/>
+          </a:p>
+        </p:txBody>
+      </p:sp>
+      <p:sp>
+        <p:nvSpPr>
+          <p:cNvPr id="6" name="文本框 5"/>
+          <p:cNvSpPr txBox="1"/>
+          <p:nvPr/>
+        </p:nvSpPr>
+        <p:spPr>
+          <a:xfrm>
+            <a:off x="111457" y="1640005"/>
+            <a:ext cx="2713630" cy="461665"/>
+          </a:xfrm>
+          <a:prstGeom prst="rect">
+            <a:avLst/>
+          </a:prstGeom>
+          <a:noFill/>
+        </p:spPr>
+        <p:txBody>
+          <a:bodyPr wrap="square" rtlCol="0">
+            <a:spAutoFit/>
+          </a:bodyPr>
+          <a:lstStyle/>
+          <a:p>
+            <a:r>
+              <a:rPr lang="en-US" altLang="zh-CN" sz="2400" dirty="0" smtClean="0"/>
+              <a:t>Similarity functions:</a:t>
+            </a:r>
+            <a:endParaRPr lang="zh-CN" altLang="en-US" sz="2400" dirty="0"/>
+          </a:p>
+        </p:txBody>
+      </p:sp>
+      <p:sp>
+        <p:nvSpPr>
+          <p:cNvPr id="7" name="文本框 6"/>
+          <p:cNvSpPr txBox="1"/>
+          <p:nvPr/>
+        </p:nvSpPr>
+        <p:spPr>
+          <a:xfrm>
+            <a:off x="3525670" y="1870837"/>
+            <a:ext cx="3557517" cy="461665"/>
+          </a:xfrm>
+          <a:prstGeom prst="rect">
+            <a:avLst/>
+          </a:prstGeom>
+          <a:noFill/>
+        </p:spPr>
+        <p:txBody>
+          <a:bodyPr wrap="square" rtlCol="0">
+            <a:spAutoFit/>
+          </a:bodyPr>
+          <a:lstStyle/>
+          <a:p>
+            <a:r>
+              <a:rPr lang="en-US" altLang="zh-CN" sz="2400" dirty="0" err="1" smtClean="0"/>
+              <a:t>Jaccard_similarityFunction</a:t>
+            </a:r>
+            <a:endParaRPr lang="zh-CN" altLang="en-US" sz="2400" dirty="0"/>
+          </a:p>
+        </p:txBody>
+      </p:sp>
+      <p:sp>
+        <p:nvSpPr>
+          <p:cNvPr id="8" name="文本框 7"/>
+          <p:cNvSpPr txBox="1"/>
+          <p:nvPr/>
+        </p:nvSpPr>
+        <p:spPr>
+          <a:xfrm>
+            <a:off x="4995081" y="1178340"/>
+            <a:ext cx="4339988" cy="461665"/>
+          </a:xfrm>
+          <a:prstGeom prst="rect">
+            <a:avLst/>
+          </a:prstGeom>
+          <a:noFill/>
+        </p:spPr>
+        <p:txBody>
+          <a:bodyPr wrap="square" rtlCol="0">
+            <a:spAutoFit/>
+          </a:bodyPr>
+          <a:lstStyle/>
+          <a:p>
+            <a:r>
+              <a:rPr lang="en-US" altLang="zh-CN" sz="2400" dirty="0" smtClean="0"/>
+              <a:t>Abstract class: </a:t>
+            </a:r>
+            <a:r>
+              <a:rPr lang="en-US" altLang="zh-CN" sz="2400" dirty="0" err="1" smtClean="0"/>
+              <a:t>similarityFunction</a:t>
+            </a:r>
+            <a:endParaRPr lang="zh-CN" altLang="en-US" sz="2400" dirty="0"/>
+          </a:p>
+        </p:txBody>
+      </p:sp>
+      <p:sp>
+        <p:nvSpPr>
+          <p:cNvPr id="9" name="文本框 8"/>
+          <p:cNvSpPr txBox="1"/>
+          <p:nvPr/>
+        </p:nvSpPr>
+        <p:spPr>
+          <a:xfrm>
+            <a:off x="3498373" y="2504446"/>
+            <a:ext cx="4007896" cy="461665"/>
+          </a:xfrm>
+          <a:prstGeom prst="rect">
+            <a:avLst/>
+          </a:prstGeom>
+          <a:noFill/>
+        </p:spPr>
+        <p:txBody>
+          <a:bodyPr wrap="square" rtlCol="0">
+            <a:spAutoFit/>
+          </a:bodyPr>
+          <a:lstStyle/>
+          <a:p>
+            <a:r>
+              <a:rPr lang="en-US" altLang="zh-CN" sz="2400" dirty="0" err="1" smtClean="0"/>
+              <a:t>Taxonomy_similarityFunction</a:t>
+            </a:r>
+            <a:endParaRPr lang="zh-CN" altLang="en-US" sz="2400" dirty="0"/>
+          </a:p>
+        </p:txBody>
+      </p:sp>
+      <p:sp>
+        <p:nvSpPr>
+          <p:cNvPr id="10" name="文本框 9"/>
+          <p:cNvSpPr txBox="1"/>
+          <p:nvPr/>
+        </p:nvSpPr>
+        <p:spPr>
+          <a:xfrm>
+            <a:off x="7165075" y="2101669"/>
+            <a:ext cx="5049671" cy="461665"/>
+          </a:xfrm>
+          <a:prstGeom prst="rect">
+            <a:avLst/>
+          </a:prstGeom>
+          <a:noFill/>
+        </p:spPr>
+        <p:txBody>
+          <a:bodyPr wrap="square" rtlCol="0">
+            <a:spAutoFit/>
+          </a:bodyPr>
+          <a:lstStyle/>
+          <a:p>
+            <a:r>
+              <a:rPr lang="en-US" altLang="zh-CN" sz="2400" dirty="0" err="1" smtClean="0"/>
+              <a:t>ExtendedTaxonomy_similarityFunction</a:t>
+            </a:r>
+            <a:endParaRPr lang="zh-CN" altLang="en-US" sz="2400" dirty="0"/>
+          </a:p>
+        </p:txBody>
+      </p:sp>
       <p:cxnSp>
         <p:nvCxnSpPr>
-          <p:cNvPr id="66" name="直接连接符 65"/>
-          <p:cNvCxnSpPr>
-            <a:endCxn id="64" idx="0"/>
-          </p:cNvCxnSpPr>
+          <p:cNvPr id="12" name="直接连接符 11"/>
+          <p:cNvCxnSpPr/>
           <p:nvPr/>
         </p:nvCxnSpPr>
         <p:spPr>
-          <a:xfrm flipH="1">
-            <a:off x="6715029" y="3526302"/>
-            <a:ext cx="21500" cy="351323"/>
+          <a:xfrm flipV="1">
+            <a:off x="0" y="3220872"/>
+            <a:ext cx="12192000" cy="40943"/>
           </a:xfrm>
           <a:prstGeom prst="line">
             <a:avLst/>
           </a:prstGeom>
         </p:spPr>
         <p:style>
-          <a:lnRef idx="3">
-            <a:schemeClr val="dk1"/>
+          <a:lnRef idx="1">
+            <a:schemeClr val="accent1"/>
           </a:lnRef>
           <a:fillRef idx="0">
-            <a:schemeClr val="dk1"/>
+            <a:schemeClr val="accent1"/>
           </a:fillRef>
-          <a:effectRef idx="2">
-            <a:schemeClr val="dk1"/>
+          <a:effectRef idx="0">
+            <a:schemeClr val="accent1"/>
           </a:effectRef>
           <a:fontRef idx="minor">
             <a:schemeClr val="tx1"/>
           </a:fontRef>
         </p:style>
       </p:cxnSp>
-      <p:cxnSp>
-        <p:nvCxnSpPr>
-          <p:cNvPr id="67" name="直接连接符 66"/>
-          <p:cNvCxnSpPr>
-            <a:stCxn id="64" idx="4"/>
-          </p:cNvCxnSpPr>
-          <p:nvPr/>
-        </p:nvCxnSpPr>
-        <p:spPr>
-          <a:xfrm flipH="1">
-            <a:off x="6693528" y="4348060"/>
-            <a:ext cx="21501" cy="297573"/>
-          </a:xfrm>
-          <a:prstGeom prst="line">
-            <a:avLst/>
-          </a:prstGeom>
-        </p:spPr>
-        <p:style>
-          <a:lnRef idx="3">
-            <a:schemeClr val="dk1"/>
-          </a:lnRef>
-          <a:fillRef idx="0">
-            <a:schemeClr val="dk1"/>
-          </a:fillRef>
-          <a:effectRef idx="2">
-            <a:schemeClr val="dk1"/>
-          </a:effectRef>
-          <a:fontRef idx="minor">
-            <a:schemeClr val="tx1"/>
-          </a:fontRef>
-        </p:style>
-      </p:cxnSp>
-      <p:sp>
-        <p:nvSpPr>
-          <p:cNvPr id="44" name="椭圆 43"/>
+      <p:sp>
+        <p:nvSpPr>
+          <p:cNvPr id="13" name="文本框 12"/>
+          <p:cNvSpPr txBox="1"/>
+          <p:nvPr/>
+        </p:nvSpPr>
+        <p:spPr>
+          <a:xfrm>
+            <a:off x="27297" y="3947742"/>
+            <a:ext cx="2713630" cy="461665"/>
+          </a:xfrm>
+          <a:prstGeom prst="rect">
+            <a:avLst/>
+          </a:prstGeom>
+          <a:noFill/>
+        </p:spPr>
+        <p:txBody>
+          <a:bodyPr wrap="square" rtlCol="0">
+            <a:spAutoFit/>
+          </a:bodyPr>
+          <a:lstStyle/>
+          <a:p>
+            <a:r>
+              <a:rPr lang="en-US" altLang="zh-CN" sz="2400" dirty="0" smtClean="0"/>
+              <a:t>Join algorithms:</a:t>
+            </a:r>
+            <a:endParaRPr lang="zh-CN" altLang="en-US" sz="2400" dirty="0"/>
+          </a:p>
+        </p:txBody>
+      </p:sp>
+      <p:sp>
+        <p:nvSpPr>
+          <p:cNvPr id="14" name="矩形 13"/>
           <p:cNvSpPr/>
           <p:nvPr/>
         </p:nvSpPr>
         <p:spPr>
           <a:xfrm>
-            <a:off x="4557104" y="3758470"/>
-            <a:ext cx="536499" cy="470435"/>
-          </a:xfrm>
-          <a:prstGeom prst="ellipse">
-            <a:avLst/>
-          </a:prstGeom>
-          <a:solidFill>
-            <a:schemeClr val="bg1"/>
-          </a:solidFill>
+            <a:off x="3275462" y="3643952"/>
+            <a:ext cx="3125337" cy="441361"/>
+          </a:xfrm>
+          <a:prstGeom prst="rect">
+            <a:avLst/>
+          </a:prstGeom>
+          <a:noFill/>
         </p:spPr>
         <p:style>
           <a:lnRef idx="2">
@@ -10794,7 +11072,7 @@
                   <a:schemeClr val="tx1"/>
                 </a:solidFill>
               </a:rPr>
-              <a:t>1</a:t>
+              <a:t>Nested loop join algorithms</a:t>
             </a:r>
             <a:endParaRPr lang="zh-CN" altLang="en-US" dirty="0">
               <a:solidFill>
@@ -10804,42 +11082,185 @@
           </a:p>
         </p:txBody>
       </p:sp>
-      <p:cxnSp>
-        <p:nvCxnSpPr>
-          <p:cNvPr id="45" name="直接连接符 44"/>
-          <p:cNvCxnSpPr>
-            <a:endCxn id="49" idx="0"/>
-          </p:cNvCxnSpPr>
-          <p:nvPr/>
-        </p:nvCxnSpPr>
-        <p:spPr>
-          <a:xfrm flipH="1">
-            <a:off x="4557104" y="4228905"/>
-            <a:ext cx="255938" cy="424042"/>
-          </a:xfrm>
-          <a:prstGeom prst="line">
-            <a:avLst/>
-          </a:prstGeom>
+      <p:sp>
+        <p:nvSpPr>
+          <p:cNvPr id="15" name="矩形 14"/>
+          <p:cNvSpPr/>
+          <p:nvPr/>
+        </p:nvSpPr>
+        <p:spPr>
+          <a:xfrm>
+            <a:off x="3275462" y="4777811"/>
+            <a:ext cx="3125337" cy="441361"/>
+          </a:xfrm>
+          <a:prstGeom prst="rect">
+            <a:avLst/>
+          </a:prstGeom>
+          <a:noFill/>
         </p:spPr>
         <p:style>
-          <a:lnRef idx="3">
-            <a:schemeClr val="dk1"/>
+          <a:lnRef idx="2">
+            <a:schemeClr val="accent1">
+              <a:shade val="50000"/>
+            </a:schemeClr>
           </a:lnRef>
-          <a:fillRef idx="0">
-            <a:schemeClr val="dk1"/>
+          <a:fillRef idx="1">
+            <a:schemeClr val="accent1"/>
           </a:fillRef>
-          <a:effectRef idx="2">
-            <a:schemeClr val="dk1"/>
+          <a:effectRef idx="0">
+            <a:schemeClr val="accent1"/>
           </a:effectRef>
           <a:fontRef idx="minor">
-            <a:schemeClr val="tx1"/>
+            <a:schemeClr val="lt1"/>
           </a:fontRef>
         </p:style>
-      </p:cxnSp>
+        <p:txBody>
+          <a:bodyPr rtlCol="0" anchor="ctr"/>
+          <a:lstStyle/>
+          <a:p>
+            <a:pPr algn="ctr"/>
+            <a:r>
+              <a:rPr lang="en-US" altLang="zh-CN" dirty="0" smtClean="0">
+                <a:solidFill>
+                  <a:schemeClr val="tx1"/>
+                </a:solidFill>
+              </a:rPr>
+              <a:t>Sorted join algorithms</a:t>
+            </a:r>
+            <a:endParaRPr lang="zh-CN" altLang="en-US" dirty="0">
+              <a:solidFill>
+                <a:schemeClr val="tx1"/>
+              </a:solidFill>
+            </a:endParaRPr>
+          </a:p>
+        </p:txBody>
+      </p:sp>
+      <p:sp>
+        <p:nvSpPr>
+          <p:cNvPr id="16" name="矩形 15"/>
+          <p:cNvSpPr/>
+          <p:nvPr/>
+        </p:nvSpPr>
+        <p:spPr>
+          <a:xfrm>
+            <a:off x="3275461" y="5911670"/>
+            <a:ext cx="3125337" cy="441361"/>
+          </a:xfrm>
+          <a:prstGeom prst="rect">
+            <a:avLst/>
+          </a:prstGeom>
+          <a:noFill/>
+        </p:spPr>
+        <p:style>
+          <a:lnRef idx="2">
+            <a:schemeClr val="accent1">
+              <a:shade val="50000"/>
+            </a:schemeClr>
+          </a:lnRef>
+          <a:fillRef idx="1">
+            <a:schemeClr val="accent1"/>
+          </a:fillRef>
+          <a:effectRef idx="0">
+            <a:schemeClr val="accent1"/>
+          </a:effectRef>
+          <a:fontRef idx="minor">
+            <a:schemeClr val="lt1"/>
+          </a:fontRef>
+        </p:style>
+        <p:txBody>
+          <a:bodyPr rtlCol="0" anchor="ctr"/>
+          <a:lstStyle/>
+          <a:p>
+            <a:pPr algn="ctr"/>
+            <a:r>
+              <a:rPr lang="en-US" altLang="zh-CN" dirty="0" err="1" smtClean="0">
+                <a:solidFill>
+                  <a:schemeClr val="tx1"/>
+                </a:solidFill>
+              </a:rPr>
+              <a:t>Prefix_tree</a:t>
+            </a:r>
+            <a:r>
+              <a:rPr lang="en-US" altLang="zh-CN" dirty="0" smtClean="0">
+                <a:solidFill>
+                  <a:schemeClr val="tx1"/>
+                </a:solidFill>
+              </a:rPr>
+              <a:t> join algorithms</a:t>
+            </a:r>
+            <a:endParaRPr lang="zh-CN" altLang="en-US" dirty="0">
+              <a:solidFill>
+                <a:schemeClr val="tx1"/>
+              </a:solidFill>
+            </a:endParaRPr>
+          </a:p>
+        </p:txBody>
+      </p:sp>
+      <p:sp>
+        <p:nvSpPr>
+          <p:cNvPr id="17" name="矩形 16"/>
+          <p:cNvSpPr/>
+          <p:nvPr/>
+        </p:nvSpPr>
+        <p:spPr>
+          <a:xfrm>
+            <a:off x="7303826" y="3698672"/>
+            <a:ext cx="3125337" cy="441361"/>
+          </a:xfrm>
+          <a:prstGeom prst="rect">
+            <a:avLst/>
+          </a:prstGeom>
+          <a:noFill/>
+        </p:spPr>
+        <p:style>
+          <a:lnRef idx="2">
+            <a:schemeClr val="accent1">
+              <a:shade val="50000"/>
+            </a:schemeClr>
+          </a:lnRef>
+          <a:fillRef idx="1">
+            <a:schemeClr val="accent1"/>
+          </a:fillRef>
+          <a:effectRef idx="0">
+            <a:schemeClr val="accent1"/>
+          </a:effectRef>
+          <a:fontRef idx="minor">
+            <a:schemeClr val="lt1"/>
+          </a:fontRef>
+        </p:style>
+        <p:txBody>
+          <a:bodyPr rtlCol="0" anchor="ctr"/>
+          <a:lstStyle/>
+          <a:p>
+            <a:pPr algn="ctr"/>
+            <a:r>
+              <a:rPr lang="en-US" altLang="zh-CN" dirty="0" err="1" smtClean="0">
+                <a:solidFill>
+                  <a:schemeClr val="tx1"/>
+                </a:solidFill>
+              </a:rPr>
+              <a:t>Prefix_filter</a:t>
+            </a:r>
+            <a:r>
+              <a:rPr lang="en-US" altLang="zh-CN" dirty="0" smtClean="0">
+                <a:solidFill>
+                  <a:schemeClr val="tx1"/>
+                </a:solidFill>
+              </a:rPr>
+              <a:t> join algorithms</a:t>
+            </a:r>
+            <a:endParaRPr lang="zh-CN" altLang="en-US" dirty="0">
+              <a:solidFill>
+                <a:schemeClr val="tx1"/>
+              </a:solidFill>
+            </a:endParaRPr>
+          </a:p>
+        </p:txBody>
+      </p:sp>
     </p:spTree>
     <p:extLst>
       <p:ext uri="{BB962C8B-B14F-4D97-AF65-F5344CB8AC3E}">
-        <p14:creationId xmlns:p14="http://schemas.microsoft.com/office/powerpoint/2010/main" val="2142516578"/>
+        <p14:creationId xmlns:p14="http://schemas.microsoft.com/office/powerpoint/2010/main" val="3751238358"/>
       </p:ext>
     </p:extLst>
   </p:cSld>
